--- a/slides/Atividade_02_problema_real_sem_ML.pptx
+++ b/slides/Atividade_02_problema_real_sem_ML.pptx
@@ -541,7 +541,7 @@
               <a:pPr>
                 <a:defRPr/>
               </a:pPr>
-              <a:t>‹#›</a:t>
+              <a:t>‹nº›</a:t>
             </a:fld>
             <a:r>
               <a:rPr lang="pt-BR"/>
@@ -717,7 +717,7 @@
                 </a:lnSpc>
                 <a:defRPr/>
               </a:pPr>
-              <a:t>‹#›</a:t>
+              <a:t>‹nº›</a:t>
             </a:fld>
             <a:endParaRPr lang="en-US" sz="1300" b="0" i="0">
               <a:solidFill>
@@ -4433,7 +4433,7 @@
             <a:fld id="{D6D9AC3C-198E-45D3-AE37-6F309C142D7D}" type="slidenum">
               <a:rPr lang="pt-BR" smtClean="0"/>
               <a:pPr/>
-              <a:t>‹#›</a:t>
+              <a:t>‹nº›</a:t>
             </a:fld>
             <a:endParaRPr lang="pt-BR"/>
           </a:p>
@@ -4862,12 +4862,10 @@
               </a:rPr>
               <a:t>Um problema presente em diversos segmentos da economia é a fraude, tanto para empresas (desvio de dinheiro, manipulações financeiras) como para governos (evasão de tributos/impostos). Quando uma fraude acontece, ela pode levar uma empresa ou governo à perda de credibilidade, valor de mercado e até à falência. </a:t>
             </a:r>
-            <a:br>
-              <a:rPr lang="pt-BR" sz="1600" b="0" i="0" dirty="0">
-                <a:latin typeface="+mj-lt"/>
-              </a:rPr>
-            </a:br>
-            <a:endParaRPr lang="en-US"/>
+          </a:p>
+          <a:p>
+            <a:pPr algn="just"/>
+            <a:endParaRPr lang="en-US" dirty="0"/>
           </a:p>
           <a:p>
             <a:pPr algn="just"/>
@@ -4925,12 +4923,13 @@
               </a:rPr>
               <a:t>. </a:t>
             </a:r>
-            <a:br>
-              <a:rPr lang="pt-BR" sz="1600" b="0" i="0" dirty="0">
-                <a:latin typeface="+mj-lt"/>
-                <a:cs typeface="Arial"/>
-              </a:rPr>
-            </a:br>
+            <a:endParaRPr lang="pt-BR" sz="1600" b="0" i="0" dirty="0">
+              <a:latin typeface="+mj-lt"/>
+              <a:cs typeface="Arial"/>
+            </a:endParaRPr>
+          </a:p>
+          <a:p>
+            <a:pPr algn="just"/>
             <a:endParaRPr lang="pt-BR" dirty="0">
               <a:cs typeface="Arial"/>
             </a:endParaRPr>
@@ -5087,7 +5086,7 @@
         <p:spPr>
           <a:xfrm>
             <a:off x="434012" y="1597173"/>
-            <a:ext cx="8353160" cy="4278094"/>
+            <a:ext cx="8353160" cy="4524315"/>
           </a:xfrm>
           <a:prstGeom prst="rect">
             <a:avLst/>
@@ -5119,11 +5118,9 @@
               </a:rPr>
               <a:t>, também é conhecida como a lei do primeiro digito. Ela se baseia em uma observação sobre a distribuição dos dígitos que podem aparecer, por exemplo, em patrimônios ou movimentações de contas. </a:t>
             </a:r>
-            <a:br>
-              <a:rPr lang="pt-BR" sz="1600" b="0" i="0" dirty="0">
-                <a:latin typeface="+mj-lt"/>
-              </a:rPr>
-            </a:br>
+          </a:p>
+          <a:p>
+            <a:pPr algn="just"/>
             <a:endParaRPr lang="pt-BR" sz="1600" b="0" i="0" dirty="0">
               <a:latin typeface="Square721 BT"/>
             </a:endParaRPr>
@@ -5148,6 +5145,9 @@
               </a:rPr>
               <a:t>. Ao fazer isso, já aparecem os resultados de frequência anômalos que precisam ser investigados.</a:t>
             </a:r>
+          </a:p>
+          <a:p>
+            <a:pPr algn="just"/>
             <a:endParaRPr lang="pt-BR" sz="1600" b="0" i="0" dirty="0">
               <a:latin typeface="Square721 BT"/>
             </a:endParaRPr>
@@ -5256,7 +5256,7 @@
         </p:blipFill>
         <p:spPr>
           <a:xfrm>
-            <a:off x="1614129" y="3656089"/>
+            <a:off x="1548374" y="3892485"/>
             <a:ext cx="5721110" cy="646173"/>
           </a:xfrm>
           <a:prstGeom prst="rect">
@@ -5389,7 +5389,7 @@
         <p:spPr>
           <a:xfrm>
             <a:off x="434012" y="1597173"/>
-            <a:ext cx="8353160" cy="4278094"/>
+            <a:ext cx="8353160" cy="4524315"/>
           </a:xfrm>
           <a:prstGeom prst="rect">
             <a:avLst/>
@@ -5405,31 +5405,31 @@
             <a:pPr algn="just"/>
             <a:r>
               <a:rPr lang="pt-BR" sz="1600" b="0" i="0" dirty="0">
-                <a:latin typeface="Square721 BT"/>
+                <a:latin typeface="+mj-lt"/>
               </a:rPr>
               <a:t>Assim como todo o método, a lei de </a:t>
             </a:r>
             <a:r>
               <a:rPr lang="pt-BR" sz="1600" b="0" i="0" dirty="0" err="1">
-                <a:latin typeface="Square721 BT"/>
+                <a:latin typeface="+mj-lt"/>
               </a:rPr>
               <a:t>Benford</a:t>
             </a:r>
             <a:r>
               <a:rPr lang="pt-BR" sz="1600" b="0" i="0" dirty="0">
-                <a:latin typeface="Square721 BT"/>
+                <a:latin typeface="+mj-lt"/>
               </a:rPr>
               <a:t> possui suas limitações. O seu bom uso é dependente de certas propriedades que as distribuições dos dados e os números analisados precisam ter. Listamos abaixo tipos de distribuições que já se sabe que obedecem ou não à lei de </a:t>
             </a:r>
             <a:r>
               <a:rPr lang="pt-BR" sz="1600" b="0" i="0" dirty="0" err="1">
-                <a:latin typeface="Square721 BT"/>
+                <a:latin typeface="+mj-lt"/>
               </a:rPr>
               <a:t>Benford</a:t>
             </a:r>
             <a:r>
               <a:rPr lang="pt-BR" sz="1600" b="0" i="0" dirty="0">
-                <a:latin typeface="Square721 BT"/>
+                <a:latin typeface="+mj-lt"/>
               </a:rPr>
               <a:t>.</a:t>
             </a:r>
@@ -5437,30 +5437,32 @@
           <a:p>
             <a:pPr algn="just"/>
             <a:endParaRPr lang="pt-BR" sz="1600" b="0" i="0" dirty="0">
-              <a:latin typeface="Square721 BT"/>
+              <a:latin typeface="+mj-lt"/>
             </a:endParaRPr>
           </a:p>
           <a:p>
             <a:pPr algn="just"/>
             <a:r>
               <a:rPr lang="pt-BR" sz="1600" i="0" dirty="0">
-                <a:latin typeface="Square721 BT"/>
+                <a:latin typeface="+mj-lt"/>
               </a:rPr>
               <a:t>Distribuições que obedecem à lei de </a:t>
             </a:r>
             <a:r>
               <a:rPr lang="pt-BR" sz="1600" i="0" dirty="0" err="1">
-                <a:latin typeface="Square721 BT"/>
+                <a:latin typeface="+mj-lt"/>
               </a:rPr>
               <a:t>Benford</a:t>
             </a:r>
             <a:r>
               <a:rPr lang="pt-BR" sz="1600" i="0" dirty="0">
-                <a:latin typeface="Square721 BT"/>
+                <a:latin typeface="+mj-lt"/>
               </a:rPr>
               <a:t>:</a:t>
             </a:r>
-            <a:endParaRPr lang="en-US"/>
+            <a:endParaRPr lang="en-US" dirty="0">
+              <a:latin typeface="+mj-lt"/>
+            </a:endParaRPr>
           </a:p>
           <a:p>
             <a:pPr marL="285750" indent="-285750" algn="just">
@@ -5469,11 +5471,10 @@
             </a:pPr>
             <a:r>
               <a:rPr lang="pt-BR" sz="1600" b="0" i="0" dirty="0">
-                <a:latin typeface="Square721 BT"/>
+                <a:latin typeface="+mj-lt"/>
               </a:rPr>
               <a:t>possuem média &gt; mediana e enviesamento positivo;</a:t>
             </a:r>
-            <a:endParaRPr lang="pt-BR" sz="1600" b="0" i="0" dirty="0"/>
           </a:p>
           <a:p>
             <a:pPr marL="285750" indent="-285750" algn="just">
@@ -5482,11 +5483,10 @@
             </a:pPr>
             <a:r>
               <a:rPr lang="pt-BR" sz="1600" b="0" i="0" dirty="0">
-                <a:latin typeface="Square721 BT"/>
+                <a:latin typeface="+mj-lt"/>
               </a:rPr>
               <a:t>são compostas de números que resultam da combinação de outros números, como quantidade * preço;</a:t>
             </a:r>
-            <a:endParaRPr lang="pt-BR" sz="1600" b="0" i="0" dirty="0"/>
           </a:p>
           <a:p>
             <a:pPr marL="285750" indent="-285750" algn="just">
@@ -5495,51 +5495,43 @@
             </a:pPr>
             <a:r>
               <a:rPr lang="pt-BR" sz="1600" b="0" i="0" dirty="0">
-                <a:latin typeface="Square721 BT"/>
+                <a:latin typeface="+mj-lt"/>
               </a:rPr>
               <a:t>são dados variados de transações, vendas, reembolsos, montantes.</a:t>
             </a:r>
-            <a:br>
-              <a:rPr lang="pt-BR" sz="1600" b="0" i="0" dirty="0">
-                <a:latin typeface="Square721 BT"/>
-              </a:rPr>
-            </a:br>
-            <a:endParaRPr lang="pt-BR" sz="1600" b="0" i="0" dirty="0"/>
-          </a:p>
-          <a:p>
-            <a:pPr algn="just"/>
-            <a:r>
-              <a:rPr lang="pt-BR" sz="1600" i="0" dirty="0">
-                <a:latin typeface="Square721 BT"/>
-              </a:rPr>
-              <a:t>Distribuições que não obedecem à lei de </a:t>
-            </a:r>
-            <a:r>
-              <a:rPr lang="pt-BR" sz="1600" i="0" dirty="0" err="1">
-                <a:latin typeface="Square721 BT"/>
-              </a:rPr>
-              <a:t>Benford</a:t>
-            </a:r>
-            <a:r>
-              <a:rPr lang="pt-BR" sz="1600" i="0" dirty="0">
-                <a:latin typeface="Square721 BT"/>
-              </a:rPr>
-              <a:t>:</a:t>
-            </a:r>
-            <a:endParaRPr lang="pt-BR" sz="1600" i="0" dirty="0" err="1"/>
           </a:p>
           <a:p>
             <a:pPr marL="285750" indent="-285750" algn="just">
               <a:buFont typeface="Arial"/>
               <a:buChar char="•"/>
             </a:pPr>
-            <a:r>
-              <a:rPr lang="pt-BR" sz="1600" b="0" i="0" dirty="0">
-                <a:latin typeface="Square721 BT"/>
+            <a:endParaRPr lang="pt-BR" sz="1600" b="0" i="0" dirty="0">
+              <a:latin typeface="+mj-lt"/>
+            </a:endParaRPr>
+          </a:p>
+          <a:p>
+            <a:pPr algn="just"/>
+            <a:r>
+              <a:rPr lang="pt-BR" sz="1600" i="0" dirty="0">
+                <a:latin typeface="+mj-lt"/>
               </a:rPr>
-              <a:t>possuem números sequenciais, como identificadores de cheques e notas fiscais;</a:t>
-            </a:r>
-            <a:endParaRPr lang="pt-BR" sz="1600" b="0" i="0" dirty="0"/>
+              <a:t>Distribuições que não obedecem à lei de </a:t>
+            </a:r>
+            <a:r>
+              <a:rPr lang="pt-BR" sz="1600" i="0" dirty="0" err="1">
+                <a:latin typeface="+mj-lt"/>
+              </a:rPr>
+              <a:t>Benford</a:t>
+            </a:r>
+            <a:r>
+              <a:rPr lang="pt-BR" sz="1600" i="0" dirty="0">
+                <a:latin typeface="+mj-lt"/>
+              </a:rPr>
+              <a:t>:</a:t>
+            </a:r>
+            <a:endParaRPr lang="pt-BR" sz="1600" i="0" dirty="0" err="1">
+              <a:latin typeface="+mj-lt"/>
+            </a:endParaRPr>
           </a:p>
           <a:p>
             <a:pPr marL="285750" indent="-285750" algn="just">
@@ -5548,14 +5540,10 @@
             </a:pPr>
             <a:r>
               <a:rPr lang="pt-BR" sz="1600" b="0" i="0" dirty="0">
-                <a:latin typeface="Square721 BT"/>
-                <a:cs typeface="Arial"/>
+                <a:latin typeface="+mj-lt"/>
               </a:rPr>
-              <a:t>tem números que são decididos com base no pensamento humano, como o valor de um preço de 1,99 ou 250,00 reais;</a:t>
-            </a:r>
-            <a:endParaRPr lang="pt-BR" sz="1600" b="0" i="0" dirty="0">
-              <a:cs typeface="Arial"/>
-            </a:endParaRPr>
+              <a:t>possuem números sequenciais, como identificadores de cheques e notas fiscais;</a:t>
+            </a:r>
           </a:p>
           <a:p>
             <a:pPr marL="285750" indent="-285750" algn="just">
@@ -5564,11 +5552,11 @@
             </a:pPr>
             <a:r>
               <a:rPr lang="pt-BR" sz="1600" b="0" i="0" dirty="0">
-                <a:latin typeface="Square721 BT"/>
+                <a:latin typeface="+mj-lt"/>
+                <a:cs typeface="Arial"/>
               </a:rPr>
-              <a:t>são contas que cumprem propósitos específicos de empresas, por exemplo, uma conta que seja específica para reembolsos de 100 reais;</a:t>
-            </a:r>
-            <a:endParaRPr lang="pt-BR" sz="1600" b="0" i="0" dirty="0"/>
+              <a:t>tem números que são decididos com base no pensamento humano, como o valor de um preço de 1,99 ou 250,00 reais;</a:t>
+            </a:r>
           </a:p>
           <a:p>
             <a:pPr marL="285750" indent="-285750" algn="just">
@@ -5577,7 +5565,19 @@
             </a:pPr>
             <a:r>
               <a:rPr lang="pt-BR" sz="1600" b="0" i="0" dirty="0">
-                <a:latin typeface="Square721 BT"/>
+                <a:latin typeface="+mj-lt"/>
+              </a:rPr>
+              <a:t>são contas que cumprem propósitos específicos de empresas, por exemplo, uma conta que seja específica para reembolsos de 100 reais;</a:t>
+            </a:r>
+          </a:p>
+          <a:p>
+            <a:pPr marL="285750" indent="-285750" algn="just">
+              <a:buFont typeface="Arial"/>
+              <a:buChar char="•"/>
+            </a:pPr>
+            <a:r>
+              <a:rPr lang="pt-BR" sz="1600" b="0" i="0" dirty="0">
+                <a:latin typeface="+mj-lt"/>
               </a:rPr>
               <a:t>são compostas por números sem diferentes ordens de magnitude.</a:t>
             </a:r>

--- a/slides/Atividade_02_problema_real_sem_ML.pptx
+++ b/slides/Atividade_02_problema_real_sem_ML.pptx
@@ -8,16 +8,31 @@
     <p:sldMasterId id="2147483674" r:id="rId4"/>
   </p:sldMasterIdLst>
   <p:notesMasterIdLst>
-    <p:notesMasterId r:id="rId9"/>
+    <p:notesMasterId r:id="rId24"/>
   </p:notesMasterIdLst>
   <p:handoutMasterIdLst>
-    <p:handoutMasterId r:id="rId10"/>
+    <p:handoutMasterId r:id="rId25"/>
   </p:handoutMasterIdLst>
   <p:sldIdLst>
-    <p:sldId id="682" r:id="rId5"/>
-    <p:sldId id="684" r:id="rId6"/>
-    <p:sldId id="685" r:id="rId7"/>
-    <p:sldId id="683" r:id="rId8"/>
+    <p:sldId id="686" r:id="rId5"/>
+    <p:sldId id="691" r:id="rId6"/>
+    <p:sldId id="688" r:id="rId7"/>
+    <p:sldId id="693" r:id="rId8"/>
+    <p:sldId id="689" r:id="rId9"/>
+    <p:sldId id="700" r:id="rId10"/>
+    <p:sldId id="694" r:id="rId11"/>
+    <p:sldId id="695" r:id="rId12"/>
+    <p:sldId id="696" r:id="rId13"/>
+    <p:sldId id="697" r:id="rId14"/>
+    <p:sldId id="698" r:id="rId15"/>
+    <p:sldId id="699" r:id="rId16"/>
+    <p:sldId id="701" r:id="rId17"/>
+    <p:sldId id="702" r:id="rId18"/>
+    <p:sldId id="687" r:id="rId19"/>
+    <p:sldId id="682" r:id="rId20"/>
+    <p:sldId id="684" r:id="rId21"/>
+    <p:sldId id="685" r:id="rId22"/>
+    <p:sldId id="683" r:id="rId23"/>
   </p:sldIdLst>
   <p:sldSz cx="9145588" cy="6858000"/>
   <p:notesSz cx="6797675" cy="9874250"/>
@@ -193,6 +208,8 @@
 <file path=ppt/revisionInfo.xml><?xml version="1.0" encoding="utf-8"?>
 <p1510:revInfo xmlns:a="http://schemas.openxmlformats.org/drawingml/2006/main" xmlns:r="http://schemas.openxmlformats.org/officeDocument/2006/relationships" xmlns:p1510="http://schemas.microsoft.com/office/powerpoint/2015/10/main">
   <p1510:revLst>
+    <p1510:client id="{24B70E84-2630-4ED8-9A78-D61F977EBEB5}" v="3" dt="2022-06-30T01:03:21.828"/>
+    <p1510:client id="{4D588EDA-0C38-42FC-9D12-4C0407584697}" v="9537" dt="2022-07-03T04:46:02.453"/>
     <p1510:client id="{595FE559-8412-4080-9F02-DB6CC0436CA3}" v="4914" dt="2022-06-27T22:13:14.981"/>
   </p1510:revLst>
 </p1510:revInfo>
@@ -541,7 +558,7 @@
               <a:pPr>
                 <a:defRPr/>
               </a:pPr>
-              <a:t>‹nº›</a:t>
+              <a:t>‹#›</a:t>
             </a:fld>
             <a:r>
               <a:rPr lang="pt-BR"/>
@@ -717,7 +734,7 @@
                 </a:lnSpc>
                 <a:defRPr/>
               </a:pPr>
-              <a:t>‹nº›</a:t>
+              <a:t>‹#›</a:t>
             </a:fld>
             <a:endParaRPr lang="en-US" sz="1300" b="0" i="0">
               <a:solidFill>
@@ -4433,7 +4450,7 @@
             <a:fld id="{D6D9AC3C-198E-45D3-AE37-6F309C142D7D}" type="slidenum">
               <a:rPr lang="pt-BR" smtClean="0"/>
               <a:pPr/>
-              <a:t>‹nº›</a:t>
+              <a:t>‹#›</a:t>
             </a:fld>
             <a:endParaRPr lang="pt-BR"/>
           </a:p>
@@ -4749,222 +4766,87 @@
       </p:grpSpPr>
       <p:sp>
         <p:nvSpPr>
-          <p:cNvPr id="5122" name="Rectangle 2"/>
+          <p:cNvPr id="2" name="Title 1">
+            <a:extLst>
+              <a:ext uri="{FF2B5EF4-FFF2-40B4-BE49-F238E27FC236}">
+                <a16:creationId xmlns:a16="http://schemas.microsoft.com/office/drawing/2014/main" id="{43E5162E-F033-3D64-7489-816C333C48A4}"/>
+              </a:ext>
+            </a:extLst>
+          </p:cNvPr>
           <p:cNvSpPr>
-            <a:spLocks noGrp="1" noChangeArrowheads="1"/>
+            <a:spLocks noGrp="1"/>
           </p:cNvSpPr>
           <p:nvPr>
             <p:ph type="title"/>
           </p:nvPr>
         </p:nvSpPr>
-        <p:spPr>
-          <a:xfrm>
-            <a:off x="434012" y="260560"/>
-            <a:ext cx="7008813" cy="455612"/>
-          </a:xfrm>
-        </p:spPr>
+        <p:spPr/>
         <p:txBody>
           <a:bodyPr/>
           <a:lstStyle/>
           <a:p>
-            <a:pPr>
-              <a:lnSpc>
-                <a:spcPct val="150000"/>
-              </a:lnSpc>
-            </a:pPr>
-            <a:r>
-              <a:rPr lang="pt-BR" dirty="0" err="1">
-                <a:latin typeface="Gotham HTF Medium"/>
-              </a:rPr>
-              <a:t>Machine</a:t>
-            </a:r>
-            <a:r>
-              <a:rPr lang="pt-BR" dirty="0">
-                <a:latin typeface="Gotham HTF Medium"/>
-              </a:rPr>
-              <a:t> Learning</a:t>
-            </a:r>
-            <a:endParaRPr lang="pt-BR" dirty="0"/>
+            <a:r>
+              <a:rPr lang="en-US" dirty="0">
+                <a:cs typeface="Arial"/>
+              </a:rPr>
+              <a:t>Machine Learning I</a:t>
+            </a:r>
+            <a:endParaRPr lang="en-US" dirty="0"/>
           </a:p>
         </p:txBody>
       </p:sp>
       <p:sp>
         <p:nvSpPr>
-          <p:cNvPr id="3" name="CaixaDeTexto 2"/>
-          <p:cNvSpPr txBox="1"/>
-          <p:nvPr/>
-        </p:nvSpPr>
-        <p:spPr>
-          <a:xfrm>
-            <a:off x="396214" y="1052670"/>
-            <a:ext cx="8353160" cy="416011"/>
-          </a:xfrm>
-          <a:prstGeom prst="rect">
-            <a:avLst/>
-          </a:prstGeom>
-          <a:noFill/>
-        </p:spPr>
-        <p:txBody>
-          <a:bodyPr wrap="square" lIns="91440" tIns="45720" rIns="91440" bIns="45720" rtlCol="0" anchor="t">
-            <a:spAutoFit/>
-          </a:bodyPr>
-          <a:lstStyle/>
-          <a:p>
-            <a:pPr algn="just">
-              <a:lnSpc>
-                <a:spcPct val="150000"/>
-              </a:lnSpc>
-            </a:pPr>
-            <a:r>
-              <a:rPr lang="pt-BR" sz="1600" i="0" dirty="0">
-                <a:latin typeface="+mj-lt"/>
-              </a:rPr>
-              <a:t>DESCRIÇÃO DO PROBLEMA: IDENTIFICAÇÃO DE POSSÍVEIS FRAUDES</a:t>
-            </a:r>
-            <a:endParaRPr lang="pt-BR" sz="1600" b="0" i="0" dirty="0">
-              <a:latin typeface="+mj-lt"/>
-            </a:endParaRPr>
-          </a:p>
-        </p:txBody>
-      </p:sp>
-      <p:sp>
-        <p:nvSpPr>
-          <p:cNvPr id="5" name="CaixaDeTexto 4">
+          <p:cNvPr id="3" name="Content Placeholder 2">
             <a:extLst>
               <a:ext uri="{FF2B5EF4-FFF2-40B4-BE49-F238E27FC236}">
-                <a16:creationId xmlns:a16="http://schemas.microsoft.com/office/drawing/2014/main" id="{2B3EA4CB-F925-4B7E-B100-1333BC66C3B5}"/>
+                <a16:creationId xmlns:a16="http://schemas.microsoft.com/office/drawing/2014/main" id="{C78B5095-9317-6870-6F77-B58F0E37BDA7}"/>
               </a:ext>
             </a:extLst>
           </p:cNvPr>
-          <p:cNvSpPr txBox="1"/>
-          <p:nvPr/>
+          <p:cNvSpPr>
+            <a:spLocks noGrp="1"/>
+          </p:cNvSpPr>
+          <p:nvPr>
+            <p:ph idx="1"/>
+          </p:nvPr>
         </p:nvSpPr>
-        <p:spPr>
-          <a:xfrm>
-            <a:off x="396214" y="1597173"/>
-            <a:ext cx="8353160" cy="3600986"/>
-          </a:xfrm>
-          <a:prstGeom prst="rect">
-            <a:avLst/>
-          </a:prstGeom>
-          <a:noFill/>
-        </p:spPr>
+        <p:spPr/>
         <p:txBody>
-          <a:bodyPr wrap="square" lIns="91440" tIns="45720" rIns="91440" bIns="45720" rtlCol="0" anchor="t">
-            <a:spAutoFit/>
+          <a:bodyPr vert="horz" wrap="square" lIns="90488" tIns="44450" rIns="90488" bIns="44450" numCol="1" anchor="ctr" anchorCtr="0" compatLnSpc="1">
+            <a:prstTxWarp prst="textNoShape">
+              <a:avLst/>
+            </a:prstTxWarp>
           </a:bodyPr>
           <a:lstStyle/>
           <a:p>
-            <a:pPr algn="just"/>
-            <a:r>
-              <a:rPr lang="pt-BR" sz="1600" b="0" i="0" dirty="0">
-                <a:latin typeface="+mj-lt"/>
-              </a:rPr>
-              <a:t>Um problema presente em diversos segmentos da economia é a fraude, tanto para empresas (desvio de dinheiro, manipulações financeiras) como para governos (evasão de tributos/impostos). Quando uma fraude acontece, ela pode levar uma empresa ou governo à perda de credibilidade, valor de mercado e até à falência. </a:t>
-            </a:r>
-          </a:p>
-          <a:p>
-            <a:pPr algn="just"/>
-            <a:endParaRPr lang="en-US" dirty="0"/>
-          </a:p>
-          <a:p>
-            <a:pPr algn="just"/>
-            <a:r>
-              <a:rPr lang="pt-BR" sz="1600" b="0" i="0" dirty="0">
-                <a:latin typeface="+mj-lt"/>
-              </a:rPr>
-              <a:t>Há algumas abordagens que utilizam </a:t>
-            </a:r>
-            <a:r>
-              <a:rPr lang="pt-BR" sz="1600" b="0" i="0" dirty="0" err="1">
-                <a:latin typeface="+mj-lt"/>
-              </a:rPr>
-              <a:t>Machine</a:t>
-            </a:r>
-            <a:r>
-              <a:rPr lang="pt-BR" sz="1600" b="0" i="0" dirty="0">
-                <a:latin typeface="+mj-lt"/>
-              </a:rPr>
-              <a:t> Learning para resolver o problema de identificar fraudes, principalmente com algoritmos de </a:t>
-            </a:r>
-            <a:r>
-              <a:rPr lang="pt-BR" sz="1600" b="0" i="0" dirty="0" err="1">
-                <a:latin typeface="+mj-lt"/>
-              </a:rPr>
-              <a:t>clusterização</a:t>
-            </a:r>
-            <a:r>
-              <a:rPr lang="pt-BR" sz="1600" b="0" i="0" dirty="0">
-                <a:latin typeface="+mj-lt"/>
-              </a:rPr>
-              <a:t>. No entanto, há uma solução que não está relacionada à </a:t>
-            </a:r>
-            <a:r>
-              <a:rPr lang="pt-BR" sz="1600" b="0" i="0" dirty="0" err="1">
-                <a:latin typeface="+mj-lt"/>
-              </a:rPr>
-              <a:t>Machine</a:t>
-            </a:r>
-            <a:r>
-              <a:rPr lang="pt-BR" sz="1600" b="0" i="0" dirty="0">
-                <a:latin typeface="+mj-lt"/>
-              </a:rPr>
-              <a:t> Learning, mas apenas à análise de frequência e ao formato da distribuição dos primeiro números de movimentações financeiras, seu nome é: lei de </a:t>
-            </a:r>
-            <a:r>
-              <a:rPr lang="pt-BR" sz="1600" b="0" i="0" dirty="0" err="1">
-                <a:latin typeface="+mj-lt"/>
-              </a:rPr>
-              <a:t>Newcomb-Benford</a:t>
-            </a:r>
-            <a:r>
-              <a:rPr lang="pt-BR" sz="1600" b="0" i="0" dirty="0">
-                <a:latin typeface="+mj-lt"/>
-              </a:rPr>
-              <a:t>. </a:t>
-            </a:r>
-            <a:endParaRPr lang="pt-BR" sz="1600" b="0" i="0" dirty="0">
-              <a:latin typeface="+mj-lt"/>
-              <a:cs typeface="Arial"/>
-            </a:endParaRPr>
-          </a:p>
-          <a:p>
-            <a:pPr algn="just"/>
-            <a:endParaRPr lang="pt-BR" dirty="0">
-              <a:cs typeface="Arial"/>
-            </a:endParaRPr>
-          </a:p>
-          <a:p>
-            <a:pPr algn="just"/>
-            <a:r>
-              <a:rPr lang="pt-BR" sz="1600" b="0" i="0" dirty="0">
-                <a:latin typeface="+mj-lt"/>
+            <a:pPr marL="0" indent="0" algn="ctr">
+              <a:buNone/>
+            </a:pPr>
+            <a:r>
+              <a:rPr lang="en-US" sz="2800" dirty="0">
                 <a:cs typeface="Arial"/>
               </a:rPr>
-              <a:t>Saber que a lei de </a:t>
-            </a:r>
-            <a:r>
-              <a:rPr lang="pt-BR" sz="1600" b="0" i="0" dirty="0" err="1">
-                <a:latin typeface="+mj-lt"/>
+              <a:t>TRABALHO FINAL</a:t>
+            </a:r>
+          </a:p>
+          <a:p>
+            <a:pPr marL="0" indent="0" algn="ctr">
+              <a:buNone/>
+            </a:pPr>
+            <a:r>
+              <a:rPr lang="en-US" sz="2800" dirty="0">
                 <a:cs typeface="Arial"/>
               </a:rPr>
-              <a:t>Newcomb-Benford</a:t>
-            </a:r>
-            <a:r>
-              <a:rPr lang="pt-BR" sz="1600" b="0" i="0" dirty="0">
-                <a:latin typeface="+mj-lt"/>
-                <a:cs typeface="Arial"/>
-              </a:rPr>
-              <a:t> também pode ser usada para detecção de fraudes é importante, pois é um método baseado em contagem, mais rápido e barato, que não precisa do uso de ML e que já aponta as possíveis fraudes. </a:t>
-            </a:r>
-            <a:endParaRPr lang="pt-BR" dirty="0"/>
+              <a:t>MACHINE LEARNING I</a:t>
+            </a:r>
           </a:p>
         </p:txBody>
       </p:sp>
     </p:spTree>
     <p:extLst>
       <p:ext uri="{BB962C8B-B14F-4D97-AF65-F5344CB8AC3E}">
-        <p14:creationId xmlns:p14="http://schemas.microsoft.com/office/powerpoint/2010/main" val="3099482089"/>
+        <p14:creationId xmlns:p14="http://schemas.microsoft.com/office/powerpoint/2010/main" val="4258802954"/>
       </p:ext>
     </p:extLst>
   </p:cSld>
@@ -4974,7 +4856,2454 @@
 </p:sld>
 </file>
 
-<file path=ppt/slides/slide2.xml><?xml version="1.0" encoding="utf-8"?>
+<file path=ppt/slides/slide10.xml><?xml version="1.0" encoding="utf-8"?>
+<p:sld xmlns:a="http://schemas.openxmlformats.org/drawingml/2006/main" xmlns:r="http://schemas.openxmlformats.org/officeDocument/2006/relationships" xmlns:p="http://schemas.openxmlformats.org/presentationml/2006/main">
+  <p:cSld>
+    <p:spTree>
+      <p:nvGrpSpPr>
+        <p:cNvPr id="1" name=""/>
+        <p:cNvGrpSpPr/>
+        <p:nvPr/>
+      </p:nvGrpSpPr>
+      <p:grpSpPr>
+        <a:xfrm>
+          <a:off x="0" y="0"/>
+          <a:ext cx="0" cy="0"/>
+          <a:chOff x="0" y="0"/>
+          <a:chExt cx="0" cy="0"/>
+        </a:xfrm>
+      </p:grpSpPr>
+      <p:sp>
+        <p:nvSpPr>
+          <p:cNvPr id="2" name="Title 1">
+            <a:extLst>
+              <a:ext uri="{FF2B5EF4-FFF2-40B4-BE49-F238E27FC236}">
+                <a16:creationId xmlns:a16="http://schemas.microsoft.com/office/drawing/2014/main" id="{11D750CD-8399-BDB6-ED40-C111C68B1AF9}"/>
+              </a:ext>
+            </a:extLst>
+          </p:cNvPr>
+          <p:cNvSpPr>
+            <a:spLocks noGrp="1"/>
+          </p:cNvSpPr>
+          <p:nvPr>
+            <p:ph type="title"/>
+          </p:nvPr>
+        </p:nvSpPr>
+        <p:spPr/>
+        <p:txBody>
+          <a:bodyPr/>
+          <a:lstStyle/>
+          <a:p>
+            <a:r>
+              <a:rPr lang="pt-BR" dirty="0" err="1">
+                <a:ea typeface="+mj-lt"/>
+                <a:cs typeface="+mj-lt"/>
+              </a:rPr>
+              <a:t>Machine</a:t>
+            </a:r>
+            <a:r>
+              <a:rPr lang="pt-BR" dirty="0">
+                <a:ea typeface="+mj-lt"/>
+                <a:cs typeface="+mj-lt"/>
+              </a:rPr>
+              <a:t> Learning</a:t>
+            </a:r>
+            <a:r>
+              <a:rPr lang="pt-BR" dirty="0">
+                <a:cs typeface="Arial"/>
+              </a:rPr>
+              <a:t> </a:t>
+            </a:r>
+            <a:r>
+              <a:rPr lang="en-US" dirty="0">
+                <a:cs typeface="Arial"/>
+              </a:rPr>
+              <a:t>I</a:t>
+            </a:r>
+            <a:endParaRPr lang="en-US" b="0" dirty="0">
+              <a:ea typeface="+mj-lt"/>
+              <a:cs typeface="+mj-lt"/>
+            </a:endParaRPr>
+          </a:p>
+        </p:txBody>
+      </p:sp>
+      <p:sp>
+        <p:nvSpPr>
+          <p:cNvPr id="3" name="Content Placeholder 2">
+            <a:extLst>
+              <a:ext uri="{FF2B5EF4-FFF2-40B4-BE49-F238E27FC236}">
+                <a16:creationId xmlns:a16="http://schemas.microsoft.com/office/drawing/2014/main" id="{368080A6-0C22-1B3C-F59C-4256B23D72EF}"/>
+              </a:ext>
+            </a:extLst>
+          </p:cNvPr>
+          <p:cNvSpPr>
+            <a:spLocks noGrp="1"/>
+          </p:cNvSpPr>
+          <p:nvPr>
+            <p:ph idx="1"/>
+          </p:nvPr>
+        </p:nvSpPr>
+        <p:spPr>
+          <a:xfrm>
+            <a:off x="468313" y="1052513"/>
+            <a:ext cx="8353425" cy="5298549"/>
+          </a:xfrm>
+        </p:spPr>
+        <p:txBody>
+          <a:bodyPr/>
+          <a:lstStyle/>
+          <a:p>
+            <a:pPr marL="0" indent="0" algn="just">
+              <a:lnSpc>
+                <a:spcPct val="100000"/>
+              </a:lnSpc>
+              <a:spcBef>
+                <a:spcPct val="0"/>
+              </a:spcBef>
+              <a:buNone/>
+            </a:pPr>
+            <a:r>
+              <a:rPr lang="pt-BR" sz="1600" b="1" dirty="0">
+                <a:ea typeface="+mj-lt"/>
+                <a:cs typeface="+mj-lt"/>
+              </a:rPr>
+              <a:t>RESULTADOS</a:t>
+            </a:r>
+            <a:endParaRPr lang="en-US" sz="1600" b="1" dirty="0">
+              <a:ea typeface="+mj-lt"/>
+              <a:cs typeface="+mj-lt"/>
+            </a:endParaRPr>
+          </a:p>
+          <a:p>
+            <a:pPr marL="0" indent="0" algn="just">
+              <a:lnSpc>
+                <a:spcPct val="100000"/>
+              </a:lnSpc>
+              <a:spcBef>
+                <a:spcPct val="0"/>
+              </a:spcBef>
+              <a:buNone/>
+            </a:pPr>
+            <a:endParaRPr lang="pt-BR" sz="1600" dirty="0">
+              <a:ea typeface="+mj-lt"/>
+              <a:cs typeface="+mj-lt"/>
+            </a:endParaRPr>
+          </a:p>
+          <a:p>
+            <a:pPr marL="0" indent="0" algn="just">
+              <a:lnSpc>
+                <a:spcPct val="100000"/>
+              </a:lnSpc>
+              <a:spcBef>
+                <a:spcPct val="0"/>
+              </a:spcBef>
+              <a:buNone/>
+            </a:pPr>
+            <a:r>
+              <a:rPr lang="pt-BR" sz="1600" dirty="0">
+                <a:ea typeface="+mj-lt"/>
+                <a:cs typeface="+mj-lt"/>
+              </a:rPr>
+              <a:t>Esta foi a matriz de confusão do modelo:</a:t>
+            </a:r>
+          </a:p>
+          <a:p>
+            <a:pPr marL="0" indent="0" algn="just">
+              <a:lnSpc>
+                <a:spcPct val="100000"/>
+              </a:lnSpc>
+              <a:spcBef>
+                <a:spcPct val="0"/>
+              </a:spcBef>
+              <a:buNone/>
+            </a:pPr>
+            <a:endParaRPr lang="pt-BR" sz="1600" dirty="0">
+              <a:cs typeface="Arial"/>
+            </a:endParaRPr>
+          </a:p>
+          <a:p>
+            <a:pPr marL="0" indent="0" algn="just">
+              <a:lnSpc>
+                <a:spcPct val="100000"/>
+              </a:lnSpc>
+              <a:spcBef>
+                <a:spcPct val="0"/>
+              </a:spcBef>
+              <a:buNone/>
+            </a:pPr>
+            <a:endParaRPr lang="pt-BR" sz="1600" dirty="0">
+              <a:ea typeface="+mj-lt"/>
+              <a:cs typeface="+mj-lt"/>
+            </a:endParaRPr>
+          </a:p>
+          <a:p>
+            <a:pPr marL="0" indent="0" algn="just">
+              <a:lnSpc>
+                <a:spcPct val="100000"/>
+              </a:lnSpc>
+              <a:spcBef>
+                <a:spcPct val="0"/>
+              </a:spcBef>
+              <a:buNone/>
+            </a:pPr>
+            <a:endParaRPr lang="pt-BR" sz="1600" dirty="0">
+              <a:ea typeface="+mj-lt"/>
+              <a:cs typeface="+mj-lt"/>
+            </a:endParaRPr>
+          </a:p>
+          <a:p>
+            <a:pPr marL="0" indent="0" algn="just">
+              <a:lnSpc>
+                <a:spcPct val="100000"/>
+              </a:lnSpc>
+              <a:spcBef>
+                <a:spcPct val="0"/>
+              </a:spcBef>
+              <a:buNone/>
+            </a:pPr>
+            <a:endParaRPr lang="pt-BR" sz="1600" dirty="0">
+              <a:ea typeface="+mj-lt"/>
+              <a:cs typeface="+mj-lt"/>
+            </a:endParaRPr>
+          </a:p>
+          <a:p>
+            <a:pPr marL="0" indent="0" algn="just">
+              <a:lnSpc>
+                <a:spcPct val="100000"/>
+              </a:lnSpc>
+              <a:spcBef>
+                <a:spcPct val="0"/>
+              </a:spcBef>
+              <a:buNone/>
+            </a:pPr>
+            <a:endParaRPr lang="pt-BR" sz="1600" dirty="0">
+              <a:ea typeface="+mj-lt"/>
+              <a:cs typeface="+mj-lt"/>
+            </a:endParaRPr>
+          </a:p>
+          <a:p>
+            <a:pPr marL="0" indent="0" algn="just">
+              <a:lnSpc>
+                <a:spcPct val="100000"/>
+              </a:lnSpc>
+              <a:spcBef>
+                <a:spcPct val="0"/>
+              </a:spcBef>
+              <a:buNone/>
+            </a:pPr>
+            <a:endParaRPr lang="pt-BR" sz="1600" dirty="0">
+              <a:ea typeface="+mj-lt"/>
+              <a:cs typeface="+mj-lt"/>
+            </a:endParaRPr>
+          </a:p>
+          <a:p>
+            <a:pPr marL="0" indent="0" algn="just">
+              <a:lnSpc>
+                <a:spcPct val="100000"/>
+              </a:lnSpc>
+              <a:spcBef>
+                <a:spcPct val="0"/>
+              </a:spcBef>
+              <a:buNone/>
+            </a:pPr>
+            <a:endParaRPr lang="pt-BR" sz="1600" dirty="0">
+              <a:ea typeface="+mj-lt"/>
+              <a:cs typeface="+mj-lt"/>
+            </a:endParaRPr>
+          </a:p>
+          <a:p>
+            <a:pPr marL="0" indent="0" algn="just">
+              <a:lnSpc>
+                <a:spcPct val="100000"/>
+              </a:lnSpc>
+              <a:spcBef>
+                <a:spcPct val="0"/>
+              </a:spcBef>
+              <a:buNone/>
+            </a:pPr>
+            <a:endParaRPr lang="pt-BR" sz="1600" dirty="0">
+              <a:ea typeface="+mj-lt"/>
+              <a:cs typeface="+mj-lt"/>
+            </a:endParaRPr>
+          </a:p>
+          <a:p>
+            <a:pPr marL="0" indent="0" algn="just">
+              <a:lnSpc>
+                <a:spcPct val="100000"/>
+              </a:lnSpc>
+              <a:spcBef>
+                <a:spcPct val="0"/>
+              </a:spcBef>
+              <a:buNone/>
+            </a:pPr>
+            <a:endParaRPr lang="pt-BR" sz="1600" dirty="0">
+              <a:ea typeface="+mj-lt"/>
+              <a:cs typeface="+mj-lt"/>
+            </a:endParaRPr>
+          </a:p>
+          <a:p>
+            <a:pPr marL="0" indent="0" algn="just">
+              <a:lnSpc>
+                <a:spcPct val="100000"/>
+              </a:lnSpc>
+              <a:spcBef>
+                <a:spcPct val="0"/>
+              </a:spcBef>
+              <a:buNone/>
+            </a:pPr>
+            <a:endParaRPr lang="pt-BR" sz="1600" dirty="0">
+              <a:ea typeface="+mj-lt"/>
+              <a:cs typeface="+mj-lt"/>
+            </a:endParaRPr>
+          </a:p>
+          <a:p>
+            <a:pPr marL="0" indent="0" algn="just">
+              <a:lnSpc>
+                <a:spcPct val="100000"/>
+              </a:lnSpc>
+              <a:spcBef>
+                <a:spcPct val="0"/>
+              </a:spcBef>
+              <a:buNone/>
+            </a:pPr>
+            <a:endParaRPr lang="pt-BR" sz="1600" dirty="0">
+              <a:ea typeface="+mj-lt"/>
+              <a:cs typeface="+mj-lt"/>
+            </a:endParaRPr>
+          </a:p>
+          <a:p>
+            <a:pPr marL="0" indent="0" algn="just">
+              <a:lnSpc>
+                <a:spcPct val="100000"/>
+              </a:lnSpc>
+              <a:spcBef>
+                <a:spcPct val="0"/>
+              </a:spcBef>
+              <a:buNone/>
+            </a:pPr>
+            <a:endParaRPr lang="pt-BR" sz="1600" dirty="0">
+              <a:ea typeface="+mj-lt"/>
+              <a:cs typeface="+mj-lt"/>
+            </a:endParaRPr>
+          </a:p>
+          <a:p>
+            <a:pPr marL="0" indent="0" algn="just">
+              <a:lnSpc>
+                <a:spcPct val="100000"/>
+              </a:lnSpc>
+              <a:spcBef>
+                <a:spcPct val="0"/>
+              </a:spcBef>
+              <a:buNone/>
+            </a:pPr>
+            <a:endParaRPr lang="pt-BR" sz="1600" dirty="0">
+              <a:ea typeface="+mj-lt"/>
+              <a:cs typeface="+mj-lt"/>
+            </a:endParaRPr>
+          </a:p>
+          <a:p>
+            <a:pPr marL="0" indent="0" algn="just">
+              <a:lnSpc>
+                <a:spcPct val="100000"/>
+              </a:lnSpc>
+              <a:spcBef>
+                <a:spcPct val="0"/>
+              </a:spcBef>
+              <a:buNone/>
+            </a:pPr>
+            <a:endParaRPr lang="pt-BR" sz="1600" dirty="0">
+              <a:ea typeface="+mj-lt"/>
+              <a:cs typeface="+mj-lt"/>
+            </a:endParaRPr>
+          </a:p>
+          <a:p>
+            <a:pPr marL="0" indent="0" algn="just">
+              <a:lnSpc>
+                <a:spcPct val="100000"/>
+              </a:lnSpc>
+              <a:spcBef>
+                <a:spcPct val="0"/>
+              </a:spcBef>
+              <a:buNone/>
+            </a:pPr>
+            <a:r>
+              <a:rPr lang="pt-BR" sz="1600" dirty="0">
+                <a:ea typeface="+mj-lt"/>
+                <a:cs typeface="+mj-lt"/>
+              </a:rPr>
+              <a:t>Ela classificou corretamente 63 dos 80 times que foram para os playoffs. </a:t>
+            </a:r>
+            <a:endParaRPr lang="pt-BR" dirty="0">
+              <a:ea typeface="+mj-lt"/>
+              <a:cs typeface="+mj-lt"/>
+            </a:endParaRPr>
+          </a:p>
+          <a:p>
+            <a:pPr marL="0" indent="0" algn="just">
+              <a:lnSpc>
+                <a:spcPct val="100000"/>
+              </a:lnSpc>
+              <a:spcBef>
+                <a:spcPct val="0"/>
+              </a:spcBef>
+              <a:buNone/>
+            </a:pPr>
+            <a:r>
+              <a:rPr lang="pt-BR" sz="1600" dirty="0">
+                <a:ea typeface="+mj-lt"/>
+                <a:cs typeface="+mj-lt"/>
+              </a:rPr>
+              <a:t>Errando para 17 entradas. </a:t>
+            </a:r>
+            <a:endParaRPr lang="pt-BR" dirty="0">
+              <a:cs typeface="Arial"/>
+            </a:endParaRPr>
+          </a:p>
+          <a:p>
+            <a:pPr marL="0" indent="0" algn="just">
+              <a:lnSpc>
+                <a:spcPct val="100000"/>
+              </a:lnSpc>
+              <a:spcBef>
+                <a:spcPct val="0"/>
+              </a:spcBef>
+              <a:buNone/>
+            </a:pPr>
+            <a:endParaRPr lang="pt-BR" sz="1600" dirty="0">
+              <a:cs typeface="Arial"/>
+            </a:endParaRPr>
+          </a:p>
+        </p:txBody>
+      </p:sp>
+      <p:pic>
+        <p:nvPicPr>
+          <p:cNvPr id="5" name="Picture 5">
+            <a:extLst>
+              <a:ext uri="{FF2B5EF4-FFF2-40B4-BE49-F238E27FC236}">
+                <a16:creationId xmlns:a16="http://schemas.microsoft.com/office/drawing/2014/main" id="{2BF33809-24CF-E5B5-8B4E-3B31FD2F59EE}"/>
+              </a:ext>
+            </a:extLst>
+          </p:cNvPr>
+          <p:cNvPicPr>
+            <a:picLocks noChangeAspect="1"/>
+          </p:cNvPicPr>
+          <p:nvPr/>
+        </p:nvPicPr>
+        <p:blipFill>
+          <a:blip r:embed="rId2"/>
+          <a:stretch>
+            <a:fillRect/>
+          </a:stretch>
+        </p:blipFill>
+        <p:spPr>
+          <a:xfrm>
+            <a:off x="2083353" y="1909422"/>
+            <a:ext cx="4415816" cy="3295052"/>
+          </a:xfrm>
+          <a:prstGeom prst="rect">
+            <a:avLst/>
+          </a:prstGeom>
+        </p:spPr>
+      </p:pic>
+    </p:spTree>
+    <p:extLst>
+      <p:ext uri="{BB962C8B-B14F-4D97-AF65-F5344CB8AC3E}">
+        <p14:creationId xmlns:p14="http://schemas.microsoft.com/office/powerpoint/2010/main" val="1872873258"/>
+      </p:ext>
+    </p:extLst>
+  </p:cSld>
+  <p:clrMapOvr>
+    <a:masterClrMapping/>
+  </p:clrMapOvr>
+</p:sld>
+</file>
+
+<file path=ppt/slides/slide11.xml><?xml version="1.0" encoding="utf-8"?>
+<p:sld xmlns:a="http://schemas.openxmlformats.org/drawingml/2006/main" xmlns:r="http://schemas.openxmlformats.org/officeDocument/2006/relationships" xmlns:p="http://schemas.openxmlformats.org/presentationml/2006/main">
+  <p:cSld>
+    <p:spTree>
+      <p:nvGrpSpPr>
+        <p:cNvPr id="1" name=""/>
+        <p:cNvGrpSpPr/>
+        <p:nvPr/>
+      </p:nvGrpSpPr>
+      <p:grpSpPr>
+        <a:xfrm>
+          <a:off x="0" y="0"/>
+          <a:ext cx="0" cy="0"/>
+          <a:chOff x="0" y="0"/>
+          <a:chExt cx="0" cy="0"/>
+        </a:xfrm>
+      </p:grpSpPr>
+      <p:sp>
+        <p:nvSpPr>
+          <p:cNvPr id="2" name="Title 1">
+            <a:extLst>
+              <a:ext uri="{FF2B5EF4-FFF2-40B4-BE49-F238E27FC236}">
+                <a16:creationId xmlns:a16="http://schemas.microsoft.com/office/drawing/2014/main" id="{11D750CD-8399-BDB6-ED40-C111C68B1AF9}"/>
+              </a:ext>
+            </a:extLst>
+          </p:cNvPr>
+          <p:cNvSpPr>
+            <a:spLocks noGrp="1"/>
+          </p:cNvSpPr>
+          <p:nvPr>
+            <p:ph type="title"/>
+          </p:nvPr>
+        </p:nvSpPr>
+        <p:spPr/>
+        <p:txBody>
+          <a:bodyPr/>
+          <a:lstStyle/>
+          <a:p>
+            <a:r>
+              <a:rPr lang="pt-BR" dirty="0" err="1">
+                <a:ea typeface="+mj-lt"/>
+                <a:cs typeface="+mj-lt"/>
+              </a:rPr>
+              <a:t>Machine</a:t>
+            </a:r>
+            <a:r>
+              <a:rPr lang="pt-BR" dirty="0">
+                <a:ea typeface="+mj-lt"/>
+                <a:cs typeface="+mj-lt"/>
+              </a:rPr>
+              <a:t> Learning</a:t>
+            </a:r>
+            <a:r>
+              <a:rPr lang="pt-BR" dirty="0">
+                <a:cs typeface="Arial"/>
+              </a:rPr>
+              <a:t> </a:t>
+            </a:r>
+            <a:r>
+              <a:rPr lang="en-US" dirty="0">
+                <a:cs typeface="Arial"/>
+              </a:rPr>
+              <a:t>I</a:t>
+            </a:r>
+            <a:endParaRPr lang="en-US" b="0" dirty="0">
+              <a:ea typeface="+mj-lt"/>
+              <a:cs typeface="+mj-lt"/>
+            </a:endParaRPr>
+          </a:p>
+        </p:txBody>
+      </p:sp>
+      <p:sp>
+        <p:nvSpPr>
+          <p:cNvPr id="3" name="Content Placeholder 2">
+            <a:extLst>
+              <a:ext uri="{FF2B5EF4-FFF2-40B4-BE49-F238E27FC236}">
+                <a16:creationId xmlns:a16="http://schemas.microsoft.com/office/drawing/2014/main" id="{368080A6-0C22-1B3C-F59C-4256B23D72EF}"/>
+              </a:ext>
+            </a:extLst>
+          </p:cNvPr>
+          <p:cNvSpPr>
+            <a:spLocks noGrp="1"/>
+          </p:cNvSpPr>
+          <p:nvPr>
+            <p:ph idx="1"/>
+          </p:nvPr>
+        </p:nvSpPr>
+        <p:spPr>
+          <a:xfrm>
+            <a:off x="468313" y="1052513"/>
+            <a:ext cx="8353425" cy="5298549"/>
+          </a:xfrm>
+        </p:spPr>
+        <p:txBody>
+          <a:bodyPr/>
+          <a:lstStyle/>
+          <a:p>
+            <a:pPr marL="0" indent="0" algn="just">
+              <a:lnSpc>
+                <a:spcPct val="100000"/>
+              </a:lnSpc>
+              <a:spcBef>
+                <a:spcPct val="0"/>
+              </a:spcBef>
+              <a:buNone/>
+            </a:pPr>
+            <a:r>
+              <a:rPr lang="pt-BR" sz="1600" b="1" dirty="0">
+                <a:ea typeface="+mj-lt"/>
+                <a:cs typeface="+mj-lt"/>
+              </a:rPr>
+              <a:t>RESULTADOS</a:t>
+            </a:r>
+            <a:endParaRPr lang="en-US" sz="1600" b="1" dirty="0">
+              <a:ea typeface="+mj-lt"/>
+              <a:cs typeface="+mj-lt"/>
+            </a:endParaRPr>
+          </a:p>
+          <a:p>
+            <a:pPr marL="0" indent="0" algn="just">
+              <a:lnSpc>
+                <a:spcPct val="100000"/>
+              </a:lnSpc>
+              <a:spcBef>
+                <a:spcPct val="0"/>
+              </a:spcBef>
+              <a:buNone/>
+            </a:pPr>
+            <a:endParaRPr lang="pt-BR" sz="1600" dirty="0">
+              <a:ea typeface="+mj-lt"/>
+              <a:cs typeface="+mj-lt"/>
+            </a:endParaRPr>
+          </a:p>
+          <a:p>
+            <a:pPr marL="0" indent="0" algn="just">
+              <a:lnSpc>
+                <a:spcPct val="100000"/>
+              </a:lnSpc>
+              <a:spcBef>
+                <a:spcPct val="0"/>
+              </a:spcBef>
+              <a:buNone/>
+            </a:pPr>
+            <a:r>
+              <a:rPr lang="pt-BR" sz="1600" dirty="0">
+                <a:ea typeface="+mj-lt"/>
+                <a:cs typeface="+mj-lt"/>
+              </a:rPr>
+              <a:t>Quanto a árvore de decisão do modelo, </a:t>
+            </a:r>
+            <a:endParaRPr lang="pt-BR" dirty="0"/>
+          </a:p>
+          <a:p>
+            <a:pPr marL="0" indent="0" algn="just">
+              <a:lnSpc>
+                <a:spcPct val="100000"/>
+              </a:lnSpc>
+              <a:spcBef>
+                <a:spcPct val="0"/>
+              </a:spcBef>
+              <a:buNone/>
+            </a:pPr>
+            <a:endParaRPr lang="pt-BR" sz="1600" dirty="0">
+              <a:cs typeface="Arial"/>
+            </a:endParaRPr>
+          </a:p>
+          <a:p>
+            <a:pPr marL="0" indent="0" algn="just">
+              <a:lnSpc>
+                <a:spcPct val="100000"/>
+              </a:lnSpc>
+              <a:spcBef>
+                <a:spcPct val="0"/>
+              </a:spcBef>
+              <a:buNone/>
+            </a:pPr>
+            <a:endParaRPr lang="pt-BR" sz="1600" dirty="0">
+              <a:cs typeface="Arial"/>
+            </a:endParaRPr>
+          </a:p>
+          <a:p>
+            <a:pPr marL="0" indent="0" algn="just">
+              <a:lnSpc>
+                <a:spcPct val="100000"/>
+              </a:lnSpc>
+              <a:spcBef>
+                <a:spcPct val="0"/>
+              </a:spcBef>
+              <a:buNone/>
+            </a:pPr>
+            <a:endParaRPr lang="pt-BR" sz="1600" dirty="0">
+              <a:cs typeface="Arial"/>
+            </a:endParaRPr>
+          </a:p>
+          <a:p>
+            <a:pPr marL="0" indent="0" algn="just">
+              <a:lnSpc>
+                <a:spcPct val="100000"/>
+              </a:lnSpc>
+              <a:spcBef>
+                <a:spcPct val="0"/>
+              </a:spcBef>
+              <a:buNone/>
+            </a:pPr>
+            <a:endParaRPr lang="pt-BR" sz="1600" dirty="0">
+              <a:cs typeface="Arial"/>
+            </a:endParaRPr>
+          </a:p>
+          <a:p>
+            <a:pPr marL="0" indent="0" algn="just">
+              <a:lnSpc>
+                <a:spcPct val="100000"/>
+              </a:lnSpc>
+              <a:spcBef>
+                <a:spcPct val="0"/>
+              </a:spcBef>
+              <a:buNone/>
+            </a:pPr>
+            <a:endParaRPr lang="pt-BR" sz="1600" dirty="0">
+              <a:cs typeface="Arial"/>
+            </a:endParaRPr>
+          </a:p>
+          <a:p>
+            <a:pPr marL="0" indent="0" algn="just">
+              <a:lnSpc>
+                <a:spcPct val="100000"/>
+              </a:lnSpc>
+              <a:spcBef>
+                <a:spcPct val="0"/>
+              </a:spcBef>
+              <a:buNone/>
+            </a:pPr>
+            <a:endParaRPr lang="pt-BR" sz="1600" dirty="0">
+              <a:cs typeface="Arial"/>
+            </a:endParaRPr>
+          </a:p>
+          <a:p>
+            <a:pPr marL="0" indent="0" algn="just">
+              <a:lnSpc>
+                <a:spcPct val="100000"/>
+              </a:lnSpc>
+              <a:spcBef>
+                <a:spcPct val="0"/>
+              </a:spcBef>
+              <a:buNone/>
+            </a:pPr>
+            <a:endParaRPr lang="pt-BR" sz="1600" dirty="0">
+              <a:cs typeface="Arial"/>
+            </a:endParaRPr>
+          </a:p>
+          <a:p>
+            <a:pPr marL="0" indent="0" algn="just">
+              <a:lnSpc>
+                <a:spcPct val="100000"/>
+              </a:lnSpc>
+              <a:spcBef>
+                <a:spcPct val="0"/>
+              </a:spcBef>
+              <a:buNone/>
+            </a:pPr>
+            <a:endParaRPr lang="pt-BR" sz="1600" dirty="0">
+              <a:cs typeface="Arial"/>
+            </a:endParaRPr>
+          </a:p>
+          <a:p>
+            <a:pPr marL="0" indent="0" algn="just">
+              <a:lnSpc>
+                <a:spcPct val="100000"/>
+              </a:lnSpc>
+              <a:spcBef>
+                <a:spcPct val="0"/>
+              </a:spcBef>
+              <a:buNone/>
+            </a:pPr>
+            <a:endParaRPr lang="pt-BR" sz="1600" dirty="0">
+              <a:cs typeface="Arial"/>
+            </a:endParaRPr>
+          </a:p>
+          <a:p>
+            <a:pPr marL="0" indent="0" algn="just">
+              <a:lnSpc>
+                <a:spcPct val="100000"/>
+              </a:lnSpc>
+              <a:spcBef>
+                <a:spcPct val="0"/>
+              </a:spcBef>
+              <a:buNone/>
+            </a:pPr>
+            <a:endParaRPr lang="pt-BR" sz="1600" dirty="0">
+              <a:cs typeface="Arial"/>
+            </a:endParaRPr>
+          </a:p>
+          <a:p>
+            <a:pPr marL="0" indent="0" algn="just">
+              <a:lnSpc>
+                <a:spcPct val="100000"/>
+              </a:lnSpc>
+              <a:spcBef>
+                <a:spcPct val="0"/>
+              </a:spcBef>
+              <a:buNone/>
+            </a:pPr>
+            <a:endParaRPr lang="pt-BR" sz="1600" dirty="0">
+              <a:cs typeface="Arial"/>
+            </a:endParaRPr>
+          </a:p>
+          <a:p>
+            <a:pPr marL="0" indent="0" algn="just">
+              <a:lnSpc>
+                <a:spcPct val="100000"/>
+              </a:lnSpc>
+              <a:spcBef>
+                <a:spcPct val="0"/>
+              </a:spcBef>
+              <a:buNone/>
+            </a:pPr>
+            <a:endParaRPr lang="pt-BR" sz="1600" dirty="0">
+              <a:cs typeface="Arial"/>
+            </a:endParaRPr>
+          </a:p>
+          <a:p>
+            <a:pPr marL="0" indent="0" algn="just">
+              <a:lnSpc>
+                <a:spcPct val="100000"/>
+              </a:lnSpc>
+              <a:spcBef>
+                <a:spcPct val="0"/>
+              </a:spcBef>
+              <a:buNone/>
+            </a:pPr>
+            <a:r>
+              <a:rPr lang="pt-BR" sz="1600" dirty="0">
+                <a:cs typeface="Arial"/>
+              </a:rPr>
+              <a:t>É </a:t>
+            </a:r>
+            <a:r>
+              <a:rPr lang="pt-BR" sz="1600" dirty="0" err="1">
+                <a:cs typeface="Arial"/>
+              </a:rPr>
+              <a:t>possivel</a:t>
+            </a:r>
+            <a:r>
+              <a:rPr lang="pt-BR" sz="1600" dirty="0">
+                <a:cs typeface="Arial"/>
+              </a:rPr>
+              <a:t> perceber que a única </a:t>
+            </a:r>
+            <a:r>
+              <a:rPr lang="pt-BR" sz="1600" dirty="0" err="1">
+                <a:cs typeface="Arial"/>
+              </a:rPr>
+              <a:t>feature</a:t>
+            </a:r>
+            <a:r>
+              <a:rPr lang="pt-BR" sz="1600" dirty="0">
+                <a:cs typeface="Arial"/>
+              </a:rPr>
+              <a:t> levada em consideração foi a RD. RD significa </a:t>
+            </a:r>
+            <a:r>
+              <a:rPr lang="pt-BR" sz="1600" dirty="0" err="1">
+                <a:cs typeface="Arial"/>
+              </a:rPr>
+              <a:t>Result</a:t>
+            </a:r>
+            <a:r>
+              <a:rPr lang="pt-BR" sz="1600" dirty="0">
+                <a:cs typeface="Arial"/>
+              </a:rPr>
+              <a:t> </a:t>
+            </a:r>
+            <a:r>
+              <a:rPr lang="pt-BR" sz="1600" dirty="0" err="1">
+                <a:cs typeface="Arial"/>
+              </a:rPr>
+              <a:t>Difference</a:t>
+            </a:r>
+            <a:r>
+              <a:rPr lang="pt-BR" sz="1600" dirty="0">
+                <a:cs typeface="Arial"/>
+              </a:rPr>
+              <a:t>, ou diferença de resultados, e foi criada a partir da diferença entre pontuações que acontecem quando a pessoa que joga a bola para o rebatedor de baseball comete falta e pontuações que acontecem quando o rebatedor acerta a bola. O que mostra, que, de acordo com esse modelo simples de árvore, obter uma pontuação &lt;= 135 ao acertar a bola, descontando possíveis erros do arremessador parece ser decisivo para ganhar os Playoffs.</a:t>
+            </a:r>
+          </a:p>
+        </p:txBody>
+      </p:sp>
+      <p:pic>
+        <p:nvPicPr>
+          <p:cNvPr id="4" name="Picture 5" descr="Qr code&#10;&#10;Description automatically generated">
+            <a:extLst>
+              <a:ext uri="{FF2B5EF4-FFF2-40B4-BE49-F238E27FC236}">
+                <a16:creationId xmlns:a16="http://schemas.microsoft.com/office/drawing/2014/main" id="{0D6C7549-E527-D815-AEFF-F3FEC9EB3392}"/>
+              </a:ext>
+            </a:extLst>
+          </p:cNvPr>
+          <p:cNvPicPr>
+            <a:picLocks noChangeAspect="1"/>
+          </p:cNvPicPr>
+          <p:nvPr/>
+        </p:nvPicPr>
+        <p:blipFill>
+          <a:blip r:embed="rId2"/>
+          <a:stretch>
+            <a:fillRect/>
+          </a:stretch>
+        </p:blipFill>
+        <p:spPr>
+          <a:xfrm>
+            <a:off x="1963914" y="1871617"/>
+            <a:ext cx="5064197" cy="3012407"/>
+          </a:xfrm>
+          <a:prstGeom prst="rect">
+            <a:avLst/>
+          </a:prstGeom>
+        </p:spPr>
+      </p:pic>
+    </p:spTree>
+    <p:extLst>
+      <p:ext uri="{BB962C8B-B14F-4D97-AF65-F5344CB8AC3E}">
+        <p14:creationId xmlns:p14="http://schemas.microsoft.com/office/powerpoint/2010/main" val="2160807365"/>
+      </p:ext>
+    </p:extLst>
+  </p:cSld>
+  <p:clrMapOvr>
+    <a:masterClrMapping/>
+  </p:clrMapOvr>
+</p:sld>
+</file>
+
+<file path=ppt/slides/slide12.xml><?xml version="1.0" encoding="utf-8"?>
+<p:sld xmlns:a="http://schemas.openxmlformats.org/drawingml/2006/main" xmlns:r="http://schemas.openxmlformats.org/officeDocument/2006/relationships" xmlns:p="http://schemas.openxmlformats.org/presentationml/2006/main">
+  <p:cSld>
+    <p:spTree>
+      <p:nvGrpSpPr>
+        <p:cNvPr id="1" name=""/>
+        <p:cNvGrpSpPr/>
+        <p:nvPr/>
+      </p:nvGrpSpPr>
+      <p:grpSpPr>
+        <a:xfrm>
+          <a:off x="0" y="0"/>
+          <a:ext cx="0" cy="0"/>
+          <a:chOff x="0" y="0"/>
+          <a:chExt cx="0" cy="0"/>
+        </a:xfrm>
+      </p:grpSpPr>
+      <p:sp>
+        <p:nvSpPr>
+          <p:cNvPr id="2" name="Title 1">
+            <a:extLst>
+              <a:ext uri="{FF2B5EF4-FFF2-40B4-BE49-F238E27FC236}">
+                <a16:creationId xmlns:a16="http://schemas.microsoft.com/office/drawing/2014/main" id="{11D750CD-8399-BDB6-ED40-C111C68B1AF9}"/>
+              </a:ext>
+            </a:extLst>
+          </p:cNvPr>
+          <p:cNvSpPr>
+            <a:spLocks noGrp="1"/>
+          </p:cNvSpPr>
+          <p:nvPr>
+            <p:ph type="title"/>
+          </p:nvPr>
+        </p:nvSpPr>
+        <p:spPr/>
+        <p:txBody>
+          <a:bodyPr/>
+          <a:lstStyle/>
+          <a:p>
+            <a:r>
+              <a:rPr lang="pt-BR" dirty="0" err="1">
+                <a:ea typeface="+mj-lt"/>
+                <a:cs typeface="+mj-lt"/>
+              </a:rPr>
+              <a:t>Machine</a:t>
+            </a:r>
+            <a:r>
+              <a:rPr lang="pt-BR" dirty="0">
+                <a:ea typeface="+mj-lt"/>
+                <a:cs typeface="+mj-lt"/>
+              </a:rPr>
+              <a:t> Learning</a:t>
+            </a:r>
+            <a:r>
+              <a:rPr lang="pt-BR" dirty="0">
+                <a:cs typeface="Arial"/>
+              </a:rPr>
+              <a:t> </a:t>
+            </a:r>
+            <a:r>
+              <a:rPr lang="en-US" dirty="0">
+                <a:cs typeface="Arial"/>
+              </a:rPr>
+              <a:t>I</a:t>
+            </a:r>
+            <a:endParaRPr lang="en-US" b="0" dirty="0">
+              <a:ea typeface="+mj-lt"/>
+              <a:cs typeface="+mj-lt"/>
+            </a:endParaRPr>
+          </a:p>
+        </p:txBody>
+      </p:sp>
+      <p:sp>
+        <p:nvSpPr>
+          <p:cNvPr id="3" name="Content Placeholder 2">
+            <a:extLst>
+              <a:ext uri="{FF2B5EF4-FFF2-40B4-BE49-F238E27FC236}">
+                <a16:creationId xmlns:a16="http://schemas.microsoft.com/office/drawing/2014/main" id="{368080A6-0C22-1B3C-F59C-4256B23D72EF}"/>
+              </a:ext>
+            </a:extLst>
+          </p:cNvPr>
+          <p:cNvSpPr>
+            <a:spLocks noGrp="1"/>
+          </p:cNvSpPr>
+          <p:nvPr>
+            <p:ph idx="1"/>
+          </p:nvPr>
+        </p:nvSpPr>
+        <p:spPr>
+          <a:xfrm>
+            <a:off x="468313" y="1052513"/>
+            <a:ext cx="8353425" cy="5298549"/>
+          </a:xfrm>
+        </p:spPr>
+        <p:txBody>
+          <a:bodyPr/>
+          <a:lstStyle/>
+          <a:p>
+            <a:pPr marL="0" indent="0" algn="just">
+              <a:lnSpc>
+                <a:spcPct val="100000"/>
+              </a:lnSpc>
+              <a:spcBef>
+                <a:spcPct val="0"/>
+              </a:spcBef>
+              <a:buNone/>
+            </a:pPr>
+            <a:r>
+              <a:rPr lang="pt-BR" sz="1600" b="1" dirty="0">
+                <a:ea typeface="+mj-lt"/>
+                <a:cs typeface="+mj-lt"/>
+              </a:rPr>
+              <a:t>RESULTADOS - KNN</a:t>
+            </a:r>
+            <a:endParaRPr lang="en-US" sz="1600" b="1" dirty="0">
+              <a:ea typeface="+mj-lt"/>
+              <a:cs typeface="+mj-lt"/>
+            </a:endParaRPr>
+          </a:p>
+          <a:p>
+            <a:pPr marL="0" indent="0" algn="just">
+              <a:lnSpc>
+                <a:spcPct val="100000"/>
+              </a:lnSpc>
+              <a:spcBef>
+                <a:spcPct val="0"/>
+              </a:spcBef>
+              <a:buNone/>
+            </a:pPr>
+            <a:endParaRPr lang="pt-BR" sz="1600" dirty="0">
+              <a:ea typeface="+mj-lt"/>
+              <a:cs typeface="+mj-lt"/>
+            </a:endParaRPr>
+          </a:p>
+          <a:p>
+            <a:pPr marL="0" indent="0" algn="just">
+              <a:lnSpc>
+                <a:spcPct val="100000"/>
+              </a:lnSpc>
+              <a:spcBef>
+                <a:spcPct val="0"/>
+              </a:spcBef>
+              <a:buNone/>
+            </a:pPr>
+            <a:r>
+              <a:rPr lang="pt-BR" sz="1600" dirty="0">
+                <a:ea typeface="+mj-lt"/>
+                <a:cs typeface="+mj-lt"/>
+              </a:rPr>
+              <a:t>Para o KNN, o melhor K obtido (testando de 0 a 20) e sem </a:t>
+            </a:r>
+            <a:r>
+              <a:rPr lang="pt-BR" sz="1600" dirty="0" err="1">
+                <a:ea typeface="+mj-lt"/>
+                <a:cs typeface="+mj-lt"/>
+              </a:rPr>
+              <a:t>sobreajuste</a:t>
+            </a:r>
+            <a:r>
+              <a:rPr lang="pt-BR" sz="1600" dirty="0">
+                <a:ea typeface="+mj-lt"/>
+                <a:cs typeface="+mj-lt"/>
+              </a:rPr>
+              <a:t>, foi K=19:</a:t>
+            </a:r>
+            <a:endParaRPr lang="pt-BR" dirty="0"/>
+          </a:p>
+          <a:p>
+            <a:pPr marL="0" indent="0" algn="just">
+              <a:lnSpc>
+                <a:spcPct val="100000"/>
+              </a:lnSpc>
+              <a:spcBef>
+                <a:spcPct val="0"/>
+              </a:spcBef>
+              <a:buNone/>
+            </a:pPr>
+            <a:endParaRPr lang="pt-BR" sz="1600" dirty="0">
+              <a:cs typeface="Arial"/>
+            </a:endParaRPr>
+          </a:p>
+          <a:p>
+            <a:pPr marL="0" indent="0" algn="just">
+              <a:lnSpc>
+                <a:spcPct val="100000"/>
+              </a:lnSpc>
+              <a:spcBef>
+                <a:spcPct val="0"/>
+              </a:spcBef>
+              <a:buNone/>
+            </a:pPr>
+            <a:endParaRPr lang="pt-BR" sz="1600" dirty="0">
+              <a:cs typeface="Arial"/>
+            </a:endParaRPr>
+          </a:p>
+          <a:p>
+            <a:pPr marL="0" indent="0" algn="just">
+              <a:lnSpc>
+                <a:spcPct val="100000"/>
+              </a:lnSpc>
+              <a:spcBef>
+                <a:spcPct val="0"/>
+              </a:spcBef>
+              <a:buNone/>
+            </a:pPr>
+            <a:endParaRPr lang="pt-BR" sz="1600" dirty="0">
+              <a:cs typeface="Arial"/>
+            </a:endParaRPr>
+          </a:p>
+          <a:p>
+            <a:pPr marL="0" indent="0" algn="just">
+              <a:lnSpc>
+                <a:spcPct val="100000"/>
+              </a:lnSpc>
+              <a:spcBef>
+                <a:spcPct val="0"/>
+              </a:spcBef>
+              <a:buNone/>
+            </a:pPr>
+            <a:endParaRPr lang="pt-BR" sz="1600" dirty="0">
+              <a:cs typeface="Arial"/>
+            </a:endParaRPr>
+          </a:p>
+          <a:p>
+            <a:pPr marL="0" indent="0" algn="just">
+              <a:lnSpc>
+                <a:spcPct val="100000"/>
+              </a:lnSpc>
+              <a:spcBef>
+                <a:spcPct val="0"/>
+              </a:spcBef>
+              <a:buNone/>
+            </a:pPr>
+            <a:endParaRPr lang="pt-BR" sz="1600" dirty="0">
+              <a:cs typeface="Arial"/>
+            </a:endParaRPr>
+          </a:p>
+          <a:p>
+            <a:pPr marL="0" indent="0" algn="just">
+              <a:lnSpc>
+                <a:spcPct val="100000"/>
+              </a:lnSpc>
+              <a:spcBef>
+                <a:spcPct val="0"/>
+              </a:spcBef>
+              <a:buNone/>
+            </a:pPr>
+            <a:endParaRPr lang="pt-BR" sz="1600" dirty="0">
+              <a:cs typeface="Arial"/>
+            </a:endParaRPr>
+          </a:p>
+          <a:p>
+            <a:pPr marL="0" indent="0" algn="just">
+              <a:lnSpc>
+                <a:spcPct val="100000"/>
+              </a:lnSpc>
+              <a:spcBef>
+                <a:spcPct val="0"/>
+              </a:spcBef>
+              <a:buNone/>
+            </a:pPr>
+            <a:endParaRPr lang="pt-BR" sz="1600" dirty="0">
+              <a:cs typeface="Arial"/>
+            </a:endParaRPr>
+          </a:p>
+          <a:p>
+            <a:pPr marL="0" indent="0" algn="just">
+              <a:lnSpc>
+                <a:spcPct val="100000"/>
+              </a:lnSpc>
+              <a:spcBef>
+                <a:spcPct val="0"/>
+              </a:spcBef>
+              <a:buNone/>
+            </a:pPr>
+            <a:endParaRPr lang="pt-BR" sz="1600" dirty="0">
+              <a:cs typeface="Arial"/>
+            </a:endParaRPr>
+          </a:p>
+          <a:p>
+            <a:pPr marL="0" indent="0" algn="just">
+              <a:lnSpc>
+                <a:spcPct val="100000"/>
+              </a:lnSpc>
+              <a:spcBef>
+                <a:spcPct val="0"/>
+              </a:spcBef>
+              <a:buNone/>
+            </a:pPr>
+            <a:endParaRPr lang="pt-BR" sz="1600" dirty="0">
+              <a:cs typeface="Arial"/>
+            </a:endParaRPr>
+          </a:p>
+          <a:p>
+            <a:pPr marL="0" indent="0" algn="just">
+              <a:lnSpc>
+                <a:spcPct val="100000"/>
+              </a:lnSpc>
+              <a:spcBef>
+                <a:spcPct val="0"/>
+              </a:spcBef>
+              <a:buNone/>
+            </a:pPr>
+            <a:endParaRPr lang="pt-BR" sz="1600" dirty="0">
+              <a:cs typeface="Arial"/>
+            </a:endParaRPr>
+          </a:p>
+          <a:p>
+            <a:pPr marL="0" indent="0" algn="just">
+              <a:lnSpc>
+                <a:spcPct val="100000"/>
+              </a:lnSpc>
+              <a:spcBef>
+                <a:spcPct val="0"/>
+              </a:spcBef>
+              <a:buNone/>
+            </a:pPr>
+            <a:endParaRPr lang="pt-BR" sz="1600" dirty="0">
+              <a:cs typeface="Arial"/>
+            </a:endParaRPr>
+          </a:p>
+          <a:p>
+            <a:pPr marL="0" indent="0" algn="just">
+              <a:lnSpc>
+                <a:spcPct val="100000"/>
+              </a:lnSpc>
+              <a:spcBef>
+                <a:spcPct val="0"/>
+              </a:spcBef>
+              <a:buNone/>
+            </a:pPr>
+            <a:endParaRPr lang="pt-BR" sz="1600" dirty="0">
+              <a:cs typeface="Arial"/>
+            </a:endParaRPr>
+          </a:p>
+          <a:p>
+            <a:pPr marL="0" indent="0" algn="just">
+              <a:lnSpc>
+                <a:spcPct val="100000"/>
+              </a:lnSpc>
+              <a:spcBef>
+                <a:spcPct val="0"/>
+              </a:spcBef>
+              <a:buNone/>
+            </a:pPr>
+            <a:r>
+              <a:rPr lang="pt-BR" sz="1600" dirty="0">
+                <a:cs typeface="Arial"/>
+              </a:rPr>
+              <a:t>K=19 também apresentou uma acurácia de treino igual a de teste, variando apenas na terceira casa decimal, como podemos ver na primeira linha destacada da tabela acima. O f1 ficou em 0.71, sendo 0.02 menor do que o f1 do modelo de árvore.</a:t>
+            </a:r>
+            <a:endParaRPr lang="pt-BR"/>
+          </a:p>
+        </p:txBody>
+      </p:sp>
+      <p:pic>
+        <p:nvPicPr>
+          <p:cNvPr id="5" name="Picture 5" descr="Table&#10;&#10;Description automatically generated">
+            <a:extLst>
+              <a:ext uri="{FF2B5EF4-FFF2-40B4-BE49-F238E27FC236}">
+                <a16:creationId xmlns:a16="http://schemas.microsoft.com/office/drawing/2014/main" id="{ADC6AF03-FB14-6F84-F552-0A343B047D31}"/>
+              </a:ext>
+            </a:extLst>
+          </p:cNvPr>
+          <p:cNvPicPr>
+            <a:picLocks noChangeAspect="1"/>
+          </p:cNvPicPr>
+          <p:nvPr/>
+        </p:nvPicPr>
+        <p:blipFill>
+          <a:blip r:embed="rId2"/>
+          <a:stretch>
+            <a:fillRect/>
+          </a:stretch>
+        </p:blipFill>
+        <p:spPr>
+          <a:xfrm>
+            <a:off x="3200956" y="2105809"/>
+            <a:ext cx="2743676" cy="2322249"/>
+          </a:xfrm>
+          <a:prstGeom prst="rect">
+            <a:avLst/>
+          </a:prstGeom>
+        </p:spPr>
+      </p:pic>
+      <p:sp>
+        <p:nvSpPr>
+          <p:cNvPr id="6" name="Rectangle 5">
+            <a:extLst>
+              <a:ext uri="{FF2B5EF4-FFF2-40B4-BE49-F238E27FC236}">
+                <a16:creationId xmlns:a16="http://schemas.microsoft.com/office/drawing/2014/main" id="{B541B8B7-0706-D893-377E-31CF1134D689}"/>
+              </a:ext>
+            </a:extLst>
+          </p:cNvPr>
+          <p:cNvSpPr/>
+          <p:nvPr/>
+        </p:nvSpPr>
+        <p:spPr bwMode="auto">
+          <a:xfrm>
+            <a:off x="3117427" y="2417360"/>
+            <a:ext cx="2910731" cy="308782"/>
+          </a:xfrm>
+          <a:prstGeom prst="rect">
+            <a:avLst/>
+          </a:prstGeom>
+          <a:noFill/>
+          <a:ln w="28575" cap="flat" cmpd="sng" algn="ctr">
+            <a:solidFill>
+              <a:srgbClr val="C00000"/>
+            </a:solidFill>
+            <a:prstDash val="solid"/>
+            <a:round/>
+            <a:headEnd type="none" w="med" len="med"/>
+            <a:tailEnd type="none" w="med" len="med"/>
+          </a:ln>
+          <a:effectLst/>
+        </p:spPr>
+        <p:txBody>
+          <a:bodyPr vert="horz" wrap="none" lIns="91440" tIns="45720" rIns="91440" bIns="0" numCol="1" rtlCol="0" anchor="t" anchorCtr="0" compatLnSpc="1">
+            <a:prstTxWarp prst="textNoShape">
+              <a:avLst/>
+            </a:prstTxWarp>
+          </a:bodyPr>
+          <a:lstStyle/>
+          <a:p>
+            <a:pPr marL="0" marR="0" indent="0" algn="l" defTabSz="914400" rtl="0" eaLnBrk="0" fontAlgn="base" latinLnBrk="0" hangingPunct="0">
+              <a:lnSpc>
+                <a:spcPct val="100000"/>
+              </a:lnSpc>
+              <a:spcBef>
+                <a:spcPct val="0"/>
+              </a:spcBef>
+              <a:spcAft>
+                <a:spcPct val="0"/>
+              </a:spcAft>
+              <a:buClrTx/>
+              <a:buSzTx/>
+              <a:buFontTx/>
+              <a:buNone/>
+              <a:tabLst/>
+            </a:pPr>
+            <a:endParaRPr kumimoji="0" lang="en-US" sz="1800" b="1" i="1" u="none" strike="noStrike" cap="none" normalizeH="0" baseline="0">
+              <a:ln>
+                <a:noFill/>
+              </a:ln>
+              <a:solidFill>
+                <a:schemeClr val="bg2"/>
+              </a:solidFill>
+              <a:effectLst/>
+              <a:latin typeface="Square721 BT" pitchFamily="34" charset="0"/>
+            </a:endParaRPr>
+          </a:p>
+        </p:txBody>
+      </p:sp>
+    </p:spTree>
+    <p:extLst>
+      <p:ext uri="{BB962C8B-B14F-4D97-AF65-F5344CB8AC3E}">
+        <p14:creationId xmlns:p14="http://schemas.microsoft.com/office/powerpoint/2010/main" val="3248237874"/>
+      </p:ext>
+    </p:extLst>
+  </p:cSld>
+  <p:clrMapOvr>
+    <a:masterClrMapping/>
+  </p:clrMapOvr>
+</p:sld>
+</file>
+
+<file path=ppt/slides/slide13.xml><?xml version="1.0" encoding="utf-8"?>
+<p:sld xmlns:a="http://schemas.openxmlformats.org/drawingml/2006/main" xmlns:r="http://schemas.openxmlformats.org/officeDocument/2006/relationships" xmlns:p="http://schemas.openxmlformats.org/presentationml/2006/main">
+  <p:cSld>
+    <p:spTree>
+      <p:nvGrpSpPr>
+        <p:cNvPr id="1" name=""/>
+        <p:cNvGrpSpPr/>
+        <p:nvPr/>
+      </p:nvGrpSpPr>
+      <p:grpSpPr>
+        <a:xfrm>
+          <a:off x="0" y="0"/>
+          <a:ext cx="0" cy="0"/>
+          <a:chOff x="0" y="0"/>
+          <a:chExt cx="0" cy="0"/>
+        </a:xfrm>
+      </p:grpSpPr>
+      <p:sp>
+        <p:nvSpPr>
+          <p:cNvPr id="2" name="Title 1">
+            <a:extLst>
+              <a:ext uri="{FF2B5EF4-FFF2-40B4-BE49-F238E27FC236}">
+                <a16:creationId xmlns:a16="http://schemas.microsoft.com/office/drawing/2014/main" id="{11D750CD-8399-BDB6-ED40-C111C68B1AF9}"/>
+              </a:ext>
+            </a:extLst>
+          </p:cNvPr>
+          <p:cNvSpPr>
+            <a:spLocks noGrp="1"/>
+          </p:cNvSpPr>
+          <p:nvPr>
+            <p:ph type="title"/>
+          </p:nvPr>
+        </p:nvSpPr>
+        <p:spPr/>
+        <p:txBody>
+          <a:bodyPr/>
+          <a:lstStyle/>
+          <a:p>
+            <a:r>
+              <a:rPr lang="pt-BR" dirty="0" err="1">
+                <a:ea typeface="+mj-lt"/>
+                <a:cs typeface="+mj-lt"/>
+              </a:rPr>
+              <a:t>Machine</a:t>
+            </a:r>
+            <a:r>
+              <a:rPr lang="pt-BR" dirty="0">
+                <a:ea typeface="+mj-lt"/>
+                <a:cs typeface="+mj-lt"/>
+              </a:rPr>
+              <a:t> Learning</a:t>
+            </a:r>
+            <a:r>
+              <a:rPr lang="pt-BR" dirty="0">
+                <a:cs typeface="Arial"/>
+              </a:rPr>
+              <a:t> </a:t>
+            </a:r>
+            <a:r>
+              <a:rPr lang="en-US" dirty="0">
+                <a:cs typeface="Arial"/>
+              </a:rPr>
+              <a:t>I</a:t>
+            </a:r>
+            <a:endParaRPr lang="en-US" b="0" dirty="0">
+              <a:ea typeface="+mj-lt"/>
+              <a:cs typeface="+mj-lt"/>
+            </a:endParaRPr>
+          </a:p>
+        </p:txBody>
+      </p:sp>
+      <p:sp>
+        <p:nvSpPr>
+          <p:cNvPr id="3" name="Content Placeholder 2">
+            <a:extLst>
+              <a:ext uri="{FF2B5EF4-FFF2-40B4-BE49-F238E27FC236}">
+                <a16:creationId xmlns:a16="http://schemas.microsoft.com/office/drawing/2014/main" id="{368080A6-0C22-1B3C-F59C-4256B23D72EF}"/>
+              </a:ext>
+            </a:extLst>
+          </p:cNvPr>
+          <p:cNvSpPr>
+            <a:spLocks noGrp="1"/>
+          </p:cNvSpPr>
+          <p:nvPr>
+            <p:ph idx="1"/>
+          </p:nvPr>
+        </p:nvSpPr>
+        <p:spPr>
+          <a:xfrm>
+            <a:off x="468313" y="1052513"/>
+            <a:ext cx="8353425" cy="5298549"/>
+          </a:xfrm>
+        </p:spPr>
+        <p:txBody>
+          <a:bodyPr/>
+          <a:lstStyle/>
+          <a:p>
+            <a:pPr marL="0" indent="0" algn="just">
+              <a:lnSpc>
+                <a:spcPct val="100000"/>
+              </a:lnSpc>
+              <a:spcBef>
+                <a:spcPct val="0"/>
+              </a:spcBef>
+              <a:buNone/>
+            </a:pPr>
+            <a:r>
+              <a:rPr lang="pt-BR" sz="1600" b="1" dirty="0">
+                <a:ea typeface="+mj-lt"/>
+                <a:cs typeface="+mj-lt"/>
+              </a:rPr>
+              <a:t>RESULTADOS </a:t>
+            </a:r>
+            <a:endParaRPr lang="en-US" sz="1600" b="1" dirty="0">
+              <a:ea typeface="+mj-lt"/>
+              <a:cs typeface="+mj-lt"/>
+            </a:endParaRPr>
+          </a:p>
+          <a:p>
+            <a:pPr marL="0" indent="0" algn="just">
+              <a:lnSpc>
+                <a:spcPct val="100000"/>
+              </a:lnSpc>
+              <a:spcBef>
+                <a:spcPct val="0"/>
+              </a:spcBef>
+              <a:buNone/>
+            </a:pPr>
+            <a:endParaRPr lang="pt-BR" sz="1600" dirty="0">
+              <a:ea typeface="+mj-lt"/>
+              <a:cs typeface="+mj-lt"/>
+            </a:endParaRPr>
+          </a:p>
+          <a:p>
+            <a:pPr marL="0" indent="0" algn="just">
+              <a:lnSpc>
+                <a:spcPct val="100000"/>
+              </a:lnSpc>
+              <a:spcBef>
+                <a:spcPct val="0"/>
+              </a:spcBef>
+              <a:buNone/>
+            </a:pPr>
+            <a:r>
+              <a:rPr lang="pt-BR" sz="1600" dirty="0">
+                <a:ea typeface="+mj-lt"/>
+                <a:cs typeface="+mj-lt"/>
+              </a:rPr>
+              <a:t>O </a:t>
+            </a:r>
+            <a:r>
+              <a:rPr lang="pt-BR" sz="1600" dirty="0" err="1">
+                <a:ea typeface="+mj-lt"/>
+                <a:cs typeface="+mj-lt"/>
+              </a:rPr>
+              <a:t>report</a:t>
+            </a:r>
+            <a:r>
+              <a:rPr lang="pt-BR" sz="1600" dirty="0">
+                <a:ea typeface="+mj-lt"/>
+                <a:cs typeface="+mj-lt"/>
+              </a:rPr>
+              <a:t> de classificação para o KNN, obteve uma precisão de 0.81 para a classe 1, 0.13 maior do que a precisão do modelo de árvore. No entanto, também apresentou uma </a:t>
+            </a:r>
+            <a:r>
+              <a:rPr lang="pt-BR" sz="1600" dirty="0" err="1">
+                <a:ea typeface="+mj-lt"/>
+                <a:cs typeface="+mj-lt"/>
+              </a:rPr>
+              <a:t>revocação</a:t>
+            </a:r>
+            <a:r>
+              <a:rPr lang="pt-BR" sz="1600" dirty="0">
+                <a:ea typeface="+mj-lt"/>
+                <a:cs typeface="+mj-lt"/>
+              </a:rPr>
+              <a:t> 0.15 menor, com 0.64. E um f1 menor de 0.71 por 0.02, uma vez que o f1 da </a:t>
+            </a:r>
+            <a:r>
+              <a:rPr lang="pt-BR" sz="1600" dirty="0" err="1">
+                <a:ea typeface="+mj-lt"/>
+                <a:cs typeface="+mj-lt"/>
+              </a:rPr>
+              <a:t>ávore</a:t>
+            </a:r>
+            <a:r>
+              <a:rPr lang="pt-BR" sz="1600" dirty="0">
+                <a:ea typeface="+mj-lt"/>
+                <a:cs typeface="+mj-lt"/>
+              </a:rPr>
+              <a:t> foi de 0.73.</a:t>
+            </a:r>
+            <a:endParaRPr lang="pt-BR" sz="1600" dirty="0">
+              <a:cs typeface="Arial"/>
+            </a:endParaRPr>
+          </a:p>
+          <a:p>
+            <a:pPr marL="0" indent="0" algn="just">
+              <a:lnSpc>
+                <a:spcPct val="100000"/>
+              </a:lnSpc>
+              <a:spcBef>
+                <a:spcPct val="0"/>
+              </a:spcBef>
+              <a:buNone/>
+            </a:pPr>
+            <a:endParaRPr lang="pt-BR" sz="1600" dirty="0">
+              <a:cs typeface="Arial"/>
+            </a:endParaRPr>
+          </a:p>
+          <a:p>
+            <a:pPr marL="0" indent="0" algn="just">
+              <a:lnSpc>
+                <a:spcPct val="100000"/>
+              </a:lnSpc>
+              <a:spcBef>
+                <a:spcPct val="0"/>
+              </a:spcBef>
+              <a:buNone/>
+            </a:pPr>
+            <a:endParaRPr lang="pt-BR" sz="1600" dirty="0">
+              <a:cs typeface="Arial"/>
+            </a:endParaRPr>
+          </a:p>
+          <a:p>
+            <a:pPr marL="0" indent="0" algn="just">
+              <a:lnSpc>
+                <a:spcPct val="100000"/>
+              </a:lnSpc>
+              <a:spcBef>
+                <a:spcPct val="0"/>
+              </a:spcBef>
+              <a:buNone/>
+            </a:pPr>
+            <a:endParaRPr lang="pt-BR" sz="1600" dirty="0">
+              <a:cs typeface="Arial"/>
+            </a:endParaRPr>
+          </a:p>
+          <a:p>
+            <a:pPr marL="0" indent="0" algn="just">
+              <a:lnSpc>
+                <a:spcPct val="100000"/>
+              </a:lnSpc>
+              <a:spcBef>
+                <a:spcPct val="0"/>
+              </a:spcBef>
+              <a:buNone/>
+            </a:pPr>
+            <a:endParaRPr lang="pt-BR" sz="1600" dirty="0">
+              <a:cs typeface="Arial"/>
+            </a:endParaRPr>
+          </a:p>
+          <a:p>
+            <a:pPr marL="0" indent="0" algn="just">
+              <a:lnSpc>
+                <a:spcPct val="100000"/>
+              </a:lnSpc>
+              <a:spcBef>
+                <a:spcPct val="0"/>
+              </a:spcBef>
+              <a:buNone/>
+            </a:pPr>
+            <a:endParaRPr lang="pt-BR" sz="1600" dirty="0">
+              <a:cs typeface="Arial"/>
+            </a:endParaRPr>
+          </a:p>
+          <a:p>
+            <a:pPr marL="0" indent="0" algn="just">
+              <a:lnSpc>
+                <a:spcPct val="100000"/>
+              </a:lnSpc>
+              <a:spcBef>
+                <a:spcPct val="0"/>
+              </a:spcBef>
+              <a:buNone/>
+            </a:pPr>
+            <a:endParaRPr lang="pt-BR" sz="1600" dirty="0">
+              <a:cs typeface="Arial"/>
+            </a:endParaRPr>
+          </a:p>
+          <a:p>
+            <a:pPr marL="0" indent="0" algn="just">
+              <a:lnSpc>
+                <a:spcPct val="100000"/>
+              </a:lnSpc>
+              <a:spcBef>
+                <a:spcPct val="0"/>
+              </a:spcBef>
+              <a:buNone/>
+            </a:pPr>
+            <a:endParaRPr lang="pt-BR" sz="1600" dirty="0">
+              <a:cs typeface="Arial"/>
+            </a:endParaRPr>
+          </a:p>
+          <a:p>
+            <a:pPr marL="0" indent="0" algn="just">
+              <a:lnSpc>
+                <a:spcPct val="100000"/>
+              </a:lnSpc>
+              <a:spcBef>
+                <a:spcPct val="0"/>
+              </a:spcBef>
+              <a:buNone/>
+            </a:pPr>
+            <a:endParaRPr lang="pt-BR" sz="1600" dirty="0">
+              <a:cs typeface="Arial"/>
+            </a:endParaRPr>
+          </a:p>
+          <a:p>
+            <a:pPr marL="0" indent="0" algn="just">
+              <a:lnSpc>
+                <a:spcPct val="100000"/>
+              </a:lnSpc>
+              <a:spcBef>
+                <a:spcPct val="0"/>
+              </a:spcBef>
+              <a:buNone/>
+            </a:pPr>
+            <a:endParaRPr lang="pt-BR"/>
+          </a:p>
+          <a:p>
+            <a:pPr marL="0" indent="0" algn="just">
+              <a:lnSpc>
+                <a:spcPct val="100000"/>
+              </a:lnSpc>
+              <a:spcBef>
+                <a:spcPct val="0"/>
+              </a:spcBef>
+              <a:buNone/>
+            </a:pPr>
+            <a:endParaRPr lang="pt-BR" sz="1600" dirty="0">
+              <a:cs typeface="Arial"/>
+            </a:endParaRPr>
+          </a:p>
+          <a:p>
+            <a:pPr marL="0" indent="0" algn="just">
+              <a:lnSpc>
+                <a:spcPct val="100000"/>
+              </a:lnSpc>
+              <a:spcBef>
+                <a:spcPct val="0"/>
+              </a:spcBef>
+              <a:buNone/>
+            </a:pPr>
+            <a:endParaRPr lang="pt-BR" sz="1600" dirty="0">
+              <a:cs typeface="Arial"/>
+            </a:endParaRPr>
+          </a:p>
+        </p:txBody>
+      </p:sp>
+      <p:pic>
+        <p:nvPicPr>
+          <p:cNvPr id="4" name="Picture 6" descr="A picture containing table&#10;&#10;Description automatically generated">
+            <a:extLst>
+              <a:ext uri="{FF2B5EF4-FFF2-40B4-BE49-F238E27FC236}">
+                <a16:creationId xmlns:a16="http://schemas.microsoft.com/office/drawing/2014/main" id="{B1F88814-DC81-5B22-365F-3C362072CD76}"/>
+              </a:ext>
+            </a:extLst>
+          </p:cNvPr>
+          <p:cNvPicPr>
+            <a:picLocks noChangeAspect="1"/>
+          </p:cNvPicPr>
+          <p:nvPr/>
+        </p:nvPicPr>
+        <p:blipFill>
+          <a:blip r:embed="rId2"/>
+          <a:stretch>
+            <a:fillRect/>
+          </a:stretch>
+        </p:blipFill>
+        <p:spPr>
+          <a:xfrm>
+            <a:off x="1486160" y="2961018"/>
+            <a:ext cx="5524889" cy="1712179"/>
+          </a:xfrm>
+          <a:prstGeom prst="rect">
+            <a:avLst/>
+          </a:prstGeom>
+        </p:spPr>
+      </p:pic>
+    </p:spTree>
+    <p:extLst>
+      <p:ext uri="{BB962C8B-B14F-4D97-AF65-F5344CB8AC3E}">
+        <p14:creationId xmlns:p14="http://schemas.microsoft.com/office/powerpoint/2010/main" val="2855406776"/>
+      </p:ext>
+    </p:extLst>
+  </p:cSld>
+  <p:clrMapOvr>
+    <a:masterClrMapping/>
+  </p:clrMapOvr>
+</p:sld>
+</file>
+
+<file path=ppt/slides/slide14.xml><?xml version="1.0" encoding="utf-8"?>
+<p:sld xmlns:a="http://schemas.openxmlformats.org/drawingml/2006/main" xmlns:r="http://schemas.openxmlformats.org/officeDocument/2006/relationships" xmlns:p="http://schemas.openxmlformats.org/presentationml/2006/main">
+  <p:cSld>
+    <p:spTree>
+      <p:nvGrpSpPr>
+        <p:cNvPr id="1" name=""/>
+        <p:cNvGrpSpPr/>
+        <p:nvPr/>
+      </p:nvGrpSpPr>
+      <p:grpSpPr>
+        <a:xfrm>
+          <a:off x="0" y="0"/>
+          <a:ext cx="0" cy="0"/>
+          <a:chOff x="0" y="0"/>
+          <a:chExt cx="0" cy="0"/>
+        </a:xfrm>
+      </p:grpSpPr>
+      <p:sp>
+        <p:nvSpPr>
+          <p:cNvPr id="2" name="Title 1">
+            <a:extLst>
+              <a:ext uri="{FF2B5EF4-FFF2-40B4-BE49-F238E27FC236}">
+                <a16:creationId xmlns:a16="http://schemas.microsoft.com/office/drawing/2014/main" id="{11D750CD-8399-BDB6-ED40-C111C68B1AF9}"/>
+              </a:ext>
+            </a:extLst>
+          </p:cNvPr>
+          <p:cNvSpPr>
+            <a:spLocks noGrp="1"/>
+          </p:cNvSpPr>
+          <p:nvPr>
+            <p:ph type="title"/>
+          </p:nvPr>
+        </p:nvSpPr>
+        <p:spPr/>
+        <p:txBody>
+          <a:bodyPr/>
+          <a:lstStyle/>
+          <a:p>
+            <a:r>
+              <a:rPr lang="pt-BR" dirty="0" err="1">
+                <a:ea typeface="+mj-lt"/>
+                <a:cs typeface="+mj-lt"/>
+              </a:rPr>
+              <a:t>Machine</a:t>
+            </a:r>
+            <a:r>
+              <a:rPr lang="pt-BR" dirty="0">
+                <a:ea typeface="+mj-lt"/>
+                <a:cs typeface="+mj-lt"/>
+              </a:rPr>
+              <a:t> Learning</a:t>
+            </a:r>
+            <a:r>
+              <a:rPr lang="pt-BR" dirty="0">
+                <a:cs typeface="Arial"/>
+              </a:rPr>
+              <a:t> </a:t>
+            </a:r>
+            <a:r>
+              <a:rPr lang="en-US" dirty="0">
+                <a:cs typeface="Arial"/>
+              </a:rPr>
+              <a:t>I</a:t>
+            </a:r>
+            <a:endParaRPr lang="en-US" b="0" dirty="0">
+              <a:ea typeface="+mj-lt"/>
+              <a:cs typeface="+mj-lt"/>
+            </a:endParaRPr>
+          </a:p>
+        </p:txBody>
+      </p:sp>
+      <p:sp>
+        <p:nvSpPr>
+          <p:cNvPr id="3" name="Content Placeholder 2">
+            <a:extLst>
+              <a:ext uri="{FF2B5EF4-FFF2-40B4-BE49-F238E27FC236}">
+                <a16:creationId xmlns:a16="http://schemas.microsoft.com/office/drawing/2014/main" id="{368080A6-0C22-1B3C-F59C-4256B23D72EF}"/>
+              </a:ext>
+            </a:extLst>
+          </p:cNvPr>
+          <p:cNvSpPr>
+            <a:spLocks noGrp="1"/>
+          </p:cNvSpPr>
+          <p:nvPr>
+            <p:ph idx="1"/>
+          </p:nvPr>
+        </p:nvSpPr>
+        <p:spPr>
+          <a:xfrm>
+            <a:off x="468313" y="1052513"/>
+            <a:ext cx="8353425" cy="5298549"/>
+          </a:xfrm>
+        </p:spPr>
+        <p:txBody>
+          <a:bodyPr/>
+          <a:lstStyle/>
+          <a:p>
+            <a:pPr marL="0" indent="0" algn="just">
+              <a:lnSpc>
+                <a:spcPct val="100000"/>
+              </a:lnSpc>
+              <a:spcBef>
+                <a:spcPct val="0"/>
+              </a:spcBef>
+              <a:buNone/>
+            </a:pPr>
+            <a:r>
+              <a:rPr lang="pt-BR" sz="1600" b="1" dirty="0">
+                <a:ea typeface="+mj-lt"/>
+                <a:cs typeface="+mj-lt"/>
+              </a:rPr>
+              <a:t>RESULTADOS </a:t>
+            </a:r>
+            <a:endParaRPr lang="en-US" sz="1600" b="1" dirty="0">
+              <a:ea typeface="+mj-lt"/>
+              <a:cs typeface="+mj-lt"/>
+            </a:endParaRPr>
+          </a:p>
+          <a:p>
+            <a:pPr marL="0" indent="0" algn="just">
+              <a:lnSpc>
+                <a:spcPct val="100000"/>
+              </a:lnSpc>
+              <a:spcBef>
+                <a:spcPct val="0"/>
+              </a:spcBef>
+              <a:buNone/>
+            </a:pPr>
+            <a:endParaRPr lang="pt-BR" sz="1600" dirty="0">
+              <a:ea typeface="+mj-lt"/>
+              <a:cs typeface="+mj-lt"/>
+            </a:endParaRPr>
+          </a:p>
+          <a:p>
+            <a:pPr marL="0" indent="0" algn="just">
+              <a:lnSpc>
+                <a:spcPct val="100000"/>
+              </a:lnSpc>
+              <a:spcBef>
+                <a:spcPct val="0"/>
+              </a:spcBef>
+              <a:buNone/>
+            </a:pPr>
+            <a:r>
+              <a:rPr lang="pt-BR" sz="1600" dirty="0">
+                <a:ea typeface="+mj-lt"/>
+                <a:cs typeface="+mj-lt"/>
+              </a:rPr>
+              <a:t>Quanto a matriz de confusão,</a:t>
+            </a:r>
+            <a:endParaRPr lang="pt-BR" dirty="0">
+              <a:ea typeface="+mj-lt"/>
+              <a:cs typeface="+mj-lt"/>
+            </a:endParaRPr>
+          </a:p>
+          <a:p>
+            <a:pPr marL="0" indent="0" algn="just">
+              <a:lnSpc>
+                <a:spcPct val="100000"/>
+              </a:lnSpc>
+              <a:spcBef>
+                <a:spcPct val="0"/>
+              </a:spcBef>
+              <a:buNone/>
+            </a:pPr>
+            <a:endParaRPr lang="pt-BR" sz="1600" dirty="0">
+              <a:cs typeface="Arial"/>
+            </a:endParaRPr>
+          </a:p>
+          <a:p>
+            <a:pPr marL="0" indent="0" algn="just">
+              <a:lnSpc>
+                <a:spcPct val="100000"/>
+              </a:lnSpc>
+              <a:spcBef>
+                <a:spcPct val="0"/>
+              </a:spcBef>
+              <a:buNone/>
+            </a:pPr>
+            <a:endParaRPr lang="pt-BR" sz="1600" dirty="0">
+              <a:cs typeface="Arial"/>
+            </a:endParaRPr>
+          </a:p>
+          <a:p>
+            <a:pPr marL="0" indent="0" algn="just">
+              <a:lnSpc>
+                <a:spcPct val="100000"/>
+              </a:lnSpc>
+              <a:spcBef>
+                <a:spcPct val="0"/>
+              </a:spcBef>
+              <a:buNone/>
+            </a:pPr>
+            <a:endParaRPr lang="pt-BR" sz="1600" dirty="0">
+              <a:cs typeface="Arial"/>
+            </a:endParaRPr>
+          </a:p>
+          <a:p>
+            <a:pPr marL="0" indent="0" algn="just">
+              <a:lnSpc>
+                <a:spcPct val="100000"/>
+              </a:lnSpc>
+              <a:spcBef>
+                <a:spcPct val="0"/>
+              </a:spcBef>
+              <a:buNone/>
+            </a:pPr>
+            <a:endParaRPr lang="pt-BR" sz="1600" dirty="0">
+              <a:cs typeface="Arial"/>
+            </a:endParaRPr>
+          </a:p>
+          <a:p>
+            <a:pPr marL="0" indent="0" algn="just">
+              <a:lnSpc>
+                <a:spcPct val="100000"/>
+              </a:lnSpc>
+              <a:spcBef>
+                <a:spcPct val="0"/>
+              </a:spcBef>
+              <a:buNone/>
+            </a:pPr>
+            <a:endParaRPr lang="pt-BR" sz="1600" dirty="0">
+              <a:cs typeface="Arial"/>
+            </a:endParaRPr>
+          </a:p>
+          <a:p>
+            <a:pPr marL="0" indent="0" algn="just">
+              <a:lnSpc>
+                <a:spcPct val="100000"/>
+              </a:lnSpc>
+              <a:spcBef>
+                <a:spcPct val="0"/>
+              </a:spcBef>
+              <a:buNone/>
+            </a:pPr>
+            <a:endParaRPr lang="pt-BR" sz="1600" dirty="0">
+              <a:cs typeface="Arial"/>
+            </a:endParaRPr>
+          </a:p>
+          <a:p>
+            <a:pPr marL="0" indent="0" algn="just">
+              <a:lnSpc>
+                <a:spcPct val="100000"/>
+              </a:lnSpc>
+              <a:spcBef>
+                <a:spcPct val="0"/>
+              </a:spcBef>
+              <a:buNone/>
+            </a:pPr>
+            <a:endParaRPr lang="pt-BR" sz="1600" dirty="0">
+              <a:cs typeface="Arial"/>
+            </a:endParaRPr>
+          </a:p>
+          <a:p>
+            <a:pPr marL="0" indent="0" algn="just">
+              <a:lnSpc>
+                <a:spcPct val="100000"/>
+              </a:lnSpc>
+              <a:spcBef>
+                <a:spcPct val="0"/>
+              </a:spcBef>
+              <a:buNone/>
+            </a:pPr>
+            <a:endParaRPr lang="pt-BR" sz="1600" dirty="0">
+              <a:cs typeface="Arial"/>
+            </a:endParaRPr>
+          </a:p>
+          <a:p>
+            <a:pPr marL="0" indent="0" algn="just">
+              <a:lnSpc>
+                <a:spcPct val="100000"/>
+              </a:lnSpc>
+              <a:spcBef>
+                <a:spcPct val="0"/>
+              </a:spcBef>
+              <a:buNone/>
+            </a:pPr>
+            <a:endParaRPr lang="pt-BR" sz="1600" dirty="0">
+              <a:cs typeface="Arial"/>
+            </a:endParaRPr>
+          </a:p>
+          <a:p>
+            <a:pPr marL="0" indent="0" algn="just">
+              <a:lnSpc>
+                <a:spcPct val="100000"/>
+              </a:lnSpc>
+              <a:spcBef>
+                <a:spcPct val="0"/>
+              </a:spcBef>
+              <a:buNone/>
+            </a:pPr>
+            <a:endParaRPr lang="pt-BR" sz="1600" dirty="0">
+              <a:cs typeface="Arial"/>
+            </a:endParaRPr>
+          </a:p>
+          <a:p>
+            <a:pPr marL="0" indent="0" algn="just">
+              <a:lnSpc>
+                <a:spcPct val="100000"/>
+              </a:lnSpc>
+              <a:spcBef>
+                <a:spcPct val="0"/>
+              </a:spcBef>
+              <a:buNone/>
+            </a:pPr>
+            <a:endParaRPr lang="pt-BR" sz="1600" dirty="0">
+              <a:cs typeface="Arial"/>
+            </a:endParaRPr>
+          </a:p>
+          <a:p>
+            <a:pPr marL="0" indent="0" algn="just">
+              <a:lnSpc>
+                <a:spcPct val="100000"/>
+              </a:lnSpc>
+              <a:spcBef>
+                <a:spcPct val="0"/>
+              </a:spcBef>
+              <a:buNone/>
+            </a:pPr>
+            <a:endParaRPr lang="pt-BR" sz="1600" dirty="0">
+              <a:cs typeface="Arial"/>
+            </a:endParaRPr>
+          </a:p>
+          <a:p>
+            <a:pPr marL="0" indent="0" algn="just">
+              <a:lnSpc>
+                <a:spcPct val="100000"/>
+              </a:lnSpc>
+              <a:spcBef>
+                <a:spcPct val="0"/>
+              </a:spcBef>
+              <a:buNone/>
+            </a:pPr>
+            <a:endParaRPr lang="pt-BR" sz="1600" dirty="0">
+              <a:cs typeface="Arial"/>
+            </a:endParaRPr>
+          </a:p>
+          <a:p>
+            <a:pPr marL="0" indent="0" algn="just">
+              <a:lnSpc>
+                <a:spcPct val="100000"/>
+              </a:lnSpc>
+              <a:spcBef>
+                <a:spcPct val="0"/>
+              </a:spcBef>
+              <a:buNone/>
+            </a:pPr>
+            <a:endParaRPr lang="pt-BR" sz="1600" dirty="0">
+              <a:cs typeface="Arial"/>
+            </a:endParaRPr>
+          </a:p>
+          <a:p>
+            <a:pPr marL="0" indent="0" algn="just">
+              <a:lnSpc>
+                <a:spcPct val="100000"/>
+              </a:lnSpc>
+              <a:spcBef>
+                <a:spcPct val="0"/>
+              </a:spcBef>
+              <a:buNone/>
+            </a:pPr>
+            <a:r>
+              <a:rPr lang="pt-BR" sz="1600" dirty="0">
+                <a:cs typeface="Arial"/>
+              </a:rPr>
+              <a:t>O KNN acabou acertando 51 das 80 amostras de times que foram para os Playoffs.</a:t>
+            </a:r>
+            <a:endParaRPr lang="pt-BR" dirty="0">
+              <a:cs typeface="Arial"/>
+            </a:endParaRPr>
+          </a:p>
+          <a:p>
+            <a:pPr marL="0" indent="0" algn="just">
+              <a:lnSpc>
+                <a:spcPct val="100000"/>
+              </a:lnSpc>
+              <a:spcBef>
+                <a:spcPct val="0"/>
+              </a:spcBef>
+              <a:buNone/>
+            </a:pPr>
+            <a:r>
+              <a:rPr lang="pt-BR" sz="1600" dirty="0">
+                <a:cs typeface="Arial"/>
+              </a:rPr>
+              <a:t>Errando para 29 entradas.</a:t>
+            </a:r>
+          </a:p>
+          <a:p>
+            <a:pPr marL="0" indent="0" algn="just">
+              <a:lnSpc>
+                <a:spcPct val="100000"/>
+              </a:lnSpc>
+              <a:spcBef>
+                <a:spcPct val="0"/>
+              </a:spcBef>
+              <a:buNone/>
+            </a:pPr>
+            <a:endParaRPr lang="pt-BR" sz="1600" dirty="0">
+              <a:cs typeface="Arial"/>
+            </a:endParaRPr>
+          </a:p>
+          <a:p>
+            <a:pPr marL="0" indent="0" algn="just">
+              <a:lnSpc>
+                <a:spcPct val="100000"/>
+              </a:lnSpc>
+              <a:spcBef>
+                <a:spcPct val="0"/>
+              </a:spcBef>
+              <a:buNone/>
+            </a:pPr>
+            <a:r>
+              <a:rPr lang="pt-BR" sz="1600" dirty="0">
+                <a:cs typeface="Arial"/>
+              </a:rPr>
+              <a:t>Como a Árvore de decisão errou para 17 entradas e o KNN para 29, por fim, escolhemos o algoritmo de árvore de decisão. </a:t>
+            </a:r>
+          </a:p>
+          <a:p>
+            <a:pPr marL="0" indent="0" algn="just">
+              <a:lnSpc>
+                <a:spcPct val="100000"/>
+              </a:lnSpc>
+              <a:spcBef>
+                <a:spcPct val="0"/>
+              </a:spcBef>
+              <a:buNone/>
+            </a:pPr>
+            <a:endParaRPr lang="pt-BR" sz="1600" dirty="0">
+              <a:cs typeface="Arial"/>
+            </a:endParaRPr>
+          </a:p>
+          <a:p>
+            <a:pPr marL="0" indent="0" algn="just">
+              <a:lnSpc>
+                <a:spcPct val="100000"/>
+              </a:lnSpc>
+              <a:spcBef>
+                <a:spcPct val="0"/>
+              </a:spcBef>
+              <a:buNone/>
+            </a:pPr>
+            <a:endParaRPr lang="pt-BR" sz="1600" dirty="0">
+              <a:cs typeface="Arial"/>
+            </a:endParaRPr>
+          </a:p>
+          <a:p>
+            <a:pPr marL="0" indent="0" algn="just">
+              <a:lnSpc>
+                <a:spcPct val="100000"/>
+              </a:lnSpc>
+              <a:spcBef>
+                <a:spcPct val="0"/>
+              </a:spcBef>
+              <a:buNone/>
+            </a:pPr>
+            <a:endParaRPr lang="pt-BR" sz="1600" dirty="0">
+              <a:cs typeface="Arial"/>
+            </a:endParaRPr>
+          </a:p>
+          <a:p>
+            <a:pPr marL="0" indent="0" algn="just">
+              <a:lnSpc>
+                <a:spcPct val="100000"/>
+              </a:lnSpc>
+              <a:spcBef>
+                <a:spcPct val="0"/>
+              </a:spcBef>
+              <a:buNone/>
+            </a:pPr>
+            <a:endParaRPr lang="pt-BR" sz="1600" dirty="0">
+              <a:cs typeface="Arial"/>
+            </a:endParaRPr>
+          </a:p>
+          <a:p>
+            <a:pPr marL="0" indent="0" algn="just">
+              <a:lnSpc>
+                <a:spcPct val="100000"/>
+              </a:lnSpc>
+              <a:spcBef>
+                <a:spcPct val="0"/>
+              </a:spcBef>
+              <a:buNone/>
+            </a:pPr>
+            <a:endParaRPr lang="pt-BR">
+              <a:cs typeface="Arial"/>
+            </a:endParaRPr>
+          </a:p>
+          <a:p>
+            <a:pPr marL="0" indent="0" algn="just">
+              <a:lnSpc>
+                <a:spcPct val="100000"/>
+              </a:lnSpc>
+              <a:spcBef>
+                <a:spcPct val="0"/>
+              </a:spcBef>
+              <a:buNone/>
+            </a:pPr>
+            <a:endParaRPr lang="pt-BR" sz="1600" dirty="0">
+              <a:cs typeface="Arial"/>
+            </a:endParaRPr>
+          </a:p>
+          <a:p>
+            <a:pPr marL="0" indent="0" algn="just">
+              <a:lnSpc>
+                <a:spcPct val="100000"/>
+              </a:lnSpc>
+              <a:spcBef>
+                <a:spcPct val="0"/>
+              </a:spcBef>
+              <a:buNone/>
+            </a:pPr>
+            <a:endParaRPr lang="pt-BR" sz="1600" dirty="0">
+              <a:cs typeface="Arial"/>
+            </a:endParaRPr>
+          </a:p>
+        </p:txBody>
+      </p:sp>
+      <p:pic>
+        <p:nvPicPr>
+          <p:cNvPr id="5" name="Picture 5">
+            <a:extLst>
+              <a:ext uri="{FF2B5EF4-FFF2-40B4-BE49-F238E27FC236}">
+                <a16:creationId xmlns:a16="http://schemas.microsoft.com/office/drawing/2014/main" id="{B49D0F1D-3112-F516-F358-1617B6E0CB1A}"/>
+              </a:ext>
+            </a:extLst>
+          </p:cNvPr>
+          <p:cNvPicPr>
+            <a:picLocks noChangeAspect="1"/>
+          </p:cNvPicPr>
+          <p:nvPr/>
+        </p:nvPicPr>
+        <p:blipFill>
+          <a:blip r:embed="rId2"/>
+          <a:stretch>
+            <a:fillRect/>
+          </a:stretch>
+        </p:blipFill>
+        <p:spPr>
+          <a:xfrm>
+            <a:off x="2330759" y="1982337"/>
+            <a:ext cx="4304910" cy="3225989"/>
+          </a:xfrm>
+          <a:prstGeom prst="rect">
+            <a:avLst/>
+          </a:prstGeom>
+        </p:spPr>
+      </p:pic>
+    </p:spTree>
+    <p:extLst>
+      <p:ext uri="{BB962C8B-B14F-4D97-AF65-F5344CB8AC3E}">
+        <p14:creationId xmlns:p14="http://schemas.microsoft.com/office/powerpoint/2010/main" val="3439850319"/>
+      </p:ext>
+    </p:extLst>
+  </p:cSld>
+  <p:clrMapOvr>
+    <a:masterClrMapping/>
+  </p:clrMapOvr>
+</p:sld>
+</file>
+
+<file path=ppt/slides/slide15.xml><?xml version="1.0" encoding="utf-8"?>
+<p:sld xmlns:a="http://schemas.openxmlformats.org/drawingml/2006/main" xmlns:r="http://schemas.openxmlformats.org/officeDocument/2006/relationships" xmlns:p="http://schemas.openxmlformats.org/presentationml/2006/main">
+  <p:cSld>
+    <p:spTree>
+      <p:nvGrpSpPr>
+        <p:cNvPr id="1" name=""/>
+        <p:cNvGrpSpPr/>
+        <p:nvPr/>
+      </p:nvGrpSpPr>
+      <p:grpSpPr>
+        <a:xfrm>
+          <a:off x="0" y="0"/>
+          <a:ext cx="0" cy="0"/>
+          <a:chOff x="0" y="0"/>
+          <a:chExt cx="0" cy="0"/>
+        </a:xfrm>
+      </p:grpSpPr>
+      <p:sp>
+        <p:nvSpPr>
+          <p:cNvPr id="2" name="Title 1">
+            <a:extLst>
+              <a:ext uri="{FF2B5EF4-FFF2-40B4-BE49-F238E27FC236}">
+                <a16:creationId xmlns:a16="http://schemas.microsoft.com/office/drawing/2014/main" id="{43E5162E-F033-3D64-7489-816C333C48A4}"/>
+              </a:ext>
+            </a:extLst>
+          </p:cNvPr>
+          <p:cNvSpPr>
+            <a:spLocks noGrp="1"/>
+          </p:cNvSpPr>
+          <p:nvPr>
+            <p:ph type="title"/>
+          </p:nvPr>
+        </p:nvSpPr>
+        <p:spPr/>
+        <p:txBody>
+          <a:bodyPr/>
+          <a:lstStyle/>
+          <a:p>
+            <a:r>
+              <a:rPr lang="en-US" dirty="0">
+                <a:cs typeface="Arial"/>
+              </a:rPr>
+              <a:t>Machine Learning I</a:t>
+            </a:r>
+            <a:endParaRPr lang="en-US" dirty="0"/>
+          </a:p>
+        </p:txBody>
+      </p:sp>
+      <p:sp>
+        <p:nvSpPr>
+          <p:cNvPr id="3" name="Content Placeholder 2">
+            <a:extLst>
+              <a:ext uri="{FF2B5EF4-FFF2-40B4-BE49-F238E27FC236}">
+                <a16:creationId xmlns:a16="http://schemas.microsoft.com/office/drawing/2014/main" id="{C78B5095-9317-6870-6F77-B58F0E37BDA7}"/>
+              </a:ext>
+            </a:extLst>
+          </p:cNvPr>
+          <p:cNvSpPr>
+            <a:spLocks noGrp="1"/>
+          </p:cNvSpPr>
+          <p:nvPr>
+            <p:ph idx="1"/>
+          </p:nvPr>
+        </p:nvSpPr>
+        <p:spPr>
+          <a:xfrm>
+            <a:off x="468313" y="1052513"/>
+            <a:ext cx="8353425" cy="2628706"/>
+          </a:xfrm>
+        </p:spPr>
+        <p:txBody>
+          <a:bodyPr vert="horz" wrap="square" lIns="90488" tIns="44450" rIns="90488" bIns="44450" numCol="1" anchor="t" anchorCtr="0" compatLnSpc="1">
+            <a:prstTxWarp prst="textNoShape">
+              <a:avLst/>
+            </a:prstTxWarp>
+          </a:bodyPr>
+          <a:lstStyle/>
+          <a:p>
+            <a:pPr marL="0" indent="0">
+              <a:buNone/>
+            </a:pPr>
+            <a:endParaRPr lang="en-US" sz="2400" dirty="0">
+              <a:cs typeface="Arial"/>
+            </a:endParaRPr>
+          </a:p>
+          <a:p>
+            <a:pPr marL="0" indent="0">
+              <a:buNone/>
+            </a:pPr>
+            <a:endParaRPr lang="en-US" sz="2400" dirty="0">
+              <a:cs typeface="Arial"/>
+            </a:endParaRPr>
+          </a:p>
+          <a:p>
+            <a:pPr marL="0" indent="0">
+              <a:buNone/>
+            </a:pPr>
+            <a:r>
+              <a:rPr lang="en-US" sz="2400" dirty="0">
+                <a:cs typeface="Arial"/>
+              </a:rPr>
+              <a:t>PROBLEMA REAL QUE </a:t>
+            </a:r>
+            <a:r>
+              <a:rPr lang="en-US" sz="2400" b="1" dirty="0">
+                <a:cs typeface="Arial"/>
+              </a:rPr>
+              <a:t>NÃO </a:t>
+            </a:r>
+            <a:r>
+              <a:rPr lang="en-US" sz="2400" dirty="0">
+                <a:cs typeface="Arial"/>
+              </a:rPr>
+              <a:t>PRECISA DE MACHINE LEARNING PARA SER RESOLVIDO</a:t>
+            </a:r>
+            <a:endParaRPr lang="en-US" sz="2400">
+              <a:cs typeface="Arial"/>
+            </a:endParaRPr>
+          </a:p>
+        </p:txBody>
+      </p:sp>
+    </p:spTree>
+    <p:extLst>
+      <p:ext uri="{BB962C8B-B14F-4D97-AF65-F5344CB8AC3E}">
+        <p14:creationId xmlns:p14="http://schemas.microsoft.com/office/powerpoint/2010/main" val="741357223"/>
+      </p:ext>
+    </p:extLst>
+  </p:cSld>
+  <p:clrMapOvr>
+    <a:masterClrMapping/>
+  </p:clrMapOvr>
+</p:sld>
+</file>
+
+<file path=ppt/slides/slide16.xml><?xml version="1.0" encoding="utf-8"?>
 <p:sld xmlns:a="http://schemas.openxmlformats.org/drawingml/2006/main" xmlns:r="http://schemas.openxmlformats.org/officeDocument/2006/relationships" xmlns:p="http://schemas.openxmlformats.org/presentationml/2006/main">
   <p:cSld>
     <p:spTree>
@@ -5026,7 +7355,251 @@
               <a:rPr lang="pt-BR" dirty="0">
                 <a:latin typeface="Gotham HTF Medium"/>
               </a:rPr>
-              <a:t> Learning</a:t>
+              <a:t> Learning I</a:t>
+            </a:r>
+            <a:endParaRPr lang="pt-BR" dirty="0"/>
+          </a:p>
+        </p:txBody>
+      </p:sp>
+      <p:sp>
+        <p:nvSpPr>
+          <p:cNvPr id="3" name="CaixaDeTexto 2"/>
+          <p:cNvSpPr txBox="1"/>
+          <p:nvPr/>
+        </p:nvSpPr>
+        <p:spPr>
+          <a:xfrm>
+            <a:off x="396214" y="1052670"/>
+            <a:ext cx="8353160" cy="416011"/>
+          </a:xfrm>
+          <a:prstGeom prst="rect">
+            <a:avLst/>
+          </a:prstGeom>
+          <a:noFill/>
+        </p:spPr>
+        <p:txBody>
+          <a:bodyPr wrap="square" lIns="91440" tIns="45720" rIns="91440" bIns="45720" rtlCol="0" anchor="t">
+            <a:spAutoFit/>
+          </a:bodyPr>
+          <a:lstStyle/>
+          <a:p>
+            <a:pPr algn="just">
+              <a:lnSpc>
+                <a:spcPct val="150000"/>
+              </a:lnSpc>
+            </a:pPr>
+            <a:r>
+              <a:rPr lang="pt-BR" sz="1600" i="0" dirty="0">
+                <a:latin typeface="+mj-lt"/>
+              </a:rPr>
+              <a:t>DESCRIÇÃO DO PROBLEMA: IDENTIFICAÇÃO DE POSSÍVEIS FRAUDES</a:t>
+            </a:r>
+            <a:endParaRPr lang="pt-BR" sz="1600" b="0" i="0" dirty="0">
+              <a:latin typeface="+mj-lt"/>
+            </a:endParaRPr>
+          </a:p>
+        </p:txBody>
+      </p:sp>
+      <p:sp>
+        <p:nvSpPr>
+          <p:cNvPr id="5" name="CaixaDeTexto 4">
+            <a:extLst>
+              <a:ext uri="{FF2B5EF4-FFF2-40B4-BE49-F238E27FC236}">
+                <a16:creationId xmlns:a16="http://schemas.microsoft.com/office/drawing/2014/main" id="{2B3EA4CB-F925-4B7E-B100-1333BC66C3B5}"/>
+              </a:ext>
+            </a:extLst>
+          </p:cNvPr>
+          <p:cNvSpPr txBox="1"/>
+          <p:nvPr/>
+        </p:nvSpPr>
+        <p:spPr>
+          <a:xfrm>
+            <a:off x="396214" y="1597173"/>
+            <a:ext cx="8353160" cy="3600986"/>
+          </a:xfrm>
+          <a:prstGeom prst="rect">
+            <a:avLst/>
+          </a:prstGeom>
+          <a:noFill/>
+        </p:spPr>
+        <p:txBody>
+          <a:bodyPr wrap="square" lIns="91440" tIns="45720" rIns="91440" bIns="45720" rtlCol="0" anchor="t">
+            <a:spAutoFit/>
+          </a:bodyPr>
+          <a:lstStyle/>
+          <a:p>
+            <a:pPr algn="just"/>
+            <a:r>
+              <a:rPr lang="pt-BR" sz="1600" b="0" i="0" dirty="0">
+                <a:latin typeface="+mj-lt"/>
+              </a:rPr>
+              <a:t>Um problema presente em diversos segmentos da economia é a fraude, tanto para empresas (desvio de dinheiro, manipulações financeiras) como para governos (evasão de tributos/impostos). Quando uma fraude acontece, ela pode levar uma empresa ou governo à perda de credibilidade, valor de mercado e até à falência. </a:t>
+            </a:r>
+          </a:p>
+          <a:p>
+            <a:pPr algn="just"/>
+            <a:endParaRPr lang="en-US" dirty="0"/>
+          </a:p>
+          <a:p>
+            <a:pPr algn="just"/>
+            <a:r>
+              <a:rPr lang="pt-BR" sz="1600" b="0" i="0" dirty="0">
+                <a:latin typeface="+mj-lt"/>
+              </a:rPr>
+              <a:t>Há algumas abordagens que utilizam </a:t>
+            </a:r>
+            <a:r>
+              <a:rPr lang="pt-BR" sz="1600" b="0" i="0" dirty="0" err="1">
+                <a:latin typeface="+mj-lt"/>
+              </a:rPr>
+              <a:t>Machine</a:t>
+            </a:r>
+            <a:r>
+              <a:rPr lang="pt-BR" sz="1600" b="0" i="0" dirty="0">
+                <a:latin typeface="+mj-lt"/>
+              </a:rPr>
+              <a:t> Learning para resolver o problema de identificar fraudes, principalmente com algoritmos de </a:t>
+            </a:r>
+            <a:r>
+              <a:rPr lang="pt-BR" sz="1600" b="0" i="0" dirty="0" err="1">
+                <a:latin typeface="+mj-lt"/>
+              </a:rPr>
+              <a:t>clusterização</a:t>
+            </a:r>
+            <a:r>
+              <a:rPr lang="pt-BR" sz="1600" b="0" i="0" dirty="0">
+                <a:latin typeface="+mj-lt"/>
+              </a:rPr>
+              <a:t>. No entanto, há uma solução que não está relacionada à </a:t>
+            </a:r>
+            <a:r>
+              <a:rPr lang="pt-BR" sz="1600" b="0" i="0" dirty="0" err="1">
+                <a:latin typeface="+mj-lt"/>
+              </a:rPr>
+              <a:t>Machine</a:t>
+            </a:r>
+            <a:r>
+              <a:rPr lang="pt-BR" sz="1600" b="0" i="0" dirty="0">
+                <a:latin typeface="+mj-lt"/>
+              </a:rPr>
+              <a:t> Learning, mas apenas à análise de frequência e ao formato da distribuição dos primeiro números de movimentações financeiras, seu nome é: lei de </a:t>
+            </a:r>
+            <a:r>
+              <a:rPr lang="pt-BR" sz="1600" b="0" i="0" dirty="0" err="1">
+                <a:latin typeface="+mj-lt"/>
+              </a:rPr>
+              <a:t>Newcomb-Benford</a:t>
+            </a:r>
+            <a:r>
+              <a:rPr lang="pt-BR" sz="1600" b="0" i="0" dirty="0">
+                <a:latin typeface="+mj-lt"/>
+              </a:rPr>
+              <a:t>. </a:t>
+            </a:r>
+            <a:endParaRPr lang="pt-BR" sz="1600" b="0" i="0" dirty="0">
+              <a:latin typeface="+mj-lt"/>
+              <a:cs typeface="Arial"/>
+            </a:endParaRPr>
+          </a:p>
+          <a:p>
+            <a:pPr algn="just"/>
+            <a:endParaRPr lang="pt-BR" dirty="0">
+              <a:cs typeface="Arial"/>
+            </a:endParaRPr>
+          </a:p>
+          <a:p>
+            <a:pPr algn="just"/>
+            <a:r>
+              <a:rPr lang="pt-BR" sz="1600" b="0" i="0" dirty="0">
+                <a:latin typeface="+mj-lt"/>
+                <a:cs typeface="Arial"/>
+              </a:rPr>
+              <a:t>Saber que a lei de </a:t>
+            </a:r>
+            <a:r>
+              <a:rPr lang="pt-BR" sz="1600" b="0" i="0" dirty="0" err="1">
+                <a:latin typeface="+mj-lt"/>
+                <a:cs typeface="Arial"/>
+              </a:rPr>
+              <a:t>Newcomb-Benford</a:t>
+            </a:r>
+            <a:r>
+              <a:rPr lang="pt-BR" sz="1600" b="0" i="0" dirty="0">
+                <a:latin typeface="+mj-lt"/>
+                <a:cs typeface="Arial"/>
+              </a:rPr>
+              <a:t> também pode ser usada para detecção de fraudes é importante, pois é um método baseado em contagem, mais rápido e barato, que não precisa do uso de ML e que já aponta as possíveis fraudes. </a:t>
+            </a:r>
+            <a:endParaRPr lang="pt-BR" dirty="0"/>
+          </a:p>
+        </p:txBody>
+      </p:sp>
+    </p:spTree>
+    <p:extLst>
+      <p:ext uri="{BB962C8B-B14F-4D97-AF65-F5344CB8AC3E}">
+        <p14:creationId xmlns:p14="http://schemas.microsoft.com/office/powerpoint/2010/main" val="3099482089"/>
+      </p:ext>
+    </p:extLst>
+  </p:cSld>
+  <p:clrMapOvr>
+    <a:masterClrMapping/>
+  </p:clrMapOvr>
+</p:sld>
+</file>
+
+<file path=ppt/slides/slide17.xml><?xml version="1.0" encoding="utf-8"?>
+<p:sld xmlns:a="http://schemas.openxmlformats.org/drawingml/2006/main" xmlns:r="http://schemas.openxmlformats.org/officeDocument/2006/relationships" xmlns:p="http://schemas.openxmlformats.org/presentationml/2006/main">
+  <p:cSld>
+    <p:spTree>
+      <p:nvGrpSpPr>
+        <p:cNvPr id="1" name=""/>
+        <p:cNvGrpSpPr/>
+        <p:nvPr/>
+      </p:nvGrpSpPr>
+      <p:grpSpPr>
+        <a:xfrm>
+          <a:off x="0" y="0"/>
+          <a:ext cx="0" cy="0"/>
+          <a:chOff x="0" y="0"/>
+          <a:chExt cx="0" cy="0"/>
+        </a:xfrm>
+      </p:grpSpPr>
+      <p:sp>
+        <p:nvSpPr>
+          <p:cNvPr id="5122" name="Rectangle 2"/>
+          <p:cNvSpPr>
+            <a:spLocks noGrp="1" noChangeArrowheads="1"/>
+          </p:cNvSpPr>
+          <p:nvPr>
+            <p:ph type="title"/>
+          </p:nvPr>
+        </p:nvSpPr>
+        <p:spPr>
+          <a:xfrm>
+            <a:off x="434012" y="260560"/>
+            <a:ext cx="7008813" cy="455612"/>
+          </a:xfrm>
+        </p:spPr>
+        <p:txBody>
+          <a:bodyPr/>
+          <a:lstStyle/>
+          <a:p>
+            <a:pPr>
+              <a:lnSpc>
+                <a:spcPct val="150000"/>
+              </a:lnSpc>
+            </a:pPr>
+            <a:r>
+              <a:rPr lang="pt-BR" dirty="0" err="1">
+                <a:latin typeface="Gotham HTF Medium"/>
+              </a:rPr>
+              <a:t>Machine</a:t>
+            </a:r>
+            <a:r>
+              <a:rPr lang="pt-BR" dirty="0">
+                <a:latin typeface="Gotham HTF Medium"/>
+              </a:rPr>
+              <a:t> Learning I</a:t>
             </a:r>
             <a:endParaRPr lang="pt-BR" dirty="0"/>
           </a:p>
@@ -5116,13 +7689,18 @@
               <a:rPr lang="pt-BR" sz="1600" b="0" i="0" dirty="0">
                 <a:latin typeface="+mj-lt"/>
               </a:rPr>
-              <a:t>, também é conhecida como a lei do primeiro digito. Ela se baseia em uma observação sobre a distribuição dos dígitos que podem aparecer, por exemplo, em patrimônios ou movimentações de contas. </a:t>
-            </a:r>
+              <a:t>, também é conhecida como a lei do primeiro digito. Ela se baseia em uma observação sobre a distribuição dos dígitos que podem aparecer, por exemplo, em patrimônios ou movimentações de contas. </a:t>
+            </a:r>
+            <a:endParaRPr lang="pt-BR" sz="1600" b="0" i="0" dirty="0">
+              <a:latin typeface="+mj-lt"/>
+              <a:cs typeface="Arial"/>
+            </a:endParaRPr>
           </a:p>
           <a:p>
             <a:pPr algn="just"/>
             <a:endParaRPr lang="pt-BR" sz="1600" b="0" i="0" dirty="0">
-              <a:latin typeface="Square721 BT"/>
+              <a:latin typeface="Arial"/>
+              <a:cs typeface="Arial"/>
             </a:endParaRPr>
           </a:p>
           <a:p>
@@ -5149,7 +7727,8 @@
           <a:p>
             <a:pPr algn="just"/>
             <a:endParaRPr lang="pt-BR" sz="1600" b="0" i="0" dirty="0">
-              <a:latin typeface="Square721 BT"/>
+              <a:latin typeface="Arial"/>
+              <a:cs typeface="Arial"/>
             </a:endParaRPr>
           </a:p>
           <a:p>
@@ -5277,7 +7856,7 @@
 </p:sld>
 </file>
 
-<file path=ppt/slides/slide3.xml><?xml version="1.0" encoding="utf-8"?>
+<file path=ppt/slides/slide18.xml><?xml version="1.0" encoding="utf-8"?>
 <p:sld xmlns:a="http://schemas.openxmlformats.org/drawingml/2006/main" xmlns:r="http://schemas.openxmlformats.org/officeDocument/2006/relationships" xmlns:p="http://schemas.openxmlformats.org/presentationml/2006/main">
   <p:cSld>
     <p:spTree>
@@ -5329,7 +7908,7 @@
               <a:rPr lang="pt-BR" dirty="0">
                 <a:latin typeface="Gotham HTF Medium"/>
               </a:rPr>
-              <a:t> Learning</a:t>
+              <a:t> Learning I</a:t>
             </a:r>
             <a:endParaRPr lang="pt-BR" dirty="0"/>
           </a:p>
@@ -5597,7 +8176,7 @@
 </p:sld>
 </file>
 
-<file path=ppt/slides/slide4.xml><?xml version="1.0" encoding="utf-8"?>
+<file path=ppt/slides/slide19.xml><?xml version="1.0" encoding="utf-8"?>
 <p:sld xmlns:a="http://schemas.openxmlformats.org/drawingml/2006/main" xmlns:r="http://schemas.openxmlformats.org/officeDocument/2006/relationships" xmlns:p="http://schemas.openxmlformats.org/presentationml/2006/main">
   <p:cSld>
     <p:spTree>
@@ -5649,7 +8228,7 @@
               <a:rPr lang="pt-BR" dirty="0">
                 <a:latin typeface="Gotham HTF Medium"/>
               </a:rPr>
-              <a:t> Learning</a:t>
+              <a:t> Learning I</a:t>
             </a:r>
             <a:endParaRPr lang="pt-BR" dirty="0"/>
           </a:p>
@@ -5798,6 +8377,3754 @@
     <p:extLst>
       <p:ext uri="{BB962C8B-B14F-4D97-AF65-F5344CB8AC3E}">
         <p14:creationId xmlns:p14="http://schemas.microsoft.com/office/powerpoint/2010/main" val="1776699597"/>
+      </p:ext>
+    </p:extLst>
+  </p:cSld>
+  <p:clrMapOvr>
+    <a:masterClrMapping/>
+  </p:clrMapOvr>
+</p:sld>
+</file>
+
+<file path=ppt/slides/slide2.xml><?xml version="1.0" encoding="utf-8"?>
+<p:sld xmlns:a="http://schemas.openxmlformats.org/drawingml/2006/main" xmlns:r="http://schemas.openxmlformats.org/officeDocument/2006/relationships" xmlns:p="http://schemas.openxmlformats.org/presentationml/2006/main">
+  <p:cSld>
+    <p:spTree>
+      <p:nvGrpSpPr>
+        <p:cNvPr id="1" name=""/>
+        <p:cNvGrpSpPr/>
+        <p:nvPr/>
+      </p:nvGrpSpPr>
+      <p:grpSpPr>
+        <a:xfrm>
+          <a:off x="0" y="0"/>
+          <a:ext cx="0" cy="0"/>
+          <a:chOff x="0" y="0"/>
+          <a:chExt cx="0" cy="0"/>
+        </a:xfrm>
+      </p:grpSpPr>
+      <p:sp>
+        <p:nvSpPr>
+          <p:cNvPr id="2" name="Title 1">
+            <a:extLst>
+              <a:ext uri="{FF2B5EF4-FFF2-40B4-BE49-F238E27FC236}">
+                <a16:creationId xmlns:a16="http://schemas.microsoft.com/office/drawing/2014/main" id="{43E5162E-F033-3D64-7489-816C333C48A4}"/>
+              </a:ext>
+            </a:extLst>
+          </p:cNvPr>
+          <p:cNvSpPr>
+            <a:spLocks noGrp="1"/>
+          </p:cNvSpPr>
+          <p:nvPr>
+            <p:ph type="title"/>
+          </p:nvPr>
+        </p:nvSpPr>
+        <p:spPr/>
+        <p:txBody>
+          <a:bodyPr/>
+          <a:lstStyle/>
+          <a:p>
+            <a:r>
+              <a:rPr lang="en-US" dirty="0">
+                <a:cs typeface="Arial"/>
+              </a:rPr>
+              <a:t>Machine Learning I</a:t>
+            </a:r>
+            <a:endParaRPr lang="en-US" dirty="0"/>
+          </a:p>
+        </p:txBody>
+      </p:sp>
+      <p:sp>
+        <p:nvSpPr>
+          <p:cNvPr id="3" name="Content Placeholder 2">
+            <a:extLst>
+              <a:ext uri="{FF2B5EF4-FFF2-40B4-BE49-F238E27FC236}">
+                <a16:creationId xmlns:a16="http://schemas.microsoft.com/office/drawing/2014/main" id="{C78B5095-9317-6870-6F77-B58F0E37BDA7}"/>
+              </a:ext>
+            </a:extLst>
+          </p:cNvPr>
+          <p:cNvSpPr>
+            <a:spLocks noGrp="1"/>
+          </p:cNvSpPr>
+          <p:nvPr>
+            <p:ph idx="1"/>
+          </p:nvPr>
+        </p:nvSpPr>
+        <p:spPr>
+          <a:xfrm>
+            <a:off x="468313" y="1052513"/>
+            <a:ext cx="8353425" cy="3285505"/>
+          </a:xfrm>
+        </p:spPr>
+        <p:txBody>
+          <a:bodyPr vert="horz" wrap="square" lIns="90488" tIns="44450" rIns="90488" bIns="44450" numCol="1" anchor="ctr" anchorCtr="0" compatLnSpc="1">
+            <a:prstTxWarp prst="textNoShape">
+              <a:avLst/>
+            </a:prstTxWarp>
+          </a:bodyPr>
+          <a:lstStyle/>
+          <a:p>
+            <a:pPr marL="0" indent="0">
+              <a:buNone/>
+            </a:pPr>
+            <a:r>
+              <a:rPr lang="en-US" sz="2400" dirty="0">
+                <a:cs typeface="Arial"/>
+              </a:rPr>
+              <a:t>PROBLEMA REAL QUE PODE SER RESOLVIDO COM UM ALGORITMO SUPERVISIONADO DE MACHINE LEARNING</a:t>
+            </a:r>
+          </a:p>
+        </p:txBody>
+      </p:sp>
+    </p:spTree>
+    <p:extLst>
+      <p:ext uri="{BB962C8B-B14F-4D97-AF65-F5344CB8AC3E}">
+        <p14:creationId xmlns:p14="http://schemas.microsoft.com/office/powerpoint/2010/main" val="3136009633"/>
+      </p:ext>
+    </p:extLst>
+  </p:cSld>
+  <p:clrMapOvr>
+    <a:masterClrMapping/>
+  </p:clrMapOvr>
+</p:sld>
+</file>
+
+<file path=ppt/slides/slide3.xml><?xml version="1.0" encoding="utf-8"?>
+<p:sld xmlns:a="http://schemas.openxmlformats.org/drawingml/2006/main" xmlns:r="http://schemas.openxmlformats.org/officeDocument/2006/relationships" xmlns:p="http://schemas.openxmlformats.org/presentationml/2006/main">
+  <p:cSld>
+    <p:spTree>
+      <p:nvGrpSpPr>
+        <p:cNvPr id="1" name=""/>
+        <p:cNvGrpSpPr/>
+        <p:nvPr/>
+      </p:nvGrpSpPr>
+      <p:grpSpPr>
+        <a:xfrm>
+          <a:off x="0" y="0"/>
+          <a:ext cx="0" cy="0"/>
+          <a:chOff x="0" y="0"/>
+          <a:chExt cx="0" cy="0"/>
+        </a:xfrm>
+      </p:grpSpPr>
+      <p:sp>
+        <p:nvSpPr>
+          <p:cNvPr id="2" name="Title 1">
+            <a:extLst>
+              <a:ext uri="{FF2B5EF4-FFF2-40B4-BE49-F238E27FC236}">
+                <a16:creationId xmlns:a16="http://schemas.microsoft.com/office/drawing/2014/main" id="{86BCB056-E304-E0D7-75F1-45A1EB2EFBE6}"/>
+              </a:ext>
+            </a:extLst>
+          </p:cNvPr>
+          <p:cNvSpPr>
+            <a:spLocks noGrp="1"/>
+          </p:cNvSpPr>
+          <p:nvPr>
+            <p:ph type="title"/>
+          </p:nvPr>
+        </p:nvSpPr>
+        <p:spPr/>
+        <p:txBody>
+          <a:bodyPr/>
+          <a:lstStyle/>
+          <a:p>
+            <a:r>
+              <a:rPr lang="pt-BR" dirty="0" err="1">
+                <a:ea typeface="+mj-lt"/>
+                <a:cs typeface="+mj-lt"/>
+              </a:rPr>
+              <a:t>Machine</a:t>
+            </a:r>
+            <a:r>
+              <a:rPr lang="pt-BR" dirty="0">
+                <a:ea typeface="+mj-lt"/>
+                <a:cs typeface="+mj-lt"/>
+              </a:rPr>
+              <a:t> Learning I</a:t>
+            </a:r>
+            <a:endParaRPr lang="en-US" b="0" dirty="0">
+              <a:ea typeface="+mj-lt"/>
+              <a:cs typeface="+mj-lt"/>
+            </a:endParaRPr>
+          </a:p>
+        </p:txBody>
+      </p:sp>
+      <p:sp>
+        <p:nvSpPr>
+          <p:cNvPr id="4" name="CaixaDeTexto 2">
+            <a:extLst>
+              <a:ext uri="{FF2B5EF4-FFF2-40B4-BE49-F238E27FC236}">
+                <a16:creationId xmlns:a16="http://schemas.microsoft.com/office/drawing/2014/main" id="{461A9094-DE6C-C052-D4C7-D538737EEDBC}"/>
+              </a:ext>
+            </a:extLst>
+          </p:cNvPr>
+          <p:cNvSpPr txBox="1"/>
+          <p:nvPr/>
+        </p:nvSpPr>
+        <p:spPr>
+          <a:xfrm>
+            <a:off x="396214" y="912897"/>
+            <a:ext cx="8353160" cy="785343"/>
+          </a:xfrm>
+          <a:prstGeom prst="rect">
+            <a:avLst/>
+          </a:prstGeom>
+          <a:noFill/>
+        </p:spPr>
+        <p:txBody>
+          <a:bodyPr wrap="square" lIns="91440" tIns="45720" rIns="91440" bIns="45720" rtlCol="0" anchor="t">
+            <a:spAutoFit/>
+          </a:bodyPr>
+          <a:lstStyle>
+            <a:defPPr>
+              <a:defRPr lang="en-US"/>
+            </a:defPPr>
+            <a:lvl1pPr algn="l" rtl="0" eaLnBrk="0" fontAlgn="base" hangingPunct="0">
+              <a:spcBef>
+                <a:spcPct val="0"/>
+              </a:spcBef>
+              <a:spcAft>
+                <a:spcPct val="0"/>
+              </a:spcAft>
+              <a:defRPr b="1" i="1" kern="1200">
+                <a:solidFill>
+                  <a:schemeClr val="bg2"/>
+                </a:solidFill>
+                <a:latin typeface="Square721 BT" pitchFamily="34" charset="0"/>
+                <a:ea typeface="+mn-ea"/>
+                <a:cs typeface="+mn-cs"/>
+              </a:defRPr>
+            </a:lvl1pPr>
+            <a:lvl2pPr marL="457200" algn="l" rtl="0" eaLnBrk="0" fontAlgn="base" hangingPunct="0">
+              <a:spcBef>
+                <a:spcPct val="0"/>
+              </a:spcBef>
+              <a:spcAft>
+                <a:spcPct val="0"/>
+              </a:spcAft>
+              <a:defRPr b="1" i="1" kern="1200">
+                <a:solidFill>
+                  <a:schemeClr val="bg2"/>
+                </a:solidFill>
+                <a:latin typeface="Square721 BT" pitchFamily="34" charset="0"/>
+                <a:ea typeface="+mn-ea"/>
+                <a:cs typeface="+mn-cs"/>
+              </a:defRPr>
+            </a:lvl2pPr>
+            <a:lvl3pPr marL="914400" algn="l" rtl="0" eaLnBrk="0" fontAlgn="base" hangingPunct="0">
+              <a:spcBef>
+                <a:spcPct val="0"/>
+              </a:spcBef>
+              <a:spcAft>
+                <a:spcPct val="0"/>
+              </a:spcAft>
+              <a:defRPr b="1" i="1" kern="1200">
+                <a:solidFill>
+                  <a:schemeClr val="bg2"/>
+                </a:solidFill>
+                <a:latin typeface="Square721 BT" pitchFamily="34" charset="0"/>
+                <a:ea typeface="+mn-ea"/>
+                <a:cs typeface="+mn-cs"/>
+              </a:defRPr>
+            </a:lvl3pPr>
+            <a:lvl4pPr marL="1371600" algn="l" rtl="0" eaLnBrk="0" fontAlgn="base" hangingPunct="0">
+              <a:spcBef>
+                <a:spcPct val="0"/>
+              </a:spcBef>
+              <a:spcAft>
+                <a:spcPct val="0"/>
+              </a:spcAft>
+              <a:defRPr b="1" i="1" kern="1200">
+                <a:solidFill>
+                  <a:schemeClr val="bg2"/>
+                </a:solidFill>
+                <a:latin typeface="Square721 BT" pitchFamily="34" charset="0"/>
+                <a:ea typeface="+mn-ea"/>
+                <a:cs typeface="+mn-cs"/>
+              </a:defRPr>
+            </a:lvl4pPr>
+            <a:lvl5pPr marL="1828800" algn="l" rtl="0" eaLnBrk="0" fontAlgn="base" hangingPunct="0">
+              <a:spcBef>
+                <a:spcPct val="0"/>
+              </a:spcBef>
+              <a:spcAft>
+                <a:spcPct val="0"/>
+              </a:spcAft>
+              <a:defRPr b="1" i="1" kern="1200">
+                <a:solidFill>
+                  <a:schemeClr val="bg2"/>
+                </a:solidFill>
+                <a:latin typeface="Square721 BT" pitchFamily="34" charset="0"/>
+                <a:ea typeface="+mn-ea"/>
+                <a:cs typeface="+mn-cs"/>
+              </a:defRPr>
+            </a:lvl5pPr>
+            <a:lvl6pPr marL="2286000" algn="l" defTabSz="914400" rtl="0" eaLnBrk="1" latinLnBrk="0" hangingPunct="1">
+              <a:defRPr b="1" i="1" kern="1200">
+                <a:solidFill>
+                  <a:schemeClr val="bg2"/>
+                </a:solidFill>
+                <a:latin typeface="Square721 BT" pitchFamily="34" charset="0"/>
+                <a:ea typeface="+mn-ea"/>
+                <a:cs typeface="+mn-cs"/>
+              </a:defRPr>
+            </a:lvl6pPr>
+            <a:lvl7pPr marL="2743200" algn="l" defTabSz="914400" rtl="0" eaLnBrk="1" latinLnBrk="0" hangingPunct="1">
+              <a:defRPr b="1" i="1" kern="1200">
+                <a:solidFill>
+                  <a:schemeClr val="bg2"/>
+                </a:solidFill>
+                <a:latin typeface="Square721 BT" pitchFamily="34" charset="0"/>
+                <a:ea typeface="+mn-ea"/>
+                <a:cs typeface="+mn-cs"/>
+              </a:defRPr>
+            </a:lvl7pPr>
+            <a:lvl8pPr marL="3200400" algn="l" defTabSz="914400" rtl="0" eaLnBrk="1" latinLnBrk="0" hangingPunct="1">
+              <a:defRPr b="1" i="1" kern="1200">
+                <a:solidFill>
+                  <a:schemeClr val="bg2"/>
+                </a:solidFill>
+                <a:latin typeface="Square721 BT" pitchFamily="34" charset="0"/>
+                <a:ea typeface="+mn-ea"/>
+                <a:cs typeface="+mn-cs"/>
+              </a:defRPr>
+            </a:lvl8pPr>
+            <a:lvl9pPr marL="3657600" algn="l" defTabSz="914400" rtl="0" eaLnBrk="1" latinLnBrk="0" hangingPunct="1">
+              <a:defRPr b="1" i="1" kern="1200">
+                <a:solidFill>
+                  <a:schemeClr val="bg2"/>
+                </a:solidFill>
+                <a:latin typeface="Square721 BT" pitchFamily="34" charset="0"/>
+                <a:ea typeface="+mn-ea"/>
+                <a:cs typeface="+mn-cs"/>
+              </a:defRPr>
+            </a:lvl9pPr>
+          </a:lstStyle>
+          <a:p>
+            <a:pPr>
+              <a:lnSpc>
+                <a:spcPct val="150000"/>
+              </a:lnSpc>
+            </a:pPr>
+            <a:r>
+              <a:rPr lang="pt-BR" sz="1600" i="0" dirty="0">
+                <a:latin typeface="+mj-lt"/>
+              </a:rPr>
+              <a:t>DESCRIÇÃO DO PROBLEMA: MODELO DE CLASSIFICAÇÃO DE PLAYOFFS PARA TIMES DE BASEBALL</a:t>
+            </a:r>
+            <a:endParaRPr lang="pt-BR" sz="1600" i="0" dirty="0">
+              <a:latin typeface="+mj-lt"/>
+              <a:cs typeface="Arial"/>
+            </a:endParaRPr>
+          </a:p>
+        </p:txBody>
+      </p:sp>
+      <p:sp>
+        <p:nvSpPr>
+          <p:cNvPr id="5" name="CaixaDeTexto 4">
+            <a:extLst>
+              <a:ext uri="{FF2B5EF4-FFF2-40B4-BE49-F238E27FC236}">
+                <a16:creationId xmlns:a16="http://schemas.microsoft.com/office/drawing/2014/main" id="{7033D7D6-D092-57D5-3B23-EAC2F46839CE}"/>
+              </a:ext>
+            </a:extLst>
+          </p:cNvPr>
+          <p:cNvSpPr txBox="1"/>
+          <p:nvPr/>
+        </p:nvSpPr>
+        <p:spPr>
+          <a:xfrm>
+            <a:off x="396214" y="1869604"/>
+            <a:ext cx="5904669" cy="4308872"/>
+          </a:xfrm>
+          <a:prstGeom prst="rect">
+            <a:avLst/>
+          </a:prstGeom>
+          <a:noFill/>
+        </p:spPr>
+        <p:txBody>
+          <a:bodyPr wrap="square" lIns="91440" tIns="45720" rIns="91440" bIns="45720" rtlCol="0" anchor="t">
+            <a:spAutoFit/>
+          </a:bodyPr>
+          <a:lstStyle>
+            <a:defPPr>
+              <a:defRPr lang="en-US"/>
+            </a:defPPr>
+            <a:lvl1pPr algn="l" rtl="0" eaLnBrk="0" fontAlgn="base" hangingPunct="0">
+              <a:spcBef>
+                <a:spcPct val="0"/>
+              </a:spcBef>
+              <a:spcAft>
+                <a:spcPct val="0"/>
+              </a:spcAft>
+              <a:defRPr b="1" i="1" kern="1200">
+                <a:solidFill>
+                  <a:schemeClr val="bg2"/>
+                </a:solidFill>
+                <a:latin typeface="Square721 BT" pitchFamily="34" charset="0"/>
+                <a:ea typeface="+mn-ea"/>
+                <a:cs typeface="+mn-cs"/>
+              </a:defRPr>
+            </a:lvl1pPr>
+            <a:lvl2pPr marL="457200" algn="l" rtl="0" eaLnBrk="0" fontAlgn="base" hangingPunct="0">
+              <a:spcBef>
+                <a:spcPct val="0"/>
+              </a:spcBef>
+              <a:spcAft>
+                <a:spcPct val="0"/>
+              </a:spcAft>
+              <a:defRPr b="1" i="1" kern="1200">
+                <a:solidFill>
+                  <a:schemeClr val="bg2"/>
+                </a:solidFill>
+                <a:latin typeface="Square721 BT" pitchFamily="34" charset="0"/>
+                <a:ea typeface="+mn-ea"/>
+                <a:cs typeface="+mn-cs"/>
+              </a:defRPr>
+            </a:lvl2pPr>
+            <a:lvl3pPr marL="914400" algn="l" rtl="0" eaLnBrk="0" fontAlgn="base" hangingPunct="0">
+              <a:spcBef>
+                <a:spcPct val="0"/>
+              </a:spcBef>
+              <a:spcAft>
+                <a:spcPct val="0"/>
+              </a:spcAft>
+              <a:defRPr b="1" i="1" kern="1200">
+                <a:solidFill>
+                  <a:schemeClr val="bg2"/>
+                </a:solidFill>
+                <a:latin typeface="Square721 BT" pitchFamily="34" charset="0"/>
+                <a:ea typeface="+mn-ea"/>
+                <a:cs typeface="+mn-cs"/>
+              </a:defRPr>
+            </a:lvl3pPr>
+            <a:lvl4pPr marL="1371600" algn="l" rtl="0" eaLnBrk="0" fontAlgn="base" hangingPunct="0">
+              <a:spcBef>
+                <a:spcPct val="0"/>
+              </a:spcBef>
+              <a:spcAft>
+                <a:spcPct val="0"/>
+              </a:spcAft>
+              <a:defRPr b="1" i="1" kern="1200">
+                <a:solidFill>
+                  <a:schemeClr val="bg2"/>
+                </a:solidFill>
+                <a:latin typeface="Square721 BT" pitchFamily="34" charset="0"/>
+                <a:ea typeface="+mn-ea"/>
+                <a:cs typeface="+mn-cs"/>
+              </a:defRPr>
+            </a:lvl4pPr>
+            <a:lvl5pPr marL="1828800" algn="l" rtl="0" eaLnBrk="0" fontAlgn="base" hangingPunct="0">
+              <a:spcBef>
+                <a:spcPct val="0"/>
+              </a:spcBef>
+              <a:spcAft>
+                <a:spcPct val="0"/>
+              </a:spcAft>
+              <a:defRPr b="1" i="1" kern="1200">
+                <a:solidFill>
+                  <a:schemeClr val="bg2"/>
+                </a:solidFill>
+                <a:latin typeface="Square721 BT" pitchFamily="34" charset="0"/>
+                <a:ea typeface="+mn-ea"/>
+                <a:cs typeface="+mn-cs"/>
+              </a:defRPr>
+            </a:lvl5pPr>
+            <a:lvl6pPr marL="2286000" algn="l" defTabSz="914400" rtl="0" eaLnBrk="1" latinLnBrk="0" hangingPunct="1">
+              <a:defRPr b="1" i="1" kern="1200">
+                <a:solidFill>
+                  <a:schemeClr val="bg2"/>
+                </a:solidFill>
+                <a:latin typeface="Square721 BT" pitchFamily="34" charset="0"/>
+                <a:ea typeface="+mn-ea"/>
+                <a:cs typeface="+mn-cs"/>
+              </a:defRPr>
+            </a:lvl6pPr>
+            <a:lvl7pPr marL="2743200" algn="l" defTabSz="914400" rtl="0" eaLnBrk="1" latinLnBrk="0" hangingPunct="1">
+              <a:defRPr b="1" i="1" kern="1200">
+                <a:solidFill>
+                  <a:schemeClr val="bg2"/>
+                </a:solidFill>
+                <a:latin typeface="Square721 BT" pitchFamily="34" charset="0"/>
+                <a:ea typeface="+mn-ea"/>
+                <a:cs typeface="+mn-cs"/>
+              </a:defRPr>
+            </a:lvl7pPr>
+            <a:lvl8pPr marL="3200400" algn="l" defTabSz="914400" rtl="0" eaLnBrk="1" latinLnBrk="0" hangingPunct="1">
+              <a:defRPr b="1" i="1" kern="1200">
+                <a:solidFill>
+                  <a:schemeClr val="bg2"/>
+                </a:solidFill>
+                <a:latin typeface="Square721 BT" pitchFamily="34" charset="0"/>
+                <a:ea typeface="+mn-ea"/>
+                <a:cs typeface="+mn-cs"/>
+              </a:defRPr>
+            </a:lvl8pPr>
+            <a:lvl9pPr marL="3657600" algn="l" defTabSz="914400" rtl="0" eaLnBrk="1" latinLnBrk="0" hangingPunct="1">
+              <a:defRPr b="1" i="1" kern="1200">
+                <a:solidFill>
+                  <a:schemeClr val="bg2"/>
+                </a:solidFill>
+                <a:latin typeface="Square721 BT" pitchFamily="34" charset="0"/>
+                <a:ea typeface="+mn-ea"/>
+                <a:cs typeface="+mn-cs"/>
+              </a:defRPr>
+            </a:lvl9pPr>
+          </a:lstStyle>
+          <a:p>
+            <a:pPr algn="just"/>
+            <a:r>
+              <a:rPr lang="pt-BR" sz="1600" b="0" i="0" dirty="0">
+                <a:latin typeface="+mj-lt"/>
+                <a:cs typeface="Arial"/>
+              </a:rPr>
+              <a:t>No filme '</a:t>
+            </a:r>
+            <a:r>
+              <a:rPr lang="pt-BR" sz="1600" b="0" dirty="0" err="1">
+                <a:latin typeface="+mj-lt"/>
+                <a:cs typeface="Arial"/>
+              </a:rPr>
+              <a:t>Moneyball</a:t>
+            </a:r>
+            <a:r>
+              <a:rPr lang="pt-BR" sz="1600" b="0" dirty="0">
+                <a:latin typeface="+mj-lt"/>
+                <a:cs typeface="Arial"/>
+              </a:rPr>
+              <a:t>’, </a:t>
+            </a:r>
+            <a:r>
+              <a:rPr lang="pt-BR" sz="1600" b="0" i="0" dirty="0">
+                <a:latin typeface="+mj-lt"/>
+                <a:cs typeface="Arial"/>
+              </a:rPr>
+              <a:t>um treinador de baseball trabalha com um estatístico para formar um time vencedor, mesmo tendo verba reduzida e jogadores considerados de segunda categoria. </a:t>
+            </a:r>
+            <a:endParaRPr lang="en-US" sz="1600" b="0" i="0">
+              <a:latin typeface="Square721 BT"/>
+              <a:cs typeface="Arial"/>
+            </a:endParaRPr>
+          </a:p>
+          <a:p>
+            <a:pPr algn="just"/>
+            <a:endParaRPr lang="pt-BR" sz="1600" b="0" i="0" dirty="0">
+              <a:latin typeface="+mj-lt"/>
+              <a:cs typeface="Arial"/>
+            </a:endParaRPr>
+          </a:p>
+          <a:p>
+            <a:pPr algn="just"/>
+            <a:r>
+              <a:rPr lang="pt-BR" sz="1600" b="0" i="0" dirty="0">
+                <a:latin typeface="+mj-lt"/>
+                <a:cs typeface="Arial"/>
+              </a:rPr>
+              <a:t>Esse filme é baseado em uma história real, e a atividade de aplicação de métodos estatísticos e ciência de dados na área de esportes é chamada de </a:t>
+            </a:r>
+            <a:r>
+              <a:rPr lang="pt-BR" sz="1600" b="0" dirty="0">
+                <a:latin typeface="+mj-lt"/>
+                <a:cs typeface="Arial"/>
+              </a:rPr>
+              <a:t>Sports </a:t>
+            </a:r>
+            <a:r>
+              <a:rPr lang="pt-BR" sz="1600" b="0" dirty="0" err="1">
+                <a:latin typeface="+mj-lt"/>
+                <a:cs typeface="Arial"/>
+              </a:rPr>
+              <a:t>Statistics</a:t>
+            </a:r>
+            <a:r>
+              <a:rPr lang="pt-BR" sz="1600" b="0" dirty="0">
+                <a:latin typeface="+mj-lt"/>
+                <a:cs typeface="Arial"/>
+              </a:rPr>
+              <a:t>.</a:t>
+            </a:r>
+            <a:endParaRPr lang="en-US" sz="1600" b="0" i="0" dirty="0">
+              <a:latin typeface="Square721 BT"/>
+              <a:cs typeface="Arial"/>
+            </a:endParaRPr>
+          </a:p>
+          <a:p>
+            <a:pPr algn="just"/>
+            <a:endParaRPr lang="pt-BR" sz="1600" b="0" i="0" dirty="0">
+              <a:latin typeface="+mj-lt"/>
+              <a:cs typeface="Arial"/>
+            </a:endParaRPr>
+          </a:p>
+          <a:p>
+            <a:pPr algn="just"/>
+            <a:r>
+              <a:rPr lang="pt-BR" sz="1600" b="0" i="0" dirty="0">
+                <a:latin typeface="+mj-lt"/>
+                <a:cs typeface="Arial"/>
+              </a:rPr>
+              <a:t>Com crescente interesse em Sports </a:t>
+            </a:r>
+            <a:r>
+              <a:rPr lang="pt-BR" sz="1600" b="0" i="0" dirty="0" err="1">
+                <a:latin typeface="+mj-lt"/>
+                <a:cs typeface="Arial"/>
+              </a:rPr>
+              <a:t>Statistics</a:t>
+            </a:r>
+            <a:r>
+              <a:rPr lang="pt-BR" sz="1600" b="0" i="0" dirty="0">
+                <a:latin typeface="+mj-lt"/>
+                <a:cs typeface="Arial"/>
+              </a:rPr>
+              <a:t>, decidimos criar um modelo que identifica quais times de baseball se classificam ou não para os </a:t>
+            </a:r>
+            <a:r>
+              <a:rPr lang="pt-BR" sz="1600" b="0" dirty="0">
+                <a:latin typeface="+mj-lt"/>
+                <a:cs typeface="Arial"/>
+              </a:rPr>
+              <a:t>playoffs. </a:t>
+            </a:r>
+            <a:endParaRPr lang="pt-BR" dirty="0"/>
+          </a:p>
+          <a:p>
+            <a:pPr algn="just"/>
+            <a:endParaRPr lang="pt-BR" sz="1600" b="0" i="0" dirty="0">
+              <a:latin typeface="+mj-lt"/>
+              <a:cs typeface="Arial"/>
+            </a:endParaRPr>
+          </a:p>
+          <a:p>
+            <a:pPr algn="just"/>
+            <a:endParaRPr lang="pt-BR" sz="1600" b="0" i="0" dirty="0">
+              <a:latin typeface="+mj-lt"/>
+              <a:cs typeface="Arial"/>
+            </a:endParaRPr>
+          </a:p>
+          <a:p>
+            <a:pPr algn="just"/>
+            <a:endParaRPr lang="pt-BR" sz="1600" b="0" i="0" dirty="0">
+              <a:latin typeface="+mj-lt"/>
+              <a:cs typeface="Arial"/>
+            </a:endParaRPr>
+          </a:p>
+          <a:p>
+            <a:pPr algn="just"/>
+            <a:endParaRPr lang="pt-BR" sz="1600" b="0" i="0" dirty="0">
+              <a:latin typeface="+mj-lt"/>
+              <a:cs typeface="Arial"/>
+            </a:endParaRPr>
+          </a:p>
+          <a:p>
+            <a:pPr algn="just"/>
+            <a:endParaRPr lang="en-US">
+              <a:cs typeface="Arial"/>
+            </a:endParaRPr>
+          </a:p>
+        </p:txBody>
+      </p:sp>
+      <p:pic>
+        <p:nvPicPr>
+          <p:cNvPr id="6" name="Imagem 3">
+            <a:extLst>
+              <a:ext uri="{FF2B5EF4-FFF2-40B4-BE49-F238E27FC236}">
+                <a16:creationId xmlns:a16="http://schemas.microsoft.com/office/drawing/2014/main" id="{806F7897-D907-E0AC-C17B-10E278EEC2B9}"/>
+              </a:ext>
+            </a:extLst>
+          </p:cNvPr>
+          <p:cNvPicPr>
+            <a:picLocks noChangeAspect="1"/>
+          </p:cNvPicPr>
+          <p:nvPr/>
+        </p:nvPicPr>
+        <p:blipFill>
+          <a:blip r:embed="rId2"/>
+          <a:stretch>
+            <a:fillRect/>
+          </a:stretch>
+        </p:blipFill>
+        <p:spPr>
+          <a:xfrm>
+            <a:off x="6534717" y="1936435"/>
+            <a:ext cx="1800099" cy="2675030"/>
+          </a:xfrm>
+          <a:prstGeom prst="rect">
+            <a:avLst/>
+          </a:prstGeom>
+        </p:spPr>
+      </p:pic>
+      <p:sp>
+        <p:nvSpPr>
+          <p:cNvPr id="10" name="TextBox 9">
+            <a:extLst>
+              <a:ext uri="{FF2B5EF4-FFF2-40B4-BE49-F238E27FC236}">
+                <a16:creationId xmlns:a16="http://schemas.microsoft.com/office/drawing/2014/main" id="{5BBFDED0-CC0C-87EE-5386-866792AFD710}"/>
+              </a:ext>
+            </a:extLst>
+          </p:cNvPr>
+          <p:cNvSpPr txBox="1"/>
+          <p:nvPr/>
+        </p:nvSpPr>
+        <p:spPr>
+          <a:xfrm>
+            <a:off x="394387" y="5136676"/>
+            <a:ext cx="8083812" cy="584775"/>
+          </a:xfrm>
+          <a:prstGeom prst="rect">
+            <a:avLst/>
+          </a:prstGeom>
+          <a:noFill/>
+        </p:spPr>
+        <p:txBody>
+          <a:bodyPr rot="0" spcFirstLastPara="0" vertOverflow="overflow" horzOverflow="overflow" vert="horz" wrap="square" lIns="91440" tIns="45720" rIns="91440" bIns="45720" numCol="1" spcCol="0" rtlCol="0" fromWordArt="0" anchor="t" anchorCtr="0" forceAA="0" compatLnSpc="1">
+            <a:prstTxWarp prst="textNoShape">
+              <a:avLst/>
+            </a:prstTxWarp>
+            <a:spAutoFit/>
+          </a:bodyPr>
+          <a:lstStyle/>
+          <a:p>
+            <a:r>
+              <a:rPr lang="pt-BR" sz="1600" b="0" i="0" dirty="0">
+                <a:latin typeface="Arial"/>
+              </a:rPr>
+              <a:t>Os playoffs são uma segunda fase composta por 7 jogos eliminatórios. Nesse jogos, as 10 melhores equipes competem para se tornarem a campeã daquele ano.</a:t>
+            </a:r>
+            <a:r>
+              <a:rPr lang="en-US" sz="1600" b="0" i="0" dirty="0">
+                <a:latin typeface="Arial"/>
+                <a:cs typeface="Arial"/>
+              </a:rPr>
+              <a:t>​</a:t>
+            </a:r>
+          </a:p>
+        </p:txBody>
+      </p:sp>
+    </p:spTree>
+    <p:extLst>
+      <p:ext uri="{BB962C8B-B14F-4D97-AF65-F5344CB8AC3E}">
+        <p14:creationId xmlns:p14="http://schemas.microsoft.com/office/powerpoint/2010/main" val="1155902028"/>
+      </p:ext>
+    </p:extLst>
+  </p:cSld>
+  <p:clrMapOvr>
+    <a:masterClrMapping/>
+  </p:clrMapOvr>
+</p:sld>
+</file>
+
+<file path=ppt/slides/slide4.xml><?xml version="1.0" encoding="utf-8"?>
+<p:sld xmlns:a="http://schemas.openxmlformats.org/drawingml/2006/main" xmlns:r="http://schemas.openxmlformats.org/officeDocument/2006/relationships" xmlns:p="http://schemas.openxmlformats.org/presentationml/2006/main">
+  <p:cSld>
+    <p:spTree>
+      <p:nvGrpSpPr>
+        <p:cNvPr id="1" name=""/>
+        <p:cNvGrpSpPr/>
+        <p:nvPr/>
+      </p:nvGrpSpPr>
+      <p:grpSpPr>
+        <a:xfrm>
+          <a:off x="0" y="0"/>
+          <a:ext cx="0" cy="0"/>
+          <a:chOff x="0" y="0"/>
+          <a:chExt cx="0" cy="0"/>
+        </a:xfrm>
+      </p:grpSpPr>
+      <p:sp>
+        <p:nvSpPr>
+          <p:cNvPr id="2" name="Title 1">
+            <a:extLst>
+              <a:ext uri="{FF2B5EF4-FFF2-40B4-BE49-F238E27FC236}">
+                <a16:creationId xmlns:a16="http://schemas.microsoft.com/office/drawing/2014/main" id="{86BCB056-E304-E0D7-75F1-45A1EB2EFBE6}"/>
+              </a:ext>
+            </a:extLst>
+          </p:cNvPr>
+          <p:cNvSpPr>
+            <a:spLocks noGrp="1"/>
+          </p:cNvSpPr>
+          <p:nvPr>
+            <p:ph type="title"/>
+          </p:nvPr>
+        </p:nvSpPr>
+        <p:spPr/>
+        <p:txBody>
+          <a:bodyPr/>
+          <a:lstStyle/>
+          <a:p>
+            <a:r>
+              <a:rPr lang="pt-BR" dirty="0" err="1">
+                <a:ea typeface="+mj-lt"/>
+                <a:cs typeface="+mj-lt"/>
+              </a:rPr>
+              <a:t>Machine</a:t>
+            </a:r>
+            <a:r>
+              <a:rPr lang="pt-BR" dirty="0">
+                <a:ea typeface="+mj-lt"/>
+                <a:cs typeface="+mj-lt"/>
+              </a:rPr>
+              <a:t> Learning I</a:t>
+            </a:r>
+            <a:endParaRPr lang="en-US" b="0" dirty="0">
+              <a:ea typeface="+mj-lt"/>
+              <a:cs typeface="+mj-lt"/>
+            </a:endParaRPr>
+          </a:p>
+        </p:txBody>
+      </p:sp>
+      <p:sp>
+        <p:nvSpPr>
+          <p:cNvPr id="4" name="CaixaDeTexto 2">
+            <a:extLst>
+              <a:ext uri="{FF2B5EF4-FFF2-40B4-BE49-F238E27FC236}">
+                <a16:creationId xmlns:a16="http://schemas.microsoft.com/office/drawing/2014/main" id="{461A9094-DE6C-C052-D4C7-D538737EEDBC}"/>
+              </a:ext>
+            </a:extLst>
+          </p:cNvPr>
+          <p:cNvSpPr txBox="1"/>
+          <p:nvPr/>
+        </p:nvSpPr>
+        <p:spPr>
+          <a:xfrm>
+            <a:off x="396214" y="912897"/>
+            <a:ext cx="8353160" cy="785343"/>
+          </a:xfrm>
+          <a:prstGeom prst="rect">
+            <a:avLst/>
+          </a:prstGeom>
+          <a:noFill/>
+        </p:spPr>
+        <p:txBody>
+          <a:bodyPr wrap="square" lIns="91440" tIns="45720" rIns="91440" bIns="45720" rtlCol="0" anchor="t">
+            <a:spAutoFit/>
+          </a:bodyPr>
+          <a:lstStyle>
+            <a:defPPr>
+              <a:defRPr lang="en-US"/>
+            </a:defPPr>
+            <a:lvl1pPr algn="l" rtl="0" eaLnBrk="0" fontAlgn="base" hangingPunct="0">
+              <a:spcBef>
+                <a:spcPct val="0"/>
+              </a:spcBef>
+              <a:spcAft>
+                <a:spcPct val="0"/>
+              </a:spcAft>
+              <a:defRPr b="1" i="1" kern="1200">
+                <a:solidFill>
+                  <a:schemeClr val="bg2"/>
+                </a:solidFill>
+                <a:latin typeface="Square721 BT" pitchFamily="34" charset="0"/>
+                <a:ea typeface="+mn-ea"/>
+                <a:cs typeface="+mn-cs"/>
+              </a:defRPr>
+            </a:lvl1pPr>
+            <a:lvl2pPr marL="457200" algn="l" rtl="0" eaLnBrk="0" fontAlgn="base" hangingPunct="0">
+              <a:spcBef>
+                <a:spcPct val="0"/>
+              </a:spcBef>
+              <a:spcAft>
+                <a:spcPct val="0"/>
+              </a:spcAft>
+              <a:defRPr b="1" i="1" kern="1200">
+                <a:solidFill>
+                  <a:schemeClr val="bg2"/>
+                </a:solidFill>
+                <a:latin typeface="Square721 BT" pitchFamily="34" charset="0"/>
+                <a:ea typeface="+mn-ea"/>
+                <a:cs typeface="+mn-cs"/>
+              </a:defRPr>
+            </a:lvl2pPr>
+            <a:lvl3pPr marL="914400" algn="l" rtl="0" eaLnBrk="0" fontAlgn="base" hangingPunct="0">
+              <a:spcBef>
+                <a:spcPct val="0"/>
+              </a:spcBef>
+              <a:spcAft>
+                <a:spcPct val="0"/>
+              </a:spcAft>
+              <a:defRPr b="1" i="1" kern="1200">
+                <a:solidFill>
+                  <a:schemeClr val="bg2"/>
+                </a:solidFill>
+                <a:latin typeface="Square721 BT" pitchFamily="34" charset="0"/>
+                <a:ea typeface="+mn-ea"/>
+                <a:cs typeface="+mn-cs"/>
+              </a:defRPr>
+            </a:lvl3pPr>
+            <a:lvl4pPr marL="1371600" algn="l" rtl="0" eaLnBrk="0" fontAlgn="base" hangingPunct="0">
+              <a:spcBef>
+                <a:spcPct val="0"/>
+              </a:spcBef>
+              <a:spcAft>
+                <a:spcPct val="0"/>
+              </a:spcAft>
+              <a:defRPr b="1" i="1" kern="1200">
+                <a:solidFill>
+                  <a:schemeClr val="bg2"/>
+                </a:solidFill>
+                <a:latin typeface="Square721 BT" pitchFamily="34" charset="0"/>
+                <a:ea typeface="+mn-ea"/>
+                <a:cs typeface="+mn-cs"/>
+              </a:defRPr>
+            </a:lvl4pPr>
+            <a:lvl5pPr marL="1828800" algn="l" rtl="0" eaLnBrk="0" fontAlgn="base" hangingPunct="0">
+              <a:spcBef>
+                <a:spcPct val="0"/>
+              </a:spcBef>
+              <a:spcAft>
+                <a:spcPct val="0"/>
+              </a:spcAft>
+              <a:defRPr b="1" i="1" kern="1200">
+                <a:solidFill>
+                  <a:schemeClr val="bg2"/>
+                </a:solidFill>
+                <a:latin typeface="Square721 BT" pitchFamily="34" charset="0"/>
+                <a:ea typeface="+mn-ea"/>
+                <a:cs typeface="+mn-cs"/>
+              </a:defRPr>
+            </a:lvl5pPr>
+            <a:lvl6pPr marL="2286000" algn="l" defTabSz="914400" rtl="0" eaLnBrk="1" latinLnBrk="0" hangingPunct="1">
+              <a:defRPr b="1" i="1" kern="1200">
+                <a:solidFill>
+                  <a:schemeClr val="bg2"/>
+                </a:solidFill>
+                <a:latin typeface="Square721 BT" pitchFamily="34" charset="0"/>
+                <a:ea typeface="+mn-ea"/>
+                <a:cs typeface="+mn-cs"/>
+              </a:defRPr>
+            </a:lvl6pPr>
+            <a:lvl7pPr marL="2743200" algn="l" defTabSz="914400" rtl="0" eaLnBrk="1" latinLnBrk="0" hangingPunct="1">
+              <a:defRPr b="1" i="1" kern="1200">
+                <a:solidFill>
+                  <a:schemeClr val="bg2"/>
+                </a:solidFill>
+                <a:latin typeface="Square721 BT" pitchFamily="34" charset="0"/>
+                <a:ea typeface="+mn-ea"/>
+                <a:cs typeface="+mn-cs"/>
+              </a:defRPr>
+            </a:lvl7pPr>
+            <a:lvl8pPr marL="3200400" algn="l" defTabSz="914400" rtl="0" eaLnBrk="1" latinLnBrk="0" hangingPunct="1">
+              <a:defRPr b="1" i="1" kern="1200">
+                <a:solidFill>
+                  <a:schemeClr val="bg2"/>
+                </a:solidFill>
+                <a:latin typeface="Square721 BT" pitchFamily="34" charset="0"/>
+                <a:ea typeface="+mn-ea"/>
+                <a:cs typeface="+mn-cs"/>
+              </a:defRPr>
+            </a:lvl8pPr>
+            <a:lvl9pPr marL="3657600" algn="l" defTabSz="914400" rtl="0" eaLnBrk="1" latinLnBrk="0" hangingPunct="1">
+              <a:defRPr b="1" i="1" kern="1200">
+                <a:solidFill>
+                  <a:schemeClr val="bg2"/>
+                </a:solidFill>
+                <a:latin typeface="Square721 BT" pitchFamily="34" charset="0"/>
+                <a:ea typeface="+mn-ea"/>
+                <a:cs typeface="+mn-cs"/>
+              </a:defRPr>
+            </a:lvl9pPr>
+          </a:lstStyle>
+          <a:p>
+            <a:pPr>
+              <a:lnSpc>
+                <a:spcPct val="150000"/>
+              </a:lnSpc>
+            </a:pPr>
+            <a:r>
+              <a:rPr lang="pt-BR" sz="1600" i="0" dirty="0">
+                <a:latin typeface="+mj-lt"/>
+              </a:rPr>
+              <a:t>DESCRIÇÃO DO PROBLEMA: MODELO DE CLASSIFICAÇÃO DE PLAYOFFS PARA TIMES DE BASEBALL</a:t>
+            </a:r>
+            <a:endParaRPr lang="pt-BR" sz="1600" i="0" dirty="0">
+              <a:latin typeface="+mj-lt"/>
+              <a:cs typeface="Arial"/>
+            </a:endParaRPr>
+          </a:p>
+        </p:txBody>
+      </p:sp>
+      <p:sp>
+        <p:nvSpPr>
+          <p:cNvPr id="9" name="CaixaDeTexto 4">
+            <a:extLst>
+              <a:ext uri="{FF2B5EF4-FFF2-40B4-BE49-F238E27FC236}">
+                <a16:creationId xmlns:a16="http://schemas.microsoft.com/office/drawing/2014/main" id="{A276F3CB-3FE8-C752-AAF9-2F60F98F4484}"/>
+              </a:ext>
+            </a:extLst>
+          </p:cNvPr>
+          <p:cNvSpPr txBox="1"/>
+          <p:nvPr/>
+        </p:nvSpPr>
+        <p:spPr>
+          <a:xfrm>
+            <a:off x="396120" y="3703522"/>
+            <a:ext cx="8353161" cy="5324535"/>
+          </a:xfrm>
+          <a:prstGeom prst="rect">
+            <a:avLst/>
+          </a:prstGeom>
+          <a:noFill/>
+        </p:spPr>
+        <p:txBody>
+          <a:bodyPr wrap="square" lIns="91440" tIns="45720" rIns="91440" bIns="45720" rtlCol="0" anchor="t">
+            <a:spAutoFit/>
+          </a:bodyPr>
+          <a:lstStyle>
+            <a:defPPr>
+              <a:defRPr lang="en-US"/>
+            </a:defPPr>
+            <a:lvl1pPr algn="l" rtl="0" eaLnBrk="0" fontAlgn="base" hangingPunct="0">
+              <a:spcBef>
+                <a:spcPct val="0"/>
+              </a:spcBef>
+              <a:spcAft>
+                <a:spcPct val="0"/>
+              </a:spcAft>
+              <a:defRPr b="1" i="1" kern="1200">
+                <a:solidFill>
+                  <a:schemeClr val="bg2"/>
+                </a:solidFill>
+                <a:latin typeface="Square721 BT" pitchFamily="34" charset="0"/>
+                <a:ea typeface="+mn-ea"/>
+                <a:cs typeface="+mn-cs"/>
+              </a:defRPr>
+            </a:lvl1pPr>
+            <a:lvl2pPr marL="457200" algn="l" rtl="0" eaLnBrk="0" fontAlgn="base" hangingPunct="0">
+              <a:spcBef>
+                <a:spcPct val="0"/>
+              </a:spcBef>
+              <a:spcAft>
+                <a:spcPct val="0"/>
+              </a:spcAft>
+              <a:defRPr b="1" i="1" kern="1200">
+                <a:solidFill>
+                  <a:schemeClr val="bg2"/>
+                </a:solidFill>
+                <a:latin typeface="Square721 BT" pitchFamily="34" charset="0"/>
+                <a:ea typeface="+mn-ea"/>
+                <a:cs typeface="+mn-cs"/>
+              </a:defRPr>
+            </a:lvl2pPr>
+            <a:lvl3pPr marL="914400" algn="l" rtl="0" eaLnBrk="0" fontAlgn="base" hangingPunct="0">
+              <a:spcBef>
+                <a:spcPct val="0"/>
+              </a:spcBef>
+              <a:spcAft>
+                <a:spcPct val="0"/>
+              </a:spcAft>
+              <a:defRPr b="1" i="1" kern="1200">
+                <a:solidFill>
+                  <a:schemeClr val="bg2"/>
+                </a:solidFill>
+                <a:latin typeface="Square721 BT" pitchFamily="34" charset="0"/>
+                <a:ea typeface="+mn-ea"/>
+                <a:cs typeface="+mn-cs"/>
+              </a:defRPr>
+            </a:lvl3pPr>
+            <a:lvl4pPr marL="1371600" algn="l" rtl="0" eaLnBrk="0" fontAlgn="base" hangingPunct="0">
+              <a:spcBef>
+                <a:spcPct val="0"/>
+              </a:spcBef>
+              <a:spcAft>
+                <a:spcPct val="0"/>
+              </a:spcAft>
+              <a:defRPr b="1" i="1" kern="1200">
+                <a:solidFill>
+                  <a:schemeClr val="bg2"/>
+                </a:solidFill>
+                <a:latin typeface="Square721 BT" pitchFamily="34" charset="0"/>
+                <a:ea typeface="+mn-ea"/>
+                <a:cs typeface="+mn-cs"/>
+              </a:defRPr>
+            </a:lvl4pPr>
+            <a:lvl5pPr marL="1828800" algn="l" rtl="0" eaLnBrk="0" fontAlgn="base" hangingPunct="0">
+              <a:spcBef>
+                <a:spcPct val="0"/>
+              </a:spcBef>
+              <a:spcAft>
+                <a:spcPct val="0"/>
+              </a:spcAft>
+              <a:defRPr b="1" i="1" kern="1200">
+                <a:solidFill>
+                  <a:schemeClr val="bg2"/>
+                </a:solidFill>
+                <a:latin typeface="Square721 BT" pitchFamily="34" charset="0"/>
+                <a:ea typeface="+mn-ea"/>
+                <a:cs typeface="+mn-cs"/>
+              </a:defRPr>
+            </a:lvl5pPr>
+            <a:lvl6pPr marL="2286000" algn="l" defTabSz="914400" rtl="0" eaLnBrk="1" latinLnBrk="0" hangingPunct="1">
+              <a:defRPr b="1" i="1" kern="1200">
+                <a:solidFill>
+                  <a:schemeClr val="bg2"/>
+                </a:solidFill>
+                <a:latin typeface="Square721 BT" pitchFamily="34" charset="0"/>
+                <a:ea typeface="+mn-ea"/>
+                <a:cs typeface="+mn-cs"/>
+              </a:defRPr>
+            </a:lvl6pPr>
+            <a:lvl7pPr marL="2743200" algn="l" defTabSz="914400" rtl="0" eaLnBrk="1" latinLnBrk="0" hangingPunct="1">
+              <a:defRPr b="1" i="1" kern="1200">
+                <a:solidFill>
+                  <a:schemeClr val="bg2"/>
+                </a:solidFill>
+                <a:latin typeface="Square721 BT" pitchFamily="34" charset="0"/>
+                <a:ea typeface="+mn-ea"/>
+                <a:cs typeface="+mn-cs"/>
+              </a:defRPr>
+            </a:lvl7pPr>
+            <a:lvl8pPr marL="3200400" algn="l" defTabSz="914400" rtl="0" eaLnBrk="1" latinLnBrk="0" hangingPunct="1">
+              <a:defRPr b="1" i="1" kern="1200">
+                <a:solidFill>
+                  <a:schemeClr val="bg2"/>
+                </a:solidFill>
+                <a:latin typeface="Square721 BT" pitchFamily="34" charset="0"/>
+                <a:ea typeface="+mn-ea"/>
+                <a:cs typeface="+mn-cs"/>
+              </a:defRPr>
+            </a:lvl8pPr>
+            <a:lvl9pPr marL="3657600" algn="l" defTabSz="914400" rtl="0" eaLnBrk="1" latinLnBrk="0" hangingPunct="1">
+              <a:defRPr b="1" i="1" kern="1200">
+                <a:solidFill>
+                  <a:schemeClr val="bg2"/>
+                </a:solidFill>
+                <a:latin typeface="Square721 BT" pitchFamily="34" charset="0"/>
+                <a:ea typeface="+mn-ea"/>
+                <a:cs typeface="+mn-cs"/>
+              </a:defRPr>
+            </a:lvl9pPr>
+          </a:lstStyle>
+          <a:p>
+            <a:pPr algn="just"/>
+            <a:r>
+              <a:rPr lang="pt-BR" sz="1600" b="0" i="0" dirty="0">
+                <a:latin typeface="+mj-lt"/>
+                <a:cs typeface="Arial"/>
+              </a:rPr>
+              <a:t>Com um modelo que indique se um time da </a:t>
+            </a:r>
+            <a:r>
+              <a:rPr lang="pt-BR" sz="1600" b="0" i="0" dirty="0">
+                <a:latin typeface="Square721 BT"/>
+                <a:cs typeface="Arial"/>
+              </a:rPr>
+              <a:t>Major League Baseball (MLB) </a:t>
+            </a:r>
+            <a:r>
+              <a:rPr lang="pt-BR" sz="1600" b="0" i="0" dirty="0">
+                <a:latin typeface="+mj-lt"/>
+                <a:cs typeface="Arial"/>
+              </a:rPr>
+              <a:t>irá ou não se classificar para os playoffs, já é possível entender o que é importante para se classificar para os playoffs, quais times estão mais ou menos próximos de conseguirem, e ter condições iniciais para avaliar o desempenho do próprio time. </a:t>
+            </a:r>
+          </a:p>
+          <a:p>
+            <a:pPr algn="just"/>
+            <a:endParaRPr lang="pt-BR" sz="1600" b="0" i="0" dirty="0">
+              <a:latin typeface="+mj-lt"/>
+              <a:cs typeface="Arial"/>
+            </a:endParaRPr>
+          </a:p>
+          <a:p>
+            <a:pPr algn="just"/>
+            <a:r>
+              <a:rPr lang="pt-BR" sz="1600" b="0" i="0" dirty="0">
+                <a:latin typeface="+mj-lt"/>
+                <a:cs typeface="Arial"/>
+              </a:rPr>
+              <a:t>Se a resposta do modelo para o time em questão é que ele não vai se classificar, é viável saber qual das características determinantes para essa classificação precisa de maior atenção e acompanhamento para que se obtenha uma melhora de performance.</a:t>
+            </a:r>
+            <a:endParaRPr lang="pt-BR" sz="1600" b="0" i="0" dirty="0">
+              <a:latin typeface="Arial"/>
+              <a:cs typeface="Arial"/>
+            </a:endParaRPr>
+          </a:p>
+          <a:p>
+            <a:pPr algn="just"/>
+            <a:endParaRPr lang="pt-BR" sz="1600" b="0" i="0" dirty="0">
+              <a:latin typeface="+mj-lt"/>
+              <a:cs typeface="Arial"/>
+            </a:endParaRPr>
+          </a:p>
+          <a:p>
+            <a:pPr algn="just"/>
+            <a:r>
+              <a:rPr lang="pt-BR" sz="1600" b="0" i="0" dirty="0">
+                <a:latin typeface="+mj-lt"/>
+                <a:cs typeface="Arial"/>
+              </a:rPr>
+              <a:t>Esse tipo de informação fornece um direcionamento para o time e também auxilia na tomada de decisão de investidores externos.</a:t>
+            </a:r>
+            <a:endParaRPr lang="en-US" sz="1600" b="0" i="0" dirty="0">
+              <a:latin typeface="Square721 BT"/>
+              <a:cs typeface="Arial"/>
+            </a:endParaRPr>
+          </a:p>
+          <a:p>
+            <a:pPr algn="just"/>
+            <a:endParaRPr lang="pt-BR" sz="1600" b="0" i="0" dirty="0">
+              <a:latin typeface="+mj-lt"/>
+              <a:cs typeface="Arial"/>
+            </a:endParaRPr>
+          </a:p>
+          <a:p>
+            <a:pPr algn="just"/>
+            <a:endParaRPr lang="pt-BR" sz="1600" b="0" i="0" dirty="0">
+              <a:latin typeface="+mj-lt"/>
+              <a:cs typeface="Arial"/>
+            </a:endParaRPr>
+          </a:p>
+          <a:p>
+            <a:pPr algn="just"/>
+            <a:endParaRPr lang="pt-BR" sz="1600" b="0" i="0" dirty="0">
+              <a:latin typeface="+mj-lt"/>
+              <a:cs typeface="Arial"/>
+            </a:endParaRPr>
+          </a:p>
+          <a:p>
+            <a:pPr algn="just"/>
+            <a:endParaRPr lang="pt-BR" sz="1600" b="0" i="0" dirty="0">
+              <a:latin typeface="+mj-lt"/>
+              <a:cs typeface="Arial"/>
+            </a:endParaRPr>
+          </a:p>
+          <a:p>
+            <a:pPr algn="just"/>
+            <a:endParaRPr lang="pt-BR" sz="1600" b="0" i="0" dirty="0">
+              <a:latin typeface="+mj-lt"/>
+              <a:cs typeface="Arial"/>
+            </a:endParaRPr>
+          </a:p>
+          <a:p>
+            <a:pPr algn="just"/>
+            <a:endParaRPr lang="pt-BR" sz="1600" b="0" i="0" dirty="0">
+              <a:latin typeface="+mj-lt"/>
+              <a:cs typeface="Arial"/>
+            </a:endParaRPr>
+          </a:p>
+          <a:p>
+            <a:pPr algn="just"/>
+            <a:endParaRPr lang="pt-BR" sz="1600" b="0" i="0" dirty="0">
+              <a:latin typeface="Arial"/>
+              <a:cs typeface="Arial"/>
+            </a:endParaRPr>
+          </a:p>
+          <a:p>
+            <a:pPr algn="just"/>
+            <a:endParaRPr lang="pt-BR" sz="1600" b="0" i="0" dirty="0">
+              <a:latin typeface="Arial"/>
+              <a:cs typeface="Arial"/>
+            </a:endParaRPr>
+          </a:p>
+          <a:p>
+            <a:pPr algn="just"/>
+            <a:endParaRPr lang="en-US"/>
+          </a:p>
+          <a:p>
+            <a:pPr algn="just"/>
+            <a:endParaRPr lang="en-US" dirty="0"/>
+          </a:p>
+        </p:txBody>
+      </p:sp>
+      <p:pic>
+        <p:nvPicPr>
+          <p:cNvPr id="8" name="Imagem 5" descr="Jogador de beisebol com taco na mão e bola no ar&#10;&#10;Descrição gerada automaticamente">
+            <a:extLst>
+              <a:ext uri="{FF2B5EF4-FFF2-40B4-BE49-F238E27FC236}">
+                <a16:creationId xmlns:a16="http://schemas.microsoft.com/office/drawing/2014/main" id="{ACDC0E56-EBB1-C029-72DB-852EBEE21F07}"/>
+              </a:ext>
+            </a:extLst>
+          </p:cNvPr>
+          <p:cNvPicPr>
+            <a:picLocks noChangeAspect="1"/>
+          </p:cNvPicPr>
+          <p:nvPr/>
+        </p:nvPicPr>
+        <p:blipFill>
+          <a:blip r:embed="rId2"/>
+          <a:stretch>
+            <a:fillRect/>
+          </a:stretch>
+        </p:blipFill>
+        <p:spPr>
+          <a:xfrm>
+            <a:off x="2739289" y="1808958"/>
+            <a:ext cx="3325700" cy="1758172"/>
+          </a:xfrm>
+          <a:prstGeom prst="rect">
+            <a:avLst/>
+          </a:prstGeom>
+        </p:spPr>
+      </p:pic>
+    </p:spTree>
+    <p:extLst>
+      <p:ext uri="{BB962C8B-B14F-4D97-AF65-F5344CB8AC3E}">
+        <p14:creationId xmlns:p14="http://schemas.microsoft.com/office/powerpoint/2010/main" val="1416713781"/>
+      </p:ext>
+    </p:extLst>
+  </p:cSld>
+  <p:clrMapOvr>
+    <a:masterClrMapping/>
+  </p:clrMapOvr>
+</p:sld>
+</file>
+
+<file path=ppt/slides/slide5.xml><?xml version="1.0" encoding="utf-8"?>
+<p:sld xmlns:a="http://schemas.openxmlformats.org/drawingml/2006/main" xmlns:r="http://schemas.openxmlformats.org/officeDocument/2006/relationships" xmlns:p="http://schemas.openxmlformats.org/presentationml/2006/main">
+  <p:cSld>
+    <p:spTree>
+      <p:nvGrpSpPr>
+        <p:cNvPr id="1" name=""/>
+        <p:cNvGrpSpPr/>
+        <p:nvPr/>
+      </p:nvGrpSpPr>
+      <p:grpSpPr>
+        <a:xfrm>
+          <a:off x="0" y="0"/>
+          <a:ext cx="0" cy="0"/>
+          <a:chOff x="0" y="0"/>
+          <a:chExt cx="0" cy="0"/>
+        </a:xfrm>
+      </p:grpSpPr>
+      <p:sp>
+        <p:nvSpPr>
+          <p:cNvPr id="2" name="Title 1">
+            <a:extLst>
+              <a:ext uri="{FF2B5EF4-FFF2-40B4-BE49-F238E27FC236}">
+                <a16:creationId xmlns:a16="http://schemas.microsoft.com/office/drawing/2014/main" id="{D55D0078-1FDE-0DE1-3D79-BF71BF19E38C}"/>
+              </a:ext>
+            </a:extLst>
+          </p:cNvPr>
+          <p:cNvSpPr>
+            <a:spLocks noGrp="1"/>
+          </p:cNvSpPr>
+          <p:nvPr>
+            <p:ph type="title"/>
+          </p:nvPr>
+        </p:nvSpPr>
+        <p:spPr/>
+        <p:txBody>
+          <a:bodyPr/>
+          <a:lstStyle/>
+          <a:p>
+            <a:r>
+              <a:rPr lang="pt-BR" dirty="0" err="1">
+                <a:ea typeface="+mj-lt"/>
+                <a:cs typeface="+mj-lt"/>
+              </a:rPr>
+              <a:t>Machine</a:t>
+            </a:r>
+            <a:r>
+              <a:rPr lang="pt-BR" dirty="0">
+                <a:ea typeface="+mj-lt"/>
+                <a:cs typeface="+mj-lt"/>
+              </a:rPr>
+              <a:t> Learning</a:t>
+            </a:r>
+            <a:r>
+              <a:rPr lang="pt-BR" dirty="0">
+                <a:cs typeface="Arial"/>
+              </a:rPr>
+              <a:t> </a:t>
+            </a:r>
+            <a:r>
+              <a:rPr lang="en-US" dirty="0">
+                <a:cs typeface="Arial"/>
+              </a:rPr>
+              <a:t>I</a:t>
+            </a:r>
+          </a:p>
+        </p:txBody>
+      </p:sp>
+      <p:sp>
+        <p:nvSpPr>
+          <p:cNvPr id="4" name="CaixaDeTexto 2">
+            <a:extLst>
+              <a:ext uri="{FF2B5EF4-FFF2-40B4-BE49-F238E27FC236}">
+                <a16:creationId xmlns:a16="http://schemas.microsoft.com/office/drawing/2014/main" id="{010F1318-BCB2-3A6F-C91D-C7F593D81CA7}"/>
+              </a:ext>
+            </a:extLst>
+          </p:cNvPr>
+          <p:cNvSpPr txBox="1"/>
+          <p:nvPr/>
+        </p:nvSpPr>
+        <p:spPr>
+          <a:xfrm>
+            <a:off x="395974" y="928450"/>
+            <a:ext cx="8353160" cy="416011"/>
+          </a:xfrm>
+          <a:prstGeom prst="rect">
+            <a:avLst/>
+          </a:prstGeom>
+          <a:noFill/>
+        </p:spPr>
+        <p:txBody>
+          <a:bodyPr wrap="square" lIns="91440" tIns="45720" rIns="91440" bIns="45720" rtlCol="0" anchor="t">
+            <a:spAutoFit/>
+          </a:bodyPr>
+          <a:lstStyle>
+            <a:defPPr>
+              <a:defRPr lang="en-US"/>
+            </a:defPPr>
+            <a:lvl1pPr algn="l" rtl="0" eaLnBrk="0" fontAlgn="base" hangingPunct="0">
+              <a:spcBef>
+                <a:spcPct val="0"/>
+              </a:spcBef>
+              <a:spcAft>
+                <a:spcPct val="0"/>
+              </a:spcAft>
+              <a:defRPr b="1" i="1" kern="1200">
+                <a:solidFill>
+                  <a:schemeClr val="bg2"/>
+                </a:solidFill>
+                <a:latin typeface="Square721 BT" pitchFamily="34" charset="0"/>
+                <a:ea typeface="+mn-ea"/>
+                <a:cs typeface="+mn-cs"/>
+              </a:defRPr>
+            </a:lvl1pPr>
+            <a:lvl2pPr marL="457200" algn="l" rtl="0" eaLnBrk="0" fontAlgn="base" hangingPunct="0">
+              <a:spcBef>
+                <a:spcPct val="0"/>
+              </a:spcBef>
+              <a:spcAft>
+                <a:spcPct val="0"/>
+              </a:spcAft>
+              <a:defRPr b="1" i="1" kern="1200">
+                <a:solidFill>
+                  <a:schemeClr val="bg2"/>
+                </a:solidFill>
+                <a:latin typeface="Square721 BT" pitchFamily="34" charset="0"/>
+                <a:ea typeface="+mn-ea"/>
+                <a:cs typeface="+mn-cs"/>
+              </a:defRPr>
+            </a:lvl2pPr>
+            <a:lvl3pPr marL="914400" algn="l" rtl="0" eaLnBrk="0" fontAlgn="base" hangingPunct="0">
+              <a:spcBef>
+                <a:spcPct val="0"/>
+              </a:spcBef>
+              <a:spcAft>
+                <a:spcPct val="0"/>
+              </a:spcAft>
+              <a:defRPr b="1" i="1" kern="1200">
+                <a:solidFill>
+                  <a:schemeClr val="bg2"/>
+                </a:solidFill>
+                <a:latin typeface="Square721 BT" pitchFamily="34" charset="0"/>
+                <a:ea typeface="+mn-ea"/>
+                <a:cs typeface="+mn-cs"/>
+              </a:defRPr>
+            </a:lvl3pPr>
+            <a:lvl4pPr marL="1371600" algn="l" rtl="0" eaLnBrk="0" fontAlgn="base" hangingPunct="0">
+              <a:spcBef>
+                <a:spcPct val="0"/>
+              </a:spcBef>
+              <a:spcAft>
+                <a:spcPct val="0"/>
+              </a:spcAft>
+              <a:defRPr b="1" i="1" kern="1200">
+                <a:solidFill>
+                  <a:schemeClr val="bg2"/>
+                </a:solidFill>
+                <a:latin typeface="Square721 BT" pitchFamily="34" charset="0"/>
+                <a:ea typeface="+mn-ea"/>
+                <a:cs typeface="+mn-cs"/>
+              </a:defRPr>
+            </a:lvl4pPr>
+            <a:lvl5pPr marL="1828800" algn="l" rtl="0" eaLnBrk="0" fontAlgn="base" hangingPunct="0">
+              <a:spcBef>
+                <a:spcPct val="0"/>
+              </a:spcBef>
+              <a:spcAft>
+                <a:spcPct val="0"/>
+              </a:spcAft>
+              <a:defRPr b="1" i="1" kern="1200">
+                <a:solidFill>
+                  <a:schemeClr val="bg2"/>
+                </a:solidFill>
+                <a:latin typeface="Square721 BT" pitchFamily="34" charset="0"/>
+                <a:ea typeface="+mn-ea"/>
+                <a:cs typeface="+mn-cs"/>
+              </a:defRPr>
+            </a:lvl5pPr>
+            <a:lvl6pPr marL="2286000" algn="l" defTabSz="914400" rtl="0" eaLnBrk="1" latinLnBrk="0" hangingPunct="1">
+              <a:defRPr b="1" i="1" kern="1200">
+                <a:solidFill>
+                  <a:schemeClr val="bg2"/>
+                </a:solidFill>
+                <a:latin typeface="Square721 BT" pitchFamily="34" charset="0"/>
+                <a:ea typeface="+mn-ea"/>
+                <a:cs typeface="+mn-cs"/>
+              </a:defRPr>
+            </a:lvl6pPr>
+            <a:lvl7pPr marL="2743200" algn="l" defTabSz="914400" rtl="0" eaLnBrk="1" latinLnBrk="0" hangingPunct="1">
+              <a:defRPr b="1" i="1" kern="1200">
+                <a:solidFill>
+                  <a:schemeClr val="bg2"/>
+                </a:solidFill>
+                <a:latin typeface="Square721 BT" pitchFamily="34" charset="0"/>
+                <a:ea typeface="+mn-ea"/>
+                <a:cs typeface="+mn-cs"/>
+              </a:defRPr>
+            </a:lvl7pPr>
+            <a:lvl8pPr marL="3200400" algn="l" defTabSz="914400" rtl="0" eaLnBrk="1" latinLnBrk="0" hangingPunct="1">
+              <a:defRPr b="1" i="1" kern="1200">
+                <a:solidFill>
+                  <a:schemeClr val="bg2"/>
+                </a:solidFill>
+                <a:latin typeface="Square721 BT" pitchFamily="34" charset="0"/>
+                <a:ea typeface="+mn-ea"/>
+                <a:cs typeface="+mn-cs"/>
+              </a:defRPr>
+            </a:lvl8pPr>
+            <a:lvl9pPr marL="3657600" algn="l" defTabSz="914400" rtl="0" eaLnBrk="1" latinLnBrk="0" hangingPunct="1">
+              <a:defRPr b="1" i="1" kern="1200">
+                <a:solidFill>
+                  <a:schemeClr val="bg2"/>
+                </a:solidFill>
+                <a:latin typeface="Square721 BT" pitchFamily="34" charset="0"/>
+                <a:ea typeface="+mn-ea"/>
+                <a:cs typeface="+mn-cs"/>
+              </a:defRPr>
+            </a:lvl9pPr>
+          </a:lstStyle>
+          <a:p>
+            <a:pPr algn="just">
+              <a:lnSpc>
+                <a:spcPct val="150000"/>
+              </a:lnSpc>
+            </a:pPr>
+            <a:r>
+              <a:rPr lang="pt-BR" sz="1600" i="0" dirty="0">
+                <a:latin typeface="+mj-lt"/>
+              </a:rPr>
+              <a:t>SOLUÇÃO: ÁRVORE DE DECISÃO E KNN</a:t>
+            </a:r>
+            <a:endParaRPr lang="pt-BR" sz="1600" b="0" i="0" dirty="0">
+              <a:latin typeface="+mj-lt"/>
+            </a:endParaRPr>
+          </a:p>
+        </p:txBody>
+      </p:sp>
+      <p:sp>
+        <p:nvSpPr>
+          <p:cNvPr id="5" name="CaixaDeTexto 3">
+            <a:extLst>
+              <a:ext uri="{FF2B5EF4-FFF2-40B4-BE49-F238E27FC236}">
+                <a16:creationId xmlns:a16="http://schemas.microsoft.com/office/drawing/2014/main" id="{E4FA815C-1824-0EC9-8F1C-4CD471A40B1F}"/>
+              </a:ext>
+            </a:extLst>
+          </p:cNvPr>
+          <p:cNvSpPr txBox="1"/>
+          <p:nvPr/>
+        </p:nvSpPr>
+        <p:spPr>
+          <a:xfrm>
+            <a:off x="396214" y="1476939"/>
+            <a:ext cx="8353160" cy="4770537"/>
+          </a:xfrm>
+          <a:prstGeom prst="rect">
+            <a:avLst/>
+          </a:prstGeom>
+          <a:noFill/>
+        </p:spPr>
+        <p:txBody>
+          <a:bodyPr wrap="square" lIns="91440" tIns="45720" rIns="91440" bIns="45720" rtlCol="0" anchor="t">
+            <a:spAutoFit/>
+          </a:bodyPr>
+          <a:lstStyle>
+            <a:defPPr>
+              <a:defRPr lang="en-US"/>
+            </a:defPPr>
+            <a:lvl1pPr algn="l" rtl="0" eaLnBrk="0" fontAlgn="base" hangingPunct="0">
+              <a:spcBef>
+                <a:spcPct val="0"/>
+              </a:spcBef>
+              <a:spcAft>
+                <a:spcPct val="0"/>
+              </a:spcAft>
+              <a:defRPr b="1" i="1" kern="1200">
+                <a:solidFill>
+                  <a:schemeClr val="bg2"/>
+                </a:solidFill>
+                <a:latin typeface="Square721 BT" pitchFamily="34" charset="0"/>
+                <a:ea typeface="+mn-ea"/>
+                <a:cs typeface="+mn-cs"/>
+              </a:defRPr>
+            </a:lvl1pPr>
+            <a:lvl2pPr marL="457200" algn="l" rtl="0" eaLnBrk="0" fontAlgn="base" hangingPunct="0">
+              <a:spcBef>
+                <a:spcPct val="0"/>
+              </a:spcBef>
+              <a:spcAft>
+                <a:spcPct val="0"/>
+              </a:spcAft>
+              <a:defRPr b="1" i="1" kern="1200">
+                <a:solidFill>
+                  <a:schemeClr val="bg2"/>
+                </a:solidFill>
+                <a:latin typeface="Square721 BT" pitchFamily="34" charset="0"/>
+                <a:ea typeface="+mn-ea"/>
+                <a:cs typeface="+mn-cs"/>
+              </a:defRPr>
+            </a:lvl2pPr>
+            <a:lvl3pPr marL="914400" algn="l" rtl="0" eaLnBrk="0" fontAlgn="base" hangingPunct="0">
+              <a:spcBef>
+                <a:spcPct val="0"/>
+              </a:spcBef>
+              <a:spcAft>
+                <a:spcPct val="0"/>
+              </a:spcAft>
+              <a:defRPr b="1" i="1" kern="1200">
+                <a:solidFill>
+                  <a:schemeClr val="bg2"/>
+                </a:solidFill>
+                <a:latin typeface="Square721 BT" pitchFamily="34" charset="0"/>
+                <a:ea typeface="+mn-ea"/>
+                <a:cs typeface="+mn-cs"/>
+              </a:defRPr>
+            </a:lvl3pPr>
+            <a:lvl4pPr marL="1371600" algn="l" rtl="0" eaLnBrk="0" fontAlgn="base" hangingPunct="0">
+              <a:spcBef>
+                <a:spcPct val="0"/>
+              </a:spcBef>
+              <a:spcAft>
+                <a:spcPct val="0"/>
+              </a:spcAft>
+              <a:defRPr b="1" i="1" kern="1200">
+                <a:solidFill>
+                  <a:schemeClr val="bg2"/>
+                </a:solidFill>
+                <a:latin typeface="Square721 BT" pitchFamily="34" charset="0"/>
+                <a:ea typeface="+mn-ea"/>
+                <a:cs typeface="+mn-cs"/>
+              </a:defRPr>
+            </a:lvl4pPr>
+            <a:lvl5pPr marL="1828800" algn="l" rtl="0" eaLnBrk="0" fontAlgn="base" hangingPunct="0">
+              <a:spcBef>
+                <a:spcPct val="0"/>
+              </a:spcBef>
+              <a:spcAft>
+                <a:spcPct val="0"/>
+              </a:spcAft>
+              <a:defRPr b="1" i="1" kern="1200">
+                <a:solidFill>
+                  <a:schemeClr val="bg2"/>
+                </a:solidFill>
+                <a:latin typeface="Square721 BT" pitchFamily="34" charset="0"/>
+                <a:ea typeface="+mn-ea"/>
+                <a:cs typeface="+mn-cs"/>
+              </a:defRPr>
+            </a:lvl5pPr>
+            <a:lvl6pPr marL="2286000" algn="l" defTabSz="914400" rtl="0" eaLnBrk="1" latinLnBrk="0" hangingPunct="1">
+              <a:defRPr b="1" i="1" kern="1200">
+                <a:solidFill>
+                  <a:schemeClr val="bg2"/>
+                </a:solidFill>
+                <a:latin typeface="Square721 BT" pitchFamily="34" charset="0"/>
+                <a:ea typeface="+mn-ea"/>
+                <a:cs typeface="+mn-cs"/>
+              </a:defRPr>
+            </a:lvl6pPr>
+            <a:lvl7pPr marL="2743200" algn="l" defTabSz="914400" rtl="0" eaLnBrk="1" latinLnBrk="0" hangingPunct="1">
+              <a:defRPr b="1" i="1" kern="1200">
+                <a:solidFill>
+                  <a:schemeClr val="bg2"/>
+                </a:solidFill>
+                <a:latin typeface="Square721 BT" pitchFamily="34" charset="0"/>
+                <a:ea typeface="+mn-ea"/>
+                <a:cs typeface="+mn-cs"/>
+              </a:defRPr>
+            </a:lvl7pPr>
+            <a:lvl8pPr marL="3200400" algn="l" defTabSz="914400" rtl="0" eaLnBrk="1" latinLnBrk="0" hangingPunct="1">
+              <a:defRPr b="1" i="1" kern="1200">
+                <a:solidFill>
+                  <a:schemeClr val="bg2"/>
+                </a:solidFill>
+                <a:latin typeface="Square721 BT" pitchFamily="34" charset="0"/>
+                <a:ea typeface="+mn-ea"/>
+                <a:cs typeface="+mn-cs"/>
+              </a:defRPr>
+            </a:lvl8pPr>
+            <a:lvl9pPr marL="3657600" algn="l" defTabSz="914400" rtl="0" eaLnBrk="1" latinLnBrk="0" hangingPunct="1">
+              <a:defRPr b="1" i="1" kern="1200">
+                <a:solidFill>
+                  <a:schemeClr val="bg2"/>
+                </a:solidFill>
+                <a:latin typeface="Square721 BT" pitchFamily="34" charset="0"/>
+                <a:ea typeface="+mn-ea"/>
+                <a:cs typeface="+mn-cs"/>
+              </a:defRPr>
+            </a:lvl9pPr>
+          </a:lstStyle>
+          <a:p>
+            <a:pPr algn="just"/>
+            <a:r>
+              <a:rPr lang="pt-BR" sz="1600" b="0" i="0" dirty="0">
+                <a:latin typeface="Arial"/>
+                <a:cs typeface="Arial"/>
+              </a:rPr>
+              <a:t>Por se tratar de um problema em que é necessário prever se um time se classificará ou não para os Playoffs, os algoritmos de classificação vistos em aula como Árvore de Decisão e K-Vizinhos Mais Próximos (KNN) são boas opções para solucionar o problema. </a:t>
+            </a:r>
+            <a:endParaRPr lang="pt-BR" dirty="0"/>
+          </a:p>
+          <a:p>
+            <a:pPr algn="just"/>
+            <a:endParaRPr lang="pt-BR" sz="1600" b="0" i="0" dirty="0">
+              <a:latin typeface="Arial"/>
+              <a:cs typeface="Arial"/>
+            </a:endParaRPr>
+          </a:p>
+          <a:p>
+            <a:pPr algn="just"/>
+            <a:r>
+              <a:rPr lang="pt-BR" sz="1600" b="0" i="0" dirty="0">
+                <a:latin typeface="Arial"/>
+                <a:cs typeface="Arial"/>
+              </a:rPr>
+              <a:t>A vantagem da árvore de decisão é que ela é explicável, o que facilita o entendimento do modelo e possibilita a geração de insights sobre os dados. Além disso, ela é mais robusta em relação aos dados, não sendo alterada por pontos extremos, fora da curva ou com diferença de escala. </a:t>
+            </a:r>
+            <a:endParaRPr lang="pt-BR" dirty="0">
+              <a:cs typeface="Arial"/>
+            </a:endParaRPr>
+          </a:p>
+          <a:p>
+            <a:pPr algn="just"/>
+            <a:r>
+              <a:rPr lang="pt-BR" sz="1600" b="0" i="0" dirty="0">
+                <a:latin typeface="Arial"/>
+                <a:cs typeface="Arial"/>
+              </a:rPr>
+              <a:t>A desvantagem da árvore é que ela é bastante passível de </a:t>
+            </a:r>
+            <a:r>
+              <a:rPr lang="pt-BR" sz="1600" b="0" i="0" dirty="0" err="1">
+                <a:latin typeface="Arial"/>
+                <a:cs typeface="Arial"/>
+              </a:rPr>
+              <a:t>sobreajuste</a:t>
+            </a:r>
+            <a:r>
+              <a:rPr lang="pt-BR" sz="1600" b="0" i="0" dirty="0">
+                <a:latin typeface="Arial"/>
+                <a:cs typeface="Arial"/>
+              </a:rPr>
+              <a:t>. O </a:t>
+            </a:r>
+            <a:r>
+              <a:rPr lang="pt-BR" sz="1600" b="0" i="0" dirty="0" err="1">
+                <a:latin typeface="Arial"/>
+                <a:cs typeface="Arial"/>
+              </a:rPr>
+              <a:t>sobreajuste</a:t>
+            </a:r>
+            <a:r>
+              <a:rPr lang="pt-BR" sz="1600" b="0" i="0" dirty="0">
+                <a:latin typeface="Arial"/>
+                <a:cs typeface="Arial"/>
+              </a:rPr>
+              <a:t> pode ou não ser uma questão para os dados.</a:t>
+            </a:r>
+            <a:endParaRPr lang="pt-BR">
+              <a:cs typeface="Arial"/>
+            </a:endParaRPr>
+          </a:p>
+          <a:p>
+            <a:pPr algn="just"/>
+            <a:endParaRPr lang="pt-BR" sz="1600" b="0" i="0" dirty="0">
+              <a:latin typeface="Arial"/>
+              <a:cs typeface="Arial"/>
+            </a:endParaRPr>
+          </a:p>
+          <a:p>
+            <a:pPr algn="just"/>
+            <a:r>
+              <a:rPr lang="pt-BR" sz="1600" b="0" i="0" dirty="0">
+                <a:latin typeface="Arial"/>
+                <a:cs typeface="Arial"/>
+              </a:rPr>
+              <a:t>O outro modelo que pode ser usado é o KNN. O KNN, é intuitivo, simples de usar, </a:t>
+            </a:r>
+            <a:r>
+              <a:rPr lang="pt-BR" sz="1600" b="0" i="0" dirty="0" err="1">
+                <a:latin typeface="Arial"/>
+                <a:cs typeface="Arial"/>
+              </a:rPr>
+              <a:t>flexivel</a:t>
+            </a:r>
+            <a:r>
+              <a:rPr lang="pt-BR" sz="1600" b="0" i="0" dirty="0">
+                <a:latin typeface="Arial"/>
+                <a:cs typeface="Arial"/>
+              </a:rPr>
+              <a:t>, tem apenas um </a:t>
+            </a:r>
+            <a:r>
+              <a:rPr lang="pt-BR" sz="1600" b="0" i="0" dirty="0" err="1">
+                <a:latin typeface="Arial"/>
+                <a:cs typeface="Arial"/>
+              </a:rPr>
+              <a:t>hiperparâmetro</a:t>
+            </a:r>
+            <a:r>
+              <a:rPr lang="pt-BR" sz="1600" b="0" i="0" dirty="0">
+                <a:latin typeface="Arial"/>
+                <a:cs typeface="Arial"/>
+              </a:rPr>
+              <a:t> de número de vizinhos (k) e algumas métricas de distância que podem ser escolhidas de acordo com o formato dos dados.</a:t>
+            </a:r>
+          </a:p>
+          <a:p>
+            <a:pPr algn="just"/>
+            <a:r>
+              <a:rPr lang="pt-BR" sz="1600" b="0" i="0" dirty="0">
+                <a:latin typeface="Arial"/>
+                <a:cs typeface="Arial"/>
+              </a:rPr>
+              <a:t>Por outro lado, e diferentemente da árvore, o KNN é sensível ao formato dos dados, pontos extremos, pontos fora da curva, dados faltantes e escala. Ele não lida bem com altas dimensionalidades, é mais custoso e é necessário escolher o número de vizinhos k baseado em testes, o que pode ser um pouco arbitrário. O KNN também é sensível ao desbalanceamento de classes. </a:t>
+            </a:r>
+            <a:endParaRPr lang="pt-BR" dirty="0"/>
+          </a:p>
+        </p:txBody>
+      </p:sp>
+    </p:spTree>
+    <p:extLst>
+      <p:ext uri="{BB962C8B-B14F-4D97-AF65-F5344CB8AC3E}">
+        <p14:creationId xmlns:p14="http://schemas.microsoft.com/office/powerpoint/2010/main" val="3747062692"/>
+      </p:ext>
+    </p:extLst>
+  </p:cSld>
+  <p:clrMapOvr>
+    <a:masterClrMapping/>
+  </p:clrMapOvr>
+</p:sld>
+</file>
+
+<file path=ppt/slides/slide6.xml><?xml version="1.0" encoding="utf-8"?>
+<p:sld xmlns:a="http://schemas.openxmlformats.org/drawingml/2006/main" xmlns:r="http://schemas.openxmlformats.org/officeDocument/2006/relationships" xmlns:p="http://schemas.openxmlformats.org/presentationml/2006/main">
+  <p:cSld>
+    <p:spTree>
+      <p:nvGrpSpPr>
+        <p:cNvPr id="1" name=""/>
+        <p:cNvGrpSpPr/>
+        <p:nvPr/>
+      </p:nvGrpSpPr>
+      <p:grpSpPr>
+        <a:xfrm>
+          <a:off x="0" y="0"/>
+          <a:ext cx="0" cy="0"/>
+          <a:chOff x="0" y="0"/>
+          <a:chExt cx="0" cy="0"/>
+        </a:xfrm>
+      </p:grpSpPr>
+      <p:sp>
+        <p:nvSpPr>
+          <p:cNvPr id="2" name="Title 1">
+            <a:extLst>
+              <a:ext uri="{FF2B5EF4-FFF2-40B4-BE49-F238E27FC236}">
+                <a16:creationId xmlns:a16="http://schemas.microsoft.com/office/drawing/2014/main" id="{43E5162E-F033-3D64-7489-816C333C48A4}"/>
+              </a:ext>
+            </a:extLst>
+          </p:cNvPr>
+          <p:cNvSpPr>
+            <a:spLocks noGrp="1"/>
+          </p:cNvSpPr>
+          <p:nvPr>
+            <p:ph type="title"/>
+          </p:nvPr>
+        </p:nvSpPr>
+        <p:spPr/>
+        <p:txBody>
+          <a:bodyPr/>
+          <a:lstStyle/>
+          <a:p>
+            <a:r>
+              <a:rPr lang="en-US" dirty="0">
+                <a:cs typeface="Arial"/>
+              </a:rPr>
+              <a:t>Machine Learning I</a:t>
+            </a:r>
+            <a:endParaRPr lang="en-US" dirty="0"/>
+          </a:p>
+        </p:txBody>
+      </p:sp>
+      <p:sp>
+        <p:nvSpPr>
+          <p:cNvPr id="3" name="Content Placeholder 2">
+            <a:extLst>
+              <a:ext uri="{FF2B5EF4-FFF2-40B4-BE49-F238E27FC236}">
+                <a16:creationId xmlns:a16="http://schemas.microsoft.com/office/drawing/2014/main" id="{C78B5095-9317-6870-6F77-B58F0E37BDA7}"/>
+              </a:ext>
+            </a:extLst>
+          </p:cNvPr>
+          <p:cNvSpPr>
+            <a:spLocks noGrp="1"/>
+          </p:cNvSpPr>
+          <p:nvPr>
+            <p:ph idx="1"/>
+          </p:nvPr>
+        </p:nvSpPr>
+        <p:spPr>
+          <a:xfrm>
+            <a:off x="468313" y="1052513"/>
+            <a:ext cx="8353425" cy="3285505"/>
+          </a:xfrm>
+        </p:spPr>
+        <p:txBody>
+          <a:bodyPr vert="horz" wrap="square" lIns="90488" tIns="44450" rIns="90488" bIns="44450" numCol="1" anchor="ctr" anchorCtr="0" compatLnSpc="1">
+            <a:prstTxWarp prst="textNoShape">
+              <a:avLst/>
+            </a:prstTxWarp>
+          </a:bodyPr>
+          <a:lstStyle/>
+          <a:p>
+            <a:pPr marL="0" indent="0">
+              <a:buNone/>
+            </a:pPr>
+            <a:r>
+              <a:rPr lang="en-US" sz="2400" dirty="0">
+                <a:cs typeface="Arial"/>
+              </a:rPr>
+              <a:t>APLICAÇÃO DOS ALGORITMOS DE MACHINE LEARNING VISTOS EM AULA EM UM PROBLEMA REAL</a:t>
+            </a:r>
+          </a:p>
+        </p:txBody>
+      </p:sp>
+    </p:spTree>
+    <p:extLst>
+      <p:ext uri="{BB962C8B-B14F-4D97-AF65-F5344CB8AC3E}">
+        <p14:creationId xmlns:p14="http://schemas.microsoft.com/office/powerpoint/2010/main" val="3189710410"/>
+      </p:ext>
+    </p:extLst>
+  </p:cSld>
+  <p:clrMapOvr>
+    <a:masterClrMapping/>
+  </p:clrMapOvr>
+</p:sld>
+</file>
+
+<file path=ppt/slides/slide7.xml><?xml version="1.0" encoding="utf-8"?>
+<p:sld xmlns:a="http://schemas.openxmlformats.org/drawingml/2006/main" xmlns:r="http://schemas.openxmlformats.org/officeDocument/2006/relationships" xmlns:p="http://schemas.openxmlformats.org/presentationml/2006/main">
+  <p:cSld>
+    <p:spTree>
+      <p:nvGrpSpPr>
+        <p:cNvPr id="1" name=""/>
+        <p:cNvGrpSpPr/>
+        <p:nvPr/>
+      </p:nvGrpSpPr>
+      <p:grpSpPr>
+        <a:xfrm>
+          <a:off x="0" y="0"/>
+          <a:ext cx="0" cy="0"/>
+          <a:chOff x="0" y="0"/>
+          <a:chExt cx="0" cy="0"/>
+        </a:xfrm>
+      </p:grpSpPr>
+      <p:sp>
+        <p:nvSpPr>
+          <p:cNvPr id="2" name="Title 1">
+            <a:extLst>
+              <a:ext uri="{FF2B5EF4-FFF2-40B4-BE49-F238E27FC236}">
+                <a16:creationId xmlns:a16="http://schemas.microsoft.com/office/drawing/2014/main" id="{742C7CE4-4C39-88E4-BA8A-D17809EA8AE7}"/>
+              </a:ext>
+            </a:extLst>
+          </p:cNvPr>
+          <p:cNvSpPr>
+            <a:spLocks noGrp="1"/>
+          </p:cNvSpPr>
+          <p:nvPr>
+            <p:ph type="title"/>
+          </p:nvPr>
+        </p:nvSpPr>
+        <p:spPr/>
+        <p:txBody>
+          <a:bodyPr/>
+          <a:lstStyle/>
+          <a:p>
+            <a:r>
+              <a:rPr lang="pt-BR" dirty="0" err="1">
+                <a:cs typeface="Arial"/>
+              </a:rPr>
+              <a:t>Machine</a:t>
+            </a:r>
+            <a:r>
+              <a:rPr lang="pt-BR" dirty="0">
+                <a:cs typeface="Arial"/>
+              </a:rPr>
+              <a:t> Learning</a:t>
+            </a:r>
+            <a:r>
+              <a:rPr lang="pt-BR" dirty="0">
+                <a:ea typeface="+mj-lt"/>
+                <a:cs typeface="+mj-lt"/>
+              </a:rPr>
+              <a:t> </a:t>
+            </a:r>
+            <a:r>
+              <a:rPr lang="en-US" dirty="0">
+                <a:ea typeface="+mj-lt"/>
+                <a:cs typeface="+mj-lt"/>
+              </a:rPr>
+              <a:t>I</a:t>
+            </a:r>
+            <a:endParaRPr lang="en-US" b="0" dirty="0">
+              <a:ea typeface="+mj-lt"/>
+              <a:cs typeface="+mj-lt"/>
+            </a:endParaRPr>
+          </a:p>
+        </p:txBody>
+      </p:sp>
+      <p:sp>
+        <p:nvSpPr>
+          <p:cNvPr id="4" name="TextBox 3">
+            <a:extLst>
+              <a:ext uri="{FF2B5EF4-FFF2-40B4-BE49-F238E27FC236}">
+                <a16:creationId xmlns:a16="http://schemas.microsoft.com/office/drawing/2014/main" id="{AB1A1C08-965B-1980-1897-0879C1882A5C}"/>
+              </a:ext>
+            </a:extLst>
+          </p:cNvPr>
+          <p:cNvSpPr txBox="1"/>
+          <p:nvPr/>
+        </p:nvSpPr>
+        <p:spPr>
+          <a:xfrm>
+            <a:off x="343198" y="1067938"/>
+            <a:ext cx="8382410" cy="5262979"/>
+          </a:xfrm>
+          <a:prstGeom prst="rect">
+            <a:avLst/>
+          </a:prstGeom>
+          <a:noFill/>
+        </p:spPr>
+        <p:txBody>
+          <a:bodyPr rot="0" spcFirstLastPara="0" vertOverflow="overflow" horzOverflow="overflow" vert="horz" wrap="square" lIns="91440" tIns="45720" rIns="91440" bIns="45720" numCol="1" spcCol="0" rtlCol="0" fromWordArt="0" anchor="t" anchorCtr="0" forceAA="0" compatLnSpc="1">
+            <a:prstTxWarp prst="textNoShape">
+              <a:avLst/>
+            </a:prstTxWarp>
+            <a:spAutoFit/>
+          </a:bodyPr>
+          <a:lstStyle/>
+          <a:p>
+            <a:pPr algn="just"/>
+            <a:r>
+              <a:rPr lang="pt-BR" sz="1600" b="0" i="0" dirty="0">
+                <a:latin typeface="Arial"/>
+              </a:rPr>
+              <a:t>Para demostrar a aplicação desses modelos (Árvore de Decisão e KNN) em dados reais, escolhemos um </a:t>
+            </a:r>
+            <a:r>
+              <a:rPr lang="pt-BR" sz="1600" b="0" i="0" dirty="0">
+                <a:latin typeface="Arial"/>
+                <a:cs typeface="Arial"/>
+              </a:rPr>
+              <a:t> </a:t>
+            </a:r>
+            <a:r>
+              <a:rPr lang="pt-BR" sz="1600" b="0" i="0" dirty="0">
+                <a:latin typeface="Arial"/>
+                <a:cs typeface="Arial"/>
+                <a:hlinkClick r:id="rId2"/>
+              </a:rPr>
+              <a:t>dataset</a:t>
+            </a:r>
+            <a:r>
+              <a:rPr lang="pt-BR" sz="1600" b="0" i="0" dirty="0">
+                <a:latin typeface="Arial"/>
+              </a:rPr>
+              <a:t> que está disponível no </a:t>
+            </a:r>
+            <a:r>
+              <a:rPr lang="pt-BR" sz="1600" b="0" i="0" dirty="0" err="1">
+                <a:latin typeface="Arial"/>
+              </a:rPr>
+              <a:t>Kaggle</a:t>
+            </a:r>
+            <a:r>
+              <a:rPr lang="pt-BR" sz="1600" b="0" i="0" dirty="0">
+                <a:latin typeface="Arial"/>
+              </a:rPr>
+              <a:t>, mas foi retirado do site da Major League Baseball (MLB). Ele possui dados históricos dos times de baseball e suas respectivas métricas de partidas.</a:t>
+            </a:r>
+            <a:endParaRPr lang="en-US" sz="1600" b="0" i="0" dirty="0"/>
+          </a:p>
+          <a:p>
+            <a:pPr algn="just"/>
+            <a:endParaRPr lang="pt-BR" sz="1600" b="0" i="0" dirty="0">
+              <a:latin typeface="Arial"/>
+              <a:cs typeface="Arial"/>
+            </a:endParaRPr>
+          </a:p>
+          <a:p>
+            <a:pPr algn="just"/>
+            <a:r>
+              <a:rPr lang="pt-BR" sz="1600" b="0" i="0" dirty="0">
+                <a:latin typeface="Arial"/>
+              </a:rPr>
+              <a:t>São elas:</a:t>
+            </a:r>
+            <a:endParaRPr lang="en-US" sz="1600" b="0" i="0" dirty="0">
+              <a:latin typeface="Square721 BT"/>
+            </a:endParaRPr>
+          </a:p>
+          <a:p>
+            <a:pPr marL="285750" indent="-285750" algn="just">
+              <a:buFont typeface="Arial"/>
+              <a:buChar char="•"/>
+            </a:pPr>
+            <a:r>
+              <a:rPr lang="en-US" sz="1600" b="0" i="0" dirty="0">
+                <a:latin typeface="Square721 BT"/>
+              </a:rPr>
+              <a:t>Runs Scored (RS): corridas </a:t>
+            </a:r>
+            <a:r>
+              <a:rPr lang="en-US" sz="1600" b="0" i="0" dirty="0" err="1">
+                <a:latin typeface="Square721 BT"/>
+              </a:rPr>
+              <a:t>pontuadas</a:t>
+            </a:r>
+            <a:r>
+              <a:rPr lang="en-US" sz="1600" b="0" i="0" dirty="0">
+                <a:latin typeface="Square721 BT"/>
+              </a:rPr>
+              <a:t> </a:t>
+            </a:r>
+            <a:r>
+              <a:rPr lang="en-US" sz="1600" b="0" i="0" dirty="0" err="1">
+                <a:latin typeface="Square721 BT"/>
+              </a:rPr>
+              <a:t>por</a:t>
+            </a:r>
+            <a:r>
+              <a:rPr lang="en-US" sz="1600" b="0" i="0" dirty="0">
+                <a:latin typeface="Square721 BT"/>
+              </a:rPr>
+              <a:t> </a:t>
+            </a:r>
+            <a:r>
+              <a:rPr lang="en-US" sz="1600" b="0" i="0" dirty="0" err="1">
+                <a:latin typeface="Square721 BT"/>
+              </a:rPr>
+              <a:t>completar</a:t>
+            </a:r>
+            <a:r>
+              <a:rPr lang="en-US" sz="1600" b="0" i="0" dirty="0">
+                <a:latin typeface="Square721 BT"/>
+              </a:rPr>
+              <a:t> as bases</a:t>
+            </a:r>
+            <a:endParaRPr lang="en-US" dirty="0"/>
+          </a:p>
+          <a:p>
+            <a:pPr marL="285750" indent="-285750" algn="just">
+              <a:buFont typeface="Arial"/>
+              <a:buChar char="•"/>
+            </a:pPr>
+            <a:r>
+              <a:rPr lang="en-US" sz="1600" b="0" i="0" dirty="0">
+                <a:latin typeface="Square721 BT"/>
+              </a:rPr>
+              <a:t>Runs Allowed (RA): corridas </a:t>
+            </a:r>
+            <a:r>
+              <a:rPr lang="en-US" sz="1600" b="0" i="0" dirty="0" err="1">
+                <a:latin typeface="Square721 BT"/>
+              </a:rPr>
+              <a:t>pontuadas</a:t>
+            </a:r>
+            <a:r>
+              <a:rPr lang="en-US" sz="1600" b="0" i="0" dirty="0">
+                <a:latin typeface="Square721 BT"/>
+              </a:rPr>
+              <a:t> contra o </a:t>
+            </a:r>
+            <a:r>
+              <a:rPr lang="en-US" sz="1600" b="0" i="0" dirty="0" err="1">
+                <a:latin typeface="Square721 BT"/>
+              </a:rPr>
+              <a:t>arremessador</a:t>
+            </a:r>
+            <a:endParaRPr lang="en-US" dirty="0" err="1"/>
+          </a:p>
+          <a:p>
+            <a:pPr marL="285750" indent="-285750" algn="just">
+              <a:buFont typeface="Arial"/>
+              <a:buChar char="•"/>
+            </a:pPr>
+            <a:r>
+              <a:rPr lang="en-US" sz="1600" b="0" i="0" dirty="0">
+                <a:latin typeface="Square721 BT"/>
+              </a:rPr>
+              <a:t>Wins (W): total de </a:t>
+            </a:r>
+            <a:r>
+              <a:rPr lang="en-US" sz="1600" b="0" i="0" dirty="0" err="1">
+                <a:latin typeface="Square721 BT"/>
+              </a:rPr>
+              <a:t>vitórias</a:t>
+            </a:r>
+            <a:r>
+              <a:rPr lang="en-US" sz="1600" b="0" i="0" dirty="0">
+                <a:latin typeface="Square721 BT"/>
+              </a:rPr>
+              <a:t> do </a:t>
+            </a:r>
+            <a:r>
+              <a:rPr lang="en-US" sz="1600" b="0" i="0" dirty="0" err="1">
+                <a:latin typeface="Square721 BT"/>
+              </a:rPr>
+              <a:t>arremessador</a:t>
+            </a:r>
+            <a:endParaRPr lang="en-US" dirty="0" err="1"/>
+          </a:p>
+          <a:p>
+            <a:pPr marL="285750" indent="-285750" algn="just">
+              <a:buFont typeface="Arial"/>
+              <a:buChar char="•"/>
+            </a:pPr>
+            <a:r>
+              <a:rPr lang="en-US" sz="1600" b="0" i="0" dirty="0">
+                <a:latin typeface="Square721 BT"/>
+              </a:rPr>
+              <a:t>On-Base Percentage(OBP): </a:t>
+            </a:r>
+            <a:r>
+              <a:rPr lang="en-US" sz="1600" b="0" i="0" dirty="0" err="1">
+                <a:latin typeface="Square721 BT"/>
+              </a:rPr>
+              <a:t>mede</a:t>
+            </a:r>
+            <a:r>
+              <a:rPr lang="en-US" sz="1600" b="0" i="0" dirty="0">
+                <a:latin typeface="Square721 BT"/>
+              </a:rPr>
+              <a:t> o </a:t>
+            </a:r>
+            <a:r>
+              <a:rPr lang="en-US" sz="1600" b="0" i="0" dirty="0" err="1">
+                <a:latin typeface="Square721 BT"/>
+              </a:rPr>
+              <a:t>quão</a:t>
+            </a:r>
+            <a:r>
+              <a:rPr lang="en-US" sz="1600" b="0" i="0" dirty="0">
+                <a:latin typeface="Square721 BT"/>
+              </a:rPr>
+              <a:t> </a:t>
+            </a:r>
+            <a:r>
+              <a:rPr lang="en-US" sz="1600" b="0" i="0" dirty="0" err="1">
+                <a:latin typeface="Square721 BT"/>
+              </a:rPr>
+              <a:t>frequentemente</a:t>
+            </a:r>
+            <a:r>
+              <a:rPr lang="en-US" sz="1600" b="0" i="0" dirty="0">
+                <a:latin typeface="Square721 BT"/>
+              </a:rPr>
+              <a:t> um </a:t>
+            </a:r>
+            <a:r>
+              <a:rPr lang="en-US" sz="1600" b="0" i="0" dirty="0" err="1">
+                <a:latin typeface="Square721 BT"/>
+              </a:rPr>
+              <a:t>rebatedor</a:t>
+            </a:r>
+            <a:r>
+              <a:rPr lang="en-US" sz="1600" b="0" i="0" dirty="0">
+                <a:latin typeface="Square721 BT"/>
+              </a:rPr>
+              <a:t> </a:t>
+            </a:r>
+            <a:r>
+              <a:rPr lang="en-US" sz="1600" b="0" i="0" dirty="0" err="1">
+                <a:latin typeface="Square721 BT"/>
+              </a:rPr>
+              <a:t>atinge</a:t>
+            </a:r>
+            <a:r>
+              <a:rPr lang="en-US" sz="1600" b="0" i="0" dirty="0">
+                <a:latin typeface="Square721 BT"/>
+              </a:rPr>
+              <a:t> a base (</a:t>
+            </a:r>
+            <a:r>
+              <a:rPr lang="en-US" sz="1600" b="0" i="0" dirty="0" err="1">
+                <a:latin typeface="Square721 BT"/>
+              </a:rPr>
+              <a:t>rebatimentos</a:t>
+            </a:r>
+            <a:r>
+              <a:rPr lang="en-US" sz="1600" b="0" i="0" dirty="0">
+                <a:latin typeface="Square721 BT"/>
+              </a:rPr>
+              <a:t> + </a:t>
+            </a:r>
+            <a:r>
+              <a:rPr lang="en-US" sz="1600" b="0" i="0" dirty="0" err="1">
+                <a:latin typeface="Square721 BT"/>
+              </a:rPr>
+              <a:t>interferências</a:t>
+            </a:r>
+            <a:r>
+              <a:rPr lang="en-US" sz="1600" b="0" i="0" dirty="0">
+                <a:latin typeface="Square721 BT"/>
+              </a:rPr>
+              <a:t> + </a:t>
+            </a:r>
+            <a:r>
+              <a:rPr lang="en-US" sz="1600" b="0" i="0" dirty="0" err="1">
+                <a:latin typeface="Square721 BT"/>
+              </a:rPr>
+              <a:t>número</a:t>
+            </a:r>
+            <a:r>
+              <a:rPr lang="en-US" sz="1600" b="0" i="0" dirty="0">
+                <a:latin typeface="Square721 BT"/>
+              </a:rPr>
+              <a:t> de </a:t>
+            </a:r>
+            <a:r>
+              <a:rPr lang="en-US" sz="1600" b="0" i="0" dirty="0" err="1">
+                <a:latin typeface="Square721 BT"/>
+              </a:rPr>
+              <a:t>vezes</a:t>
+            </a:r>
+            <a:r>
+              <a:rPr lang="en-US" sz="1600" b="0" i="0" dirty="0">
+                <a:latin typeface="Square721 BT"/>
+              </a:rPr>
+              <a:t> </a:t>
+            </a:r>
+            <a:r>
+              <a:rPr lang="en-US" sz="1600" b="0" i="0" dirty="0" err="1">
+                <a:latin typeface="Square721 BT"/>
+              </a:rPr>
+              <a:t>atingido</a:t>
+            </a:r>
+            <a:r>
+              <a:rPr lang="en-US" sz="1600" b="0" i="0" dirty="0">
+                <a:latin typeface="Square721 BT"/>
+              </a:rPr>
+              <a:t> </a:t>
+            </a:r>
+            <a:r>
+              <a:rPr lang="en-US" sz="1600" b="0" i="0" dirty="0" err="1">
+                <a:latin typeface="Square721 BT"/>
+              </a:rPr>
+              <a:t>pelo</a:t>
+            </a:r>
+            <a:r>
+              <a:rPr lang="en-US" sz="1600" b="0" i="0" dirty="0">
+                <a:latin typeface="Square721 BT"/>
+              </a:rPr>
+              <a:t> </a:t>
+            </a:r>
+            <a:r>
+              <a:rPr lang="en-US" sz="1600" b="0" i="0" dirty="0" err="1">
+                <a:latin typeface="Square721 BT"/>
+              </a:rPr>
+              <a:t>arremessador</a:t>
+            </a:r>
+            <a:r>
+              <a:rPr lang="en-US" sz="1600" b="0" i="0" dirty="0">
+                <a:latin typeface="Square721 BT"/>
+              </a:rPr>
+              <a:t> / </a:t>
+            </a:r>
+            <a:r>
+              <a:rPr lang="en-US" sz="1600" b="0" i="0" dirty="0" err="1">
+                <a:latin typeface="Square721 BT"/>
+              </a:rPr>
+              <a:t>número</a:t>
+            </a:r>
+            <a:r>
+              <a:rPr lang="en-US" sz="1600" b="0" i="0" dirty="0">
+                <a:latin typeface="Square721 BT"/>
+              </a:rPr>
+              <a:t> de </a:t>
+            </a:r>
+            <a:r>
+              <a:rPr lang="en-US" sz="1600" b="0" i="0" dirty="0" err="1">
+                <a:latin typeface="Square721 BT"/>
+              </a:rPr>
+              <a:t>rodadas</a:t>
+            </a:r>
+            <a:r>
+              <a:rPr lang="en-US" sz="1600" b="0" i="0" dirty="0">
+                <a:latin typeface="Square721 BT"/>
+              </a:rPr>
+              <a:t> </a:t>
+            </a:r>
+            <a:r>
+              <a:rPr lang="en-US" sz="1600" b="0" i="0" dirty="0" err="1">
+                <a:latin typeface="Square721 BT"/>
+              </a:rPr>
+              <a:t>completadas</a:t>
+            </a:r>
+            <a:r>
+              <a:rPr lang="en-US" sz="1600" b="0" i="0" dirty="0">
+                <a:latin typeface="Square721 BT"/>
+              </a:rPr>
+              <a:t>)</a:t>
+            </a:r>
+            <a:endParaRPr lang="en-US" dirty="0"/>
+          </a:p>
+          <a:p>
+            <a:pPr marL="285750" indent="-285750" algn="just">
+              <a:buFont typeface="Arial"/>
+              <a:buChar char="•"/>
+            </a:pPr>
+            <a:r>
+              <a:rPr lang="en-US" sz="1600" b="0" i="0" dirty="0">
+                <a:latin typeface="Square721 BT"/>
+              </a:rPr>
+              <a:t>Slugging Percentage (SLG): performance do </a:t>
+            </a:r>
+            <a:r>
+              <a:rPr lang="en-US" sz="1600" b="0" i="0" dirty="0" err="1">
+                <a:latin typeface="Square721 BT"/>
+              </a:rPr>
+              <a:t>rebatedor</a:t>
+            </a:r>
+            <a:r>
+              <a:rPr lang="en-US" sz="1600" b="0" i="0" dirty="0">
+                <a:latin typeface="Square721 BT"/>
+              </a:rPr>
+              <a:t> (total de bases </a:t>
+            </a:r>
+            <a:r>
+              <a:rPr lang="en-US" sz="1600" b="0" i="0" dirty="0" err="1">
+                <a:latin typeface="Square721 BT"/>
+              </a:rPr>
+              <a:t>atingidas</a:t>
+            </a:r>
+            <a:r>
+              <a:rPr lang="en-US" sz="1600" b="0" i="0" dirty="0">
+                <a:latin typeface="Square721 BT"/>
+              </a:rPr>
+              <a:t> / total </a:t>
+            </a:r>
+            <a:r>
+              <a:rPr lang="en-US" sz="1600" b="0" i="0" dirty="0" err="1">
+                <a:latin typeface="Square721 BT"/>
+              </a:rPr>
+              <a:t>rebatimentos</a:t>
+            </a:r>
+            <a:r>
+              <a:rPr lang="en-US" sz="1600" b="0" i="0" dirty="0">
+                <a:latin typeface="Square721 BT"/>
+              </a:rPr>
+              <a:t>)</a:t>
+            </a:r>
+            <a:endParaRPr lang="en-US" dirty="0"/>
+          </a:p>
+          <a:p>
+            <a:pPr marL="285750" indent="-285750" algn="just">
+              <a:buFont typeface="Arial"/>
+              <a:buChar char="•"/>
+            </a:pPr>
+            <a:r>
+              <a:rPr lang="en-US" sz="1600" b="0" i="0" dirty="0">
+                <a:latin typeface="Square721 BT"/>
+              </a:rPr>
+              <a:t>Batting Average (BA): </a:t>
+            </a:r>
+            <a:r>
+              <a:rPr lang="en-US" sz="1600" b="0" i="0" dirty="0" err="1">
+                <a:latin typeface="Square721 BT"/>
+              </a:rPr>
+              <a:t>rebatimento</a:t>
+            </a:r>
+            <a:r>
+              <a:rPr lang="en-US" sz="1600" b="0" i="0" dirty="0">
+                <a:latin typeface="Square721 BT"/>
+              </a:rPr>
+              <a:t> </a:t>
+            </a:r>
+            <a:r>
+              <a:rPr lang="en-US" sz="1600" b="0" i="0" dirty="0" err="1">
+                <a:latin typeface="Square721 BT"/>
+              </a:rPr>
+              <a:t>médio</a:t>
+            </a:r>
+            <a:endParaRPr lang="en-US" dirty="0" err="1"/>
+          </a:p>
+          <a:p>
+            <a:pPr marL="285750" indent="-285750" algn="just">
+              <a:buFont typeface="Arial"/>
+              <a:buChar char="•"/>
+            </a:pPr>
+            <a:r>
+              <a:rPr lang="en-US" sz="1600" b="0" i="0" dirty="0">
+                <a:latin typeface="Square721 BT"/>
+              </a:rPr>
+              <a:t>Games Played (G): total de </a:t>
+            </a:r>
+            <a:r>
+              <a:rPr lang="en-US" sz="1600" b="0" i="0" dirty="0" err="1">
+                <a:latin typeface="Square721 BT"/>
+              </a:rPr>
+              <a:t>partidas</a:t>
+            </a:r>
+            <a:r>
+              <a:rPr lang="en-US" sz="1600" b="0" i="0" dirty="0">
+                <a:latin typeface="Square721 BT"/>
+              </a:rPr>
+              <a:t> </a:t>
+            </a:r>
+            <a:r>
+              <a:rPr lang="en-US" sz="1600" b="0" i="0" dirty="0" err="1">
+                <a:latin typeface="Square721 BT"/>
+              </a:rPr>
+              <a:t>jogadas</a:t>
+            </a:r>
+            <a:endParaRPr lang="en-US" dirty="0" err="1"/>
+          </a:p>
+          <a:p>
+            <a:pPr marL="285750" indent="-285750" algn="just">
+              <a:buFont typeface="Arial"/>
+              <a:buChar char="•"/>
+            </a:pPr>
+            <a:r>
+              <a:rPr lang="en-US" sz="1600" b="0" i="0" dirty="0">
+                <a:latin typeface="Square721 BT"/>
+              </a:rPr>
+              <a:t>Opponent On-Base Percentage (OOBP): </a:t>
+            </a:r>
+            <a:r>
+              <a:rPr lang="en-US" sz="1600" b="0" i="0" dirty="0" err="1">
+                <a:latin typeface="Square721 BT"/>
+              </a:rPr>
+              <a:t>mede</a:t>
+            </a:r>
+            <a:r>
+              <a:rPr lang="en-US" sz="1600" b="0" i="0" dirty="0">
+                <a:latin typeface="Square721 BT"/>
+              </a:rPr>
+              <a:t> o </a:t>
+            </a:r>
+            <a:r>
+              <a:rPr lang="en-US" sz="1600" b="0" i="0" dirty="0" err="1">
+                <a:latin typeface="Square721 BT"/>
+              </a:rPr>
+              <a:t>quão</a:t>
+            </a:r>
+            <a:r>
+              <a:rPr lang="en-US" sz="1600" b="0" i="0" dirty="0">
+                <a:latin typeface="Square721 BT"/>
+              </a:rPr>
+              <a:t> </a:t>
+            </a:r>
+            <a:r>
+              <a:rPr lang="en-US" sz="1600" b="0" i="0" dirty="0" err="1">
+                <a:latin typeface="Square721 BT"/>
+              </a:rPr>
+              <a:t>frequentemente</a:t>
+            </a:r>
+            <a:r>
+              <a:rPr lang="en-US" sz="1600" b="0" i="0" dirty="0">
+                <a:latin typeface="Square721 BT"/>
+              </a:rPr>
+              <a:t> o </a:t>
+            </a:r>
+            <a:r>
+              <a:rPr lang="en-US" sz="1600" b="0" i="0" dirty="0" err="1">
+                <a:latin typeface="Square721 BT"/>
+              </a:rPr>
+              <a:t>rebatedor</a:t>
+            </a:r>
+            <a:r>
+              <a:rPr lang="en-US" sz="1600" b="0" i="0" dirty="0">
+                <a:latin typeface="Square721 BT"/>
+              </a:rPr>
+              <a:t> </a:t>
+            </a:r>
+            <a:r>
+              <a:rPr lang="en-US" sz="1600" b="0" i="0" dirty="0" err="1">
+                <a:latin typeface="Square721 BT"/>
+              </a:rPr>
+              <a:t>oponente</a:t>
+            </a:r>
+            <a:r>
+              <a:rPr lang="en-US" sz="1600" b="0" i="0" dirty="0">
+                <a:latin typeface="Square721 BT"/>
+              </a:rPr>
+              <a:t> </a:t>
+            </a:r>
+            <a:r>
+              <a:rPr lang="en-US" sz="1600" b="0" i="0" dirty="0" err="1">
+                <a:latin typeface="Square721 BT"/>
+              </a:rPr>
+              <a:t>atinge</a:t>
+            </a:r>
+            <a:r>
+              <a:rPr lang="en-US" sz="1600" b="0" i="0" dirty="0">
+                <a:latin typeface="Square721 BT"/>
+              </a:rPr>
+              <a:t> a base</a:t>
+            </a:r>
+            <a:endParaRPr lang="en-US" dirty="0"/>
+          </a:p>
+          <a:p>
+            <a:pPr marL="285750" indent="-285750" algn="just">
+              <a:buFont typeface="Arial"/>
+              <a:buChar char="•"/>
+            </a:pPr>
+            <a:r>
+              <a:rPr lang="en-US" sz="1600" b="0" i="0" dirty="0">
+                <a:latin typeface="Square721 BT"/>
+              </a:rPr>
+              <a:t>Opponent Slugging Percentage (OSLG): performance do </a:t>
+            </a:r>
+            <a:r>
+              <a:rPr lang="en-US" sz="1600" b="0" i="0" dirty="0" err="1">
+                <a:latin typeface="Square721 BT"/>
+              </a:rPr>
+              <a:t>rebatedor</a:t>
+            </a:r>
+            <a:r>
+              <a:rPr lang="en-US" sz="1600" b="0" i="0" dirty="0">
+                <a:latin typeface="Square721 BT"/>
+              </a:rPr>
+              <a:t> </a:t>
+            </a:r>
+            <a:r>
+              <a:rPr lang="en-US" sz="1600" b="0" i="0" dirty="0" err="1">
+                <a:latin typeface="Square721 BT"/>
+              </a:rPr>
+              <a:t>oponente</a:t>
+            </a:r>
+            <a:endParaRPr lang="en-US" sz="1600" b="0" i="0">
+              <a:latin typeface="Square721 BT"/>
+            </a:endParaRPr>
+          </a:p>
+          <a:p>
+            <a:pPr algn="just"/>
+            <a:endParaRPr lang="en-US" sz="1600" b="0" i="0" dirty="0"/>
+          </a:p>
+          <a:p>
+            <a:pPr algn="just"/>
+            <a:r>
+              <a:rPr lang="en-US" sz="1600" b="0" i="0" dirty="0" err="1">
+                <a:latin typeface="Square721 BT"/>
+              </a:rPr>
+              <a:t>Além</a:t>
+            </a:r>
+            <a:r>
+              <a:rPr lang="en-US" sz="1600" b="0" i="0" dirty="0">
+                <a:latin typeface="Square721 BT"/>
+              </a:rPr>
+              <a:t> </a:t>
+            </a:r>
+            <a:r>
+              <a:rPr lang="en-US" sz="1600" b="0" i="0" dirty="0" err="1">
+                <a:latin typeface="Square721 BT"/>
+              </a:rPr>
+              <a:t>disso</a:t>
+            </a:r>
+            <a:r>
+              <a:rPr lang="en-US" sz="1600" b="0" i="0" dirty="0">
+                <a:latin typeface="Square721 BT"/>
+              </a:rPr>
+              <a:t>, o dataset </a:t>
+            </a:r>
+            <a:r>
+              <a:rPr lang="en-US" sz="1600" b="0" i="0" dirty="0" err="1">
+                <a:latin typeface="Square721 BT"/>
+              </a:rPr>
+              <a:t>também</a:t>
+            </a:r>
+            <a:r>
+              <a:rPr lang="en-US" sz="1600" b="0" i="0" dirty="0">
+                <a:latin typeface="Square721 BT"/>
+              </a:rPr>
+              <a:t> </a:t>
+            </a:r>
+            <a:r>
+              <a:rPr lang="en-US" sz="1600" b="0" i="0" dirty="0" err="1">
+                <a:latin typeface="Square721 BT"/>
+              </a:rPr>
+              <a:t>possui</a:t>
+            </a:r>
+            <a:r>
+              <a:rPr lang="en-US" sz="1600" b="0" i="0" dirty="0">
+                <a:latin typeface="Square721 BT"/>
+              </a:rPr>
+              <a:t> a feature </a:t>
+            </a:r>
+            <a:r>
+              <a:rPr lang="en-US" sz="1600" b="0" i="0" dirty="0" err="1">
+                <a:latin typeface="Square721 BT"/>
+              </a:rPr>
+              <a:t>binária</a:t>
+            </a:r>
+            <a:r>
+              <a:rPr lang="en-US" sz="1600" b="0" i="0" dirty="0">
+                <a:latin typeface="Square721 BT"/>
+              </a:rPr>
+              <a:t> que </a:t>
+            </a:r>
+            <a:r>
+              <a:rPr lang="en-US" sz="1600" b="0" i="0" dirty="0" err="1">
+                <a:latin typeface="Square721 BT"/>
+              </a:rPr>
+              <a:t>diz</a:t>
+            </a:r>
+            <a:r>
+              <a:rPr lang="en-US" sz="1600" b="0" i="0" dirty="0">
+                <a:latin typeface="Square721 BT"/>
+              </a:rPr>
+              <a:t> se o time </a:t>
+            </a:r>
+            <a:r>
+              <a:rPr lang="en-US" sz="1600" b="0" i="0" dirty="0" err="1">
+                <a:latin typeface="Square721 BT"/>
+              </a:rPr>
+              <a:t>foi</a:t>
+            </a:r>
+            <a:r>
+              <a:rPr lang="en-US" sz="1600" b="0" i="0" dirty="0">
+                <a:latin typeface="Square721 BT"/>
+              </a:rPr>
+              <a:t> </a:t>
+            </a:r>
+            <a:r>
+              <a:rPr lang="en-US" sz="1600" b="0" i="0" dirty="0" err="1">
+                <a:latin typeface="Square721 BT"/>
+              </a:rPr>
+              <a:t>ou</a:t>
+            </a:r>
+            <a:r>
+              <a:rPr lang="en-US" sz="1600" b="0" i="0" dirty="0">
+                <a:latin typeface="Square721 BT"/>
+              </a:rPr>
+              <a:t> </a:t>
+            </a:r>
+            <a:r>
+              <a:rPr lang="en-US" sz="1600" b="0" i="0" dirty="0" err="1">
+                <a:latin typeface="Square721 BT"/>
+              </a:rPr>
+              <a:t>não</a:t>
+            </a:r>
+            <a:r>
+              <a:rPr lang="en-US" sz="1600" b="0" i="0" dirty="0">
+                <a:latin typeface="Square721 BT"/>
+              </a:rPr>
+              <a:t> para </a:t>
+            </a:r>
+            <a:r>
+              <a:rPr lang="en-US" sz="1600" b="0" i="0" dirty="0" err="1">
+                <a:latin typeface="Square721 BT"/>
+              </a:rPr>
+              <a:t>os</a:t>
+            </a:r>
+            <a:r>
+              <a:rPr lang="en-US" sz="1600" b="0" i="0" dirty="0">
+                <a:latin typeface="Square721 BT"/>
+              </a:rPr>
+              <a:t> Playoffs.</a:t>
+            </a:r>
+            <a:endParaRPr lang="en-US" sz="1600" b="0" i="0" dirty="0"/>
+          </a:p>
+        </p:txBody>
+      </p:sp>
+    </p:spTree>
+    <p:extLst>
+      <p:ext uri="{BB962C8B-B14F-4D97-AF65-F5344CB8AC3E}">
+        <p14:creationId xmlns:p14="http://schemas.microsoft.com/office/powerpoint/2010/main" val="655168648"/>
+      </p:ext>
+    </p:extLst>
+  </p:cSld>
+  <p:clrMapOvr>
+    <a:masterClrMapping/>
+  </p:clrMapOvr>
+</p:sld>
+</file>
+
+<file path=ppt/slides/slide8.xml><?xml version="1.0" encoding="utf-8"?>
+<p:sld xmlns:a="http://schemas.openxmlformats.org/drawingml/2006/main" xmlns:r="http://schemas.openxmlformats.org/officeDocument/2006/relationships" xmlns:p="http://schemas.openxmlformats.org/presentationml/2006/main">
+  <p:cSld>
+    <p:spTree>
+      <p:nvGrpSpPr>
+        <p:cNvPr id="1" name=""/>
+        <p:cNvGrpSpPr/>
+        <p:nvPr/>
+      </p:nvGrpSpPr>
+      <p:grpSpPr>
+        <a:xfrm>
+          <a:off x="0" y="0"/>
+          <a:ext cx="0" cy="0"/>
+          <a:chOff x="0" y="0"/>
+          <a:chExt cx="0" cy="0"/>
+        </a:xfrm>
+      </p:grpSpPr>
+      <p:sp>
+        <p:nvSpPr>
+          <p:cNvPr id="2" name="Title 1">
+            <a:extLst>
+              <a:ext uri="{FF2B5EF4-FFF2-40B4-BE49-F238E27FC236}">
+                <a16:creationId xmlns:a16="http://schemas.microsoft.com/office/drawing/2014/main" id="{11D750CD-8399-BDB6-ED40-C111C68B1AF9}"/>
+              </a:ext>
+            </a:extLst>
+          </p:cNvPr>
+          <p:cNvSpPr>
+            <a:spLocks noGrp="1"/>
+          </p:cNvSpPr>
+          <p:nvPr>
+            <p:ph type="title"/>
+          </p:nvPr>
+        </p:nvSpPr>
+        <p:spPr/>
+        <p:txBody>
+          <a:bodyPr/>
+          <a:lstStyle/>
+          <a:p>
+            <a:r>
+              <a:rPr lang="pt-BR" dirty="0" err="1">
+                <a:ea typeface="+mj-lt"/>
+                <a:cs typeface="+mj-lt"/>
+              </a:rPr>
+              <a:t>Machine</a:t>
+            </a:r>
+            <a:r>
+              <a:rPr lang="pt-BR" dirty="0">
+                <a:ea typeface="+mj-lt"/>
+                <a:cs typeface="+mj-lt"/>
+              </a:rPr>
+              <a:t> Learning</a:t>
+            </a:r>
+            <a:r>
+              <a:rPr lang="pt-BR" dirty="0">
+                <a:cs typeface="Arial"/>
+              </a:rPr>
+              <a:t> </a:t>
+            </a:r>
+            <a:r>
+              <a:rPr lang="en-US" dirty="0">
+                <a:cs typeface="Arial"/>
+              </a:rPr>
+              <a:t>I</a:t>
+            </a:r>
+            <a:endParaRPr lang="en-US" b="0" dirty="0">
+              <a:ea typeface="+mj-lt"/>
+              <a:cs typeface="+mj-lt"/>
+            </a:endParaRPr>
+          </a:p>
+        </p:txBody>
+      </p:sp>
+      <p:sp>
+        <p:nvSpPr>
+          <p:cNvPr id="3" name="Content Placeholder 2">
+            <a:extLst>
+              <a:ext uri="{FF2B5EF4-FFF2-40B4-BE49-F238E27FC236}">
+                <a16:creationId xmlns:a16="http://schemas.microsoft.com/office/drawing/2014/main" id="{368080A6-0C22-1B3C-F59C-4256B23D72EF}"/>
+              </a:ext>
+            </a:extLst>
+          </p:cNvPr>
+          <p:cNvSpPr>
+            <a:spLocks noGrp="1"/>
+          </p:cNvSpPr>
+          <p:nvPr>
+            <p:ph idx="1"/>
+          </p:nvPr>
+        </p:nvSpPr>
+        <p:spPr/>
+        <p:txBody>
+          <a:bodyPr/>
+          <a:lstStyle/>
+          <a:p>
+            <a:pPr marL="0" indent="0" algn="just">
+              <a:lnSpc>
+                <a:spcPct val="100000"/>
+              </a:lnSpc>
+              <a:spcBef>
+                <a:spcPct val="0"/>
+              </a:spcBef>
+              <a:buNone/>
+            </a:pPr>
+            <a:r>
+              <a:rPr lang="pt-BR" sz="1600" dirty="0">
+                <a:cs typeface="Arial"/>
+              </a:rPr>
+              <a:t>A lista completa de </a:t>
+            </a:r>
+            <a:r>
+              <a:rPr lang="pt-BR" sz="1600" dirty="0" err="1">
+                <a:cs typeface="Arial"/>
+              </a:rPr>
+              <a:t>features</a:t>
+            </a:r>
+            <a:r>
+              <a:rPr lang="pt-BR" sz="1600" dirty="0">
+                <a:cs typeface="Arial"/>
+              </a:rPr>
+              <a:t> e suas explicações pode ser vista acessando este </a:t>
+            </a:r>
+            <a:r>
+              <a:rPr lang="pt-BR" sz="1600" dirty="0">
+                <a:cs typeface="Arial"/>
+                <a:hlinkClick r:id="rId2"/>
+              </a:rPr>
+              <a:t>link</a:t>
+            </a:r>
+            <a:r>
+              <a:rPr lang="pt-BR" sz="1600" dirty="0">
+                <a:cs typeface="Arial"/>
+              </a:rPr>
+              <a:t>.</a:t>
+            </a:r>
+          </a:p>
+          <a:p>
+            <a:pPr marL="0" indent="0" algn="just">
+              <a:lnSpc>
+                <a:spcPct val="100000"/>
+              </a:lnSpc>
+              <a:spcBef>
+                <a:spcPct val="0"/>
+              </a:spcBef>
+              <a:buNone/>
+            </a:pPr>
+            <a:endParaRPr lang="pt-BR" sz="1600" dirty="0">
+              <a:cs typeface="Arial"/>
+            </a:endParaRPr>
+          </a:p>
+          <a:p>
+            <a:pPr marL="0" indent="0" algn="just">
+              <a:lnSpc>
+                <a:spcPct val="100000"/>
+              </a:lnSpc>
+              <a:spcBef>
+                <a:spcPct val="0"/>
+              </a:spcBef>
+              <a:buNone/>
+            </a:pPr>
+            <a:r>
+              <a:rPr lang="pt-BR" sz="1600" dirty="0">
+                <a:cs typeface="Arial"/>
+              </a:rPr>
+              <a:t>Para resolver o problema, fizemos uma análise exploratória dos dados para entender as </a:t>
+            </a:r>
+            <a:r>
+              <a:rPr lang="pt-BR" sz="1600" dirty="0" err="1">
+                <a:cs typeface="Arial"/>
+              </a:rPr>
+              <a:t>features</a:t>
+            </a:r>
+            <a:r>
+              <a:rPr lang="pt-BR" sz="1600" dirty="0">
+                <a:cs typeface="Arial"/>
+              </a:rPr>
+              <a:t> e escolher aquelas que iam para o modelo, testamos diversos modelos de árvore e fizemos uma busca em grade de </a:t>
+            </a:r>
+            <a:r>
+              <a:rPr lang="pt-BR" sz="1600" dirty="0" err="1">
+                <a:cs typeface="Arial"/>
+              </a:rPr>
+              <a:t>hiperparâmetros</a:t>
+            </a:r>
+            <a:r>
+              <a:rPr lang="pt-BR" sz="1600" dirty="0">
+                <a:cs typeface="Arial"/>
+              </a:rPr>
+              <a:t> com validação cruzada. Também entendemos qual seria o melhor k para o KNN baseado na métrica f1-score.</a:t>
+            </a:r>
+            <a:endParaRPr lang="en-US" sz="1600">
+              <a:cs typeface="Arial"/>
+            </a:endParaRPr>
+          </a:p>
+          <a:p>
+            <a:pPr marL="0" indent="0" algn="just">
+              <a:lnSpc>
+                <a:spcPct val="100000"/>
+              </a:lnSpc>
+              <a:spcBef>
+                <a:spcPct val="0"/>
+              </a:spcBef>
+              <a:buNone/>
+            </a:pPr>
+            <a:endParaRPr lang="pt-BR" sz="1600" dirty="0">
+              <a:ea typeface="+mj-lt"/>
+              <a:cs typeface="+mj-lt"/>
+            </a:endParaRPr>
+          </a:p>
+          <a:p>
+            <a:pPr marL="0" indent="0" algn="just">
+              <a:lnSpc>
+                <a:spcPct val="100000"/>
+              </a:lnSpc>
+              <a:spcBef>
+                <a:spcPct val="0"/>
+              </a:spcBef>
+              <a:buNone/>
+            </a:pPr>
+            <a:r>
+              <a:rPr lang="pt-BR" sz="1600" dirty="0">
+                <a:ea typeface="+mj-lt"/>
+                <a:cs typeface="+mj-lt"/>
+              </a:rPr>
+              <a:t>Escolhemos o f1-score pois </a:t>
+            </a:r>
+            <a:r>
+              <a:rPr lang="pt-BR" sz="1600" dirty="0" err="1">
+                <a:ea typeface="+mj-lt"/>
+                <a:cs typeface="+mj-lt"/>
+              </a:rPr>
+              <a:t>queriamos</a:t>
+            </a:r>
+            <a:r>
+              <a:rPr lang="pt-BR" sz="1600" dirty="0">
+                <a:ea typeface="+mj-lt"/>
+                <a:cs typeface="+mj-lt"/>
+              </a:rPr>
+              <a:t> obter o máximo de precisão e </a:t>
+            </a:r>
+            <a:r>
+              <a:rPr lang="pt-BR" sz="1600" dirty="0" err="1">
+                <a:ea typeface="+mj-lt"/>
+                <a:cs typeface="+mj-lt"/>
+              </a:rPr>
+              <a:t>revocação</a:t>
+            </a:r>
+            <a:r>
+              <a:rPr lang="pt-BR" sz="1600" dirty="0">
+                <a:ea typeface="+mj-lt"/>
+                <a:cs typeface="+mj-lt"/>
+              </a:rPr>
+              <a:t>. Percebemos que a nossa variável target era desbalanceada, realizamos testes mudando a métrica para precisão sem diferenças consideráveis nos resultados, então acabamos por manter o f1-score.</a:t>
+            </a:r>
+            <a:endParaRPr lang="en-US" sz="1600" dirty="0">
+              <a:ea typeface="+mj-lt"/>
+              <a:cs typeface="+mj-lt"/>
+            </a:endParaRPr>
+          </a:p>
+          <a:p>
+            <a:pPr marL="0" indent="0" algn="just">
+              <a:lnSpc>
+                <a:spcPct val="100000"/>
+              </a:lnSpc>
+              <a:spcBef>
+                <a:spcPct val="0"/>
+              </a:spcBef>
+              <a:buNone/>
+            </a:pPr>
+            <a:endParaRPr lang="pt-BR" sz="1600" dirty="0">
+              <a:ea typeface="+mj-lt"/>
+              <a:cs typeface="+mj-lt"/>
+            </a:endParaRPr>
+          </a:p>
+          <a:p>
+            <a:pPr marL="0" indent="0" algn="just">
+              <a:lnSpc>
+                <a:spcPct val="100000"/>
+              </a:lnSpc>
+              <a:spcBef>
+                <a:spcPct val="0"/>
+              </a:spcBef>
+              <a:buNone/>
+            </a:pPr>
+            <a:r>
+              <a:rPr lang="pt-BR" sz="1600" dirty="0">
+                <a:cs typeface="Arial"/>
+              </a:rPr>
+              <a:t>Os notebooks podem ser acessados neste </a:t>
+            </a:r>
+            <a:r>
+              <a:rPr lang="pt-BR" sz="1600" dirty="0">
+                <a:cs typeface="Arial"/>
+                <a:hlinkClick r:id="rId3"/>
+              </a:rPr>
+              <a:t>link</a:t>
+            </a:r>
+            <a:r>
+              <a:rPr lang="pt-BR" sz="1600" dirty="0">
+                <a:cs typeface="Arial"/>
+              </a:rPr>
+              <a:t>.</a:t>
+            </a:r>
+          </a:p>
+          <a:p>
+            <a:pPr marL="0" indent="0">
+              <a:lnSpc>
+                <a:spcPct val="100000"/>
+              </a:lnSpc>
+              <a:spcBef>
+                <a:spcPct val="0"/>
+              </a:spcBef>
+              <a:buNone/>
+            </a:pPr>
+            <a:r>
+              <a:rPr lang="pt-BR" sz="1600" dirty="0">
+                <a:cs typeface="Arial"/>
+              </a:rPr>
+              <a:t>Há também o link para o </a:t>
+            </a:r>
+            <a:r>
+              <a:rPr lang="pt-BR" sz="1600" dirty="0" err="1">
+                <a:cs typeface="Arial"/>
+              </a:rPr>
+              <a:t>github</a:t>
+            </a:r>
+            <a:r>
+              <a:rPr lang="pt-BR" sz="1600" dirty="0">
+                <a:cs typeface="Arial"/>
+              </a:rPr>
+              <a:t> do projeto: </a:t>
+            </a:r>
+            <a:r>
+              <a:rPr lang="pt-BR" sz="1600" dirty="0">
+                <a:ea typeface="+mj-lt"/>
+                <a:cs typeface="+mj-lt"/>
+                <a:hlinkClick r:id="rId4"/>
+              </a:rPr>
+              <a:t>https://github.com/paciencia/moneyball_sandbox</a:t>
+            </a:r>
+          </a:p>
+          <a:p>
+            <a:pPr marL="0" indent="0" algn="just">
+              <a:lnSpc>
+                <a:spcPct val="100000"/>
+              </a:lnSpc>
+              <a:spcBef>
+                <a:spcPct val="0"/>
+              </a:spcBef>
+              <a:buNone/>
+            </a:pPr>
+            <a:endParaRPr lang="pt-BR" sz="1600" dirty="0">
+              <a:cs typeface="Arial"/>
+            </a:endParaRPr>
+          </a:p>
+          <a:p>
+            <a:pPr marL="0" indent="0" algn="just">
+              <a:lnSpc>
+                <a:spcPct val="100000"/>
+              </a:lnSpc>
+              <a:spcBef>
+                <a:spcPct val="0"/>
+              </a:spcBef>
+              <a:buNone/>
+            </a:pPr>
+            <a:r>
+              <a:rPr lang="pt-BR" sz="1600" dirty="0">
+                <a:cs typeface="Arial"/>
+              </a:rPr>
+              <a:t>No próximo slide, apresentaremos os resultados da análise.</a:t>
+            </a:r>
+          </a:p>
+          <a:p>
+            <a:pPr marL="0" indent="0" algn="just">
+              <a:lnSpc>
+                <a:spcPct val="100000"/>
+              </a:lnSpc>
+              <a:spcBef>
+                <a:spcPct val="0"/>
+              </a:spcBef>
+              <a:buNone/>
+            </a:pPr>
+            <a:endParaRPr lang="en-US" sz="1600" dirty="0">
+              <a:cs typeface="Arial"/>
+            </a:endParaRPr>
+          </a:p>
+        </p:txBody>
+      </p:sp>
+    </p:spTree>
+    <p:extLst>
+      <p:ext uri="{BB962C8B-B14F-4D97-AF65-F5344CB8AC3E}">
+        <p14:creationId xmlns:p14="http://schemas.microsoft.com/office/powerpoint/2010/main" val="1985486460"/>
+      </p:ext>
+    </p:extLst>
+  </p:cSld>
+  <p:clrMapOvr>
+    <a:masterClrMapping/>
+  </p:clrMapOvr>
+</p:sld>
+</file>
+
+<file path=ppt/slides/slide9.xml><?xml version="1.0" encoding="utf-8"?>
+<p:sld xmlns:a="http://schemas.openxmlformats.org/drawingml/2006/main" xmlns:r="http://schemas.openxmlformats.org/officeDocument/2006/relationships" xmlns:p="http://schemas.openxmlformats.org/presentationml/2006/main">
+  <p:cSld>
+    <p:spTree>
+      <p:nvGrpSpPr>
+        <p:cNvPr id="1" name=""/>
+        <p:cNvGrpSpPr/>
+        <p:nvPr/>
+      </p:nvGrpSpPr>
+      <p:grpSpPr>
+        <a:xfrm>
+          <a:off x="0" y="0"/>
+          <a:ext cx="0" cy="0"/>
+          <a:chOff x="0" y="0"/>
+          <a:chExt cx="0" cy="0"/>
+        </a:xfrm>
+      </p:grpSpPr>
+      <p:sp>
+        <p:nvSpPr>
+          <p:cNvPr id="2" name="Title 1">
+            <a:extLst>
+              <a:ext uri="{FF2B5EF4-FFF2-40B4-BE49-F238E27FC236}">
+                <a16:creationId xmlns:a16="http://schemas.microsoft.com/office/drawing/2014/main" id="{11D750CD-8399-BDB6-ED40-C111C68B1AF9}"/>
+              </a:ext>
+            </a:extLst>
+          </p:cNvPr>
+          <p:cNvSpPr>
+            <a:spLocks noGrp="1"/>
+          </p:cNvSpPr>
+          <p:nvPr>
+            <p:ph type="title"/>
+          </p:nvPr>
+        </p:nvSpPr>
+        <p:spPr/>
+        <p:txBody>
+          <a:bodyPr/>
+          <a:lstStyle/>
+          <a:p>
+            <a:r>
+              <a:rPr lang="pt-BR" dirty="0" err="1">
+                <a:ea typeface="+mj-lt"/>
+                <a:cs typeface="+mj-lt"/>
+              </a:rPr>
+              <a:t>Machine</a:t>
+            </a:r>
+            <a:r>
+              <a:rPr lang="pt-BR" dirty="0">
+                <a:ea typeface="+mj-lt"/>
+                <a:cs typeface="+mj-lt"/>
+              </a:rPr>
+              <a:t> Learning</a:t>
+            </a:r>
+            <a:r>
+              <a:rPr lang="pt-BR" dirty="0">
+                <a:cs typeface="Arial"/>
+              </a:rPr>
+              <a:t> </a:t>
+            </a:r>
+            <a:r>
+              <a:rPr lang="en-US" dirty="0">
+                <a:cs typeface="Arial"/>
+              </a:rPr>
+              <a:t>I</a:t>
+            </a:r>
+            <a:endParaRPr lang="en-US" b="0" dirty="0">
+              <a:ea typeface="+mj-lt"/>
+              <a:cs typeface="+mj-lt"/>
+            </a:endParaRPr>
+          </a:p>
+        </p:txBody>
+      </p:sp>
+      <p:sp>
+        <p:nvSpPr>
+          <p:cNvPr id="3" name="Content Placeholder 2">
+            <a:extLst>
+              <a:ext uri="{FF2B5EF4-FFF2-40B4-BE49-F238E27FC236}">
+                <a16:creationId xmlns:a16="http://schemas.microsoft.com/office/drawing/2014/main" id="{368080A6-0C22-1B3C-F59C-4256B23D72EF}"/>
+              </a:ext>
+            </a:extLst>
+          </p:cNvPr>
+          <p:cNvSpPr>
+            <a:spLocks noGrp="1"/>
+          </p:cNvSpPr>
+          <p:nvPr>
+            <p:ph idx="1"/>
+          </p:nvPr>
+        </p:nvSpPr>
+        <p:spPr>
+          <a:xfrm>
+            <a:off x="468313" y="1052513"/>
+            <a:ext cx="8353425" cy="3959363"/>
+          </a:xfrm>
+        </p:spPr>
+        <p:txBody>
+          <a:bodyPr/>
+          <a:lstStyle/>
+          <a:p>
+            <a:pPr marL="0" indent="0" algn="just">
+              <a:lnSpc>
+                <a:spcPct val="100000"/>
+              </a:lnSpc>
+              <a:spcBef>
+                <a:spcPct val="0"/>
+              </a:spcBef>
+              <a:buNone/>
+            </a:pPr>
+            <a:r>
+              <a:rPr lang="pt-BR" sz="1600" b="1" dirty="0">
+                <a:ea typeface="+mj-lt"/>
+                <a:cs typeface="+mj-lt"/>
+              </a:rPr>
+              <a:t>RESULTADOS - ÁRVORE DE DECISÃO</a:t>
+            </a:r>
+            <a:endParaRPr lang="en-US" sz="1600" b="1" dirty="0">
+              <a:ea typeface="+mj-lt"/>
+              <a:cs typeface="+mj-lt"/>
+            </a:endParaRPr>
+          </a:p>
+          <a:p>
+            <a:pPr marL="0" indent="0" algn="just">
+              <a:lnSpc>
+                <a:spcPct val="100000"/>
+              </a:lnSpc>
+              <a:spcBef>
+                <a:spcPct val="0"/>
+              </a:spcBef>
+              <a:buNone/>
+            </a:pPr>
+            <a:endParaRPr lang="pt-BR" sz="1600" dirty="0">
+              <a:ea typeface="+mj-lt"/>
+              <a:cs typeface="+mj-lt"/>
+            </a:endParaRPr>
+          </a:p>
+          <a:p>
+            <a:pPr marL="0" indent="0" algn="just">
+              <a:lnSpc>
+                <a:spcPct val="100000"/>
+              </a:lnSpc>
+              <a:spcBef>
+                <a:spcPct val="0"/>
+              </a:spcBef>
+              <a:buNone/>
+            </a:pPr>
+            <a:r>
+              <a:rPr lang="pt-BR" sz="1600" dirty="0">
+                <a:ea typeface="+mj-lt"/>
+                <a:cs typeface="+mj-lt"/>
+              </a:rPr>
+              <a:t>O melhor modelo foi o modelo de Árvore de Decisão com profundidade máxima de 2 níveis e mínimo de 50 folhas. O modelo apresentou a mesma acurácia de treino e teste, com 88%. Abaixo apresentamos o </a:t>
+            </a:r>
+            <a:r>
+              <a:rPr lang="pt-BR" sz="1600" dirty="0" err="1">
+                <a:ea typeface="+mj-lt"/>
+                <a:cs typeface="+mj-lt"/>
+              </a:rPr>
+              <a:t>report</a:t>
+            </a:r>
+            <a:r>
+              <a:rPr lang="pt-BR" sz="1600" dirty="0">
+                <a:ea typeface="+mj-lt"/>
+                <a:cs typeface="+mj-lt"/>
+              </a:rPr>
+              <a:t> de classificação:</a:t>
+            </a:r>
+          </a:p>
+          <a:p>
+            <a:pPr marL="0" indent="0" algn="just">
+              <a:lnSpc>
+                <a:spcPct val="100000"/>
+              </a:lnSpc>
+              <a:spcBef>
+                <a:spcPct val="0"/>
+              </a:spcBef>
+              <a:buNone/>
+            </a:pPr>
+            <a:endParaRPr lang="pt-BR" sz="1600" dirty="0">
+              <a:cs typeface="Arial"/>
+            </a:endParaRPr>
+          </a:p>
+          <a:p>
+            <a:pPr marL="0" indent="0" algn="just">
+              <a:lnSpc>
+                <a:spcPct val="100000"/>
+              </a:lnSpc>
+              <a:spcBef>
+                <a:spcPct val="0"/>
+              </a:spcBef>
+              <a:buNone/>
+            </a:pPr>
+            <a:endParaRPr lang="pt-BR" sz="1600" dirty="0">
+              <a:ea typeface="+mj-lt"/>
+              <a:cs typeface="+mj-lt"/>
+            </a:endParaRPr>
+          </a:p>
+          <a:p>
+            <a:pPr marL="0" indent="0" algn="just">
+              <a:lnSpc>
+                <a:spcPct val="100000"/>
+              </a:lnSpc>
+              <a:spcBef>
+                <a:spcPct val="0"/>
+              </a:spcBef>
+              <a:buNone/>
+            </a:pPr>
+            <a:endParaRPr lang="pt-BR" sz="1600" dirty="0">
+              <a:ea typeface="+mj-lt"/>
+              <a:cs typeface="+mj-lt"/>
+            </a:endParaRPr>
+          </a:p>
+          <a:p>
+            <a:pPr algn="just">
+              <a:buNone/>
+            </a:pPr>
+            <a:r>
+              <a:rPr lang="pt-BR" sz="1600" dirty="0">
+                <a:ea typeface="+mj-lt"/>
+                <a:cs typeface="+mj-lt"/>
+              </a:rPr>
+              <a:t>              </a:t>
+            </a:r>
+            <a:endParaRPr lang="pt-BR" dirty="0">
+              <a:ea typeface="+mj-lt"/>
+              <a:cs typeface="+mj-lt"/>
+            </a:endParaRPr>
+          </a:p>
+          <a:p>
+            <a:pPr algn="just">
+              <a:buNone/>
+            </a:pPr>
+            <a:endParaRPr lang="pt-BR" sz="1600" dirty="0">
+              <a:ea typeface="+mj-lt"/>
+              <a:cs typeface="+mj-lt"/>
+            </a:endParaRPr>
+          </a:p>
+          <a:p>
+            <a:pPr algn="just">
+              <a:buNone/>
+            </a:pPr>
+            <a:endParaRPr lang="pt-BR" sz="1600" dirty="0">
+              <a:ea typeface="+mj-lt"/>
+              <a:cs typeface="+mj-lt"/>
+            </a:endParaRPr>
+          </a:p>
+          <a:p>
+            <a:pPr algn="just">
+              <a:buNone/>
+            </a:pPr>
+            <a:endParaRPr lang="pt-BR" sz="1600" dirty="0">
+              <a:ea typeface="+mj-lt"/>
+              <a:cs typeface="+mj-lt"/>
+            </a:endParaRPr>
+          </a:p>
+          <a:p>
+            <a:pPr algn="just">
+              <a:buNone/>
+            </a:pPr>
+            <a:endParaRPr lang="pt-BR" sz="1600" dirty="0">
+              <a:ea typeface="+mj-lt"/>
+              <a:cs typeface="+mj-lt"/>
+            </a:endParaRPr>
+          </a:p>
+          <a:p>
+            <a:pPr algn="just">
+              <a:buNone/>
+            </a:pPr>
+            <a:r>
+              <a:rPr lang="pt-BR" sz="1600" dirty="0">
+                <a:ea typeface="+mj-lt"/>
+                <a:cs typeface="+mj-lt"/>
+              </a:rPr>
+              <a:t>Para a classe 1, a melhor precisão foi de 68, recall de 79, e f1 de 73. </a:t>
+            </a:r>
+            <a:endParaRPr lang="pt-BR" sz="1600" dirty="0">
+              <a:cs typeface="Arial"/>
+            </a:endParaRPr>
+          </a:p>
+        </p:txBody>
+      </p:sp>
+      <p:pic>
+        <p:nvPicPr>
+          <p:cNvPr id="4" name="Picture 4" descr="A picture containing table&#10;&#10;Description automatically generated">
+            <a:extLst>
+              <a:ext uri="{FF2B5EF4-FFF2-40B4-BE49-F238E27FC236}">
+                <a16:creationId xmlns:a16="http://schemas.microsoft.com/office/drawing/2014/main" id="{E4527195-E746-2AE0-438A-7AE32AEF5EC7}"/>
+              </a:ext>
+            </a:extLst>
+          </p:cNvPr>
+          <p:cNvPicPr>
+            <a:picLocks noChangeAspect="1"/>
+          </p:cNvPicPr>
+          <p:nvPr/>
+        </p:nvPicPr>
+        <p:blipFill rotWithShape="1">
+          <a:blip r:embed="rId2"/>
+          <a:srcRect t="4128" r="-153" b="-459"/>
+          <a:stretch/>
+        </p:blipFill>
+        <p:spPr>
+          <a:xfrm>
+            <a:off x="1622377" y="2593119"/>
+            <a:ext cx="5584620" cy="1799401"/>
+          </a:xfrm>
+          <a:prstGeom prst="rect">
+            <a:avLst/>
+          </a:prstGeom>
+        </p:spPr>
+      </p:pic>
+      <p:sp>
+        <p:nvSpPr>
+          <p:cNvPr id="7" name="TextBox 6">
+            <a:extLst>
+              <a:ext uri="{FF2B5EF4-FFF2-40B4-BE49-F238E27FC236}">
+                <a16:creationId xmlns:a16="http://schemas.microsoft.com/office/drawing/2014/main" id="{3E4CD215-A9E1-92C3-5584-A6E153C3268B}"/>
+              </a:ext>
+            </a:extLst>
+          </p:cNvPr>
+          <p:cNvSpPr txBox="1"/>
+          <p:nvPr/>
+        </p:nvSpPr>
+        <p:spPr>
+          <a:xfrm>
+            <a:off x="471168" y="4974609"/>
+            <a:ext cx="8348284" cy="1077218"/>
+          </a:xfrm>
+          <a:prstGeom prst="rect">
+            <a:avLst/>
+          </a:prstGeom>
+          <a:noFill/>
+        </p:spPr>
+        <p:txBody>
+          <a:bodyPr rot="0" spcFirstLastPara="0" vertOverflow="overflow" horzOverflow="overflow" vert="horz" wrap="square" lIns="91440" tIns="45720" rIns="91440" bIns="45720" numCol="1" spcCol="0" rtlCol="0" fromWordArt="0" anchor="t" anchorCtr="0" forceAA="0" compatLnSpc="1">
+            <a:prstTxWarp prst="textNoShape">
+              <a:avLst/>
+            </a:prstTxWarp>
+            <a:spAutoFit/>
+          </a:bodyPr>
+          <a:lstStyle/>
+          <a:p>
+            <a:r>
+              <a:rPr lang="en-US" sz="1600" b="0" i="0" dirty="0" err="1">
+                <a:latin typeface="Arial"/>
+                <a:cs typeface="Arial"/>
+              </a:rPr>
+              <a:t>Repare</a:t>
+            </a:r>
+            <a:r>
+              <a:rPr lang="en-US" sz="1600" b="0" i="0" dirty="0">
+                <a:latin typeface="Arial"/>
+                <a:cs typeface="Arial"/>
+              </a:rPr>
+              <a:t> que </a:t>
+            </a:r>
+            <a:r>
+              <a:rPr lang="en-US" sz="1600" b="0" i="0" dirty="0" err="1">
+                <a:latin typeface="Arial"/>
+                <a:cs typeface="Arial"/>
+              </a:rPr>
+              <a:t>tivemos</a:t>
+            </a:r>
+            <a:r>
+              <a:rPr lang="en-US" sz="1600" b="0" i="0" dirty="0">
+                <a:latin typeface="Arial"/>
+                <a:cs typeface="Arial"/>
+              </a:rPr>
+              <a:t> </a:t>
+            </a:r>
+            <a:r>
+              <a:rPr lang="en-US" sz="1600" b="0" i="0" dirty="0" err="1">
+                <a:latin typeface="Arial"/>
+                <a:cs typeface="Arial"/>
+              </a:rPr>
+              <a:t>apenas</a:t>
+            </a:r>
+            <a:r>
+              <a:rPr lang="en-US" sz="1600" b="0" i="0" dirty="0">
+                <a:latin typeface="Arial"/>
+                <a:cs typeface="Arial"/>
+              </a:rPr>
+              <a:t> 80 </a:t>
+            </a:r>
+            <a:r>
+              <a:rPr lang="en-US" sz="1600" b="0" i="0" dirty="0" err="1">
+                <a:latin typeface="Arial"/>
+                <a:cs typeface="Arial"/>
+              </a:rPr>
+              <a:t>amostras</a:t>
+            </a:r>
+            <a:r>
+              <a:rPr lang="en-US" sz="1600" b="0" i="0" dirty="0">
+                <a:latin typeface="Arial"/>
+                <a:cs typeface="Arial"/>
+              </a:rPr>
+              <a:t> da </a:t>
+            </a:r>
+            <a:r>
+              <a:rPr lang="en-US" sz="1600" b="0" i="0" dirty="0" err="1">
+                <a:latin typeface="Arial"/>
+                <a:cs typeface="Arial"/>
+              </a:rPr>
+              <a:t>classe</a:t>
+            </a:r>
+            <a:r>
+              <a:rPr lang="en-US" sz="1600" b="0" i="0" dirty="0">
+                <a:latin typeface="Arial"/>
+                <a:cs typeface="Arial"/>
+              </a:rPr>
+              <a:t> 1 para </a:t>
+            </a:r>
+            <a:r>
+              <a:rPr lang="en-US" sz="1600" b="0" i="0" dirty="0" err="1">
+                <a:latin typeface="Arial"/>
+                <a:cs typeface="Arial"/>
+              </a:rPr>
+              <a:t>testar</a:t>
+            </a:r>
+            <a:r>
+              <a:rPr lang="en-US" sz="1600" b="0" i="0" dirty="0">
+                <a:latin typeface="Arial"/>
+                <a:cs typeface="Arial"/>
+              </a:rPr>
+              <a:t>. </a:t>
+            </a:r>
+            <a:r>
+              <a:rPr lang="en-US" sz="1600" b="0" i="0" dirty="0" err="1">
+                <a:latin typeface="Arial"/>
+                <a:cs typeface="Arial"/>
+              </a:rPr>
+              <a:t>Provavelmente</a:t>
+            </a:r>
+            <a:r>
+              <a:rPr lang="en-US" sz="1600" b="0" i="0" dirty="0">
+                <a:latin typeface="Arial"/>
+                <a:cs typeface="Arial"/>
+              </a:rPr>
+              <a:t>, </a:t>
+            </a:r>
+            <a:r>
+              <a:rPr lang="en-US" sz="1600" b="0" i="0" dirty="0" err="1">
+                <a:latin typeface="Arial"/>
+                <a:cs typeface="Arial"/>
+              </a:rPr>
+              <a:t>aumentando</a:t>
+            </a:r>
+            <a:r>
+              <a:rPr lang="en-US" sz="1600" b="0" i="0" dirty="0">
+                <a:latin typeface="Arial"/>
+                <a:cs typeface="Arial"/>
+              </a:rPr>
+              <a:t> o dataset, </a:t>
+            </a:r>
+            <a:r>
+              <a:rPr lang="en-US" sz="1600" b="0" i="0" dirty="0" err="1">
+                <a:latin typeface="Arial"/>
+                <a:cs typeface="Arial"/>
+              </a:rPr>
+              <a:t>ou</a:t>
+            </a:r>
+            <a:r>
+              <a:rPr lang="en-US" sz="1600" b="0" i="0" dirty="0">
+                <a:latin typeface="Arial"/>
+                <a:cs typeface="Arial"/>
+              </a:rPr>
+              <a:t> </a:t>
+            </a:r>
+            <a:r>
+              <a:rPr lang="en-US" sz="1600" b="0" i="0" dirty="0" err="1">
+                <a:latin typeface="Arial"/>
+                <a:cs typeface="Arial"/>
+              </a:rPr>
+              <a:t>mudando</a:t>
+            </a:r>
+            <a:r>
+              <a:rPr lang="en-US" sz="1600" b="0" i="0" dirty="0">
+                <a:latin typeface="Arial"/>
+                <a:cs typeface="Arial"/>
+              </a:rPr>
+              <a:t> para outro </a:t>
+            </a:r>
+            <a:r>
+              <a:rPr lang="en-US" sz="1600" b="0" i="0" dirty="0" err="1">
+                <a:latin typeface="Arial"/>
+                <a:cs typeface="Arial"/>
+              </a:rPr>
+              <a:t>tipo</a:t>
+            </a:r>
+            <a:r>
+              <a:rPr lang="en-US" sz="1600" b="0" i="0" dirty="0">
+                <a:latin typeface="Arial"/>
+                <a:cs typeface="Arial"/>
+              </a:rPr>
+              <a:t> de </a:t>
+            </a:r>
+            <a:r>
+              <a:rPr lang="en-US" sz="1600" b="0" i="0" dirty="0" err="1">
+                <a:latin typeface="Arial"/>
+                <a:cs typeface="Arial"/>
+              </a:rPr>
+              <a:t>algoritmo</a:t>
+            </a:r>
+            <a:r>
+              <a:rPr lang="en-US" sz="1600" b="0" i="0" dirty="0">
+                <a:latin typeface="Arial"/>
+                <a:cs typeface="Arial"/>
+              </a:rPr>
+              <a:t> com </a:t>
+            </a:r>
+            <a:r>
+              <a:rPr lang="en-US" sz="1600" b="0" i="0" dirty="0" err="1">
+                <a:latin typeface="Arial"/>
+                <a:cs typeface="Arial"/>
+              </a:rPr>
+              <a:t>mais</a:t>
+            </a:r>
+            <a:r>
+              <a:rPr lang="en-US" sz="1600" b="0" i="0" dirty="0">
+                <a:latin typeface="Arial"/>
+                <a:cs typeface="Arial"/>
+              </a:rPr>
+              <a:t> </a:t>
+            </a:r>
+            <a:r>
+              <a:rPr lang="en-US" sz="1600" b="0" i="0" dirty="0" err="1">
+                <a:latin typeface="Arial"/>
+                <a:cs typeface="Arial"/>
+              </a:rPr>
+              <a:t>árvores</a:t>
+            </a:r>
+            <a:r>
+              <a:rPr lang="en-US" sz="1600" b="0" i="0" dirty="0">
+                <a:latin typeface="Arial"/>
+                <a:cs typeface="Arial"/>
+              </a:rPr>
+              <a:t>, </a:t>
+            </a:r>
+            <a:r>
+              <a:rPr lang="en-US" sz="1600" b="0" i="0" dirty="0" err="1">
+                <a:latin typeface="Arial"/>
+                <a:cs typeface="Arial"/>
+              </a:rPr>
+              <a:t>teremos</a:t>
+            </a:r>
+            <a:r>
+              <a:rPr lang="en-US" sz="1600" b="0" i="0" dirty="0">
+                <a:latin typeface="Arial"/>
+                <a:cs typeface="Arial"/>
+              </a:rPr>
+              <a:t> </a:t>
+            </a:r>
+            <a:r>
+              <a:rPr lang="en-US" sz="1600" b="0" i="0" dirty="0" err="1">
+                <a:latin typeface="Arial"/>
+                <a:cs typeface="Arial"/>
+              </a:rPr>
+              <a:t>resultados</a:t>
+            </a:r>
+            <a:r>
+              <a:rPr lang="en-US" sz="1600" b="0" i="0" dirty="0">
+                <a:latin typeface="Arial"/>
+                <a:cs typeface="Arial"/>
+              </a:rPr>
+              <a:t> </a:t>
+            </a:r>
+            <a:r>
+              <a:rPr lang="en-US" sz="1600" b="0" i="0" dirty="0" err="1">
+                <a:latin typeface="Arial"/>
+                <a:cs typeface="Arial"/>
+              </a:rPr>
+              <a:t>melhores</a:t>
+            </a:r>
+            <a:r>
+              <a:rPr lang="en-US" sz="1600" b="0" i="0" dirty="0">
+                <a:latin typeface="Arial"/>
+                <a:cs typeface="Arial"/>
+              </a:rPr>
+              <a:t>.</a:t>
+            </a:r>
+          </a:p>
+          <a:p>
+            <a:endParaRPr lang="en-US" sz="1600" b="0" i="0" dirty="0">
+              <a:latin typeface="Arial"/>
+              <a:cs typeface="Arial"/>
+            </a:endParaRPr>
+          </a:p>
+        </p:txBody>
+      </p:sp>
+    </p:spTree>
+    <p:extLst>
+      <p:ext uri="{BB962C8B-B14F-4D97-AF65-F5344CB8AC3E}">
+        <p14:creationId xmlns:p14="http://schemas.microsoft.com/office/powerpoint/2010/main" val="4043159753"/>
       </p:ext>
     </p:extLst>
   </p:cSld>

--- a/slides/Atividade_02_problema_real_sem_ML.pptx
+++ b/slides/Atividade_02_problema_real_sem_ML.pptx
@@ -19,20 +19,20 @@
     <p:sldId id="688" r:id="rId7"/>
     <p:sldId id="693" r:id="rId8"/>
     <p:sldId id="689" r:id="rId9"/>
-    <p:sldId id="700" r:id="rId10"/>
-    <p:sldId id="694" r:id="rId11"/>
-    <p:sldId id="695" r:id="rId12"/>
-    <p:sldId id="696" r:id="rId13"/>
-    <p:sldId id="697" r:id="rId14"/>
-    <p:sldId id="698" r:id="rId15"/>
-    <p:sldId id="699" r:id="rId16"/>
-    <p:sldId id="701" r:id="rId17"/>
-    <p:sldId id="702" r:id="rId18"/>
-    <p:sldId id="687" r:id="rId19"/>
-    <p:sldId id="682" r:id="rId20"/>
-    <p:sldId id="684" r:id="rId21"/>
-    <p:sldId id="685" r:id="rId22"/>
-    <p:sldId id="683" r:id="rId23"/>
+    <p:sldId id="687" r:id="rId10"/>
+    <p:sldId id="682" r:id="rId11"/>
+    <p:sldId id="684" r:id="rId12"/>
+    <p:sldId id="685" r:id="rId13"/>
+    <p:sldId id="683" r:id="rId14"/>
+    <p:sldId id="700" r:id="rId15"/>
+    <p:sldId id="694" r:id="rId16"/>
+    <p:sldId id="695" r:id="rId17"/>
+    <p:sldId id="696" r:id="rId18"/>
+    <p:sldId id="697" r:id="rId19"/>
+    <p:sldId id="698" r:id="rId20"/>
+    <p:sldId id="699" r:id="rId21"/>
+    <p:sldId id="701" r:id="rId22"/>
+    <p:sldId id="702" r:id="rId23"/>
   </p:sldIdLst>
   <p:sldSz cx="9145588" cy="6858000"/>
   <p:notesSz cx="6797675" cy="9874250"/>
@@ -558,7 +558,7 @@
               <a:pPr>
                 <a:defRPr/>
               </a:pPr>
-              <a:t>‹#›</a:t>
+              <a:t>‹nº›</a:t>
             </a:fld>
             <a:r>
               <a:rPr lang="pt-BR"/>
@@ -734,7 +734,7 @@
                 </a:lnSpc>
                 <a:defRPr/>
               </a:pPr>
-              <a:t>‹#›</a:t>
+              <a:t>‹nº›</a:t>
             </a:fld>
             <a:endParaRPr lang="en-US" sz="1300" b="0" i="0">
               <a:solidFill>
@@ -4450,7 +4450,7 @@
             <a:fld id="{D6D9AC3C-198E-45D3-AE37-6F309C142D7D}" type="slidenum">
               <a:rPr lang="pt-BR" smtClean="0"/>
               <a:pPr/>
-              <a:t>‹#›</a:t>
+              <a:t>‹nº›</a:t>
             </a:fld>
             <a:endParaRPr lang="pt-BR"/>
           </a:p>
@@ -4875,6 +4875,2194 @@
       </p:grpSpPr>
       <p:sp>
         <p:nvSpPr>
+          <p:cNvPr id="5122" name="Rectangle 2"/>
+          <p:cNvSpPr>
+            <a:spLocks noGrp="1" noChangeArrowheads="1"/>
+          </p:cNvSpPr>
+          <p:nvPr>
+            <p:ph type="title"/>
+          </p:nvPr>
+        </p:nvSpPr>
+        <p:spPr>
+          <a:xfrm>
+            <a:off x="434012" y="260560"/>
+            <a:ext cx="7008813" cy="455612"/>
+          </a:xfrm>
+        </p:spPr>
+        <p:txBody>
+          <a:bodyPr/>
+          <a:lstStyle/>
+          <a:p>
+            <a:pPr>
+              <a:lnSpc>
+                <a:spcPct val="150000"/>
+              </a:lnSpc>
+            </a:pPr>
+            <a:r>
+              <a:rPr lang="pt-BR" dirty="0" err="1">
+                <a:latin typeface="Gotham HTF Medium"/>
+              </a:rPr>
+              <a:t>Machine</a:t>
+            </a:r>
+            <a:r>
+              <a:rPr lang="pt-BR" dirty="0">
+                <a:latin typeface="Gotham HTF Medium"/>
+              </a:rPr>
+              <a:t> Learning I</a:t>
+            </a:r>
+            <a:endParaRPr lang="pt-BR" dirty="0"/>
+          </a:p>
+        </p:txBody>
+      </p:sp>
+      <p:sp>
+        <p:nvSpPr>
+          <p:cNvPr id="3" name="CaixaDeTexto 2"/>
+          <p:cNvSpPr txBox="1"/>
+          <p:nvPr/>
+        </p:nvSpPr>
+        <p:spPr>
+          <a:xfrm>
+            <a:off x="396214" y="1052670"/>
+            <a:ext cx="8353160" cy="416011"/>
+          </a:xfrm>
+          <a:prstGeom prst="rect">
+            <a:avLst/>
+          </a:prstGeom>
+          <a:noFill/>
+        </p:spPr>
+        <p:txBody>
+          <a:bodyPr wrap="square" lIns="91440" tIns="45720" rIns="91440" bIns="45720" rtlCol="0" anchor="t">
+            <a:spAutoFit/>
+          </a:bodyPr>
+          <a:lstStyle/>
+          <a:p>
+            <a:pPr algn="just">
+              <a:lnSpc>
+                <a:spcPct val="150000"/>
+              </a:lnSpc>
+            </a:pPr>
+            <a:r>
+              <a:rPr lang="pt-BR" sz="1600" i="0" dirty="0">
+                <a:latin typeface="+mj-lt"/>
+              </a:rPr>
+              <a:t>FONTES</a:t>
+            </a:r>
+            <a:endParaRPr lang="pt-BR" sz="1600" b="0" i="0" dirty="0">
+              <a:latin typeface="+mj-lt"/>
+            </a:endParaRPr>
+          </a:p>
+        </p:txBody>
+      </p:sp>
+      <p:sp>
+        <p:nvSpPr>
+          <p:cNvPr id="4" name="CaixaDeTexto 3">
+            <a:extLst>
+              <a:ext uri="{FF2B5EF4-FFF2-40B4-BE49-F238E27FC236}">
+                <a16:creationId xmlns:a16="http://schemas.microsoft.com/office/drawing/2014/main" id="{6DAC67DF-6803-A69B-9850-02BF3747C318}"/>
+              </a:ext>
+            </a:extLst>
+          </p:cNvPr>
+          <p:cNvSpPr txBox="1"/>
+          <p:nvPr/>
+        </p:nvSpPr>
+        <p:spPr>
+          <a:xfrm>
+            <a:off x="324204" y="1591279"/>
+            <a:ext cx="8569190" cy="1345048"/>
+          </a:xfrm>
+          <a:prstGeom prst="rect">
+            <a:avLst/>
+          </a:prstGeom>
+          <a:noFill/>
+        </p:spPr>
+        <p:txBody>
+          <a:bodyPr wrap="square" lIns="91440" tIns="45720" rIns="91440" bIns="45720" rtlCol="0" anchor="t">
+            <a:spAutoFit/>
+          </a:bodyPr>
+          <a:lstStyle/>
+          <a:p>
+            <a:pPr algn="just">
+              <a:lnSpc>
+                <a:spcPct val="150000"/>
+              </a:lnSpc>
+            </a:pPr>
+            <a:r>
+              <a:rPr lang="pt-BR" sz="1400" b="0" i="0" dirty="0">
+                <a:latin typeface="+mj-lt"/>
+                <a:hlinkClick r:id="rId3"/>
+              </a:rPr>
+              <a:t>http://lycofs01.lycoming.edu/~sprgene/M400/BenfordsLaw.pdf</a:t>
+            </a:r>
+            <a:endParaRPr lang="pt-BR" sz="1400" b="0" i="0" dirty="0">
+              <a:latin typeface="+mj-lt"/>
+            </a:endParaRPr>
+          </a:p>
+          <a:p>
+            <a:pPr algn="just">
+              <a:lnSpc>
+                <a:spcPct val="150000"/>
+              </a:lnSpc>
+            </a:pPr>
+            <a:r>
+              <a:rPr lang="pt-BR" sz="1400" b="0" i="0" dirty="0">
+                <a:latin typeface="+mj-lt"/>
+                <a:hlinkClick r:id="rId4"/>
+              </a:rPr>
+              <a:t>https://www.revistaespacios.com/a14v35n07/14350720.html</a:t>
+            </a:r>
+            <a:endParaRPr lang="pt-BR" sz="1400" b="0" i="0" dirty="0">
+              <a:latin typeface="+mj-lt"/>
+            </a:endParaRPr>
+          </a:p>
+          <a:p>
+            <a:pPr algn="just">
+              <a:lnSpc>
+                <a:spcPct val="150000"/>
+              </a:lnSpc>
+            </a:pPr>
+            <a:r>
+              <a:rPr lang="pt-BR" sz="1400" b="0" i="0" dirty="0">
+                <a:latin typeface="+mj-lt"/>
+                <a:hlinkClick r:id="rId5"/>
+              </a:rPr>
+              <a:t>https://www.forbes.com/sites/taxnotes/2021/08/19/can-benfords-law-detect-tax-fraud/?sh=690bca124d70</a:t>
+            </a:r>
+          </a:p>
+          <a:p>
+            <a:pPr algn="just">
+              <a:lnSpc>
+                <a:spcPct val="150000"/>
+              </a:lnSpc>
+            </a:pPr>
+            <a:r>
+              <a:rPr lang="pt-BR" sz="1400" b="0" i="0" dirty="0">
+                <a:latin typeface="+mj-lt"/>
+                <a:cs typeface="Arial"/>
+                <a:hlinkClick r:id="rId6"/>
+              </a:rPr>
+              <a:t>https://en.wikipedia.org/wiki/Benford%27s_law</a:t>
+            </a:r>
+            <a:r>
+              <a:rPr lang="pt-BR" sz="1400" b="0" i="0" dirty="0">
+                <a:latin typeface="+mj-lt"/>
+                <a:cs typeface="Arial"/>
+              </a:rPr>
+              <a:t> </a:t>
+            </a:r>
+            <a:endParaRPr lang="pt-BR" dirty="0">
+              <a:latin typeface="+mj-lt"/>
+            </a:endParaRPr>
+          </a:p>
+        </p:txBody>
+      </p:sp>
+    </p:spTree>
+    <p:extLst>
+      <p:ext uri="{BB962C8B-B14F-4D97-AF65-F5344CB8AC3E}">
+        <p14:creationId xmlns:p14="http://schemas.microsoft.com/office/powerpoint/2010/main" val="1776699597"/>
+      </p:ext>
+    </p:extLst>
+  </p:cSld>
+  <p:clrMapOvr>
+    <a:masterClrMapping/>
+  </p:clrMapOvr>
+</p:sld>
+</file>
+
+<file path=ppt/slides/slide11.xml><?xml version="1.0" encoding="utf-8"?>
+<p:sld xmlns:a="http://schemas.openxmlformats.org/drawingml/2006/main" xmlns:r="http://schemas.openxmlformats.org/officeDocument/2006/relationships" xmlns:p="http://schemas.openxmlformats.org/presentationml/2006/main">
+  <p:cSld>
+    <p:spTree>
+      <p:nvGrpSpPr>
+        <p:cNvPr id="1" name=""/>
+        <p:cNvGrpSpPr/>
+        <p:nvPr/>
+      </p:nvGrpSpPr>
+      <p:grpSpPr>
+        <a:xfrm>
+          <a:off x="0" y="0"/>
+          <a:ext cx="0" cy="0"/>
+          <a:chOff x="0" y="0"/>
+          <a:chExt cx="0" cy="0"/>
+        </a:xfrm>
+      </p:grpSpPr>
+      <p:sp>
+        <p:nvSpPr>
+          <p:cNvPr id="2" name="Title 1">
+            <a:extLst>
+              <a:ext uri="{FF2B5EF4-FFF2-40B4-BE49-F238E27FC236}">
+                <a16:creationId xmlns:a16="http://schemas.microsoft.com/office/drawing/2014/main" id="{43E5162E-F033-3D64-7489-816C333C48A4}"/>
+              </a:ext>
+            </a:extLst>
+          </p:cNvPr>
+          <p:cNvSpPr>
+            <a:spLocks noGrp="1"/>
+          </p:cNvSpPr>
+          <p:nvPr>
+            <p:ph type="title"/>
+          </p:nvPr>
+        </p:nvSpPr>
+        <p:spPr/>
+        <p:txBody>
+          <a:bodyPr/>
+          <a:lstStyle/>
+          <a:p>
+            <a:r>
+              <a:rPr lang="en-US" dirty="0">
+                <a:cs typeface="Arial"/>
+              </a:rPr>
+              <a:t>Machine Learning I</a:t>
+            </a:r>
+            <a:endParaRPr lang="en-US" dirty="0"/>
+          </a:p>
+        </p:txBody>
+      </p:sp>
+      <p:sp>
+        <p:nvSpPr>
+          <p:cNvPr id="3" name="Content Placeholder 2">
+            <a:extLst>
+              <a:ext uri="{FF2B5EF4-FFF2-40B4-BE49-F238E27FC236}">
+                <a16:creationId xmlns:a16="http://schemas.microsoft.com/office/drawing/2014/main" id="{C78B5095-9317-6870-6F77-B58F0E37BDA7}"/>
+              </a:ext>
+            </a:extLst>
+          </p:cNvPr>
+          <p:cNvSpPr>
+            <a:spLocks noGrp="1"/>
+          </p:cNvSpPr>
+          <p:nvPr>
+            <p:ph idx="1"/>
+          </p:nvPr>
+        </p:nvSpPr>
+        <p:spPr>
+          <a:xfrm>
+            <a:off x="468313" y="1052513"/>
+            <a:ext cx="8353425" cy="3285505"/>
+          </a:xfrm>
+        </p:spPr>
+        <p:txBody>
+          <a:bodyPr vert="horz" wrap="square" lIns="90488" tIns="44450" rIns="90488" bIns="44450" numCol="1" anchor="ctr" anchorCtr="0" compatLnSpc="1">
+            <a:prstTxWarp prst="textNoShape">
+              <a:avLst/>
+            </a:prstTxWarp>
+          </a:bodyPr>
+          <a:lstStyle/>
+          <a:p>
+            <a:pPr marL="0" indent="0">
+              <a:buNone/>
+            </a:pPr>
+            <a:r>
+              <a:rPr lang="en-US" sz="2400" dirty="0">
+                <a:cs typeface="Arial"/>
+              </a:rPr>
+              <a:t>3. APLICAÇÃO DOS ALGORITMOS DE MACHINE LEARNING VISTOS EM AULA EM UM PROBLEMA REAL</a:t>
+            </a:r>
+          </a:p>
+        </p:txBody>
+      </p:sp>
+    </p:spTree>
+    <p:extLst>
+      <p:ext uri="{BB962C8B-B14F-4D97-AF65-F5344CB8AC3E}">
+        <p14:creationId xmlns:p14="http://schemas.microsoft.com/office/powerpoint/2010/main" val="3189710410"/>
+      </p:ext>
+    </p:extLst>
+  </p:cSld>
+  <p:clrMapOvr>
+    <a:masterClrMapping/>
+  </p:clrMapOvr>
+</p:sld>
+</file>
+
+<file path=ppt/slides/slide12.xml><?xml version="1.0" encoding="utf-8"?>
+<p:sld xmlns:a="http://schemas.openxmlformats.org/drawingml/2006/main" xmlns:r="http://schemas.openxmlformats.org/officeDocument/2006/relationships" xmlns:p="http://schemas.openxmlformats.org/presentationml/2006/main">
+  <p:cSld>
+    <p:spTree>
+      <p:nvGrpSpPr>
+        <p:cNvPr id="1" name=""/>
+        <p:cNvGrpSpPr/>
+        <p:nvPr/>
+      </p:nvGrpSpPr>
+      <p:grpSpPr>
+        <a:xfrm>
+          <a:off x="0" y="0"/>
+          <a:ext cx="0" cy="0"/>
+          <a:chOff x="0" y="0"/>
+          <a:chExt cx="0" cy="0"/>
+        </a:xfrm>
+      </p:grpSpPr>
+      <p:sp>
+        <p:nvSpPr>
+          <p:cNvPr id="2" name="Title 1">
+            <a:extLst>
+              <a:ext uri="{FF2B5EF4-FFF2-40B4-BE49-F238E27FC236}">
+                <a16:creationId xmlns:a16="http://schemas.microsoft.com/office/drawing/2014/main" id="{742C7CE4-4C39-88E4-BA8A-D17809EA8AE7}"/>
+              </a:ext>
+            </a:extLst>
+          </p:cNvPr>
+          <p:cNvSpPr>
+            <a:spLocks noGrp="1"/>
+          </p:cNvSpPr>
+          <p:nvPr>
+            <p:ph type="title"/>
+          </p:nvPr>
+        </p:nvSpPr>
+        <p:spPr/>
+        <p:txBody>
+          <a:bodyPr/>
+          <a:lstStyle/>
+          <a:p>
+            <a:r>
+              <a:rPr lang="pt-BR" dirty="0" err="1">
+                <a:cs typeface="Arial"/>
+              </a:rPr>
+              <a:t>Machine</a:t>
+            </a:r>
+            <a:r>
+              <a:rPr lang="pt-BR" dirty="0">
+                <a:cs typeface="Arial"/>
+              </a:rPr>
+              <a:t> Learning</a:t>
+            </a:r>
+            <a:r>
+              <a:rPr lang="pt-BR" dirty="0">
+                <a:ea typeface="+mj-lt"/>
+                <a:cs typeface="+mj-lt"/>
+              </a:rPr>
+              <a:t> </a:t>
+            </a:r>
+            <a:r>
+              <a:rPr lang="en-US" dirty="0">
+                <a:ea typeface="+mj-lt"/>
+                <a:cs typeface="+mj-lt"/>
+              </a:rPr>
+              <a:t>I</a:t>
+            </a:r>
+            <a:endParaRPr lang="en-US" b="0" dirty="0">
+              <a:ea typeface="+mj-lt"/>
+              <a:cs typeface="+mj-lt"/>
+            </a:endParaRPr>
+          </a:p>
+        </p:txBody>
+      </p:sp>
+      <p:sp>
+        <p:nvSpPr>
+          <p:cNvPr id="4" name="TextBox 3">
+            <a:extLst>
+              <a:ext uri="{FF2B5EF4-FFF2-40B4-BE49-F238E27FC236}">
+                <a16:creationId xmlns:a16="http://schemas.microsoft.com/office/drawing/2014/main" id="{AB1A1C08-965B-1980-1897-0879C1882A5C}"/>
+              </a:ext>
+            </a:extLst>
+          </p:cNvPr>
+          <p:cNvSpPr txBox="1"/>
+          <p:nvPr/>
+        </p:nvSpPr>
+        <p:spPr>
+          <a:xfrm>
+            <a:off x="343198" y="1067938"/>
+            <a:ext cx="8382410" cy="5509200"/>
+          </a:xfrm>
+          <a:prstGeom prst="rect">
+            <a:avLst/>
+          </a:prstGeom>
+          <a:noFill/>
+        </p:spPr>
+        <p:txBody>
+          <a:bodyPr rot="0" spcFirstLastPara="0" vertOverflow="overflow" horzOverflow="overflow" vert="horz" wrap="square" lIns="91440" tIns="45720" rIns="91440" bIns="45720" numCol="1" spcCol="0" rtlCol="0" fromWordArt="0" anchor="t" anchorCtr="0" forceAA="0" compatLnSpc="1">
+            <a:prstTxWarp prst="textNoShape">
+              <a:avLst/>
+            </a:prstTxWarp>
+            <a:spAutoFit/>
+          </a:bodyPr>
+          <a:lstStyle/>
+          <a:p>
+            <a:pPr algn="just"/>
+            <a:r>
+              <a:rPr lang="pt-BR" sz="1600" b="0" i="0" dirty="0">
+                <a:latin typeface="+mj-lt"/>
+              </a:rPr>
+              <a:t>Para demostrar a aplicação desses modelos (Árvore de Decisão e KNN) em dados reais, escolhemos um </a:t>
+            </a:r>
+            <a:r>
+              <a:rPr lang="pt-BR" sz="1600" b="0" i="0" dirty="0">
+                <a:latin typeface="+mj-lt"/>
+                <a:cs typeface="Arial"/>
+              </a:rPr>
+              <a:t> </a:t>
+            </a:r>
+            <a:r>
+              <a:rPr lang="pt-BR" sz="1600" b="0" i="0" dirty="0">
+                <a:latin typeface="+mj-lt"/>
+                <a:cs typeface="Arial"/>
+                <a:hlinkClick r:id="rId2"/>
+              </a:rPr>
+              <a:t>dataset</a:t>
+            </a:r>
+            <a:r>
+              <a:rPr lang="pt-BR" sz="1600" b="0" i="0" dirty="0">
+                <a:latin typeface="+mj-lt"/>
+              </a:rPr>
+              <a:t> que está disponível no </a:t>
+            </a:r>
+            <a:r>
+              <a:rPr lang="pt-BR" sz="1600" b="0" i="0" dirty="0" err="1">
+                <a:latin typeface="+mj-lt"/>
+              </a:rPr>
+              <a:t>Kaggle</a:t>
+            </a:r>
+            <a:r>
+              <a:rPr lang="pt-BR" sz="1600" b="0" i="0" dirty="0">
+                <a:latin typeface="+mj-lt"/>
+              </a:rPr>
+              <a:t>, mas foi retirado do site da Major League Baseball (MLB). Ele possui dados históricos dos times de baseball e suas respectivas métricas de partidas.</a:t>
+            </a:r>
+            <a:endParaRPr lang="en-US" sz="1600" b="0" i="0" dirty="0">
+              <a:latin typeface="+mj-lt"/>
+            </a:endParaRPr>
+          </a:p>
+          <a:p>
+            <a:pPr algn="just"/>
+            <a:endParaRPr lang="pt-BR" sz="1600" b="0" i="0" dirty="0">
+              <a:latin typeface="+mj-lt"/>
+              <a:cs typeface="Arial"/>
+            </a:endParaRPr>
+          </a:p>
+          <a:p>
+            <a:pPr algn="just"/>
+            <a:r>
+              <a:rPr lang="pt-BR" sz="1600" b="0" i="0" dirty="0">
+                <a:latin typeface="+mj-lt"/>
+              </a:rPr>
+              <a:t>São elas:</a:t>
+            </a:r>
+            <a:endParaRPr lang="en-US" sz="1600" b="0" i="0" dirty="0">
+              <a:latin typeface="+mj-lt"/>
+            </a:endParaRPr>
+          </a:p>
+          <a:p>
+            <a:pPr marL="285750" indent="-285750" algn="just">
+              <a:buFont typeface="Arial"/>
+              <a:buChar char="•"/>
+            </a:pPr>
+            <a:r>
+              <a:rPr lang="en-US" sz="1600" b="0" i="0" dirty="0">
+                <a:latin typeface="+mj-lt"/>
+              </a:rPr>
+              <a:t>Runs Scored (RS): corridas </a:t>
+            </a:r>
+            <a:r>
+              <a:rPr lang="en-US" sz="1600" b="0" i="0" dirty="0" err="1">
+                <a:latin typeface="+mj-lt"/>
+              </a:rPr>
+              <a:t>pontuadas</a:t>
+            </a:r>
+            <a:r>
+              <a:rPr lang="en-US" sz="1600" b="0" i="0" dirty="0">
+                <a:latin typeface="+mj-lt"/>
+              </a:rPr>
+              <a:t> </a:t>
+            </a:r>
+            <a:r>
+              <a:rPr lang="en-US" sz="1600" b="0" i="0" dirty="0" err="1">
+                <a:latin typeface="+mj-lt"/>
+              </a:rPr>
+              <a:t>por</a:t>
+            </a:r>
+            <a:r>
+              <a:rPr lang="en-US" sz="1600" b="0" i="0" dirty="0">
+                <a:latin typeface="+mj-lt"/>
+              </a:rPr>
+              <a:t> </a:t>
+            </a:r>
+            <a:r>
+              <a:rPr lang="en-US" sz="1600" b="0" i="0" dirty="0" err="1">
+                <a:latin typeface="+mj-lt"/>
+              </a:rPr>
+              <a:t>completar</a:t>
+            </a:r>
+            <a:r>
+              <a:rPr lang="en-US" sz="1600" b="0" i="0" dirty="0">
+                <a:latin typeface="+mj-lt"/>
+              </a:rPr>
+              <a:t> as bases</a:t>
+            </a:r>
+            <a:endParaRPr lang="en-US" sz="1600" dirty="0">
+              <a:latin typeface="+mj-lt"/>
+            </a:endParaRPr>
+          </a:p>
+          <a:p>
+            <a:pPr marL="285750" indent="-285750" algn="just">
+              <a:buFont typeface="Arial"/>
+              <a:buChar char="•"/>
+            </a:pPr>
+            <a:r>
+              <a:rPr lang="en-US" sz="1600" b="0" i="0" dirty="0">
+                <a:latin typeface="+mj-lt"/>
+              </a:rPr>
+              <a:t>Runs Allowed (RA): corridas </a:t>
+            </a:r>
+            <a:r>
+              <a:rPr lang="en-US" sz="1600" b="0" i="0" dirty="0" err="1">
+                <a:latin typeface="+mj-lt"/>
+              </a:rPr>
+              <a:t>pontuadas</a:t>
+            </a:r>
+            <a:r>
+              <a:rPr lang="en-US" sz="1600" b="0" i="0" dirty="0">
+                <a:latin typeface="+mj-lt"/>
+              </a:rPr>
+              <a:t> contra o </a:t>
+            </a:r>
+            <a:r>
+              <a:rPr lang="en-US" sz="1600" b="0" i="0" dirty="0" err="1">
+                <a:latin typeface="+mj-lt"/>
+              </a:rPr>
+              <a:t>arremessador</a:t>
+            </a:r>
+            <a:endParaRPr lang="en-US" sz="1600" dirty="0" err="1">
+              <a:latin typeface="+mj-lt"/>
+            </a:endParaRPr>
+          </a:p>
+          <a:p>
+            <a:pPr marL="285750" indent="-285750" algn="just">
+              <a:buFont typeface="Arial"/>
+              <a:buChar char="•"/>
+            </a:pPr>
+            <a:r>
+              <a:rPr lang="en-US" sz="1600" b="0" i="0" dirty="0">
+                <a:latin typeface="+mj-lt"/>
+              </a:rPr>
+              <a:t>Wins (W): total de </a:t>
+            </a:r>
+            <a:r>
+              <a:rPr lang="en-US" sz="1600" b="0" i="0" dirty="0" err="1">
+                <a:latin typeface="+mj-lt"/>
+              </a:rPr>
+              <a:t>vitórias</a:t>
+            </a:r>
+            <a:r>
+              <a:rPr lang="en-US" sz="1600" b="0" i="0" dirty="0">
+                <a:latin typeface="+mj-lt"/>
+              </a:rPr>
+              <a:t> do </a:t>
+            </a:r>
+            <a:r>
+              <a:rPr lang="en-US" sz="1600" b="0" i="0" dirty="0" err="1">
+                <a:latin typeface="+mj-lt"/>
+              </a:rPr>
+              <a:t>arremessador</a:t>
+            </a:r>
+            <a:endParaRPr lang="en-US" sz="1600" dirty="0" err="1">
+              <a:latin typeface="+mj-lt"/>
+            </a:endParaRPr>
+          </a:p>
+          <a:p>
+            <a:pPr marL="285750" indent="-285750" algn="just">
+              <a:buFont typeface="Arial"/>
+              <a:buChar char="•"/>
+            </a:pPr>
+            <a:r>
+              <a:rPr lang="en-US" sz="1600" b="0" i="0" dirty="0">
+                <a:latin typeface="+mj-lt"/>
+              </a:rPr>
+              <a:t>On-Base Percentage(OBP): </a:t>
+            </a:r>
+            <a:r>
+              <a:rPr lang="en-US" sz="1600" b="0" i="0" dirty="0" err="1">
+                <a:latin typeface="+mj-lt"/>
+              </a:rPr>
+              <a:t>mede</a:t>
+            </a:r>
+            <a:r>
+              <a:rPr lang="en-US" sz="1600" b="0" i="0" dirty="0">
+                <a:latin typeface="+mj-lt"/>
+              </a:rPr>
+              <a:t> o </a:t>
+            </a:r>
+            <a:r>
+              <a:rPr lang="en-US" sz="1600" b="0" i="0" dirty="0" err="1">
+                <a:latin typeface="+mj-lt"/>
+              </a:rPr>
+              <a:t>quão</a:t>
+            </a:r>
+            <a:r>
+              <a:rPr lang="en-US" sz="1600" b="0" i="0" dirty="0">
+                <a:latin typeface="+mj-lt"/>
+              </a:rPr>
+              <a:t> </a:t>
+            </a:r>
+            <a:r>
+              <a:rPr lang="en-US" sz="1600" b="0" i="0" dirty="0" err="1">
+                <a:latin typeface="+mj-lt"/>
+              </a:rPr>
+              <a:t>frequentemente</a:t>
+            </a:r>
+            <a:r>
+              <a:rPr lang="en-US" sz="1600" b="0" i="0" dirty="0">
+                <a:latin typeface="+mj-lt"/>
+              </a:rPr>
+              <a:t> um </a:t>
+            </a:r>
+            <a:r>
+              <a:rPr lang="en-US" sz="1600" b="0" i="0" dirty="0" err="1">
+                <a:latin typeface="+mj-lt"/>
+              </a:rPr>
+              <a:t>rebatedor</a:t>
+            </a:r>
+            <a:r>
+              <a:rPr lang="en-US" sz="1600" b="0" i="0" dirty="0">
+                <a:latin typeface="+mj-lt"/>
+              </a:rPr>
+              <a:t> </a:t>
+            </a:r>
+            <a:r>
+              <a:rPr lang="en-US" sz="1600" b="0" i="0" dirty="0" err="1">
+                <a:latin typeface="+mj-lt"/>
+              </a:rPr>
+              <a:t>atinge</a:t>
+            </a:r>
+            <a:r>
+              <a:rPr lang="en-US" sz="1600" b="0" i="0" dirty="0">
+                <a:latin typeface="+mj-lt"/>
+              </a:rPr>
+              <a:t> a base (</a:t>
+            </a:r>
+            <a:r>
+              <a:rPr lang="en-US" sz="1600" b="0" i="0" dirty="0" err="1">
+                <a:latin typeface="+mj-lt"/>
+              </a:rPr>
+              <a:t>rebatimentos</a:t>
+            </a:r>
+            <a:r>
+              <a:rPr lang="en-US" sz="1600" b="0" i="0" dirty="0">
+                <a:latin typeface="+mj-lt"/>
+              </a:rPr>
+              <a:t> + </a:t>
+            </a:r>
+            <a:r>
+              <a:rPr lang="en-US" sz="1600" b="0" i="0" dirty="0" err="1">
+                <a:latin typeface="+mj-lt"/>
+              </a:rPr>
+              <a:t>interferências</a:t>
+            </a:r>
+            <a:r>
+              <a:rPr lang="en-US" sz="1600" b="0" i="0" dirty="0">
+                <a:latin typeface="+mj-lt"/>
+              </a:rPr>
+              <a:t> + </a:t>
+            </a:r>
+            <a:r>
+              <a:rPr lang="en-US" sz="1600" b="0" i="0" dirty="0" err="1">
+                <a:latin typeface="+mj-lt"/>
+              </a:rPr>
+              <a:t>número</a:t>
+            </a:r>
+            <a:r>
+              <a:rPr lang="en-US" sz="1600" b="0" i="0" dirty="0">
+                <a:latin typeface="+mj-lt"/>
+              </a:rPr>
+              <a:t> de </a:t>
+            </a:r>
+            <a:r>
+              <a:rPr lang="en-US" sz="1600" b="0" i="0" dirty="0" err="1">
+                <a:latin typeface="+mj-lt"/>
+              </a:rPr>
+              <a:t>vezes</a:t>
+            </a:r>
+            <a:r>
+              <a:rPr lang="en-US" sz="1600" b="0" i="0" dirty="0">
+                <a:latin typeface="+mj-lt"/>
+              </a:rPr>
+              <a:t> </a:t>
+            </a:r>
+            <a:r>
+              <a:rPr lang="en-US" sz="1600" b="0" i="0" dirty="0" err="1">
+                <a:latin typeface="+mj-lt"/>
+              </a:rPr>
+              <a:t>atingido</a:t>
+            </a:r>
+            <a:r>
+              <a:rPr lang="en-US" sz="1600" b="0" i="0" dirty="0">
+                <a:latin typeface="+mj-lt"/>
+              </a:rPr>
+              <a:t> </a:t>
+            </a:r>
+            <a:r>
+              <a:rPr lang="en-US" sz="1600" b="0" i="0" dirty="0" err="1">
+                <a:latin typeface="+mj-lt"/>
+              </a:rPr>
+              <a:t>pelo</a:t>
+            </a:r>
+            <a:r>
+              <a:rPr lang="en-US" sz="1600" b="0" i="0" dirty="0">
+                <a:latin typeface="+mj-lt"/>
+              </a:rPr>
+              <a:t> </a:t>
+            </a:r>
+            <a:r>
+              <a:rPr lang="en-US" sz="1600" b="0" i="0" dirty="0" err="1">
+                <a:latin typeface="+mj-lt"/>
+              </a:rPr>
+              <a:t>arremessador</a:t>
+            </a:r>
+            <a:r>
+              <a:rPr lang="en-US" sz="1600" b="0" i="0" dirty="0">
+                <a:latin typeface="+mj-lt"/>
+              </a:rPr>
+              <a:t> / </a:t>
+            </a:r>
+            <a:r>
+              <a:rPr lang="en-US" sz="1600" b="0" i="0" dirty="0" err="1">
+                <a:latin typeface="+mj-lt"/>
+              </a:rPr>
+              <a:t>número</a:t>
+            </a:r>
+            <a:r>
+              <a:rPr lang="en-US" sz="1600" b="0" i="0" dirty="0">
+                <a:latin typeface="+mj-lt"/>
+              </a:rPr>
+              <a:t> de </a:t>
+            </a:r>
+            <a:r>
+              <a:rPr lang="en-US" sz="1600" b="0" i="0" dirty="0" err="1">
+                <a:latin typeface="+mj-lt"/>
+              </a:rPr>
+              <a:t>rodadas</a:t>
+            </a:r>
+            <a:r>
+              <a:rPr lang="en-US" sz="1600" b="0" i="0" dirty="0">
+                <a:latin typeface="+mj-lt"/>
+              </a:rPr>
+              <a:t> </a:t>
+            </a:r>
+            <a:r>
+              <a:rPr lang="en-US" sz="1600" b="0" i="0" dirty="0" err="1">
+                <a:latin typeface="+mj-lt"/>
+              </a:rPr>
+              <a:t>completadas</a:t>
+            </a:r>
+            <a:r>
+              <a:rPr lang="en-US" sz="1600" b="0" i="0" dirty="0">
+                <a:latin typeface="+mj-lt"/>
+              </a:rPr>
+              <a:t>)</a:t>
+            </a:r>
+            <a:endParaRPr lang="en-US" sz="1600" dirty="0">
+              <a:latin typeface="+mj-lt"/>
+            </a:endParaRPr>
+          </a:p>
+          <a:p>
+            <a:pPr marL="285750" indent="-285750" algn="just">
+              <a:buFont typeface="Arial"/>
+              <a:buChar char="•"/>
+            </a:pPr>
+            <a:r>
+              <a:rPr lang="en-US" sz="1600" b="0" i="0" dirty="0">
+                <a:latin typeface="+mj-lt"/>
+              </a:rPr>
+              <a:t>Slugging Percentage (SLG): performance do </a:t>
+            </a:r>
+            <a:r>
+              <a:rPr lang="en-US" sz="1600" b="0" i="0" dirty="0" err="1">
+                <a:latin typeface="+mj-lt"/>
+              </a:rPr>
+              <a:t>rebatedor</a:t>
+            </a:r>
+            <a:r>
+              <a:rPr lang="en-US" sz="1600" b="0" i="0" dirty="0">
+                <a:latin typeface="+mj-lt"/>
+              </a:rPr>
+              <a:t> (total de bases </a:t>
+            </a:r>
+            <a:r>
+              <a:rPr lang="en-US" sz="1600" b="0" i="0" dirty="0" err="1">
+                <a:latin typeface="+mj-lt"/>
+              </a:rPr>
+              <a:t>atingidas</a:t>
+            </a:r>
+            <a:r>
+              <a:rPr lang="en-US" sz="1600" b="0" i="0" dirty="0">
+                <a:latin typeface="+mj-lt"/>
+              </a:rPr>
+              <a:t> / total </a:t>
+            </a:r>
+            <a:r>
+              <a:rPr lang="en-US" sz="1600" b="0" i="0" dirty="0" err="1">
+                <a:latin typeface="+mj-lt"/>
+              </a:rPr>
+              <a:t>rebatimentos</a:t>
+            </a:r>
+            <a:r>
+              <a:rPr lang="en-US" sz="1600" b="0" i="0" dirty="0">
+                <a:latin typeface="+mj-lt"/>
+              </a:rPr>
+              <a:t>)</a:t>
+            </a:r>
+            <a:endParaRPr lang="en-US" sz="1600" dirty="0">
+              <a:latin typeface="+mj-lt"/>
+            </a:endParaRPr>
+          </a:p>
+          <a:p>
+            <a:pPr marL="285750" indent="-285750" algn="just">
+              <a:buFont typeface="Arial"/>
+              <a:buChar char="•"/>
+            </a:pPr>
+            <a:r>
+              <a:rPr lang="en-US" sz="1600" b="0" i="0" dirty="0">
+                <a:latin typeface="+mj-lt"/>
+              </a:rPr>
+              <a:t>Batting Average (BA): </a:t>
+            </a:r>
+            <a:r>
+              <a:rPr lang="en-US" sz="1600" b="0" i="0" dirty="0" err="1">
+                <a:latin typeface="+mj-lt"/>
+              </a:rPr>
+              <a:t>rebatimento</a:t>
+            </a:r>
+            <a:r>
+              <a:rPr lang="en-US" sz="1600" b="0" i="0" dirty="0">
+                <a:latin typeface="+mj-lt"/>
+              </a:rPr>
+              <a:t> </a:t>
+            </a:r>
+            <a:r>
+              <a:rPr lang="en-US" sz="1600" b="0" i="0" dirty="0" err="1">
+                <a:latin typeface="+mj-lt"/>
+              </a:rPr>
+              <a:t>médio</a:t>
+            </a:r>
+            <a:endParaRPr lang="en-US" sz="1600" dirty="0" err="1">
+              <a:latin typeface="+mj-lt"/>
+            </a:endParaRPr>
+          </a:p>
+          <a:p>
+            <a:pPr marL="285750" indent="-285750" algn="just">
+              <a:buFont typeface="Arial"/>
+              <a:buChar char="•"/>
+            </a:pPr>
+            <a:r>
+              <a:rPr lang="en-US" sz="1600" b="0" i="0" dirty="0">
+                <a:latin typeface="+mj-lt"/>
+              </a:rPr>
+              <a:t>Games Played (G): total de </a:t>
+            </a:r>
+            <a:r>
+              <a:rPr lang="en-US" sz="1600" b="0" i="0" dirty="0" err="1">
+                <a:latin typeface="+mj-lt"/>
+              </a:rPr>
+              <a:t>partidas</a:t>
+            </a:r>
+            <a:r>
+              <a:rPr lang="en-US" sz="1600" b="0" i="0" dirty="0">
+                <a:latin typeface="+mj-lt"/>
+              </a:rPr>
+              <a:t> </a:t>
+            </a:r>
+            <a:r>
+              <a:rPr lang="en-US" sz="1600" b="0" i="0" dirty="0" err="1">
+                <a:latin typeface="+mj-lt"/>
+              </a:rPr>
+              <a:t>jogadas</a:t>
+            </a:r>
+            <a:endParaRPr lang="en-US" sz="1600" dirty="0" err="1">
+              <a:latin typeface="+mj-lt"/>
+            </a:endParaRPr>
+          </a:p>
+          <a:p>
+            <a:pPr marL="285750" indent="-285750" algn="just">
+              <a:buFont typeface="Arial"/>
+              <a:buChar char="•"/>
+            </a:pPr>
+            <a:r>
+              <a:rPr lang="en-US" sz="1600" b="0" i="0" dirty="0">
+                <a:latin typeface="+mj-lt"/>
+              </a:rPr>
+              <a:t>Opponent On-Base Percentage (OOBP): </a:t>
+            </a:r>
+            <a:r>
+              <a:rPr lang="en-US" sz="1600" b="0" i="0" dirty="0" err="1">
+                <a:latin typeface="+mj-lt"/>
+              </a:rPr>
+              <a:t>mede</a:t>
+            </a:r>
+            <a:r>
+              <a:rPr lang="en-US" sz="1600" b="0" i="0" dirty="0">
+                <a:latin typeface="+mj-lt"/>
+              </a:rPr>
+              <a:t> o </a:t>
+            </a:r>
+            <a:r>
+              <a:rPr lang="en-US" sz="1600" b="0" i="0" dirty="0" err="1">
+                <a:latin typeface="+mj-lt"/>
+              </a:rPr>
+              <a:t>quão</a:t>
+            </a:r>
+            <a:r>
+              <a:rPr lang="en-US" sz="1600" b="0" i="0" dirty="0">
+                <a:latin typeface="+mj-lt"/>
+              </a:rPr>
+              <a:t> </a:t>
+            </a:r>
+            <a:r>
+              <a:rPr lang="en-US" sz="1600" b="0" i="0" dirty="0" err="1">
+                <a:latin typeface="+mj-lt"/>
+              </a:rPr>
+              <a:t>frequentemente</a:t>
+            </a:r>
+            <a:r>
+              <a:rPr lang="en-US" sz="1600" b="0" i="0" dirty="0">
+                <a:latin typeface="+mj-lt"/>
+              </a:rPr>
+              <a:t> o </a:t>
+            </a:r>
+            <a:r>
+              <a:rPr lang="en-US" sz="1600" b="0" i="0" dirty="0" err="1">
+                <a:latin typeface="+mj-lt"/>
+              </a:rPr>
+              <a:t>rebatedor</a:t>
+            </a:r>
+            <a:r>
+              <a:rPr lang="en-US" sz="1600" b="0" i="0" dirty="0">
+                <a:latin typeface="+mj-lt"/>
+              </a:rPr>
+              <a:t> </a:t>
+            </a:r>
+            <a:r>
+              <a:rPr lang="en-US" sz="1600" b="0" i="0" dirty="0" err="1">
+                <a:latin typeface="+mj-lt"/>
+              </a:rPr>
+              <a:t>oponente</a:t>
+            </a:r>
+            <a:r>
+              <a:rPr lang="en-US" sz="1600" b="0" i="0" dirty="0">
+                <a:latin typeface="+mj-lt"/>
+              </a:rPr>
+              <a:t> </a:t>
+            </a:r>
+            <a:r>
+              <a:rPr lang="en-US" sz="1600" b="0" i="0" dirty="0" err="1">
+                <a:latin typeface="+mj-lt"/>
+              </a:rPr>
+              <a:t>atinge</a:t>
+            </a:r>
+            <a:r>
+              <a:rPr lang="en-US" sz="1600" b="0" i="0" dirty="0">
+                <a:latin typeface="+mj-lt"/>
+              </a:rPr>
+              <a:t> a base</a:t>
+            </a:r>
+            <a:endParaRPr lang="en-US" sz="1600" dirty="0">
+              <a:latin typeface="+mj-lt"/>
+            </a:endParaRPr>
+          </a:p>
+          <a:p>
+            <a:pPr marL="285750" indent="-285750" algn="just">
+              <a:buFont typeface="Arial"/>
+              <a:buChar char="•"/>
+            </a:pPr>
+            <a:r>
+              <a:rPr lang="en-US" sz="1600" b="0" i="0" dirty="0">
+                <a:latin typeface="+mj-lt"/>
+              </a:rPr>
+              <a:t>Opponent Slugging Percentage (OSLG): performance do </a:t>
+            </a:r>
+            <a:r>
+              <a:rPr lang="en-US" sz="1600" b="0" i="0" dirty="0" err="1">
+                <a:latin typeface="+mj-lt"/>
+              </a:rPr>
+              <a:t>rebatedor</a:t>
+            </a:r>
+            <a:r>
+              <a:rPr lang="en-US" sz="1600" b="0" i="0" dirty="0">
+                <a:latin typeface="+mj-lt"/>
+              </a:rPr>
+              <a:t> </a:t>
+            </a:r>
+            <a:r>
+              <a:rPr lang="en-US" sz="1600" b="0" i="0" dirty="0" err="1">
+                <a:latin typeface="+mj-lt"/>
+              </a:rPr>
+              <a:t>oponente</a:t>
+            </a:r>
+            <a:endParaRPr lang="en-US" sz="1600" b="0" i="0" dirty="0">
+              <a:latin typeface="+mj-lt"/>
+            </a:endParaRPr>
+          </a:p>
+          <a:p>
+            <a:pPr algn="just"/>
+            <a:endParaRPr lang="en-US" sz="1600" b="0" i="0" dirty="0">
+              <a:latin typeface="+mj-lt"/>
+            </a:endParaRPr>
+          </a:p>
+          <a:p>
+            <a:pPr algn="just"/>
+            <a:r>
+              <a:rPr lang="en-US" sz="1600" b="0" i="0" dirty="0" err="1">
+                <a:latin typeface="+mj-lt"/>
+              </a:rPr>
+              <a:t>Além</a:t>
+            </a:r>
+            <a:r>
+              <a:rPr lang="en-US" sz="1600" b="0" i="0" dirty="0">
+                <a:latin typeface="+mj-lt"/>
+              </a:rPr>
+              <a:t> </a:t>
+            </a:r>
+            <a:r>
+              <a:rPr lang="en-US" sz="1600" b="0" i="0" dirty="0" err="1">
+                <a:latin typeface="+mj-lt"/>
+              </a:rPr>
+              <a:t>disso</a:t>
+            </a:r>
+            <a:r>
+              <a:rPr lang="en-US" sz="1600" b="0" i="0" dirty="0">
+                <a:latin typeface="+mj-lt"/>
+              </a:rPr>
+              <a:t>, o dataset </a:t>
+            </a:r>
+            <a:r>
+              <a:rPr lang="en-US" sz="1600" b="0" i="0" dirty="0" err="1">
+                <a:latin typeface="+mj-lt"/>
+              </a:rPr>
+              <a:t>também</a:t>
+            </a:r>
+            <a:r>
+              <a:rPr lang="en-US" sz="1600" b="0" i="0" dirty="0">
+                <a:latin typeface="+mj-lt"/>
+              </a:rPr>
+              <a:t> </a:t>
+            </a:r>
+            <a:r>
+              <a:rPr lang="en-US" sz="1600" b="0" i="0" dirty="0" err="1">
+                <a:latin typeface="+mj-lt"/>
+              </a:rPr>
+              <a:t>possui</a:t>
+            </a:r>
+            <a:r>
+              <a:rPr lang="en-US" sz="1600" b="0" i="0" dirty="0">
+                <a:latin typeface="+mj-lt"/>
+              </a:rPr>
+              <a:t> a feature </a:t>
+            </a:r>
+            <a:r>
+              <a:rPr lang="en-US" sz="1600" b="0" i="0" dirty="0" err="1">
+                <a:latin typeface="+mj-lt"/>
+              </a:rPr>
+              <a:t>binária</a:t>
+            </a:r>
+            <a:r>
+              <a:rPr lang="en-US" sz="1600" b="0" i="0" dirty="0">
+                <a:latin typeface="+mj-lt"/>
+              </a:rPr>
+              <a:t> que </a:t>
+            </a:r>
+            <a:r>
+              <a:rPr lang="en-US" sz="1600" b="0" i="0" dirty="0" err="1">
+                <a:latin typeface="+mj-lt"/>
+              </a:rPr>
+              <a:t>diz</a:t>
+            </a:r>
+            <a:r>
+              <a:rPr lang="en-US" sz="1600" b="0" i="0" dirty="0">
+                <a:latin typeface="+mj-lt"/>
+              </a:rPr>
+              <a:t> se o time </a:t>
+            </a:r>
+            <a:r>
+              <a:rPr lang="en-US" sz="1600" b="0" i="0" dirty="0" err="1">
+                <a:latin typeface="+mj-lt"/>
+              </a:rPr>
+              <a:t>foi</a:t>
+            </a:r>
+            <a:r>
+              <a:rPr lang="en-US" sz="1600" b="0" i="0" dirty="0">
+                <a:latin typeface="+mj-lt"/>
+              </a:rPr>
+              <a:t> </a:t>
+            </a:r>
+            <a:r>
+              <a:rPr lang="en-US" sz="1600" b="0" i="0" dirty="0" err="1">
+                <a:latin typeface="+mj-lt"/>
+              </a:rPr>
+              <a:t>ou</a:t>
+            </a:r>
+            <a:r>
+              <a:rPr lang="en-US" sz="1600" b="0" i="0" dirty="0">
+                <a:latin typeface="+mj-lt"/>
+              </a:rPr>
+              <a:t> </a:t>
+            </a:r>
+            <a:r>
+              <a:rPr lang="en-US" sz="1600" b="0" i="0" dirty="0" err="1">
+                <a:latin typeface="+mj-lt"/>
+              </a:rPr>
+              <a:t>não</a:t>
+            </a:r>
+            <a:r>
+              <a:rPr lang="en-US" sz="1600" b="0" i="0" dirty="0">
+                <a:latin typeface="+mj-lt"/>
+              </a:rPr>
+              <a:t> para </a:t>
+            </a:r>
+            <a:r>
+              <a:rPr lang="en-US" sz="1600" b="0" i="0" dirty="0" err="1">
+                <a:latin typeface="+mj-lt"/>
+              </a:rPr>
+              <a:t>os</a:t>
+            </a:r>
+            <a:r>
+              <a:rPr lang="en-US" sz="1600" b="0" i="0" dirty="0">
+                <a:latin typeface="+mj-lt"/>
+              </a:rPr>
+              <a:t> Playoffs.</a:t>
+            </a:r>
+          </a:p>
+        </p:txBody>
+      </p:sp>
+    </p:spTree>
+    <p:extLst>
+      <p:ext uri="{BB962C8B-B14F-4D97-AF65-F5344CB8AC3E}">
+        <p14:creationId xmlns:p14="http://schemas.microsoft.com/office/powerpoint/2010/main" val="655168648"/>
+      </p:ext>
+    </p:extLst>
+  </p:cSld>
+  <p:clrMapOvr>
+    <a:masterClrMapping/>
+  </p:clrMapOvr>
+</p:sld>
+</file>
+
+<file path=ppt/slides/slide13.xml><?xml version="1.0" encoding="utf-8"?>
+<p:sld xmlns:a="http://schemas.openxmlformats.org/drawingml/2006/main" xmlns:r="http://schemas.openxmlformats.org/officeDocument/2006/relationships" xmlns:p="http://schemas.openxmlformats.org/presentationml/2006/main">
+  <p:cSld>
+    <p:spTree>
+      <p:nvGrpSpPr>
+        <p:cNvPr id="1" name=""/>
+        <p:cNvGrpSpPr/>
+        <p:nvPr/>
+      </p:nvGrpSpPr>
+      <p:grpSpPr>
+        <a:xfrm>
+          <a:off x="0" y="0"/>
+          <a:ext cx="0" cy="0"/>
+          <a:chOff x="0" y="0"/>
+          <a:chExt cx="0" cy="0"/>
+        </a:xfrm>
+      </p:grpSpPr>
+      <p:sp>
+        <p:nvSpPr>
+          <p:cNvPr id="2" name="Title 1">
+            <a:extLst>
+              <a:ext uri="{FF2B5EF4-FFF2-40B4-BE49-F238E27FC236}">
+                <a16:creationId xmlns:a16="http://schemas.microsoft.com/office/drawing/2014/main" id="{11D750CD-8399-BDB6-ED40-C111C68B1AF9}"/>
+              </a:ext>
+            </a:extLst>
+          </p:cNvPr>
+          <p:cNvSpPr>
+            <a:spLocks noGrp="1"/>
+          </p:cNvSpPr>
+          <p:nvPr>
+            <p:ph type="title"/>
+          </p:nvPr>
+        </p:nvSpPr>
+        <p:spPr/>
+        <p:txBody>
+          <a:bodyPr/>
+          <a:lstStyle/>
+          <a:p>
+            <a:r>
+              <a:rPr lang="pt-BR" dirty="0" err="1">
+                <a:ea typeface="+mj-lt"/>
+                <a:cs typeface="+mj-lt"/>
+              </a:rPr>
+              <a:t>Machine</a:t>
+            </a:r>
+            <a:r>
+              <a:rPr lang="pt-BR" dirty="0">
+                <a:ea typeface="+mj-lt"/>
+                <a:cs typeface="+mj-lt"/>
+              </a:rPr>
+              <a:t> Learning</a:t>
+            </a:r>
+            <a:r>
+              <a:rPr lang="pt-BR" dirty="0">
+                <a:cs typeface="Arial"/>
+              </a:rPr>
+              <a:t> </a:t>
+            </a:r>
+            <a:r>
+              <a:rPr lang="en-US" dirty="0">
+                <a:cs typeface="Arial"/>
+              </a:rPr>
+              <a:t>I</a:t>
+            </a:r>
+            <a:endParaRPr lang="en-US" b="0" dirty="0">
+              <a:ea typeface="+mj-lt"/>
+              <a:cs typeface="+mj-lt"/>
+            </a:endParaRPr>
+          </a:p>
+        </p:txBody>
+      </p:sp>
+      <p:sp>
+        <p:nvSpPr>
+          <p:cNvPr id="3" name="Content Placeholder 2">
+            <a:extLst>
+              <a:ext uri="{FF2B5EF4-FFF2-40B4-BE49-F238E27FC236}">
+                <a16:creationId xmlns:a16="http://schemas.microsoft.com/office/drawing/2014/main" id="{368080A6-0C22-1B3C-F59C-4256B23D72EF}"/>
+              </a:ext>
+            </a:extLst>
+          </p:cNvPr>
+          <p:cNvSpPr>
+            <a:spLocks noGrp="1"/>
+          </p:cNvSpPr>
+          <p:nvPr>
+            <p:ph idx="1"/>
+          </p:nvPr>
+        </p:nvSpPr>
+        <p:spPr/>
+        <p:txBody>
+          <a:bodyPr/>
+          <a:lstStyle/>
+          <a:p>
+            <a:pPr marL="0" indent="0" algn="just">
+              <a:lnSpc>
+                <a:spcPct val="100000"/>
+              </a:lnSpc>
+              <a:spcBef>
+                <a:spcPct val="0"/>
+              </a:spcBef>
+              <a:buNone/>
+            </a:pPr>
+            <a:r>
+              <a:rPr lang="pt-BR" sz="1600" dirty="0">
+                <a:cs typeface="Arial"/>
+              </a:rPr>
+              <a:t>A lista completa de </a:t>
+            </a:r>
+            <a:r>
+              <a:rPr lang="pt-BR" sz="1600" dirty="0" err="1">
+                <a:cs typeface="Arial"/>
+              </a:rPr>
+              <a:t>features</a:t>
+            </a:r>
+            <a:r>
+              <a:rPr lang="pt-BR" sz="1600" dirty="0">
+                <a:cs typeface="Arial"/>
+              </a:rPr>
+              <a:t> e suas explicações pode ser vista acessando este </a:t>
+            </a:r>
+            <a:r>
+              <a:rPr lang="pt-BR" sz="1600" dirty="0">
+                <a:cs typeface="Arial"/>
+                <a:hlinkClick r:id="rId2"/>
+              </a:rPr>
+              <a:t>link</a:t>
+            </a:r>
+            <a:r>
+              <a:rPr lang="pt-BR" sz="1600" dirty="0">
+                <a:cs typeface="Arial"/>
+              </a:rPr>
+              <a:t>.</a:t>
+            </a:r>
+          </a:p>
+          <a:p>
+            <a:pPr marL="0" indent="0" algn="just">
+              <a:lnSpc>
+                <a:spcPct val="100000"/>
+              </a:lnSpc>
+              <a:spcBef>
+                <a:spcPct val="0"/>
+              </a:spcBef>
+              <a:buNone/>
+            </a:pPr>
+            <a:endParaRPr lang="pt-BR" sz="1600" dirty="0">
+              <a:cs typeface="Arial"/>
+            </a:endParaRPr>
+          </a:p>
+          <a:p>
+            <a:pPr marL="0" indent="0" algn="just">
+              <a:lnSpc>
+                <a:spcPct val="100000"/>
+              </a:lnSpc>
+              <a:spcBef>
+                <a:spcPct val="0"/>
+              </a:spcBef>
+              <a:buNone/>
+            </a:pPr>
+            <a:r>
+              <a:rPr lang="pt-BR" sz="1600" dirty="0">
+                <a:cs typeface="Arial"/>
+              </a:rPr>
+              <a:t>Para resolver o problema, fizemos uma análise exploratória dos dados para entender as </a:t>
+            </a:r>
+            <a:r>
+              <a:rPr lang="pt-BR" sz="1600" dirty="0" err="1">
+                <a:cs typeface="Arial"/>
+              </a:rPr>
+              <a:t>features</a:t>
+            </a:r>
+            <a:r>
+              <a:rPr lang="pt-BR" sz="1600" dirty="0">
+                <a:cs typeface="Arial"/>
+              </a:rPr>
+              <a:t> e escolher aquelas que iam para o modelo, testamos diversos modelos de árvore e fizemos uma busca em grade de </a:t>
+            </a:r>
+            <a:r>
+              <a:rPr lang="pt-BR" sz="1600" dirty="0" err="1">
+                <a:cs typeface="Arial"/>
+              </a:rPr>
+              <a:t>hiperparâmetros</a:t>
+            </a:r>
+            <a:r>
+              <a:rPr lang="pt-BR" sz="1600" dirty="0">
+                <a:cs typeface="Arial"/>
+              </a:rPr>
+              <a:t> com validação cruzada. Também entendemos qual seria o melhor k para o KNN baseado na métrica f1-score.</a:t>
+            </a:r>
+            <a:endParaRPr lang="en-US" sz="1600" dirty="0">
+              <a:cs typeface="Arial"/>
+            </a:endParaRPr>
+          </a:p>
+          <a:p>
+            <a:pPr marL="0" indent="0" algn="just">
+              <a:lnSpc>
+                <a:spcPct val="100000"/>
+              </a:lnSpc>
+              <a:spcBef>
+                <a:spcPct val="0"/>
+              </a:spcBef>
+              <a:buNone/>
+            </a:pPr>
+            <a:endParaRPr lang="pt-BR" sz="1600" dirty="0">
+              <a:ea typeface="+mj-lt"/>
+              <a:cs typeface="+mj-lt"/>
+            </a:endParaRPr>
+          </a:p>
+          <a:p>
+            <a:pPr marL="0" indent="0" algn="just">
+              <a:lnSpc>
+                <a:spcPct val="100000"/>
+              </a:lnSpc>
+              <a:spcBef>
+                <a:spcPct val="0"/>
+              </a:spcBef>
+              <a:buNone/>
+            </a:pPr>
+            <a:r>
+              <a:rPr lang="pt-BR" sz="1600" dirty="0">
+                <a:ea typeface="+mj-lt"/>
+                <a:cs typeface="+mj-lt"/>
+              </a:rPr>
+              <a:t>Escolhemos o f1-score para obter o máximo de precisão e </a:t>
+            </a:r>
+            <a:r>
+              <a:rPr lang="pt-BR" sz="1600" dirty="0" err="1">
+                <a:ea typeface="+mj-lt"/>
+                <a:cs typeface="+mj-lt"/>
+              </a:rPr>
+              <a:t>revocação</a:t>
+            </a:r>
+            <a:r>
+              <a:rPr lang="pt-BR" sz="1600" dirty="0">
+                <a:ea typeface="+mj-lt"/>
+                <a:cs typeface="+mj-lt"/>
+              </a:rPr>
+              <a:t>. Como a nossa variável target era desbalanceada, realizamos testes mudando a métrica para precisão, porém sem diferenças consideráveis nos resultados. Então optamos por manter o f1-score.</a:t>
+            </a:r>
+            <a:endParaRPr lang="en-US" sz="1600" dirty="0">
+              <a:ea typeface="+mj-lt"/>
+              <a:cs typeface="+mj-lt"/>
+            </a:endParaRPr>
+          </a:p>
+          <a:p>
+            <a:pPr marL="0" indent="0" algn="just">
+              <a:lnSpc>
+                <a:spcPct val="100000"/>
+              </a:lnSpc>
+              <a:spcBef>
+                <a:spcPct val="0"/>
+              </a:spcBef>
+              <a:buNone/>
+            </a:pPr>
+            <a:endParaRPr lang="pt-BR" sz="1600" dirty="0">
+              <a:ea typeface="+mj-lt"/>
+              <a:cs typeface="+mj-lt"/>
+            </a:endParaRPr>
+          </a:p>
+          <a:p>
+            <a:pPr marL="0" indent="0" algn="just">
+              <a:lnSpc>
+                <a:spcPct val="100000"/>
+              </a:lnSpc>
+              <a:spcBef>
+                <a:spcPct val="0"/>
+              </a:spcBef>
+              <a:buNone/>
+            </a:pPr>
+            <a:r>
+              <a:rPr lang="pt-BR" sz="1600" dirty="0">
+                <a:cs typeface="Arial"/>
+              </a:rPr>
+              <a:t>Os notebooks podem ser acessados neste </a:t>
+            </a:r>
+            <a:r>
+              <a:rPr lang="pt-BR" sz="1600" dirty="0">
+                <a:cs typeface="Arial"/>
+                <a:hlinkClick r:id="rId3"/>
+              </a:rPr>
+              <a:t>link</a:t>
+            </a:r>
+            <a:r>
+              <a:rPr lang="pt-BR" sz="1600" dirty="0">
+                <a:cs typeface="Arial"/>
+              </a:rPr>
+              <a:t>.</a:t>
+            </a:r>
+          </a:p>
+          <a:p>
+            <a:pPr marL="0" indent="0">
+              <a:lnSpc>
+                <a:spcPct val="100000"/>
+              </a:lnSpc>
+              <a:spcBef>
+                <a:spcPct val="0"/>
+              </a:spcBef>
+              <a:buNone/>
+            </a:pPr>
+            <a:r>
+              <a:rPr lang="pt-BR" sz="1600" dirty="0">
+                <a:cs typeface="Arial"/>
+              </a:rPr>
+              <a:t>Há também o link para o </a:t>
+            </a:r>
+            <a:r>
+              <a:rPr lang="pt-BR" sz="1600" dirty="0" err="1">
+                <a:cs typeface="Arial"/>
+              </a:rPr>
+              <a:t>github</a:t>
+            </a:r>
+            <a:r>
+              <a:rPr lang="pt-BR" sz="1600" dirty="0">
+                <a:cs typeface="Arial"/>
+              </a:rPr>
+              <a:t> do projeto: </a:t>
+            </a:r>
+            <a:r>
+              <a:rPr lang="pt-BR" sz="1600" dirty="0">
+                <a:ea typeface="+mj-lt"/>
+                <a:cs typeface="+mj-lt"/>
+                <a:hlinkClick r:id="rId4"/>
+              </a:rPr>
+              <a:t>https://github.com/paciencia/moneyball_sandbox</a:t>
+            </a:r>
+          </a:p>
+          <a:p>
+            <a:pPr marL="0" indent="0" algn="just">
+              <a:lnSpc>
+                <a:spcPct val="100000"/>
+              </a:lnSpc>
+              <a:spcBef>
+                <a:spcPct val="0"/>
+              </a:spcBef>
+              <a:buNone/>
+            </a:pPr>
+            <a:endParaRPr lang="pt-BR" sz="1600" dirty="0">
+              <a:cs typeface="Arial"/>
+            </a:endParaRPr>
+          </a:p>
+          <a:p>
+            <a:pPr marL="0" indent="0" algn="just">
+              <a:lnSpc>
+                <a:spcPct val="100000"/>
+              </a:lnSpc>
+              <a:spcBef>
+                <a:spcPct val="0"/>
+              </a:spcBef>
+              <a:buNone/>
+            </a:pPr>
+            <a:r>
+              <a:rPr lang="pt-BR" sz="1600" dirty="0">
+                <a:cs typeface="Arial"/>
+              </a:rPr>
+              <a:t>No próximo slide, apresentaremos os resultados da análise.</a:t>
+            </a:r>
+          </a:p>
+          <a:p>
+            <a:pPr marL="0" indent="0" algn="just">
+              <a:lnSpc>
+                <a:spcPct val="100000"/>
+              </a:lnSpc>
+              <a:spcBef>
+                <a:spcPct val="0"/>
+              </a:spcBef>
+              <a:buNone/>
+            </a:pPr>
+            <a:endParaRPr lang="en-US" sz="1600" dirty="0">
+              <a:cs typeface="Arial"/>
+            </a:endParaRPr>
+          </a:p>
+        </p:txBody>
+      </p:sp>
+    </p:spTree>
+    <p:extLst>
+      <p:ext uri="{BB962C8B-B14F-4D97-AF65-F5344CB8AC3E}">
+        <p14:creationId xmlns:p14="http://schemas.microsoft.com/office/powerpoint/2010/main" val="1985486460"/>
+      </p:ext>
+    </p:extLst>
+  </p:cSld>
+  <p:clrMapOvr>
+    <a:masterClrMapping/>
+  </p:clrMapOvr>
+</p:sld>
+</file>
+
+<file path=ppt/slides/slide14.xml><?xml version="1.0" encoding="utf-8"?>
+<p:sld xmlns:a="http://schemas.openxmlformats.org/drawingml/2006/main" xmlns:r="http://schemas.openxmlformats.org/officeDocument/2006/relationships" xmlns:p="http://schemas.openxmlformats.org/presentationml/2006/main">
+  <p:cSld>
+    <p:spTree>
+      <p:nvGrpSpPr>
+        <p:cNvPr id="1" name=""/>
+        <p:cNvGrpSpPr/>
+        <p:nvPr/>
+      </p:nvGrpSpPr>
+      <p:grpSpPr>
+        <a:xfrm>
+          <a:off x="0" y="0"/>
+          <a:ext cx="0" cy="0"/>
+          <a:chOff x="0" y="0"/>
+          <a:chExt cx="0" cy="0"/>
+        </a:xfrm>
+      </p:grpSpPr>
+      <p:sp>
+        <p:nvSpPr>
+          <p:cNvPr id="2" name="Title 1">
+            <a:extLst>
+              <a:ext uri="{FF2B5EF4-FFF2-40B4-BE49-F238E27FC236}">
+                <a16:creationId xmlns:a16="http://schemas.microsoft.com/office/drawing/2014/main" id="{11D750CD-8399-BDB6-ED40-C111C68B1AF9}"/>
+              </a:ext>
+            </a:extLst>
+          </p:cNvPr>
+          <p:cNvSpPr>
+            <a:spLocks noGrp="1"/>
+          </p:cNvSpPr>
+          <p:nvPr>
+            <p:ph type="title"/>
+          </p:nvPr>
+        </p:nvSpPr>
+        <p:spPr/>
+        <p:txBody>
+          <a:bodyPr/>
+          <a:lstStyle/>
+          <a:p>
+            <a:r>
+              <a:rPr lang="pt-BR" dirty="0" err="1">
+                <a:ea typeface="+mj-lt"/>
+                <a:cs typeface="+mj-lt"/>
+              </a:rPr>
+              <a:t>Machine</a:t>
+            </a:r>
+            <a:r>
+              <a:rPr lang="pt-BR" dirty="0">
+                <a:ea typeface="+mj-lt"/>
+                <a:cs typeface="+mj-lt"/>
+              </a:rPr>
+              <a:t> Learning</a:t>
+            </a:r>
+            <a:r>
+              <a:rPr lang="pt-BR" dirty="0">
+                <a:cs typeface="Arial"/>
+              </a:rPr>
+              <a:t> </a:t>
+            </a:r>
+            <a:r>
+              <a:rPr lang="en-US" dirty="0">
+                <a:cs typeface="Arial"/>
+              </a:rPr>
+              <a:t>I</a:t>
+            </a:r>
+            <a:endParaRPr lang="en-US" b="0" dirty="0">
+              <a:ea typeface="+mj-lt"/>
+              <a:cs typeface="+mj-lt"/>
+            </a:endParaRPr>
+          </a:p>
+        </p:txBody>
+      </p:sp>
+      <p:sp>
+        <p:nvSpPr>
+          <p:cNvPr id="3" name="Content Placeholder 2">
+            <a:extLst>
+              <a:ext uri="{FF2B5EF4-FFF2-40B4-BE49-F238E27FC236}">
+                <a16:creationId xmlns:a16="http://schemas.microsoft.com/office/drawing/2014/main" id="{368080A6-0C22-1B3C-F59C-4256B23D72EF}"/>
+              </a:ext>
+            </a:extLst>
+          </p:cNvPr>
+          <p:cNvSpPr>
+            <a:spLocks noGrp="1"/>
+          </p:cNvSpPr>
+          <p:nvPr>
+            <p:ph idx="1"/>
+          </p:nvPr>
+        </p:nvSpPr>
+        <p:spPr>
+          <a:xfrm>
+            <a:off x="468313" y="1052513"/>
+            <a:ext cx="8353425" cy="3959363"/>
+          </a:xfrm>
+        </p:spPr>
+        <p:txBody>
+          <a:bodyPr/>
+          <a:lstStyle/>
+          <a:p>
+            <a:pPr marL="0" indent="0" algn="just">
+              <a:lnSpc>
+                <a:spcPct val="100000"/>
+              </a:lnSpc>
+              <a:spcBef>
+                <a:spcPct val="0"/>
+              </a:spcBef>
+              <a:buNone/>
+            </a:pPr>
+            <a:r>
+              <a:rPr lang="pt-BR" sz="1600" b="1" dirty="0">
+                <a:ea typeface="+mj-lt"/>
+                <a:cs typeface="+mj-lt"/>
+              </a:rPr>
+              <a:t>RESULTADOS - ÁRVORE DE DECISÃO</a:t>
+            </a:r>
+            <a:endParaRPr lang="en-US" sz="1600" b="1" dirty="0">
+              <a:ea typeface="+mj-lt"/>
+              <a:cs typeface="+mj-lt"/>
+            </a:endParaRPr>
+          </a:p>
+          <a:p>
+            <a:pPr marL="0" indent="0" algn="just">
+              <a:lnSpc>
+                <a:spcPct val="100000"/>
+              </a:lnSpc>
+              <a:spcBef>
+                <a:spcPct val="0"/>
+              </a:spcBef>
+              <a:buNone/>
+            </a:pPr>
+            <a:endParaRPr lang="pt-BR" sz="1600" dirty="0">
+              <a:ea typeface="+mj-lt"/>
+              <a:cs typeface="+mj-lt"/>
+            </a:endParaRPr>
+          </a:p>
+          <a:p>
+            <a:pPr marL="0" indent="0" algn="just">
+              <a:lnSpc>
+                <a:spcPct val="100000"/>
+              </a:lnSpc>
+              <a:spcBef>
+                <a:spcPct val="0"/>
+              </a:spcBef>
+              <a:buNone/>
+            </a:pPr>
+            <a:r>
+              <a:rPr lang="pt-BR" sz="1600" dirty="0">
+                <a:ea typeface="+mj-lt"/>
+                <a:cs typeface="+mj-lt"/>
+              </a:rPr>
+              <a:t>O melhor modelo foi a Árvore de Decisão com profundidade máxima de 2 níveis e mínimo de 50 folhas. Ele apresentou 88% de acurácia em treino e, também, em teste. </a:t>
+            </a:r>
+          </a:p>
+          <a:p>
+            <a:pPr marL="0" indent="0" algn="just">
+              <a:lnSpc>
+                <a:spcPct val="100000"/>
+              </a:lnSpc>
+              <a:spcBef>
+                <a:spcPct val="0"/>
+              </a:spcBef>
+              <a:buNone/>
+            </a:pPr>
+            <a:endParaRPr lang="pt-BR" sz="1600" dirty="0">
+              <a:ea typeface="+mj-lt"/>
+              <a:cs typeface="+mj-lt"/>
+            </a:endParaRPr>
+          </a:p>
+          <a:p>
+            <a:pPr marL="0" indent="0" algn="just">
+              <a:lnSpc>
+                <a:spcPct val="100000"/>
+              </a:lnSpc>
+              <a:spcBef>
+                <a:spcPct val="0"/>
+              </a:spcBef>
+              <a:buNone/>
+            </a:pPr>
+            <a:r>
+              <a:rPr lang="pt-BR" sz="1600" dirty="0">
+                <a:ea typeface="+mj-lt"/>
+                <a:cs typeface="+mj-lt"/>
+              </a:rPr>
+              <a:t>Abaixo apresentamos o </a:t>
+            </a:r>
+            <a:r>
+              <a:rPr lang="pt-BR" sz="1600" dirty="0" err="1">
+                <a:ea typeface="+mj-lt"/>
+                <a:cs typeface="+mj-lt"/>
+              </a:rPr>
+              <a:t>report</a:t>
+            </a:r>
+            <a:r>
+              <a:rPr lang="pt-BR" sz="1600" dirty="0">
+                <a:ea typeface="+mj-lt"/>
+                <a:cs typeface="+mj-lt"/>
+              </a:rPr>
+              <a:t> de classificação:</a:t>
+            </a:r>
+          </a:p>
+          <a:p>
+            <a:pPr marL="0" indent="0" algn="just">
+              <a:lnSpc>
+                <a:spcPct val="100000"/>
+              </a:lnSpc>
+              <a:spcBef>
+                <a:spcPct val="0"/>
+              </a:spcBef>
+              <a:buNone/>
+            </a:pPr>
+            <a:endParaRPr lang="pt-BR" sz="1600" dirty="0">
+              <a:cs typeface="Arial"/>
+            </a:endParaRPr>
+          </a:p>
+          <a:p>
+            <a:pPr marL="0" indent="0" algn="just">
+              <a:lnSpc>
+                <a:spcPct val="100000"/>
+              </a:lnSpc>
+              <a:spcBef>
+                <a:spcPct val="0"/>
+              </a:spcBef>
+              <a:buNone/>
+            </a:pPr>
+            <a:endParaRPr lang="pt-BR" sz="1600" dirty="0">
+              <a:ea typeface="+mj-lt"/>
+              <a:cs typeface="+mj-lt"/>
+            </a:endParaRPr>
+          </a:p>
+          <a:p>
+            <a:pPr marL="0" indent="0" algn="just">
+              <a:lnSpc>
+                <a:spcPct val="100000"/>
+              </a:lnSpc>
+              <a:spcBef>
+                <a:spcPct val="0"/>
+              </a:spcBef>
+              <a:buNone/>
+            </a:pPr>
+            <a:endParaRPr lang="pt-BR" sz="1600" dirty="0">
+              <a:ea typeface="+mj-lt"/>
+              <a:cs typeface="+mj-lt"/>
+            </a:endParaRPr>
+          </a:p>
+          <a:p>
+            <a:pPr algn="just">
+              <a:buNone/>
+            </a:pPr>
+            <a:r>
+              <a:rPr lang="pt-BR" sz="1600" dirty="0">
+                <a:ea typeface="+mj-lt"/>
+                <a:cs typeface="+mj-lt"/>
+              </a:rPr>
+              <a:t>              </a:t>
+            </a:r>
+            <a:endParaRPr lang="pt-BR" dirty="0">
+              <a:ea typeface="+mj-lt"/>
+              <a:cs typeface="+mj-lt"/>
+            </a:endParaRPr>
+          </a:p>
+          <a:p>
+            <a:pPr algn="just">
+              <a:buNone/>
+            </a:pPr>
+            <a:endParaRPr lang="pt-BR" sz="1600" dirty="0">
+              <a:ea typeface="+mj-lt"/>
+              <a:cs typeface="+mj-lt"/>
+            </a:endParaRPr>
+          </a:p>
+          <a:p>
+            <a:pPr algn="just">
+              <a:buNone/>
+            </a:pPr>
+            <a:endParaRPr lang="pt-BR" sz="1600" dirty="0">
+              <a:ea typeface="+mj-lt"/>
+              <a:cs typeface="+mj-lt"/>
+            </a:endParaRPr>
+          </a:p>
+          <a:p>
+            <a:pPr algn="just">
+              <a:buNone/>
+            </a:pPr>
+            <a:endParaRPr lang="pt-BR" sz="1600" dirty="0">
+              <a:ea typeface="+mj-lt"/>
+              <a:cs typeface="+mj-lt"/>
+            </a:endParaRPr>
+          </a:p>
+          <a:p>
+            <a:pPr algn="just">
+              <a:buNone/>
+            </a:pPr>
+            <a:endParaRPr lang="pt-BR" sz="1600" dirty="0">
+              <a:ea typeface="+mj-lt"/>
+              <a:cs typeface="+mj-lt"/>
+            </a:endParaRPr>
+          </a:p>
+          <a:p>
+            <a:pPr algn="just">
+              <a:buNone/>
+            </a:pPr>
+            <a:r>
+              <a:rPr lang="pt-BR" sz="1600" dirty="0">
+                <a:ea typeface="+mj-lt"/>
+                <a:cs typeface="+mj-lt"/>
+              </a:rPr>
+              <a:t>Para a classe 1, a melhor precisão foi de 68, recall de 79, e f1 de 73. </a:t>
+            </a:r>
+            <a:endParaRPr lang="pt-BR" sz="1600" dirty="0">
+              <a:cs typeface="Arial"/>
+            </a:endParaRPr>
+          </a:p>
+        </p:txBody>
+      </p:sp>
+      <p:pic>
+        <p:nvPicPr>
+          <p:cNvPr id="4" name="Picture 4" descr="A picture containing table&#10;&#10;Description automatically generated">
+            <a:extLst>
+              <a:ext uri="{FF2B5EF4-FFF2-40B4-BE49-F238E27FC236}">
+                <a16:creationId xmlns:a16="http://schemas.microsoft.com/office/drawing/2014/main" id="{E4527195-E746-2AE0-438A-7AE32AEF5EC7}"/>
+              </a:ext>
+            </a:extLst>
+          </p:cNvPr>
+          <p:cNvPicPr>
+            <a:picLocks noChangeAspect="1"/>
+          </p:cNvPicPr>
+          <p:nvPr/>
+        </p:nvPicPr>
+        <p:blipFill rotWithShape="1">
+          <a:blip r:embed="rId2"/>
+          <a:srcRect t="4128" r="-153" b="-459"/>
+          <a:stretch/>
+        </p:blipFill>
+        <p:spPr>
+          <a:xfrm>
+            <a:off x="1622377" y="2781759"/>
+            <a:ext cx="5584620" cy="1799401"/>
+          </a:xfrm>
+          <a:prstGeom prst="rect">
+            <a:avLst/>
+          </a:prstGeom>
+        </p:spPr>
+      </p:pic>
+      <p:sp>
+        <p:nvSpPr>
+          <p:cNvPr id="7" name="TextBox 6">
+            <a:extLst>
+              <a:ext uri="{FF2B5EF4-FFF2-40B4-BE49-F238E27FC236}">
+                <a16:creationId xmlns:a16="http://schemas.microsoft.com/office/drawing/2014/main" id="{3E4CD215-A9E1-92C3-5584-A6E153C3268B}"/>
+              </a:ext>
+            </a:extLst>
+          </p:cNvPr>
+          <p:cNvSpPr txBox="1"/>
+          <p:nvPr/>
+        </p:nvSpPr>
+        <p:spPr>
+          <a:xfrm>
+            <a:off x="471168" y="5088162"/>
+            <a:ext cx="8348284" cy="1077218"/>
+          </a:xfrm>
+          <a:prstGeom prst="rect">
+            <a:avLst/>
+          </a:prstGeom>
+          <a:noFill/>
+        </p:spPr>
+        <p:txBody>
+          <a:bodyPr rot="0" spcFirstLastPara="0" vertOverflow="overflow" horzOverflow="overflow" vert="horz" wrap="square" lIns="91440" tIns="45720" rIns="91440" bIns="45720" numCol="1" spcCol="0" rtlCol="0" fromWordArt="0" anchor="t" anchorCtr="0" forceAA="0" compatLnSpc="1">
+            <a:prstTxWarp prst="textNoShape">
+              <a:avLst/>
+            </a:prstTxWarp>
+            <a:spAutoFit/>
+          </a:bodyPr>
+          <a:lstStyle/>
+          <a:p>
+            <a:r>
+              <a:rPr lang="en-US" sz="1600" b="0" i="0" dirty="0" err="1">
+                <a:latin typeface="Arial"/>
+                <a:cs typeface="Arial"/>
+              </a:rPr>
+              <a:t>Repare</a:t>
+            </a:r>
+            <a:r>
+              <a:rPr lang="en-US" sz="1600" b="0" i="0" dirty="0">
+                <a:latin typeface="Arial"/>
+                <a:cs typeface="Arial"/>
+              </a:rPr>
+              <a:t> que </a:t>
+            </a:r>
+            <a:r>
+              <a:rPr lang="en-US" sz="1600" b="0" i="0" dirty="0" err="1">
+                <a:latin typeface="Arial"/>
+                <a:cs typeface="Arial"/>
+              </a:rPr>
+              <a:t>tivemos</a:t>
+            </a:r>
+            <a:r>
+              <a:rPr lang="en-US" sz="1600" b="0" i="0" dirty="0">
+                <a:latin typeface="Arial"/>
+                <a:cs typeface="Arial"/>
+              </a:rPr>
+              <a:t> </a:t>
+            </a:r>
+            <a:r>
+              <a:rPr lang="en-US" sz="1600" b="0" i="0" dirty="0" err="1">
+                <a:latin typeface="Arial"/>
+                <a:cs typeface="Arial"/>
+              </a:rPr>
+              <a:t>apenas</a:t>
+            </a:r>
+            <a:r>
+              <a:rPr lang="en-US" sz="1600" b="0" i="0" dirty="0">
+                <a:latin typeface="Arial"/>
+                <a:cs typeface="Arial"/>
+              </a:rPr>
+              <a:t> 80 </a:t>
+            </a:r>
+            <a:r>
+              <a:rPr lang="en-US" sz="1600" b="0" i="0" dirty="0" err="1">
+                <a:latin typeface="Arial"/>
+                <a:cs typeface="Arial"/>
+              </a:rPr>
+              <a:t>amostras</a:t>
+            </a:r>
+            <a:r>
+              <a:rPr lang="en-US" sz="1600" b="0" i="0" dirty="0">
+                <a:latin typeface="Arial"/>
+                <a:cs typeface="Arial"/>
+              </a:rPr>
+              <a:t> da </a:t>
+            </a:r>
+            <a:r>
+              <a:rPr lang="en-US" sz="1600" b="0" i="0" dirty="0" err="1">
+                <a:latin typeface="Arial"/>
+                <a:cs typeface="Arial"/>
+              </a:rPr>
+              <a:t>classe</a:t>
+            </a:r>
+            <a:r>
+              <a:rPr lang="en-US" sz="1600" b="0" i="0" dirty="0">
+                <a:latin typeface="Arial"/>
+                <a:cs typeface="Arial"/>
+              </a:rPr>
+              <a:t> 1 para </a:t>
+            </a:r>
+            <a:r>
+              <a:rPr lang="en-US" sz="1600" b="0" i="0" dirty="0" err="1">
+                <a:latin typeface="Arial"/>
+                <a:cs typeface="Arial"/>
+              </a:rPr>
+              <a:t>testar</a:t>
+            </a:r>
+            <a:r>
+              <a:rPr lang="en-US" sz="1600" b="0" i="0" dirty="0">
+                <a:latin typeface="Arial"/>
+                <a:cs typeface="Arial"/>
+              </a:rPr>
+              <a:t>. </a:t>
+            </a:r>
+            <a:r>
+              <a:rPr lang="en-US" sz="1600" b="0" i="0" dirty="0" err="1">
+                <a:latin typeface="Arial"/>
+                <a:cs typeface="Arial"/>
+              </a:rPr>
+              <a:t>Provavelmente</a:t>
+            </a:r>
+            <a:r>
+              <a:rPr lang="en-US" sz="1600" b="0" i="0" dirty="0">
+                <a:latin typeface="Arial"/>
+                <a:cs typeface="Arial"/>
+              </a:rPr>
+              <a:t>, </a:t>
+            </a:r>
+            <a:r>
+              <a:rPr lang="en-US" sz="1600" b="0" i="0" dirty="0" err="1">
+                <a:latin typeface="Arial"/>
+                <a:cs typeface="Arial"/>
+              </a:rPr>
+              <a:t>aumentando</a:t>
+            </a:r>
+            <a:r>
+              <a:rPr lang="en-US" sz="1600" b="0" i="0" dirty="0">
+                <a:latin typeface="Arial"/>
+                <a:cs typeface="Arial"/>
+              </a:rPr>
+              <a:t> o dataset, </a:t>
+            </a:r>
+            <a:r>
+              <a:rPr lang="en-US" sz="1600" b="0" i="0" dirty="0" err="1">
+                <a:latin typeface="Arial"/>
+                <a:cs typeface="Arial"/>
+              </a:rPr>
+              <a:t>ou</a:t>
+            </a:r>
+            <a:r>
+              <a:rPr lang="en-US" sz="1600" b="0" i="0" dirty="0">
+                <a:latin typeface="Arial"/>
+                <a:cs typeface="Arial"/>
+              </a:rPr>
+              <a:t> </a:t>
+            </a:r>
+            <a:r>
+              <a:rPr lang="en-US" sz="1600" b="0" i="0" dirty="0" err="1">
+                <a:latin typeface="Arial"/>
+                <a:cs typeface="Arial"/>
+              </a:rPr>
+              <a:t>mudando</a:t>
+            </a:r>
+            <a:r>
+              <a:rPr lang="en-US" sz="1600" b="0" i="0" dirty="0">
+                <a:latin typeface="Arial"/>
+                <a:cs typeface="Arial"/>
+              </a:rPr>
+              <a:t> para outro </a:t>
+            </a:r>
+            <a:r>
+              <a:rPr lang="en-US" sz="1600" b="0" i="0" dirty="0" err="1">
+                <a:latin typeface="Arial"/>
+                <a:cs typeface="Arial"/>
+              </a:rPr>
+              <a:t>tipo</a:t>
+            </a:r>
+            <a:r>
+              <a:rPr lang="en-US" sz="1600" b="0" i="0" dirty="0">
+                <a:latin typeface="Arial"/>
+                <a:cs typeface="Arial"/>
+              </a:rPr>
+              <a:t> de </a:t>
+            </a:r>
+            <a:r>
+              <a:rPr lang="en-US" sz="1600" b="0" i="0" dirty="0" err="1">
+                <a:latin typeface="Arial"/>
+                <a:cs typeface="Arial"/>
+              </a:rPr>
+              <a:t>algoritmo</a:t>
+            </a:r>
+            <a:r>
+              <a:rPr lang="en-US" sz="1600" b="0" i="0" dirty="0">
+                <a:latin typeface="Arial"/>
+                <a:cs typeface="Arial"/>
+              </a:rPr>
+              <a:t> com </a:t>
+            </a:r>
+            <a:r>
+              <a:rPr lang="en-US" sz="1600" b="0" i="0" dirty="0" err="1">
+                <a:latin typeface="Arial"/>
+                <a:cs typeface="Arial"/>
+              </a:rPr>
+              <a:t>mais</a:t>
+            </a:r>
+            <a:r>
+              <a:rPr lang="en-US" sz="1600" b="0" i="0" dirty="0">
+                <a:latin typeface="Arial"/>
+                <a:cs typeface="Arial"/>
+              </a:rPr>
+              <a:t> </a:t>
+            </a:r>
+            <a:r>
+              <a:rPr lang="en-US" sz="1600" b="0" i="0" dirty="0" err="1">
+                <a:latin typeface="Arial"/>
+                <a:cs typeface="Arial"/>
+              </a:rPr>
+              <a:t>árvores</a:t>
+            </a:r>
+            <a:r>
+              <a:rPr lang="en-US" sz="1600" b="0" i="0" dirty="0">
+                <a:latin typeface="Arial"/>
+                <a:cs typeface="Arial"/>
+              </a:rPr>
+              <a:t>, </a:t>
+            </a:r>
+            <a:r>
+              <a:rPr lang="en-US" sz="1600" b="0" i="0" dirty="0" err="1">
+                <a:latin typeface="Arial"/>
+                <a:cs typeface="Arial"/>
+              </a:rPr>
+              <a:t>teríamos</a:t>
+            </a:r>
+            <a:r>
+              <a:rPr lang="en-US" sz="1600" b="0" i="0" dirty="0">
+                <a:latin typeface="Arial"/>
+                <a:cs typeface="Arial"/>
+              </a:rPr>
+              <a:t> </a:t>
+            </a:r>
+            <a:r>
+              <a:rPr lang="en-US" sz="1600" b="0" i="0" dirty="0" err="1">
+                <a:latin typeface="Arial"/>
+                <a:cs typeface="Arial"/>
+              </a:rPr>
+              <a:t>resultados</a:t>
+            </a:r>
+            <a:r>
+              <a:rPr lang="en-US" sz="1600" b="0" i="0" dirty="0">
+                <a:latin typeface="Arial"/>
+                <a:cs typeface="Arial"/>
+              </a:rPr>
+              <a:t> </a:t>
+            </a:r>
+            <a:r>
+              <a:rPr lang="en-US" sz="1600" b="0" i="0" dirty="0" err="1">
+                <a:latin typeface="Arial"/>
+                <a:cs typeface="Arial"/>
+              </a:rPr>
+              <a:t>melhores</a:t>
+            </a:r>
+            <a:r>
+              <a:rPr lang="en-US" sz="1600" b="0" i="0" dirty="0">
+                <a:latin typeface="Arial"/>
+                <a:cs typeface="Arial"/>
+              </a:rPr>
+              <a:t>.</a:t>
+            </a:r>
+          </a:p>
+          <a:p>
+            <a:endParaRPr lang="en-US" sz="1600" b="0" i="0" dirty="0">
+              <a:latin typeface="Arial"/>
+              <a:cs typeface="Arial"/>
+            </a:endParaRPr>
+          </a:p>
+        </p:txBody>
+      </p:sp>
+    </p:spTree>
+    <p:extLst>
+      <p:ext uri="{BB962C8B-B14F-4D97-AF65-F5344CB8AC3E}">
+        <p14:creationId xmlns:p14="http://schemas.microsoft.com/office/powerpoint/2010/main" val="4043159753"/>
+      </p:ext>
+    </p:extLst>
+  </p:cSld>
+  <p:clrMapOvr>
+    <a:masterClrMapping/>
+  </p:clrMapOvr>
+</p:sld>
+</file>
+
+<file path=ppt/slides/slide15.xml><?xml version="1.0" encoding="utf-8"?>
+<p:sld xmlns:a="http://schemas.openxmlformats.org/drawingml/2006/main" xmlns:r="http://schemas.openxmlformats.org/officeDocument/2006/relationships" xmlns:p="http://schemas.openxmlformats.org/presentationml/2006/main">
+  <p:cSld>
+    <p:spTree>
+      <p:nvGrpSpPr>
+        <p:cNvPr id="1" name=""/>
+        <p:cNvGrpSpPr/>
+        <p:nvPr/>
+      </p:nvGrpSpPr>
+      <p:grpSpPr>
+        <a:xfrm>
+          <a:off x="0" y="0"/>
+          <a:ext cx="0" cy="0"/>
+          <a:chOff x="0" y="0"/>
+          <a:chExt cx="0" cy="0"/>
+        </a:xfrm>
+      </p:grpSpPr>
+      <p:sp>
+        <p:nvSpPr>
           <p:cNvPr id="2" name="Title 1">
             <a:extLst>
               <a:ext uri="{FF2B5EF4-FFF2-40B4-BE49-F238E27FC236}">
@@ -5231,7 +7419,7 @@
                 <a:ea typeface="+mj-lt"/>
                 <a:cs typeface="+mj-lt"/>
               </a:rPr>
-              <a:t>Ela classificou corretamente 63 dos 80 times que foram para os playoffs. </a:t>
+              <a:t>Ela classificou corretamente 63 dos 80 times que foram para os Playoffs. </a:t>
             </a:r>
             <a:endParaRPr lang="pt-BR" dirty="0">
               <a:ea typeface="+mj-lt"/>
@@ -5318,7 +7506,7 @@
 </p:sld>
 </file>
 
-<file path=ppt/slides/slide11.xml><?xml version="1.0" encoding="utf-8"?>
+<file path=ppt/slides/slide16.xml><?xml version="1.0" encoding="utf-8"?>
 <p:sld xmlns:a="http://schemas.openxmlformats.org/drawingml/2006/main" xmlns:r="http://schemas.openxmlformats.org/officeDocument/2006/relationships" xmlns:p="http://schemas.openxmlformats.org/presentationml/2006/main">
   <p:cSld>
     <p:spTree>
@@ -5408,7 +7596,7 @@
         <p:spPr>
           <a:xfrm>
             <a:off x="468313" y="1052513"/>
-            <a:ext cx="8353425" cy="5298549"/>
+            <a:ext cx="8353425" cy="5520997"/>
           </a:xfrm>
         </p:spPr>
         <p:txBody>
@@ -5700,7 +7888,7 @@
               <a:rPr lang="pt-BR" sz="1600" dirty="0">
                 <a:cs typeface="Arial"/>
               </a:rPr>
-              <a:t>, ou diferença de resultados, e foi criada a partir da diferença entre pontuações que acontecem quando a pessoa que joga a bola para o rebatedor de baseball comete falta e pontuações que acontecem quando o rebatedor acerta a bola. O que mostra, que, de acordo com esse modelo simples de árvore, obter uma pontuação &lt;= 135 ao acertar a bola, descontando possíveis erros do arremessador parece ser decisivo para ganhar os Playoffs.</a:t>
+              <a:t>, ou diferença de resultados, e foi criada a partir da diferença entre pontuações que acontecem quando a pessoa que joga a bola para o rebatedor de baseball comete falta e pontuações que acontecem quando o rebatedor acerta a bola. Isso mostra que, de acordo com esse modelo simples de árvore, obter uma pontuação &lt;= 135 ao acertar a bola, descontando possíveis erros do arremessador, parece ser decisivo para ganhar os Playoffs.</a:t>
             </a:r>
           </a:p>
         </p:txBody>
@@ -5748,7 +7936,7 @@
 </p:sld>
 </file>
 
-<file path=ppt/slides/slide12.xml><?xml version="1.0" encoding="utf-8"?>
+<file path=ppt/slides/slide17.xml><?xml version="1.0" encoding="utf-8"?>
 <p:sld xmlns:a="http://schemas.openxmlformats.org/drawingml/2006/main" xmlns:r="http://schemas.openxmlformats.org/officeDocument/2006/relationships" xmlns:p="http://schemas.openxmlformats.org/presentationml/2006/main">
   <p:cSld>
     <p:spTree>
@@ -6098,7 +8286,7 @@
               </a:rPr>
               <a:t>K=19 também apresentou uma acurácia de treino igual a de teste, variando apenas na terceira casa decimal, como podemos ver na primeira linha destacada da tabela acima. O f1 ficou em 0.71, sendo 0.02 menor do que o f1 do modelo de árvore.</a:t>
             </a:r>
-            <a:endParaRPr lang="pt-BR"/>
+            <a:endParaRPr lang="pt-BR" dirty="0"/>
           </a:p>
         </p:txBody>
       </p:sp>
@@ -6214,7 +8402,7 @@
 </p:sld>
 </file>
 
-<file path=ppt/slides/slide13.xml><?xml version="1.0" encoding="utf-8"?>
+<file path=ppt/slides/slide18.xml><?xml version="1.0" encoding="utf-8"?>
 <p:sld xmlns:a="http://schemas.openxmlformats.org/drawingml/2006/main" xmlns:r="http://schemas.openxmlformats.org/officeDocument/2006/relationships" xmlns:p="http://schemas.openxmlformats.org/presentationml/2006/main">
   <p:cSld>
     <p:spTree>
@@ -6390,21 +8578,7 @@
                 <a:ea typeface="+mj-lt"/>
                 <a:cs typeface="+mj-lt"/>
               </a:rPr>
-              <a:t> 0.15 menor, com 0.64. E um f1 menor de 0.71 por 0.02, uma vez que o f1 da </a:t>
-            </a:r>
-            <a:r>
-              <a:rPr lang="pt-BR" sz="1600" dirty="0" err="1">
-                <a:ea typeface="+mj-lt"/>
-                <a:cs typeface="+mj-lt"/>
-              </a:rPr>
-              <a:t>ávore</a:t>
-            </a:r>
-            <a:r>
-              <a:rPr lang="pt-BR" sz="1600" dirty="0">
-                <a:ea typeface="+mj-lt"/>
-                <a:cs typeface="+mj-lt"/>
-              </a:rPr>
-              <a:t> foi de 0.73.</a:t>
+              <a:t> 0.15 menor, com 0.64. E um f1 menor de 0.71 por 0.02, uma vez que o f1 da árvore foi de 0.73.</a:t>
             </a:r>
             <a:endParaRPr lang="pt-BR" sz="1600" dirty="0">
               <a:cs typeface="Arial"/>
@@ -6532,7 +8706,7 @@
               </a:spcBef>
               <a:buNone/>
             </a:pPr>
-            <a:endParaRPr lang="pt-BR"/>
+            <a:endParaRPr lang="pt-BR" dirty="0"/>
           </a:p>
           <a:p>
             <a:pPr marL="0" indent="0" algn="just">
@@ -6607,7 +8781,7 @@
 </p:sld>
 </file>
 
-<file path=ppt/slides/slide14.xml><?xml version="1.0" encoding="utf-8"?>
+<file path=ppt/slides/slide19.xml><?xml version="1.0" encoding="utf-8"?>
 <p:sld xmlns:a="http://schemas.openxmlformats.org/drawingml/2006/main" xmlns:r="http://schemas.openxmlformats.org/officeDocument/2006/relationships" xmlns:p="http://schemas.openxmlformats.org/presentationml/2006/main">
   <p:cSld>
     <p:spTree>
@@ -7160,1223 +9334,6 @@
     <p:extLst>
       <p:ext uri="{BB962C8B-B14F-4D97-AF65-F5344CB8AC3E}">
         <p14:creationId xmlns:p14="http://schemas.microsoft.com/office/powerpoint/2010/main" val="3439850319"/>
-      </p:ext>
-    </p:extLst>
-  </p:cSld>
-  <p:clrMapOvr>
-    <a:masterClrMapping/>
-  </p:clrMapOvr>
-</p:sld>
-</file>
-
-<file path=ppt/slides/slide15.xml><?xml version="1.0" encoding="utf-8"?>
-<p:sld xmlns:a="http://schemas.openxmlformats.org/drawingml/2006/main" xmlns:r="http://schemas.openxmlformats.org/officeDocument/2006/relationships" xmlns:p="http://schemas.openxmlformats.org/presentationml/2006/main">
-  <p:cSld>
-    <p:spTree>
-      <p:nvGrpSpPr>
-        <p:cNvPr id="1" name=""/>
-        <p:cNvGrpSpPr/>
-        <p:nvPr/>
-      </p:nvGrpSpPr>
-      <p:grpSpPr>
-        <a:xfrm>
-          <a:off x="0" y="0"/>
-          <a:ext cx="0" cy="0"/>
-          <a:chOff x="0" y="0"/>
-          <a:chExt cx="0" cy="0"/>
-        </a:xfrm>
-      </p:grpSpPr>
-      <p:sp>
-        <p:nvSpPr>
-          <p:cNvPr id="2" name="Title 1">
-            <a:extLst>
-              <a:ext uri="{FF2B5EF4-FFF2-40B4-BE49-F238E27FC236}">
-                <a16:creationId xmlns:a16="http://schemas.microsoft.com/office/drawing/2014/main" id="{43E5162E-F033-3D64-7489-816C333C48A4}"/>
-              </a:ext>
-            </a:extLst>
-          </p:cNvPr>
-          <p:cNvSpPr>
-            <a:spLocks noGrp="1"/>
-          </p:cNvSpPr>
-          <p:nvPr>
-            <p:ph type="title"/>
-          </p:nvPr>
-        </p:nvSpPr>
-        <p:spPr/>
-        <p:txBody>
-          <a:bodyPr/>
-          <a:lstStyle/>
-          <a:p>
-            <a:r>
-              <a:rPr lang="en-US" dirty="0">
-                <a:cs typeface="Arial"/>
-              </a:rPr>
-              <a:t>Machine Learning I</a:t>
-            </a:r>
-            <a:endParaRPr lang="en-US" dirty="0"/>
-          </a:p>
-        </p:txBody>
-      </p:sp>
-      <p:sp>
-        <p:nvSpPr>
-          <p:cNvPr id="3" name="Content Placeholder 2">
-            <a:extLst>
-              <a:ext uri="{FF2B5EF4-FFF2-40B4-BE49-F238E27FC236}">
-                <a16:creationId xmlns:a16="http://schemas.microsoft.com/office/drawing/2014/main" id="{C78B5095-9317-6870-6F77-B58F0E37BDA7}"/>
-              </a:ext>
-            </a:extLst>
-          </p:cNvPr>
-          <p:cNvSpPr>
-            <a:spLocks noGrp="1"/>
-          </p:cNvSpPr>
-          <p:nvPr>
-            <p:ph idx="1"/>
-          </p:nvPr>
-        </p:nvSpPr>
-        <p:spPr>
-          <a:xfrm>
-            <a:off x="468313" y="1052513"/>
-            <a:ext cx="8353425" cy="2628706"/>
-          </a:xfrm>
-        </p:spPr>
-        <p:txBody>
-          <a:bodyPr vert="horz" wrap="square" lIns="90488" tIns="44450" rIns="90488" bIns="44450" numCol="1" anchor="t" anchorCtr="0" compatLnSpc="1">
-            <a:prstTxWarp prst="textNoShape">
-              <a:avLst/>
-            </a:prstTxWarp>
-          </a:bodyPr>
-          <a:lstStyle/>
-          <a:p>
-            <a:pPr marL="0" indent="0">
-              <a:buNone/>
-            </a:pPr>
-            <a:endParaRPr lang="en-US" sz="2400" dirty="0">
-              <a:cs typeface="Arial"/>
-            </a:endParaRPr>
-          </a:p>
-          <a:p>
-            <a:pPr marL="0" indent="0">
-              <a:buNone/>
-            </a:pPr>
-            <a:endParaRPr lang="en-US" sz="2400" dirty="0">
-              <a:cs typeface="Arial"/>
-            </a:endParaRPr>
-          </a:p>
-          <a:p>
-            <a:pPr marL="0" indent="0">
-              <a:buNone/>
-            </a:pPr>
-            <a:r>
-              <a:rPr lang="en-US" sz="2400" dirty="0">
-                <a:cs typeface="Arial"/>
-              </a:rPr>
-              <a:t>PROBLEMA REAL QUE </a:t>
-            </a:r>
-            <a:r>
-              <a:rPr lang="en-US" sz="2400" b="1" dirty="0">
-                <a:cs typeface="Arial"/>
-              </a:rPr>
-              <a:t>NÃO </a:t>
-            </a:r>
-            <a:r>
-              <a:rPr lang="en-US" sz="2400" dirty="0">
-                <a:cs typeface="Arial"/>
-              </a:rPr>
-              <a:t>PRECISA DE MACHINE LEARNING PARA SER RESOLVIDO</a:t>
-            </a:r>
-            <a:endParaRPr lang="en-US" sz="2400">
-              <a:cs typeface="Arial"/>
-            </a:endParaRPr>
-          </a:p>
-        </p:txBody>
-      </p:sp>
-    </p:spTree>
-    <p:extLst>
-      <p:ext uri="{BB962C8B-B14F-4D97-AF65-F5344CB8AC3E}">
-        <p14:creationId xmlns:p14="http://schemas.microsoft.com/office/powerpoint/2010/main" val="741357223"/>
-      </p:ext>
-    </p:extLst>
-  </p:cSld>
-  <p:clrMapOvr>
-    <a:masterClrMapping/>
-  </p:clrMapOvr>
-</p:sld>
-</file>
-
-<file path=ppt/slides/slide16.xml><?xml version="1.0" encoding="utf-8"?>
-<p:sld xmlns:a="http://schemas.openxmlformats.org/drawingml/2006/main" xmlns:r="http://schemas.openxmlformats.org/officeDocument/2006/relationships" xmlns:p="http://schemas.openxmlformats.org/presentationml/2006/main">
-  <p:cSld>
-    <p:spTree>
-      <p:nvGrpSpPr>
-        <p:cNvPr id="1" name=""/>
-        <p:cNvGrpSpPr/>
-        <p:nvPr/>
-      </p:nvGrpSpPr>
-      <p:grpSpPr>
-        <a:xfrm>
-          <a:off x="0" y="0"/>
-          <a:ext cx="0" cy="0"/>
-          <a:chOff x="0" y="0"/>
-          <a:chExt cx="0" cy="0"/>
-        </a:xfrm>
-      </p:grpSpPr>
-      <p:sp>
-        <p:nvSpPr>
-          <p:cNvPr id="5122" name="Rectangle 2"/>
-          <p:cNvSpPr>
-            <a:spLocks noGrp="1" noChangeArrowheads="1"/>
-          </p:cNvSpPr>
-          <p:nvPr>
-            <p:ph type="title"/>
-          </p:nvPr>
-        </p:nvSpPr>
-        <p:spPr>
-          <a:xfrm>
-            <a:off x="434012" y="260560"/>
-            <a:ext cx="7008813" cy="455612"/>
-          </a:xfrm>
-        </p:spPr>
-        <p:txBody>
-          <a:bodyPr/>
-          <a:lstStyle/>
-          <a:p>
-            <a:pPr>
-              <a:lnSpc>
-                <a:spcPct val="150000"/>
-              </a:lnSpc>
-            </a:pPr>
-            <a:r>
-              <a:rPr lang="pt-BR" dirty="0" err="1">
-                <a:latin typeface="Gotham HTF Medium"/>
-              </a:rPr>
-              <a:t>Machine</a:t>
-            </a:r>
-            <a:r>
-              <a:rPr lang="pt-BR" dirty="0">
-                <a:latin typeface="Gotham HTF Medium"/>
-              </a:rPr>
-              <a:t> Learning I</a:t>
-            </a:r>
-            <a:endParaRPr lang="pt-BR" dirty="0"/>
-          </a:p>
-        </p:txBody>
-      </p:sp>
-      <p:sp>
-        <p:nvSpPr>
-          <p:cNvPr id="3" name="CaixaDeTexto 2"/>
-          <p:cNvSpPr txBox="1"/>
-          <p:nvPr/>
-        </p:nvSpPr>
-        <p:spPr>
-          <a:xfrm>
-            <a:off x="396214" y="1052670"/>
-            <a:ext cx="8353160" cy="416011"/>
-          </a:xfrm>
-          <a:prstGeom prst="rect">
-            <a:avLst/>
-          </a:prstGeom>
-          <a:noFill/>
-        </p:spPr>
-        <p:txBody>
-          <a:bodyPr wrap="square" lIns="91440" tIns="45720" rIns="91440" bIns="45720" rtlCol="0" anchor="t">
-            <a:spAutoFit/>
-          </a:bodyPr>
-          <a:lstStyle/>
-          <a:p>
-            <a:pPr algn="just">
-              <a:lnSpc>
-                <a:spcPct val="150000"/>
-              </a:lnSpc>
-            </a:pPr>
-            <a:r>
-              <a:rPr lang="pt-BR" sz="1600" i="0" dirty="0">
-                <a:latin typeface="+mj-lt"/>
-              </a:rPr>
-              <a:t>DESCRIÇÃO DO PROBLEMA: IDENTIFICAÇÃO DE POSSÍVEIS FRAUDES</a:t>
-            </a:r>
-            <a:endParaRPr lang="pt-BR" sz="1600" b="0" i="0" dirty="0">
-              <a:latin typeface="+mj-lt"/>
-            </a:endParaRPr>
-          </a:p>
-        </p:txBody>
-      </p:sp>
-      <p:sp>
-        <p:nvSpPr>
-          <p:cNvPr id="5" name="CaixaDeTexto 4">
-            <a:extLst>
-              <a:ext uri="{FF2B5EF4-FFF2-40B4-BE49-F238E27FC236}">
-                <a16:creationId xmlns:a16="http://schemas.microsoft.com/office/drawing/2014/main" id="{2B3EA4CB-F925-4B7E-B100-1333BC66C3B5}"/>
-              </a:ext>
-            </a:extLst>
-          </p:cNvPr>
-          <p:cNvSpPr txBox="1"/>
-          <p:nvPr/>
-        </p:nvSpPr>
-        <p:spPr>
-          <a:xfrm>
-            <a:off x="396214" y="1597173"/>
-            <a:ext cx="8353160" cy="3600986"/>
-          </a:xfrm>
-          <a:prstGeom prst="rect">
-            <a:avLst/>
-          </a:prstGeom>
-          <a:noFill/>
-        </p:spPr>
-        <p:txBody>
-          <a:bodyPr wrap="square" lIns="91440" tIns="45720" rIns="91440" bIns="45720" rtlCol="0" anchor="t">
-            <a:spAutoFit/>
-          </a:bodyPr>
-          <a:lstStyle/>
-          <a:p>
-            <a:pPr algn="just"/>
-            <a:r>
-              <a:rPr lang="pt-BR" sz="1600" b="0" i="0" dirty="0">
-                <a:latin typeface="+mj-lt"/>
-              </a:rPr>
-              <a:t>Um problema presente em diversos segmentos da economia é a fraude, tanto para empresas (desvio de dinheiro, manipulações financeiras) como para governos (evasão de tributos/impostos). Quando uma fraude acontece, ela pode levar uma empresa ou governo à perda de credibilidade, valor de mercado e até à falência. </a:t>
-            </a:r>
-          </a:p>
-          <a:p>
-            <a:pPr algn="just"/>
-            <a:endParaRPr lang="en-US" dirty="0"/>
-          </a:p>
-          <a:p>
-            <a:pPr algn="just"/>
-            <a:r>
-              <a:rPr lang="pt-BR" sz="1600" b="0" i="0" dirty="0">
-                <a:latin typeface="+mj-lt"/>
-              </a:rPr>
-              <a:t>Há algumas abordagens que utilizam </a:t>
-            </a:r>
-            <a:r>
-              <a:rPr lang="pt-BR" sz="1600" b="0" i="0" dirty="0" err="1">
-                <a:latin typeface="+mj-lt"/>
-              </a:rPr>
-              <a:t>Machine</a:t>
-            </a:r>
-            <a:r>
-              <a:rPr lang="pt-BR" sz="1600" b="0" i="0" dirty="0">
-                <a:latin typeface="+mj-lt"/>
-              </a:rPr>
-              <a:t> Learning para resolver o problema de identificar fraudes, principalmente com algoritmos de </a:t>
-            </a:r>
-            <a:r>
-              <a:rPr lang="pt-BR" sz="1600" b="0" i="0" dirty="0" err="1">
-                <a:latin typeface="+mj-lt"/>
-              </a:rPr>
-              <a:t>clusterização</a:t>
-            </a:r>
-            <a:r>
-              <a:rPr lang="pt-BR" sz="1600" b="0" i="0" dirty="0">
-                <a:latin typeface="+mj-lt"/>
-              </a:rPr>
-              <a:t>. No entanto, há uma solução que não está relacionada à </a:t>
-            </a:r>
-            <a:r>
-              <a:rPr lang="pt-BR" sz="1600" b="0" i="0" dirty="0" err="1">
-                <a:latin typeface="+mj-lt"/>
-              </a:rPr>
-              <a:t>Machine</a:t>
-            </a:r>
-            <a:r>
-              <a:rPr lang="pt-BR" sz="1600" b="0" i="0" dirty="0">
-                <a:latin typeface="+mj-lt"/>
-              </a:rPr>
-              <a:t> Learning, mas apenas à análise de frequência e ao formato da distribuição dos primeiro números de movimentações financeiras, seu nome é: lei de </a:t>
-            </a:r>
-            <a:r>
-              <a:rPr lang="pt-BR" sz="1600" b="0" i="0" dirty="0" err="1">
-                <a:latin typeface="+mj-lt"/>
-              </a:rPr>
-              <a:t>Newcomb-Benford</a:t>
-            </a:r>
-            <a:r>
-              <a:rPr lang="pt-BR" sz="1600" b="0" i="0" dirty="0">
-                <a:latin typeface="+mj-lt"/>
-              </a:rPr>
-              <a:t>. </a:t>
-            </a:r>
-            <a:endParaRPr lang="pt-BR" sz="1600" b="0" i="0" dirty="0">
-              <a:latin typeface="+mj-lt"/>
-              <a:cs typeface="Arial"/>
-            </a:endParaRPr>
-          </a:p>
-          <a:p>
-            <a:pPr algn="just"/>
-            <a:endParaRPr lang="pt-BR" dirty="0">
-              <a:cs typeface="Arial"/>
-            </a:endParaRPr>
-          </a:p>
-          <a:p>
-            <a:pPr algn="just"/>
-            <a:r>
-              <a:rPr lang="pt-BR" sz="1600" b="0" i="0" dirty="0">
-                <a:latin typeface="+mj-lt"/>
-                <a:cs typeface="Arial"/>
-              </a:rPr>
-              <a:t>Saber que a lei de </a:t>
-            </a:r>
-            <a:r>
-              <a:rPr lang="pt-BR" sz="1600" b="0" i="0" dirty="0" err="1">
-                <a:latin typeface="+mj-lt"/>
-                <a:cs typeface="Arial"/>
-              </a:rPr>
-              <a:t>Newcomb-Benford</a:t>
-            </a:r>
-            <a:r>
-              <a:rPr lang="pt-BR" sz="1600" b="0" i="0" dirty="0">
-                <a:latin typeface="+mj-lt"/>
-                <a:cs typeface="Arial"/>
-              </a:rPr>
-              <a:t> também pode ser usada para detecção de fraudes é importante, pois é um método baseado em contagem, mais rápido e barato, que não precisa do uso de ML e que já aponta as possíveis fraudes. </a:t>
-            </a:r>
-            <a:endParaRPr lang="pt-BR" dirty="0"/>
-          </a:p>
-        </p:txBody>
-      </p:sp>
-    </p:spTree>
-    <p:extLst>
-      <p:ext uri="{BB962C8B-B14F-4D97-AF65-F5344CB8AC3E}">
-        <p14:creationId xmlns:p14="http://schemas.microsoft.com/office/powerpoint/2010/main" val="3099482089"/>
-      </p:ext>
-    </p:extLst>
-  </p:cSld>
-  <p:clrMapOvr>
-    <a:masterClrMapping/>
-  </p:clrMapOvr>
-</p:sld>
-</file>
-
-<file path=ppt/slides/slide17.xml><?xml version="1.0" encoding="utf-8"?>
-<p:sld xmlns:a="http://schemas.openxmlformats.org/drawingml/2006/main" xmlns:r="http://schemas.openxmlformats.org/officeDocument/2006/relationships" xmlns:p="http://schemas.openxmlformats.org/presentationml/2006/main">
-  <p:cSld>
-    <p:spTree>
-      <p:nvGrpSpPr>
-        <p:cNvPr id="1" name=""/>
-        <p:cNvGrpSpPr/>
-        <p:nvPr/>
-      </p:nvGrpSpPr>
-      <p:grpSpPr>
-        <a:xfrm>
-          <a:off x="0" y="0"/>
-          <a:ext cx="0" cy="0"/>
-          <a:chOff x="0" y="0"/>
-          <a:chExt cx="0" cy="0"/>
-        </a:xfrm>
-      </p:grpSpPr>
-      <p:sp>
-        <p:nvSpPr>
-          <p:cNvPr id="5122" name="Rectangle 2"/>
-          <p:cNvSpPr>
-            <a:spLocks noGrp="1" noChangeArrowheads="1"/>
-          </p:cNvSpPr>
-          <p:nvPr>
-            <p:ph type="title"/>
-          </p:nvPr>
-        </p:nvSpPr>
-        <p:spPr>
-          <a:xfrm>
-            <a:off x="434012" y="260560"/>
-            <a:ext cx="7008813" cy="455612"/>
-          </a:xfrm>
-        </p:spPr>
-        <p:txBody>
-          <a:bodyPr/>
-          <a:lstStyle/>
-          <a:p>
-            <a:pPr>
-              <a:lnSpc>
-                <a:spcPct val="150000"/>
-              </a:lnSpc>
-            </a:pPr>
-            <a:r>
-              <a:rPr lang="pt-BR" dirty="0" err="1">
-                <a:latin typeface="Gotham HTF Medium"/>
-              </a:rPr>
-              <a:t>Machine</a:t>
-            </a:r>
-            <a:r>
-              <a:rPr lang="pt-BR" dirty="0">
-                <a:latin typeface="Gotham HTF Medium"/>
-              </a:rPr>
-              <a:t> Learning I</a:t>
-            </a:r>
-            <a:endParaRPr lang="pt-BR" dirty="0"/>
-          </a:p>
-        </p:txBody>
-      </p:sp>
-      <p:sp>
-        <p:nvSpPr>
-          <p:cNvPr id="3" name="CaixaDeTexto 2"/>
-          <p:cNvSpPr txBox="1"/>
-          <p:nvPr/>
-        </p:nvSpPr>
-        <p:spPr>
-          <a:xfrm>
-            <a:off x="396214" y="1052670"/>
-            <a:ext cx="8353160" cy="416011"/>
-          </a:xfrm>
-          <a:prstGeom prst="rect">
-            <a:avLst/>
-          </a:prstGeom>
-          <a:noFill/>
-        </p:spPr>
-        <p:txBody>
-          <a:bodyPr wrap="square" rtlCol="0">
-            <a:spAutoFit/>
-          </a:bodyPr>
-          <a:lstStyle/>
-          <a:p>
-            <a:pPr algn="just">
-              <a:lnSpc>
-                <a:spcPct val="150000"/>
-              </a:lnSpc>
-            </a:pPr>
-            <a:r>
-              <a:rPr lang="pt-BR" sz="1600" i="0" dirty="0">
-                <a:latin typeface="+mj-lt"/>
-              </a:rPr>
-              <a:t>SOLUÇÃO: LEI DE NEWCOMB-BENFORD</a:t>
-            </a:r>
-            <a:endParaRPr lang="pt-BR" sz="1600" b="0" i="0" dirty="0">
-              <a:latin typeface="+mj-lt"/>
-            </a:endParaRPr>
-          </a:p>
-        </p:txBody>
-      </p:sp>
-      <p:sp>
-        <p:nvSpPr>
-          <p:cNvPr id="6" name="CaixaDeTexto 5">
-            <a:extLst>
-              <a:ext uri="{FF2B5EF4-FFF2-40B4-BE49-F238E27FC236}">
-                <a16:creationId xmlns:a16="http://schemas.microsoft.com/office/drawing/2014/main" id="{B82B6141-C341-AC59-154A-CE858915F6D1}"/>
-              </a:ext>
-            </a:extLst>
-          </p:cNvPr>
-          <p:cNvSpPr txBox="1"/>
-          <p:nvPr/>
-        </p:nvSpPr>
-        <p:spPr>
-          <a:xfrm>
-            <a:off x="434012" y="1597173"/>
-            <a:ext cx="8353160" cy="4524315"/>
-          </a:xfrm>
-          <a:prstGeom prst="rect">
-            <a:avLst/>
-          </a:prstGeom>
-          <a:noFill/>
-        </p:spPr>
-        <p:txBody>
-          <a:bodyPr wrap="square" lIns="91440" tIns="45720" rIns="91440" bIns="45720" rtlCol="0" anchor="t">
-            <a:spAutoFit/>
-          </a:bodyPr>
-          <a:lstStyle/>
-          <a:p>
-            <a:pPr algn="just"/>
-            <a:r>
-              <a:rPr lang="pt-BR" sz="1600" b="0" i="0" dirty="0">
-                <a:latin typeface="+mj-lt"/>
-              </a:rPr>
-              <a:t>A Lei de </a:t>
-            </a:r>
-            <a:r>
-              <a:rPr lang="pt-BR" sz="1600" b="0" i="0" dirty="0" err="1">
-                <a:latin typeface="+mj-lt"/>
-              </a:rPr>
-              <a:t>Newcomb-Benford</a:t>
-            </a:r>
-            <a:r>
-              <a:rPr lang="pt-BR" sz="1600" b="0" i="0" dirty="0">
-                <a:latin typeface="+mj-lt"/>
-              </a:rPr>
-              <a:t>, também é conhecida como a lei do primeiro digito. Ela se baseia em uma observação sobre a distribuição dos dígitos que podem aparecer, por exemplo, em patrimônios ou movimentações de contas. </a:t>
-            </a:r>
-            <a:endParaRPr lang="pt-BR" sz="1600" b="0" i="0" dirty="0">
-              <a:latin typeface="+mj-lt"/>
-              <a:cs typeface="Arial"/>
-            </a:endParaRPr>
-          </a:p>
-          <a:p>
-            <a:pPr algn="just"/>
-            <a:endParaRPr lang="pt-BR" sz="1600" b="0" i="0" dirty="0">
-              <a:latin typeface="Arial"/>
-              <a:cs typeface="Arial"/>
-            </a:endParaRPr>
-          </a:p>
-          <a:p>
-            <a:pPr algn="just"/>
-            <a:r>
-              <a:rPr lang="pt-BR" sz="1600" b="0" i="0" dirty="0">
-                <a:latin typeface="+mj-lt"/>
-              </a:rPr>
-              <a:t>A aplicação da lei consiste em comparar a distribuição de frequência dos primeiros dígitos dos dados analisados com a sua distribuição de acordo com a lei de </a:t>
-            </a:r>
-            <a:r>
-              <a:rPr lang="pt-BR" sz="1600" b="0" i="0" dirty="0" err="1">
-                <a:latin typeface="+mj-lt"/>
-              </a:rPr>
-              <a:t>Benford</a:t>
-            </a:r>
-            <a:r>
-              <a:rPr lang="pt-BR" sz="1600" b="0" i="0" dirty="0">
-                <a:latin typeface="+mj-lt"/>
-              </a:rPr>
-              <a:t>. Ao fazer isso, já aparecem os resultados de frequência anômalos que precisam ser investigados.</a:t>
-            </a:r>
-          </a:p>
-          <a:p>
-            <a:pPr algn="just"/>
-            <a:endParaRPr lang="pt-BR" sz="1600" b="0" i="0" dirty="0">
-              <a:latin typeface="Arial"/>
-              <a:cs typeface="Arial"/>
-            </a:endParaRPr>
-          </a:p>
-          <a:p>
-            <a:pPr algn="just"/>
-            <a:r>
-              <a:rPr lang="pt-BR" sz="1600" b="0" i="0" dirty="0">
-                <a:latin typeface="Arial"/>
-                <a:cs typeface="Arial"/>
-              </a:rPr>
-              <a:t>A fórmula da lei é:</a:t>
-            </a:r>
-          </a:p>
-          <a:p>
-            <a:pPr algn="just"/>
-            <a:endParaRPr lang="pt-BR" sz="1600" b="0" i="0" dirty="0">
-              <a:latin typeface="+mj-lt"/>
-              <a:cs typeface="Arial"/>
-            </a:endParaRPr>
-          </a:p>
-          <a:p>
-            <a:pPr algn="just"/>
-            <a:endParaRPr lang="pt-BR" sz="1600" b="0" i="0" dirty="0">
-              <a:latin typeface="+mj-lt"/>
-              <a:cs typeface="Arial"/>
-            </a:endParaRPr>
-          </a:p>
-          <a:p>
-            <a:pPr algn="just"/>
-            <a:endParaRPr lang="pt-BR" sz="1600" b="0" i="0" dirty="0">
-              <a:latin typeface="+mj-lt"/>
-              <a:cs typeface="Arial"/>
-            </a:endParaRPr>
-          </a:p>
-          <a:p>
-            <a:pPr algn="just"/>
-            <a:r>
-              <a:rPr lang="pt-BR" sz="1600" b="0" i="0" dirty="0">
-                <a:latin typeface="+mj-lt"/>
-                <a:cs typeface="Arial"/>
-              </a:rPr>
-              <a:t>No qual d é um primeiro dígito que varia de 1 a 9.</a:t>
-            </a:r>
-            <a:endParaRPr lang="pt-BR" dirty="0"/>
-          </a:p>
-          <a:p>
-            <a:pPr algn="just"/>
-            <a:endParaRPr lang="pt-BR" sz="1600" b="0" i="0" dirty="0">
-              <a:latin typeface="+mj-lt"/>
-              <a:cs typeface="Arial"/>
-            </a:endParaRPr>
-          </a:p>
-          <a:p>
-            <a:pPr algn="just"/>
-            <a:r>
-              <a:rPr lang="pt-BR" sz="1600" b="0" i="0" dirty="0">
-                <a:latin typeface="+mj-lt"/>
-                <a:cs typeface="Arial"/>
-              </a:rPr>
-              <a:t>No caso de um patrimônio, se a frequência do dígito 1 é abaixo de 30%, que geralmente é a frequência do número 1 na distribuição de </a:t>
-            </a:r>
-            <a:r>
-              <a:rPr lang="pt-BR" sz="1600" b="0" i="0" dirty="0" err="1">
-                <a:latin typeface="+mj-lt"/>
-                <a:cs typeface="Arial"/>
-              </a:rPr>
-              <a:t>Benford</a:t>
-            </a:r>
-            <a:r>
-              <a:rPr lang="pt-BR" sz="1600" b="0" i="0" dirty="0">
-                <a:latin typeface="+mj-lt"/>
-                <a:cs typeface="Arial"/>
-              </a:rPr>
-              <a:t>, isso já seria um indicativo de que é necessário investigar a diferença e que pode ter ocorrido fraude ou erro.</a:t>
-            </a:r>
-          </a:p>
-          <a:p>
-            <a:pPr algn="just"/>
-            <a:endParaRPr lang="pt-BR" sz="1600" b="0" i="0" dirty="0">
-              <a:latin typeface="Arial"/>
-              <a:cs typeface="Arial"/>
-            </a:endParaRPr>
-          </a:p>
-        </p:txBody>
-      </p:sp>
-      <p:pic>
-        <p:nvPicPr>
-          <p:cNvPr id="2" name="Picture 3">
-            <a:extLst>
-              <a:ext uri="{FF2B5EF4-FFF2-40B4-BE49-F238E27FC236}">
-                <a16:creationId xmlns:a16="http://schemas.microsoft.com/office/drawing/2014/main" id="{879E6408-301D-1B07-2075-E7CEDEE2F9C1}"/>
-              </a:ext>
-            </a:extLst>
-          </p:cNvPr>
-          <p:cNvPicPr>
-            <a:picLocks noChangeAspect="1"/>
-          </p:cNvPicPr>
-          <p:nvPr/>
-        </p:nvPicPr>
-        <p:blipFill>
-          <a:blip r:embed="rId2"/>
-          <a:stretch>
-            <a:fillRect/>
-          </a:stretch>
-        </p:blipFill>
-        <p:spPr>
-          <a:xfrm>
-            <a:off x="1548374" y="3892485"/>
-            <a:ext cx="5721110" cy="646173"/>
-          </a:xfrm>
-          <a:prstGeom prst="rect">
-            <a:avLst/>
-          </a:prstGeom>
-        </p:spPr>
-      </p:pic>
-    </p:spTree>
-    <p:extLst>
-      <p:ext uri="{BB962C8B-B14F-4D97-AF65-F5344CB8AC3E}">
-        <p14:creationId xmlns:p14="http://schemas.microsoft.com/office/powerpoint/2010/main" val="3974187845"/>
-      </p:ext>
-    </p:extLst>
-  </p:cSld>
-  <p:clrMapOvr>
-    <a:masterClrMapping/>
-  </p:clrMapOvr>
-</p:sld>
-</file>
-
-<file path=ppt/slides/slide18.xml><?xml version="1.0" encoding="utf-8"?>
-<p:sld xmlns:a="http://schemas.openxmlformats.org/drawingml/2006/main" xmlns:r="http://schemas.openxmlformats.org/officeDocument/2006/relationships" xmlns:p="http://schemas.openxmlformats.org/presentationml/2006/main">
-  <p:cSld>
-    <p:spTree>
-      <p:nvGrpSpPr>
-        <p:cNvPr id="1" name=""/>
-        <p:cNvGrpSpPr/>
-        <p:nvPr/>
-      </p:nvGrpSpPr>
-      <p:grpSpPr>
-        <a:xfrm>
-          <a:off x="0" y="0"/>
-          <a:ext cx="0" cy="0"/>
-          <a:chOff x="0" y="0"/>
-          <a:chExt cx="0" cy="0"/>
-        </a:xfrm>
-      </p:grpSpPr>
-      <p:sp>
-        <p:nvSpPr>
-          <p:cNvPr id="5122" name="Rectangle 2"/>
-          <p:cNvSpPr>
-            <a:spLocks noGrp="1" noChangeArrowheads="1"/>
-          </p:cNvSpPr>
-          <p:nvPr>
-            <p:ph type="title"/>
-          </p:nvPr>
-        </p:nvSpPr>
-        <p:spPr>
-          <a:xfrm>
-            <a:off x="434012" y="260560"/>
-            <a:ext cx="7008813" cy="455612"/>
-          </a:xfrm>
-        </p:spPr>
-        <p:txBody>
-          <a:bodyPr/>
-          <a:lstStyle/>
-          <a:p>
-            <a:pPr>
-              <a:lnSpc>
-                <a:spcPct val="150000"/>
-              </a:lnSpc>
-            </a:pPr>
-            <a:r>
-              <a:rPr lang="pt-BR" dirty="0" err="1">
-                <a:latin typeface="Gotham HTF Medium"/>
-              </a:rPr>
-              <a:t>Machine</a:t>
-            </a:r>
-            <a:r>
-              <a:rPr lang="pt-BR" dirty="0">
-                <a:latin typeface="Gotham HTF Medium"/>
-              </a:rPr>
-              <a:t> Learning I</a:t>
-            </a:r>
-            <a:endParaRPr lang="pt-BR" dirty="0"/>
-          </a:p>
-        </p:txBody>
-      </p:sp>
-      <p:sp>
-        <p:nvSpPr>
-          <p:cNvPr id="3" name="CaixaDeTexto 2"/>
-          <p:cNvSpPr txBox="1"/>
-          <p:nvPr/>
-        </p:nvSpPr>
-        <p:spPr>
-          <a:xfrm>
-            <a:off x="396214" y="1052670"/>
-            <a:ext cx="8353160" cy="416011"/>
-          </a:xfrm>
-          <a:prstGeom prst="rect">
-            <a:avLst/>
-          </a:prstGeom>
-          <a:noFill/>
-        </p:spPr>
-        <p:txBody>
-          <a:bodyPr wrap="square" rtlCol="0">
-            <a:spAutoFit/>
-          </a:bodyPr>
-          <a:lstStyle/>
-          <a:p>
-            <a:pPr algn="just">
-              <a:lnSpc>
-                <a:spcPct val="150000"/>
-              </a:lnSpc>
-            </a:pPr>
-            <a:r>
-              <a:rPr lang="pt-BR" sz="1600" i="0" dirty="0">
-                <a:latin typeface="+mj-lt"/>
-              </a:rPr>
-              <a:t>SOLUÇÃO: LEI DE NEWCOMB-BENFORD</a:t>
-            </a:r>
-            <a:endParaRPr lang="pt-BR" sz="1600" b="0" i="0" dirty="0">
-              <a:latin typeface="+mj-lt"/>
-            </a:endParaRPr>
-          </a:p>
-        </p:txBody>
-      </p:sp>
-      <p:sp>
-        <p:nvSpPr>
-          <p:cNvPr id="6" name="CaixaDeTexto 5">
-            <a:extLst>
-              <a:ext uri="{FF2B5EF4-FFF2-40B4-BE49-F238E27FC236}">
-                <a16:creationId xmlns:a16="http://schemas.microsoft.com/office/drawing/2014/main" id="{B82B6141-C341-AC59-154A-CE858915F6D1}"/>
-              </a:ext>
-            </a:extLst>
-          </p:cNvPr>
-          <p:cNvSpPr txBox="1"/>
-          <p:nvPr/>
-        </p:nvSpPr>
-        <p:spPr>
-          <a:xfrm>
-            <a:off x="434012" y="1597173"/>
-            <a:ext cx="8353160" cy="4524315"/>
-          </a:xfrm>
-          <a:prstGeom prst="rect">
-            <a:avLst/>
-          </a:prstGeom>
-          <a:noFill/>
-        </p:spPr>
-        <p:txBody>
-          <a:bodyPr wrap="square" lIns="91440" tIns="45720" rIns="91440" bIns="45720" rtlCol="0" anchor="t">
-            <a:spAutoFit/>
-          </a:bodyPr>
-          <a:lstStyle/>
-          <a:p>
-            <a:pPr algn="just"/>
-            <a:r>
-              <a:rPr lang="pt-BR" sz="1600" b="0" i="0" dirty="0">
-                <a:latin typeface="+mj-lt"/>
-              </a:rPr>
-              <a:t>Assim como todo o método, a lei de </a:t>
-            </a:r>
-            <a:r>
-              <a:rPr lang="pt-BR" sz="1600" b="0" i="0" dirty="0" err="1">
-                <a:latin typeface="+mj-lt"/>
-              </a:rPr>
-              <a:t>Benford</a:t>
-            </a:r>
-            <a:r>
-              <a:rPr lang="pt-BR" sz="1600" b="0" i="0" dirty="0">
-                <a:latin typeface="+mj-lt"/>
-              </a:rPr>
-              <a:t> possui suas limitações. O seu bom uso é dependente de certas propriedades que as distribuições dos dados e os números analisados precisam ter. Listamos abaixo tipos de distribuições que já se sabe que obedecem ou não à lei de </a:t>
-            </a:r>
-            <a:r>
-              <a:rPr lang="pt-BR" sz="1600" b="0" i="0" dirty="0" err="1">
-                <a:latin typeface="+mj-lt"/>
-              </a:rPr>
-              <a:t>Benford</a:t>
-            </a:r>
-            <a:r>
-              <a:rPr lang="pt-BR" sz="1600" b="0" i="0" dirty="0">
-                <a:latin typeface="+mj-lt"/>
-              </a:rPr>
-              <a:t>.</a:t>
-            </a:r>
-          </a:p>
-          <a:p>
-            <a:pPr algn="just"/>
-            <a:endParaRPr lang="pt-BR" sz="1600" b="0" i="0" dirty="0">
-              <a:latin typeface="+mj-lt"/>
-            </a:endParaRPr>
-          </a:p>
-          <a:p>
-            <a:pPr algn="just"/>
-            <a:r>
-              <a:rPr lang="pt-BR" sz="1600" i="0" dirty="0">
-                <a:latin typeface="+mj-lt"/>
-              </a:rPr>
-              <a:t>Distribuições que obedecem à lei de </a:t>
-            </a:r>
-            <a:r>
-              <a:rPr lang="pt-BR" sz="1600" i="0" dirty="0" err="1">
-                <a:latin typeface="+mj-lt"/>
-              </a:rPr>
-              <a:t>Benford</a:t>
-            </a:r>
-            <a:r>
-              <a:rPr lang="pt-BR" sz="1600" i="0" dirty="0">
-                <a:latin typeface="+mj-lt"/>
-              </a:rPr>
-              <a:t>:</a:t>
-            </a:r>
-            <a:endParaRPr lang="en-US" dirty="0">
-              <a:latin typeface="+mj-lt"/>
-            </a:endParaRPr>
-          </a:p>
-          <a:p>
-            <a:pPr marL="285750" indent="-285750" algn="just">
-              <a:buFont typeface="Arial"/>
-              <a:buChar char="•"/>
-            </a:pPr>
-            <a:r>
-              <a:rPr lang="pt-BR" sz="1600" b="0" i="0" dirty="0">
-                <a:latin typeface="+mj-lt"/>
-              </a:rPr>
-              <a:t>possuem média &gt; mediana e enviesamento positivo;</a:t>
-            </a:r>
-          </a:p>
-          <a:p>
-            <a:pPr marL="285750" indent="-285750" algn="just">
-              <a:buFont typeface="Arial"/>
-              <a:buChar char="•"/>
-            </a:pPr>
-            <a:r>
-              <a:rPr lang="pt-BR" sz="1600" b="0" i="0" dirty="0">
-                <a:latin typeface="+mj-lt"/>
-              </a:rPr>
-              <a:t>são compostas de números que resultam da combinação de outros números, como quantidade * preço;</a:t>
-            </a:r>
-          </a:p>
-          <a:p>
-            <a:pPr marL="285750" indent="-285750" algn="just">
-              <a:buFont typeface="Arial"/>
-              <a:buChar char="•"/>
-            </a:pPr>
-            <a:r>
-              <a:rPr lang="pt-BR" sz="1600" b="0" i="0" dirty="0">
-                <a:latin typeface="+mj-lt"/>
-              </a:rPr>
-              <a:t>são dados variados de transações, vendas, reembolsos, montantes.</a:t>
-            </a:r>
-          </a:p>
-          <a:p>
-            <a:pPr marL="285750" indent="-285750" algn="just">
-              <a:buFont typeface="Arial"/>
-              <a:buChar char="•"/>
-            </a:pPr>
-            <a:endParaRPr lang="pt-BR" sz="1600" b="0" i="0" dirty="0">
-              <a:latin typeface="+mj-lt"/>
-            </a:endParaRPr>
-          </a:p>
-          <a:p>
-            <a:pPr algn="just"/>
-            <a:r>
-              <a:rPr lang="pt-BR" sz="1600" i="0" dirty="0">
-                <a:latin typeface="+mj-lt"/>
-              </a:rPr>
-              <a:t>Distribuições que não obedecem à lei de </a:t>
-            </a:r>
-            <a:r>
-              <a:rPr lang="pt-BR" sz="1600" i="0" dirty="0" err="1">
-                <a:latin typeface="+mj-lt"/>
-              </a:rPr>
-              <a:t>Benford</a:t>
-            </a:r>
-            <a:r>
-              <a:rPr lang="pt-BR" sz="1600" i="0" dirty="0">
-                <a:latin typeface="+mj-lt"/>
-              </a:rPr>
-              <a:t>:</a:t>
-            </a:r>
-            <a:endParaRPr lang="pt-BR" sz="1600" i="0" dirty="0" err="1">
-              <a:latin typeface="+mj-lt"/>
-            </a:endParaRPr>
-          </a:p>
-          <a:p>
-            <a:pPr marL="285750" indent="-285750" algn="just">
-              <a:buFont typeface="Arial"/>
-              <a:buChar char="•"/>
-            </a:pPr>
-            <a:r>
-              <a:rPr lang="pt-BR" sz="1600" b="0" i="0" dirty="0">
-                <a:latin typeface="+mj-lt"/>
-              </a:rPr>
-              <a:t>possuem números sequenciais, como identificadores de cheques e notas fiscais;</a:t>
-            </a:r>
-          </a:p>
-          <a:p>
-            <a:pPr marL="285750" indent="-285750" algn="just">
-              <a:buFont typeface="Arial"/>
-              <a:buChar char="•"/>
-            </a:pPr>
-            <a:r>
-              <a:rPr lang="pt-BR" sz="1600" b="0" i="0" dirty="0">
-                <a:latin typeface="+mj-lt"/>
-                <a:cs typeface="Arial"/>
-              </a:rPr>
-              <a:t>tem números que são decididos com base no pensamento humano, como o valor de um preço de 1,99 ou 250,00 reais;</a:t>
-            </a:r>
-          </a:p>
-          <a:p>
-            <a:pPr marL="285750" indent="-285750" algn="just">
-              <a:buFont typeface="Arial"/>
-              <a:buChar char="•"/>
-            </a:pPr>
-            <a:r>
-              <a:rPr lang="pt-BR" sz="1600" b="0" i="0" dirty="0">
-                <a:latin typeface="+mj-lt"/>
-              </a:rPr>
-              <a:t>são contas que cumprem propósitos específicos de empresas, por exemplo, uma conta que seja específica para reembolsos de 100 reais;</a:t>
-            </a:r>
-          </a:p>
-          <a:p>
-            <a:pPr marL="285750" indent="-285750" algn="just">
-              <a:buFont typeface="Arial"/>
-              <a:buChar char="•"/>
-            </a:pPr>
-            <a:r>
-              <a:rPr lang="pt-BR" sz="1600" b="0" i="0" dirty="0">
-                <a:latin typeface="+mj-lt"/>
-              </a:rPr>
-              <a:t>são compostas por números sem diferentes ordens de magnitude.</a:t>
-            </a:r>
-          </a:p>
-        </p:txBody>
-      </p:sp>
-    </p:spTree>
-    <p:extLst>
-      <p:ext uri="{BB962C8B-B14F-4D97-AF65-F5344CB8AC3E}">
-        <p14:creationId xmlns:p14="http://schemas.microsoft.com/office/powerpoint/2010/main" val="1985987172"/>
-      </p:ext>
-    </p:extLst>
-  </p:cSld>
-  <p:clrMapOvr>
-    <a:masterClrMapping/>
-  </p:clrMapOvr>
-</p:sld>
-</file>
-
-<file path=ppt/slides/slide19.xml><?xml version="1.0" encoding="utf-8"?>
-<p:sld xmlns:a="http://schemas.openxmlformats.org/drawingml/2006/main" xmlns:r="http://schemas.openxmlformats.org/officeDocument/2006/relationships" xmlns:p="http://schemas.openxmlformats.org/presentationml/2006/main">
-  <p:cSld>
-    <p:spTree>
-      <p:nvGrpSpPr>
-        <p:cNvPr id="1" name=""/>
-        <p:cNvGrpSpPr/>
-        <p:nvPr/>
-      </p:nvGrpSpPr>
-      <p:grpSpPr>
-        <a:xfrm>
-          <a:off x="0" y="0"/>
-          <a:ext cx="0" cy="0"/>
-          <a:chOff x="0" y="0"/>
-          <a:chExt cx="0" cy="0"/>
-        </a:xfrm>
-      </p:grpSpPr>
-      <p:sp>
-        <p:nvSpPr>
-          <p:cNvPr id="5122" name="Rectangle 2"/>
-          <p:cNvSpPr>
-            <a:spLocks noGrp="1" noChangeArrowheads="1"/>
-          </p:cNvSpPr>
-          <p:nvPr>
-            <p:ph type="title"/>
-          </p:nvPr>
-        </p:nvSpPr>
-        <p:spPr>
-          <a:xfrm>
-            <a:off x="434012" y="260560"/>
-            <a:ext cx="7008813" cy="455612"/>
-          </a:xfrm>
-        </p:spPr>
-        <p:txBody>
-          <a:bodyPr/>
-          <a:lstStyle/>
-          <a:p>
-            <a:pPr>
-              <a:lnSpc>
-                <a:spcPct val="150000"/>
-              </a:lnSpc>
-            </a:pPr>
-            <a:r>
-              <a:rPr lang="pt-BR" dirty="0" err="1">
-                <a:latin typeface="Gotham HTF Medium"/>
-              </a:rPr>
-              <a:t>Machine</a:t>
-            </a:r>
-            <a:r>
-              <a:rPr lang="pt-BR" dirty="0">
-                <a:latin typeface="Gotham HTF Medium"/>
-              </a:rPr>
-              <a:t> Learning I</a:t>
-            </a:r>
-            <a:endParaRPr lang="pt-BR" dirty="0"/>
-          </a:p>
-        </p:txBody>
-      </p:sp>
-      <p:sp>
-        <p:nvSpPr>
-          <p:cNvPr id="3" name="CaixaDeTexto 2"/>
-          <p:cNvSpPr txBox="1"/>
-          <p:nvPr/>
-        </p:nvSpPr>
-        <p:spPr>
-          <a:xfrm>
-            <a:off x="396214" y="1052670"/>
-            <a:ext cx="8353160" cy="416011"/>
-          </a:xfrm>
-          <a:prstGeom prst="rect">
-            <a:avLst/>
-          </a:prstGeom>
-          <a:noFill/>
-        </p:spPr>
-        <p:txBody>
-          <a:bodyPr wrap="square" lIns="91440" tIns="45720" rIns="91440" bIns="45720" rtlCol="0" anchor="t">
-            <a:spAutoFit/>
-          </a:bodyPr>
-          <a:lstStyle/>
-          <a:p>
-            <a:pPr algn="just">
-              <a:lnSpc>
-                <a:spcPct val="150000"/>
-              </a:lnSpc>
-            </a:pPr>
-            <a:r>
-              <a:rPr lang="pt-BR" sz="1600" i="0" dirty="0">
-                <a:latin typeface="+mj-lt"/>
-              </a:rPr>
-              <a:t>FONTES</a:t>
-            </a:r>
-            <a:endParaRPr lang="pt-BR" sz="1600" b="0" i="0" dirty="0">
-              <a:latin typeface="+mj-lt"/>
-            </a:endParaRPr>
-          </a:p>
-        </p:txBody>
-      </p:sp>
-      <p:sp>
-        <p:nvSpPr>
-          <p:cNvPr id="4" name="CaixaDeTexto 3">
-            <a:extLst>
-              <a:ext uri="{FF2B5EF4-FFF2-40B4-BE49-F238E27FC236}">
-                <a16:creationId xmlns:a16="http://schemas.microsoft.com/office/drawing/2014/main" id="{6DAC67DF-6803-A69B-9850-02BF3747C318}"/>
-              </a:ext>
-            </a:extLst>
-          </p:cNvPr>
-          <p:cNvSpPr txBox="1"/>
-          <p:nvPr/>
-        </p:nvSpPr>
-        <p:spPr>
-          <a:xfrm>
-            <a:off x="324204" y="1591279"/>
-            <a:ext cx="8569190" cy="1345048"/>
-          </a:xfrm>
-          <a:prstGeom prst="rect">
-            <a:avLst/>
-          </a:prstGeom>
-          <a:noFill/>
-        </p:spPr>
-        <p:txBody>
-          <a:bodyPr wrap="square" lIns="91440" tIns="45720" rIns="91440" bIns="45720" rtlCol="0" anchor="t">
-            <a:spAutoFit/>
-          </a:bodyPr>
-          <a:lstStyle/>
-          <a:p>
-            <a:pPr algn="just">
-              <a:lnSpc>
-                <a:spcPct val="150000"/>
-              </a:lnSpc>
-            </a:pPr>
-            <a:r>
-              <a:rPr lang="pt-BR" sz="1400" b="0" i="0" dirty="0">
-                <a:latin typeface="+mj-lt"/>
-                <a:hlinkClick r:id="rId3"/>
-              </a:rPr>
-              <a:t>http://lycofs01.lycoming.edu/~sprgene/M400/BenfordsLaw.pdf</a:t>
-            </a:r>
-            <a:endParaRPr lang="pt-BR" sz="1400" b="0" i="0" dirty="0">
-              <a:latin typeface="+mj-lt"/>
-            </a:endParaRPr>
-          </a:p>
-          <a:p>
-            <a:pPr algn="just">
-              <a:lnSpc>
-                <a:spcPct val="150000"/>
-              </a:lnSpc>
-            </a:pPr>
-            <a:r>
-              <a:rPr lang="pt-BR" sz="1400" b="0" i="0" dirty="0">
-                <a:latin typeface="+mj-lt"/>
-                <a:hlinkClick r:id="rId4"/>
-              </a:rPr>
-              <a:t>https://www.revistaespacios.com/a14v35n07/14350720.html</a:t>
-            </a:r>
-            <a:endParaRPr lang="pt-BR" sz="1400" b="0" i="0" dirty="0">
-              <a:latin typeface="+mj-lt"/>
-            </a:endParaRPr>
-          </a:p>
-          <a:p>
-            <a:pPr algn="just">
-              <a:lnSpc>
-                <a:spcPct val="150000"/>
-              </a:lnSpc>
-            </a:pPr>
-            <a:r>
-              <a:rPr lang="pt-BR" sz="1400" b="0" i="0" dirty="0">
-                <a:latin typeface="+mj-lt"/>
-                <a:hlinkClick r:id="rId5"/>
-              </a:rPr>
-              <a:t>https://www.forbes.com/sites/taxnotes/2021/08/19/can-benfords-law-detect-tax-fraud/?sh=690bca124d70</a:t>
-            </a:r>
-          </a:p>
-          <a:p>
-            <a:pPr algn="just">
-              <a:lnSpc>
-                <a:spcPct val="150000"/>
-              </a:lnSpc>
-            </a:pPr>
-            <a:r>
-              <a:rPr lang="pt-BR" sz="1400" b="0" i="0" dirty="0">
-                <a:latin typeface="Square721 BT"/>
-                <a:cs typeface="Arial"/>
-                <a:hlinkClick r:id="rId6"/>
-              </a:rPr>
-              <a:t>https://en.wikipedia.org/wiki/Benford%27s_law</a:t>
-            </a:r>
-            <a:r>
-              <a:rPr lang="pt-BR" sz="1400" b="0" i="0" dirty="0">
-                <a:latin typeface="Square721 BT"/>
-                <a:cs typeface="Arial"/>
-              </a:rPr>
-              <a:t> </a:t>
-            </a:r>
-            <a:endParaRPr lang="pt-BR" dirty="0"/>
-          </a:p>
-        </p:txBody>
-      </p:sp>
-    </p:spTree>
-    <p:extLst>
-      <p:ext uri="{BB962C8B-B14F-4D97-AF65-F5344CB8AC3E}">
-        <p14:creationId xmlns:p14="http://schemas.microsoft.com/office/powerpoint/2010/main" val="1776699597"/>
       </p:ext>
     </p:extLst>
   </p:cSld>
@@ -8471,7 +9428,7 @@
               <a:rPr lang="en-US" sz="2400" dirty="0">
                 <a:cs typeface="Arial"/>
               </a:rPr>
-              <a:t>PROBLEMA REAL QUE PODE SER RESOLVIDO COM UM ALGORITMO SUPERVISIONADO DE MACHINE LEARNING</a:t>
+              <a:t>1. PROBLEMA REAL QUE PODE SER RESOLVIDO COM UM ALGORITMO SUPERVISIONADO DE MACHINE LEARNING</a:t>
             </a:r>
           </a:p>
         </p:txBody>
@@ -8733,7 +9690,7 @@
         <p:spPr>
           <a:xfrm>
             <a:off x="396214" y="1869604"/>
-            <a:ext cx="5904669" cy="4308872"/>
+            <a:ext cx="5904669" cy="3046988"/>
           </a:xfrm>
           <a:prstGeom prst="rect">
             <a:avLst/>
@@ -8899,8 +9856,8 @@
               </a:rPr>
               <a:t>um treinador de baseball trabalha com um estatístico para formar um time vencedor, mesmo tendo verba reduzida e jogadores considerados de segunda categoria. </a:t>
             </a:r>
-            <a:endParaRPr lang="en-US" sz="1600" b="0" i="0">
-              <a:latin typeface="Square721 BT"/>
+            <a:endParaRPr lang="en-US" sz="1600" b="0" i="0" dirty="0">
+              <a:latin typeface="+mj-lt"/>
               <a:cs typeface="Arial"/>
             </a:endParaRPr>
           </a:p>
@@ -8942,7 +9899,7 @@
               <a:t>.</a:t>
             </a:r>
             <a:endParaRPr lang="en-US" sz="1600" b="0" i="0" dirty="0">
-              <a:latin typeface="Square721 BT"/>
+              <a:latin typeface="+mj-lt"/>
               <a:cs typeface="Arial"/>
             </a:endParaRPr>
           </a:p>
@@ -8981,41 +9938,9 @@
                 <a:latin typeface="+mj-lt"/>
                 <a:cs typeface="Arial"/>
               </a:rPr>
-              <a:t>playoffs. </a:t>
-            </a:r>
-            <a:endParaRPr lang="pt-BR" dirty="0"/>
-          </a:p>
-          <a:p>
-            <a:pPr algn="just"/>
-            <a:endParaRPr lang="pt-BR" sz="1600" b="0" i="0" dirty="0">
-              <a:latin typeface="+mj-lt"/>
-              <a:cs typeface="Arial"/>
-            </a:endParaRPr>
-          </a:p>
-          <a:p>
-            <a:pPr algn="just"/>
-            <a:endParaRPr lang="pt-BR" sz="1600" b="0" i="0" dirty="0">
-              <a:latin typeface="+mj-lt"/>
-              <a:cs typeface="Arial"/>
-            </a:endParaRPr>
-          </a:p>
-          <a:p>
-            <a:pPr algn="just"/>
-            <a:endParaRPr lang="pt-BR" sz="1600" b="0" i="0" dirty="0">
-              <a:latin typeface="+mj-lt"/>
-              <a:cs typeface="Arial"/>
-            </a:endParaRPr>
-          </a:p>
-          <a:p>
-            <a:pPr algn="just"/>
-            <a:endParaRPr lang="pt-BR" sz="1600" b="0" i="0" dirty="0">
-              <a:latin typeface="+mj-lt"/>
-              <a:cs typeface="Arial"/>
-            </a:endParaRPr>
-          </a:p>
-          <a:p>
-            <a:pPr algn="just"/>
-            <a:endParaRPr lang="en-US">
+              <a:t>Playoffs. </a:t>
+            </a:r>
+            <a:endParaRPr lang="en-US" dirty="0">
               <a:cs typeface="Arial"/>
             </a:endParaRPr>
           </a:p>
@@ -9086,7 +10011,7 @@
               <a:rPr lang="pt-BR" sz="1600" b="0" i="0" dirty="0">
                 <a:latin typeface="Arial"/>
               </a:rPr>
-              <a:t>Os playoffs são uma segunda fase composta por 7 jogos eliminatórios. Nesse jogos, as 10 melhores equipes competem para se tornarem a campeã daquele ano.</a:t>
+              <a:t>Os playoffs são uma segunda fase composta por 7 jogos eliminatórios. Nesses jogos, as 10 melhores equipes competem para se tornarem a campeã daquele ano.</a:t>
             </a:r>
             <a:r>
               <a:rPr lang="en-US" sz="1600" b="0" i="0" dirty="0">
@@ -9355,7 +10280,7 @@
         <p:spPr>
           <a:xfrm>
             <a:off x="396120" y="3703522"/>
-            <a:ext cx="8353161" cy="5324535"/>
+            <a:ext cx="8353161" cy="2800767"/>
           </a:xfrm>
           <a:prstGeom prst="rect">
             <a:avLst/>
@@ -9498,21 +10423,7 @@
                 <a:latin typeface="+mj-lt"/>
                 <a:cs typeface="Arial"/>
               </a:rPr>
-              <a:t>Com um modelo que indique se um time da </a:t>
-            </a:r>
-            <a:r>
-              <a:rPr lang="pt-BR" sz="1600" b="0" i="0" dirty="0">
-                <a:latin typeface="Square721 BT"/>
-                <a:cs typeface="Arial"/>
-              </a:rPr>
-              <a:t>Major League Baseball (MLB) </a:t>
-            </a:r>
-            <a:r>
-              <a:rPr lang="pt-BR" sz="1600" b="0" i="0" dirty="0">
-                <a:latin typeface="+mj-lt"/>
-                <a:cs typeface="Arial"/>
-              </a:rPr>
-              <a:t>irá ou não se classificar para os playoffs, já é possível entender o que é importante para se classificar para os playoffs, quais times estão mais ou menos próximos de conseguirem, e ter condições iniciais para avaliar o desempenho do próprio time. </a:t>
+              <a:t>Com um modelo que indique se um time da Major League Baseball (MLB) irá ou não se classificar para os Playoffs, já é possível entender o que é importante para essa classificação, quais times estão mais ou menos próximos de conseguirem, e ter condições iniciais para avaliar o desempenho do próprio time. </a:t>
             </a:r>
           </a:p>
           <a:p>
@@ -9531,10 +10442,6 @@
               </a:rPr>
               <a:t>Se a resposta do modelo para o time em questão é que ele não vai se classificar, é viável saber qual das características determinantes para essa classificação precisa de maior atenção e acompanhamento para que se obtenha uma melhora de performance.</a:t>
             </a:r>
-            <a:endParaRPr lang="pt-BR" sz="1600" b="0" i="0" dirty="0">
-              <a:latin typeface="Arial"/>
-              <a:cs typeface="Arial"/>
-            </a:endParaRPr>
           </a:p>
           <a:p>
             <a:pPr algn="just"/>
@@ -9552,74 +10459,9 @@
               </a:rPr>
               <a:t>Esse tipo de informação fornece um direcionamento para o time e também auxilia na tomada de decisão de investidores externos.</a:t>
             </a:r>
-            <a:endParaRPr lang="en-US" sz="1600" b="0" i="0" dirty="0">
-              <a:latin typeface="Square721 BT"/>
-              <a:cs typeface="Arial"/>
-            </a:endParaRPr>
-          </a:p>
-          <a:p>
-            <a:pPr algn="just"/>
-            <a:endParaRPr lang="pt-BR" sz="1600" b="0" i="0" dirty="0">
+            <a:endParaRPr lang="en-US" dirty="0">
               <a:latin typeface="+mj-lt"/>
-              <a:cs typeface="Arial"/>
-            </a:endParaRPr>
-          </a:p>
-          <a:p>
-            <a:pPr algn="just"/>
-            <a:endParaRPr lang="pt-BR" sz="1600" b="0" i="0" dirty="0">
-              <a:latin typeface="+mj-lt"/>
-              <a:cs typeface="Arial"/>
-            </a:endParaRPr>
-          </a:p>
-          <a:p>
-            <a:pPr algn="just"/>
-            <a:endParaRPr lang="pt-BR" sz="1600" b="0" i="0" dirty="0">
-              <a:latin typeface="+mj-lt"/>
-              <a:cs typeface="Arial"/>
-            </a:endParaRPr>
-          </a:p>
-          <a:p>
-            <a:pPr algn="just"/>
-            <a:endParaRPr lang="pt-BR" sz="1600" b="0" i="0" dirty="0">
-              <a:latin typeface="+mj-lt"/>
-              <a:cs typeface="Arial"/>
-            </a:endParaRPr>
-          </a:p>
-          <a:p>
-            <a:pPr algn="just"/>
-            <a:endParaRPr lang="pt-BR" sz="1600" b="0" i="0" dirty="0">
-              <a:latin typeface="+mj-lt"/>
-              <a:cs typeface="Arial"/>
-            </a:endParaRPr>
-          </a:p>
-          <a:p>
-            <a:pPr algn="just"/>
-            <a:endParaRPr lang="pt-BR" sz="1600" b="0" i="0" dirty="0">
-              <a:latin typeface="+mj-lt"/>
-              <a:cs typeface="Arial"/>
-            </a:endParaRPr>
-          </a:p>
-          <a:p>
-            <a:pPr algn="just"/>
-            <a:endParaRPr lang="pt-BR" sz="1600" b="0" i="0" dirty="0">
-              <a:latin typeface="Arial"/>
-              <a:cs typeface="Arial"/>
-            </a:endParaRPr>
-          </a:p>
-          <a:p>
-            <a:pPr algn="just"/>
-            <a:endParaRPr lang="pt-BR" sz="1600" b="0" i="0" dirty="0">
-              <a:latin typeface="Arial"/>
-              <a:cs typeface="Arial"/>
-            </a:endParaRPr>
-          </a:p>
-          <a:p>
-            <a:pPr algn="just"/>
-            <a:endParaRPr lang="en-US"/>
-          </a:p>
-          <a:p>
-            <a:pPr algn="just"/>
-            <a:endParaRPr lang="en-US" dirty="0"/>
+            </a:endParaRPr>
           </a:p>
         </p:txBody>
       </p:sp>
@@ -10057,17 +10899,19 @@
             <a:pPr algn="just"/>
             <a:r>
               <a:rPr lang="pt-BR" sz="1600" b="0" i="0" dirty="0">
-                <a:latin typeface="Arial"/>
+                <a:latin typeface="+mj-lt"/>
                 <a:cs typeface="Arial"/>
               </a:rPr>
-              <a:t>Por se tratar de um problema em que é necessário prever se um time se classificará ou não para os Playoffs, os algoritmos de classificação vistos em aula como Árvore de Decisão e K-Vizinhos Mais Próximos (KNN) são boas opções para solucionar o problema. </a:t>
-            </a:r>
-            <a:endParaRPr lang="pt-BR" dirty="0"/>
+              <a:t>Por se tratar de um problema em que é necessário prever se um time se classificará ou não para os playoffs, os algoritmos de classificação vistos em aula, como Árvore de Decisão e K-Vizinhos Mais Próximos (KNN), são boas opções para solucionar o problema. </a:t>
+            </a:r>
+            <a:endParaRPr lang="pt-BR" sz="1600" dirty="0">
+              <a:latin typeface="+mj-lt"/>
+            </a:endParaRPr>
           </a:p>
           <a:p>
             <a:pPr algn="just"/>
             <a:endParaRPr lang="pt-BR" sz="1600" b="0" i="0" dirty="0">
-              <a:latin typeface="Arial"/>
+              <a:latin typeface="+mj-lt"/>
               <a:cs typeface="Arial"/>
             </a:endParaRPr>
           </a:p>
@@ -10075,60 +10919,34 @@
             <a:pPr algn="just"/>
             <a:r>
               <a:rPr lang="pt-BR" sz="1600" b="0" i="0" dirty="0">
-                <a:latin typeface="Arial"/>
+                <a:latin typeface="+mj-lt"/>
                 <a:cs typeface="Arial"/>
               </a:rPr>
-              <a:t>A vantagem da árvore de decisão é que ela é explicável, o que facilita o entendimento do modelo e possibilita a geração de insights sobre os dados. Além disso, ela é mais robusta em relação aos dados, não sendo alterada por pontos extremos, fora da curva ou com diferença de escala. </a:t>
-            </a:r>
-            <a:endParaRPr lang="pt-BR" dirty="0">
-              <a:cs typeface="Arial"/>
-            </a:endParaRPr>
-          </a:p>
-          <a:p>
-            <a:pPr algn="just"/>
+              <a:t>A vantagem da árvore de decisão é que ela é explicável, o que facilita o entendimento do modelo e possibilita a geração de insights sobre os dados. Além disso, ela é mais robusta em relação aos dados, não sendo alterada por pontos extremos, fora da curva ou com diferença de escala. Já a desvantagem da árvore é que ela é bastante passível de </a:t>
+            </a:r>
+            <a:r>
+              <a:rPr lang="pt-BR" sz="1600" b="0" i="0" dirty="0" err="1">
+                <a:latin typeface="+mj-lt"/>
+                <a:cs typeface="Arial"/>
+              </a:rPr>
+              <a:t>sobreajuste</a:t>
+            </a:r>
             <a:r>
               <a:rPr lang="pt-BR" sz="1600" b="0" i="0" dirty="0">
-                <a:latin typeface="Arial"/>
+                <a:latin typeface="+mj-lt"/>
                 <a:cs typeface="Arial"/>
               </a:rPr>
-              <a:t>A desvantagem da árvore é que ela é bastante passível de </a:t>
-            </a:r>
-            <a:r>
-              <a:rPr lang="pt-BR" sz="1600" b="0" i="0" dirty="0" err="1">
-                <a:latin typeface="Arial"/>
-                <a:cs typeface="Arial"/>
-              </a:rPr>
-              <a:t>sobreajuste</a:t>
-            </a:r>
-            <a:r>
-              <a:rPr lang="pt-BR" sz="1600" b="0" i="0" dirty="0">
-                <a:latin typeface="Arial"/>
-                <a:cs typeface="Arial"/>
-              </a:rPr>
-              <a:t>. O </a:t>
-            </a:r>
-            <a:r>
-              <a:rPr lang="pt-BR" sz="1600" b="0" i="0" dirty="0" err="1">
-                <a:latin typeface="Arial"/>
-                <a:cs typeface="Arial"/>
-              </a:rPr>
-              <a:t>sobreajuste</a:t>
-            </a:r>
-            <a:r>
-              <a:rPr lang="pt-BR" sz="1600" b="0" i="0" dirty="0">
-                <a:latin typeface="Arial"/>
-                <a:cs typeface="Arial"/>
-              </a:rPr>
-              <a:t> pode ou não ser uma questão para os dados.</a:t>
-            </a:r>
-            <a:endParaRPr lang="pt-BR">
+              <a:t> (o que pode ou não ser uma questão para os dados).</a:t>
+            </a:r>
+            <a:endParaRPr lang="pt-BR" sz="1600" dirty="0">
+              <a:latin typeface="+mj-lt"/>
               <a:cs typeface="Arial"/>
             </a:endParaRPr>
           </a:p>
           <a:p>
             <a:pPr algn="just"/>
             <a:endParaRPr lang="pt-BR" sz="1600" b="0" i="0" dirty="0">
-              <a:latin typeface="Arial"/>
+              <a:latin typeface="+mj-lt"/>
               <a:cs typeface="Arial"/>
             </a:endParaRPr>
           </a:p>
@@ -10136,50 +10954,28 @@
             <a:pPr algn="just"/>
             <a:r>
               <a:rPr lang="pt-BR" sz="1600" b="0" i="0" dirty="0">
-                <a:latin typeface="Arial"/>
+                <a:latin typeface="+mj-lt"/>
                 <a:cs typeface="Arial"/>
               </a:rPr>
-              <a:t>O outro modelo que pode ser usado é o KNN. O KNN, é intuitivo, simples de usar, </a:t>
+              <a:t>O outro modelo que pode ser utilizado é o KNN. Ele é intuitivo, simples de usar, flexível, tem apenas um </a:t>
             </a:r>
             <a:r>
               <a:rPr lang="pt-BR" sz="1600" b="0" i="0" dirty="0" err="1">
-                <a:latin typeface="Arial"/>
+                <a:latin typeface="+mj-lt"/>
                 <a:cs typeface="Arial"/>
               </a:rPr>
-              <a:t>flexivel</a:t>
+              <a:t>hiperparâmetro</a:t>
             </a:r>
             <a:r>
               <a:rPr lang="pt-BR" sz="1600" b="0" i="0" dirty="0">
-                <a:latin typeface="Arial"/>
+                <a:latin typeface="+mj-lt"/>
                 <a:cs typeface="Arial"/>
               </a:rPr>
-              <a:t>, tem apenas um </a:t>
-            </a:r>
-            <a:r>
-              <a:rPr lang="pt-BR" sz="1600" b="0" i="0" dirty="0" err="1">
-                <a:latin typeface="Arial"/>
-                <a:cs typeface="Arial"/>
-              </a:rPr>
-              <a:t>hiperparâmetro</a:t>
-            </a:r>
-            <a:r>
-              <a:rPr lang="pt-BR" sz="1600" b="0" i="0" dirty="0">
-                <a:latin typeface="Arial"/>
-                <a:cs typeface="Arial"/>
-              </a:rPr>
-              <a:t> de número de vizinhos (k) e algumas métricas de distância que podem ser escolhidas de acordo com o formato dos dados.</a:t>
-            </a:r>
-          </a:p>
-          <a:p>
-            <a:pPr algn="just"/>
-            <a:r>
-              <a:rPr lang="pt-BR" sz="1600" b="0" i="0" dirty="0">
-                <a:latin typeface="Arial"/>
-                <a:cs typeface="Arial"/>
-              </a:rPr>
-              <a:t>Por outro lado, e diferentemente da árvore, o KNN é sensível ao formato dos dados, pontos extremos, pontos fora da curva, dados faltantes e escala. Ele não lida bem com altas dimensionalidades, é mais custoso e é necessário escolher o número de vizinhos k baseado em testes, o que pode ser um pouco arbitrário. O KNN também é sensível ao desbalanceamento de classes. </a:t>
-            </a:r>
-            <a:endParaRPr lang="pt-BR" dirty="0"/>
+              <a:t> de número de vizinhos (k) e algumas métricas de distância que podem ser escolhidas de acordo com o formato dos dados. Por outro lado, e diferentemente da árvore, o KNN é sensível ao formato dos dados, pontos extremos, pontos fora da curva, dados faltantes e escala. Ele não lida bem com altas dimensionalidades, é mais custoso e é necessário escolher o número de vizinhos k baseado em testes, o que pode ser um pouco arbitrário. O KNN também é sensível ao desbalanceamento de classes. </a:t>
+            </a:r>
+            <a:endParaRPr lang="pt-BR" sz="1600" dirty="0">
+              <a:latin typeface="+mj-lt"/>
+            </a:endParaRPr>
           </a:p>
         </p:txBody>
       </p:sp>
@@ -10263,11 +11059,11 @@
         <p:spPr>
           <a:xfrm>
             <a:off x="468313" y="1052513"/>
-            <a:ext cx="8353425" cy="3285505"/>
+            <a:ext cx="8353425" cy="2628706"/>
           </a:xfrm>
         </p:spPr>
         <p:txBody>
-          <a:bodyPr vert="horz" wrap="square" lIns="90488" tIns="44450" rIns="90488" bIns="44450" numCol="1" anchor="ctr" anchorCtr="0" compatLnSpc="1">
+          <a:bodyPr vert="horz" wrap="square" lIns="90488" tIns="44450" rIns="90488" bIns="44450" numCol="1" anchor="t" anchorCtr="0" compatLnSpc="1">
             <a:prstTxWarp prst="textNoShape">
               <a:avLst/>
             </a:prstTxWarp>
@@ -10277,11 +11073,39 @@
             <a:pPr marL="0" indent="0">
               <a:buNone/>
             </a:pPr>
+            <a:endParaRPr lang="en-US" sz="2400" dirty="0">
+              <a:cs typeface="Arial"/>
+            </a:endParaRPr>
+          </a:p>
+          <a:p>
+            <a:pPr marL="0" indent="0">
+              <a:buNone/>
+            </a:pPr>
+            <a:endParaRPr lang="en-US" sz="2400" dirty="0">
+              <a:cs typeface="Arial"/>
+            </a:endParaRPr>
+          </a:p>
+          <a:p>
+            <a:pPr marL="0" indent="0">
+              <a:buNone/>
+            </a:pPr>
             <a:r>
               <a:rPr lang="en-US" sz="2400" dirty="0">
                 <a:cs typeface="Arial"/>
               </a:rPr>
-              <a:t>APLICAÇÃO DOS ALGORITMOS DE MACHINE LEARNING VISTOS EM AULA EM UM PROBLEMA REAL</a:t>
+              <a:t>2. PROBLEMA REAL QUE </a:t>
+            </a:r>
+            <a:r>
+              <a:rPr lang="en-US" sz="2400" b="1" dirty="0">
+                <a:cs typeface="Arial"/>
+              </a:rPr>
+              <a:t>NÃO </a:t>
+            </a:r>
+            <a:r>
+              <a:rPr lang="en-US" sz="2400" dirty="0">
+                <a:cs typeface="Arial"/>
+              </a:rPr>
+              <a:t>PRECISA DE MACHINE LEARNING PARA SER RESOLVIDO</a:t>
             </a:r>
           </a:p>
         </p:txBody>
@@ -10289,7 +11113,7 @@
     </p:spTree>
     <p:extLst>
       <p:ext uri="{BB962C8B-B14F-4D97-AF65-F5344CB8AC3E}">
-        <p14:creationId xmlns:p14="http://schemas.microsoft.com/office/powerpoint/2010/main" val="3189710410"/>
+        <p14:creationId xmlns:p14="http://schemas.microsoft.com/office/powerpoint/2010/main" val="741357223"/>
       </p:ext>
     </p:extLst>
   </p:cSld>
@@ -10318,64 +11142,90 @@
       </p:grpSpPr>
       <p:sp>
         <p:nvSpPr>
-          <p:cNvPr id="2" name="Title 1">
-            <a:extLst>
-              <a:ext uri="{FF2B5EF4-FFF2-40B4-BE49-F238E27FC236}">
-                <a16:creationId xmlns:a16="http://schemas.microsoft.com/office/drawing/2014/main" id="{742C7CE4-4C39-88E4-BA8A-D17809EA8AE7}"/>
-              </a:ext>
-            </a:extLst>
-          </p:cNvPr>
+          <p:cNvPr id="5122" name="Rectangle 2"/>
           <p:cNvSpPr>
-            <a:spLocks noGrp="1"/>
+            <a:spLocks noGrp="1" noChangeArrowheads="1"/>
           </p:cNvSpPr>
           <p:nvPr>
             <p:ph type="title"/>
           </p:nvPr>
         </p:nvSpPr>
-        <p:spPr/>
+        <p:spPr>
+          <a:xfrm>
+            <a:off x="434012" y="260560"/>
+            <a:ext cx="7008813" cy="455612"/>
+          </a:xfrm>
+        </p:spPr>
         <p:txBody>
           <a:bodyPr/>
           <a:lstStyle/>
           <a:p>
+            <a:pPr>
+              <a:lnSpc>
+                <a:spcPct val="150000"/>
+              </a:lnSpc>
+            </a:pPr>
             <a:r>
               <a:rPr lang="pt-BR" dirty="0" err="1">
-                <a:cs typeface="Arial"/>
+                <a:latin typeface="Gotham HTF Medium"/>
               </a:rPr>
               <a:t>Machine</a:t>
             </a:r>
             <a:r>
               <a:rPr lang="pt-BR" dirty="0">
-                <a:cs typeface="Arial"/>
-              </a:rPr>
-              <a:t> Learning</a:t>
-            </a:r>
-            <a:r>
-              <a:rPr lang="pt-BR" dirty="0">
-                <a:ea typeface="+mj-lt"/>
-                <a:cs typeface="+mj-lt"/>
-              </a:rPr>
-              <a:t> </a:t>
-            </a:r>
-            <a:r>
-              <a:rPr lang="en-US" dirty="0">
-                <a:ea typeface="+mj-lt"/>
-                <a:cs typeface="+mj-lt"/>
-              </a:rPr>
-              <a:t>I</a:t>
-            </a:r>
-            <a:endParaRPr lang="en-US" b="0" dirty="0">
-              <a:ea typeface="+mj-lt"/>
-              <a:cs typeface="+mj-lt"/>
-            </a:endParaRPr>
+                <a:latin typeface="Gotham HTF Medium"/>
+              </a:rPr>
+              <a:t> Learning I</a:t>
+            </a:r>
+            <a:endParaRPr lang="pt-BR" dirty="0"/>
           </a:p>
         </p:txBody>
       </p:sp>
       <p:sp>
         <p:nvSpPr>
-          <p:cNvPr id="4" name="TextBox 3">
+          <p:cNvPr id="3" name="CaixaDeTexto 2"/>
+          <p:cNvSpPr txBox="1"/>
+          <p:nvPr/>
+        </p:nvSpPr>
+        <p:spPr>
+          <a:xfrm>
+            <a:off x="396214" y="1052670"/>
+            <a:ext cx="8353160" cy="416011"/>
+          </a:xfrm>
+          <a:prstGeom prst="rect">
+            <a:avLst/>
+          </a:prstGeom>
+          <a:noFill/>
+        </p:spPr>
+        <p:txBody>
+          <a:bodyPr wrap="square" lIns="91440" tIns="45720" rIns="91440" bIns="45720" rtlCol="0" anchor="t">
+            <a:spAutoFit/>
+          </a:bodyPr>
+          <a:lstStyle/>
+          <a:p>
+            <a:pPr algn="just">
+              <a:lnSpc>
+                <a:spcPct val="150000"/>
+              </a:lnSpc>
+            </a:pPr>
+            <a:r>
+              <a:rPr lang="pt-BR" sz="1600" i="0" dirty="0">
+                <a:latin typeface="+mj-lt"/>
+              </a:rPr>
+              <a:t>DESCRIÇÃO DO PROBLEMA: IDENTIFICAÇÃO DE POSSÍVEIS FRAUDES</a:t>
+            </a:r>
+            <a:endParaRPr lang="pt-BR" sz="1600" b="0" i="0" dirty="0">
+              <a:latin typeface="+mj-lt"/>
+            </a:endParaRPr>
+          </a:p>
+        </p:txBody>
+      </p:sp>
+      <p:sp>
+        <p:nvSpPr>
+          <p:cNvPr id="5" name="CaixaDeTexto 4">
             <a:extLst>
               <a:ext uri="{FF2B5EF4-FFF2-40B4-BE49-F238E27FC236}">
-                <a16:creationId xmlns:a16="http://schemas.microsoft.com/office/drawing/2014/main" id="{AB1A1C08-965B-1980-1897-0879C1882A5C}"/>
+                <a16:creationId xmlns:a16="http://schemas.microsoft.com/office/drawing/2014/main" id="{2B3EA4CB-F925-4B7E-B100-1333BC66C3B5}"/>
               </a:ext>
             </a:extLst>
           </p:cNvPr>
@@ -10384,8 +11234,8 @@
         </p:nvSpPr>
         <p:spPr>
           <a:xfrm>
-            <a:off x="343198" y="1067938"/>
-            <a:ext cx="8382410" cy="5262979"/>
+            <a:off x="396214" y="1597173"/>
+            <a:ext cx="8353160" cy="3600986"/>
           </a:xfrm>
           <a:prstGeom prst="rect">
             <a:avLst/>
@@ -10393,10 +11243,7 @@
           <a:noFill/>
         </p:spPr>
         <p:txBody>
-          <a:bodyPr rot="0" spcFirstLastPara="0" vertOverflow="overflow" horzOverflow="overflow" vert="horz" wrap="square" lIns="91440" tIns="45720" rIns="91440" bIns="45720" numCol="1" spcCol="0" rtlCol="0" fromWordArt="0" anchor="t" anchorCtr="0" forceAA="0" compatLnSpc="1">
-            <a:prstTxWarp prst="textNoShape">
-              <a:avLst/>
-            </a:prstTxWarp>
+          <a:bodyPr wrap="square" lIns="91440" tIns="45720" rIns="91440" bIns="45720" rtlCol="0" anchor="t">
             <a:spAutoFit/>
           </a:bodyPr>
           <a:lstStyle/>
@@ -10404,731 +11251,113 @@
             <a:pPr algn="just"/>
             <a:r>
               <a:rPr lang="pt-BR" sz="1600" b="0" i="0" dirty="0">
-                <a:latin typeface="Arial"/>
-              </a:rPr>
-              <a:t>Para demostrar a aplicação desses modelos (Árvore de Decisão e KNN) em dados reais, escolhemos um </a:t>
-            </a:r>
+                <a:latin typeface="+mj-lt"/>
+              </a:rPr>
+              <a:t>Um problema presente em diversos segmentos da economia é a fraude, tanto para empresas (desvio de dinheiro, manipulações financeiras) como para governos (evasão de tributos/impostos). Quando uma fraude acontece, ela pode levar uma empresa ou governo à perda de credibilidade, valor de mercado e até à falência. </a:t>
+            </a:r>
+          </a:p>
+          <a:p>
+            <a:pPr algn="just"/>
+            <a:endParaRPr lang="en-US" dirty="0"/>
+          </a:p>
+          <a:p>
+            <a:pPr algn="just"/>
             <a:r>
               <a:rPr lang="pt-BR" sz="1600" b="0" i="0" dirty="0">
-                <a:latin typeface="Arial"/>
+                <a:latin typeface="+mj-lt"/>
+              </a:rPr>
+              <a:t>Há algumas abordagens que utilizam </a:t>
+            </a:r>
+            <a:r>
+              <a:rPr lang="pt-BR" sz="1600" b="0" i="0" dirty="0" err="1">
+                <a:latin typeface="+mj-lt"/>
+              </a:rPr>
+              <a:t>Machine</a:t>
+            </a:r>
+            <a:r>
+              <a:rPr lang="pt-BR" sz="1600" b="0" i="0" dirty="0">
+                <a:latin typeface="+mj-lt"/>
+              </a:rPr>
+              <a:t> Learning para resolver o problema de identificar fraudes, principalmente com algoritmos de </a:t>
+            </a:r>
+            <a:r>
+              <a:rPr lang="pt-BR" sz="1600" b="0" i="0" dirty="0" err="1">
+                <a:latin typeface="+mj-lt"/>
+              </a:rPr>
+              <a:t>clusterização</a:t>
+            </a:r>
+            <a:r>
+              <a:rPr lang="pt-BR" sz="1600" b="0" i="0" dirty="0">
+                <a:latin typeface="+mj-lt"/>
+              </a:rPr>
+              <a:t>. No entanto, há uma solução que não está relacionada à </a:t>
+            </a:r>
+            <a:r>
+              <a:rPr lang="pt-BR" sz="1600" b="0" i="0" dirty="0" err="1">
+                <a:latin typeface="+mj-lt"/>
+              </a:rPr>
+              <a:t>Machine</a:t>
+            </a:r>
+            <a:r>
+              <a:rPr lang="pt-BR" sz="1600" b="0" i="0" dirty="0">
+                <a:latin typeface="+mj-lt"/>
+              </a:rPr>
+              <a:t> Learning, mas apenas à análise de frequência e ao formato da distribuição dos primeiro números de movimentações financeiras, seu nome é: lei de </a:t>
+            </a:r>
+            <a:r>
+              <a:rPr lang="pt-BR" sz="1600" b="0" i="0" dirty="0" err="1">
+                <a:latin typeface="+mj-lt"/>
+              </a:rPr>
+              <a:t>Newcomb-Benford</a:t>
+            </a:r>
+            <a:r>
+              <a:rPr lang="pt-BR" sz="1600" b="0" i="0" dirty="0">
+                <a:latin typeface="+mj-lt"/>
+              </a:rPr>
+              <a:t>. </a:t>
+            </a:r>
+            <a:endParaRPr lang="pt-BR" sz="1600" b="0" i="0" dirty="0">
+              <a:latin typeface="+mj-lt"/>
+              <a:cs typeface="Arial"/>
+            </a:endParaRPr>
+          </a:p>
+          <a:p>
+            <a:pPr algn="just"/>
+            <a:endParaRPr lang="pt-BR" dirty="0">
+              <a:cs typeface="Arial"/>
+            </a:endParaRPr>
+          </a:p>
+          <a:p>
+            <a:pPr algn="just"/>
+            <a:r>
+              <a:rPr lang="pt-BR" sz="1600" b="0" i="0" dirty="0">
+                <a:latin typeface="+mj-lt"/>
                 <a:cs typeface="Arial"/>
               </a:rPr>
-              <a:t> </a:t>
+              <a:t>Saber que a lei de </a:t>
+            </a:r>
+            <a:r>
+              <a:rPr lang="pt-BR" sz="1600" b="0" i="0" dirty="0" err="1">
+                <a:latin typeface="+mj-lt"/>
+                <a:cs typeface="Arial"/>
+              </a:rPr>
+              <a:t>Newcomb-Benford</a:t>
             </a:r>
             <a:r>
               <a:rPr lang="pt-BR" sz="1600" b="0" i="0" dirty="0">
-                <a:latin typeface="Arial"/>
+                <a:latin typeface="+mj-lt"/>
                 <a:cs typeface="Arial"/>
-                <a:hlinkClick r:id="rId2"/>
-              </a:rPr>
-              <a:t>dataset</a:t>
-            </a:r>
-            <a:r>
-              <a:rPr lang="pt-BR" sz="1600" b="0" i="0" dirty="0">
-                <a:latin typeface="Arial"/>
-              </a:rPr>
-              <a:t> que está disponível no </a:t>
-            </a:r>
-            <a:r>
-              <a:rPr lang="pt-BR" sz="1600" b="0" i="0" dirty="0" err="1">
-                <a:latin typeface="Arial"/>
-              </a:rPr>
-              <a:t>Kaggle</a:t>
-            </a:r>
-            <a:r>
-              <a:rPr lang="pt-BR" sz="1600" b="0" i="0" dirty="0">
-                <a:latin typeface="Arial"/>
-              </a:rPr>
-              <a:t>, mas foi retirado do site da Major League Baseball (MLB). Ele possui dados históricos dos times de baseball e suas respectivas métricas de partidas.</a:t>
-            </a:r>
-            <a:endParaRPr lang="en-US" sz="1600" b="0" i="0" dirty="0"/>
-          </a:p>
-          <a:p>
-            <a:pPr algn="just"/>
-            <a:endParaRPr lang="pt-BR" sz="1600" b="0" i="0" dirty="0">
-              <a:latin typeface="Arial"/>
-              <a:cs typeface="Arial"/>
-            </a:endParaRPr>
-          </a:p>
-          <a:p>
-            <a:pPr algn="just"/>
-            <a:r>
-              <a:rPr lang="pt-BR" sz="1600" b="0" i="0" dirty="0">
-                <a:latin typeface="Arial"/>
-              </a:rPr>
-              <a:t>São elas:</a:t>
-            </a:r>
-            <a:endParaRPr lang="en-US" sz="1600" b="0" i="0" dirty="0">
-              <a:latin typeface="Square721 BT"/>
-            </a:endParaRPr>
-          </a:p>
-          <a:p>
-            <a:pPr marL="285750" indent="-285750" algn="just">
-              <a:buFont typeface="Arial"/>
-              <a:buChar char="•"/>
-            </a:pPr>
-            <a:r>
-              <a:rPr lang="en-US" sz="1600" b="0" i="0" dirty="0">
-                <a:latin typeface="Square721 BT"/>
-              </a:rPr>
-              <a:t>Runs Scored (RS): corridas </a:t>
-            </a:r>
-            <a:r>
-              <a:rPr lang="en-US" sz="1600" b="0" i="0" dirty="0" err="1">
-                <a:latin typeface="Square721 BT"/>
-              </a:rPr>
-              <a:t>pontuadas</a:t>
-            </a:r>
-            <a:r>
-              <a:rPr lang="en-US" sz="1600" b="0" i="0" dirty="0">
-                <a:latin typeface="Square721 BT"/>
-              </a:rPr>
-              <a:t> </a:t>
-            </a:r>
-            <a:r>
-              <a:rPr lang="en-US" sz="1600" b="0" i="0" dirty="0" err="1">
-                <a:latin typeface="Square721 BT"/>
-              </a:rPr>
-              <a:t>por</a:t>
-            </a:r>
-            <a:r>
-              <a:rPr lang="en-US" sz="1600" b="0" i="0" dirty="0">
-                <a:latin typeface="Square721 BT"/>
-              </a:rPr>
-              <a:t> </a:t>
-            </a:r>
-            <a:r>
-              <a:rPr lang="en-US" sz="1600" b="0" i="0" dirty="0" err="1">
-                <a:latin typeface="Square721 BT"/>
-              </a:rPr>
-              <a:t>completar</a:t>
-            </a:r>
-            <a:r>
-              <a:rPr lang="en-US" sz="1600" b="0" i="0" dirty="0">
-                <a:latin typeface="Square721 BT"/>
-              </a:rPr>
-              <a:t> as bases</a:t>
-            </a:r>
-            <a:endParaRPr lang="en-US" dirty="0"/>
-          </a:p>
-          <a:p>
-            <a:pPr marL="285750" indent="-285750" algn="just">
-              <a:buFont typeface="Arial"/>
-              <a:buChar char="•"/>
-            </a:pPr>
-            <a:r>
-              <a:rPr lang="en-US" sz="1600" b="0" i="0" dirty="0">
-                <a:latin typeface="Square721 BT"/>
-              </a:rPr>
-              <a:t>Runs Allowed (RA): corridas </a:t>
-            </a:r>
-            <a:r>
-              <a:rPr lang="en-US" sz="1600" b="0" i="0" dirty="0" err="1">
-                <a:latin typeface="Square721 BT"/>
-              </a:rPr>
-              <a:t>pontuadas</a:t>
-            </a:r>
-            <a:r>
-              <a:rPr lang="en-US" sz="1600" b="0" i="0" dirty="0">
-                <a:latin typeface="Square721 BT"/>
-              </a:rPr>
-              <a:t> contra o </a:t>
-            </a:r>
-            <a:r>
-              <a:rPr lang="en-US" sz="1600" b="0" i="0" dirty="0" err="1">
-                <a:latin typeface="Square721 BT"/>
-              </a:rPr>
-              <a:t>arremessador</a:t>
-            </a:r>
-            <a:endParaRPr lang="en-US" dirty="0" err="1"/>
-          </a:p>
-          <a:p>
-            <a:pPr marL="285750" indent="-285750" algn="just">
-              <a:buFont typeface="Arial"/>
-              <a:buChar char="•"/>
-            </a:pPr>
-            <a:r>
-              <a:rPr lang="en-US" sz="1600" b="0" i="0" dirty="0">
-                <a:latin typeface="Square721 BT"/>
-              </a:rPr>
-              <a:t>Wins (W): total de </a:t>
-            </a:r>
-            <a:r>
-              <a:rPr lang="en-US" sz="1600" b="0" i="0" dirty="0" err="1">
-                <a:latin typeface="Square721 BT"/>
-              </a:rPr>
-              <a:t>vitórias</a:t>
-            </a:r>
-            <a:r>
-              <a:rPr lang="en-US" sz="1600" b="0" i="0" dirty="0">
-                <a:latin typeface="Square721 BT"/>
-              </a:rPr>
-              <a:t> do </a:t>
-            </a:r>
-            <a:r>
-              <a:rPr lang="en-US" sz="1600" b="0" i="0" dirty="0" err="1">
-                <a:latin typeface="Square721 BT"/>
-              </a:rPr>
-              <a:t>arremessador</a:t>
-            </a:r>
-            <a:endParaRPr lang="en-US" dirty="0" err="1"/>
-          </a:p>
-          <a:p>
-            <a:pPr marL="285750" indent="-285750" algn="just">
-              <a:buFont typeface="Arial"/>
-              <a:buChar char="•"/>
-            </a:pPr>
-            <a:r>
-              <a:rPr lang="en-US" sz="1600" b="0" i="0" dirty="0">
-                <a:latin typeface="Square721 BT"/>
-              </a:rPr>
-              <a:t>On-Base Percentage(OBP): </a:t>
-            </a:r>
-            <a:r>
-              <a:rPr lang="en-US" sz="1600" b="0" i="0" dirty="0" err="1">
-                <a:latin typeface="Square721 BT"/>
-              </a:rPr>
-              <a:t>mede</a:t>
-            </a:r>
-            <a:r>
-              <a:rPr lang="en-US" sz="1600" b="0" i="0" dirty="0">
-                <a:latin typeface="Square721 BT"/>
-              </a:rPr>
-              <a:t> o </a:t>
-            </a:r>
-            <a:r>
-              <a:rPr lang="en-US" sz="1600" b="0" i="0" dirty="0" err="1">
-                <a:latin typeface="Square721 BT"/>
-              </a:rPr>
-              <a:t>quão</a:t>
-            </a:r>
-            <a:r>
-              <a:rPr lang="en-US" sz="1600" b="0" i="0" dirty="0">
-                <a:latin typeface="Square721 BT"/>
-              </a:rPr>
-              <a:t> </a:t>
-            </a:r>
-            <a:r>
-              <a:rPr lang="en-US" sz="1600" b="0" i="0" dirty="0" err="1">
-                <a:latin typeface="Square721 BT"/>
-              </a:rPr>
-              <a:t>frequentemente</a:t>
-            </a:r>
-            <a:r>
-              <a:rPr lang="en-US" sz="1600" b="0" i="0" dirty="0">
-                <a:latin typeface="Square721 BT"/>
-              </a:rPr>
-              <a:t> um </a:t>
-            </a:r>
-            <a:r>
-              <a:rPr lang="en-US" sz="1600" b="0" i="0" dirty="0" err="1">
-                <a:latin typeface="Square721 BT"/>
-              </a:rPr>
-              <a:t>rebatedor</a:t>
-            </a:r>
-            <a:r>
-              <a:rPr lang="en-US" sz="1600" b="0" i="0" dirty="0">
-                <a:latin typeface="Square721 BT"/>
-              </a:rPr>
-              <a:t> </a:t>
-            </a:r>
-            <a:r>
-              <a:rPr lang="en-US" sz="1600" b="0" i="0" dirty="0" err="1">
-                <a:latin typeface="Square721 BT"/>
-              </a:rPr>
-              <a:t>atinge</a:t>
-            </a:r>
-            <a:r>
-              <a:rPr lang="en-US" sz="1600" b="0" i="0" dirty="0">
-                <a:latin typeface="Square721 BT"/>
-              </a:rPr>
-              <a:t> a base (</a:t>
-            </a:r>
-            <a:r>
-              <a:rPr lang="en-US" sz="1600" b="0" i="0" dirty="0" err="1">
-                <a:latin typeface="Square721 BT"/>
-              </a:rPr>
-              <a:t>rebatimentos</a:t>
-            </a:r>
-            <a:r>
-              <a:rPr lang="en-US" sz="1600" b="0" i="0" dirty="0">
-                <a:latin typeface="Square721 BT"/>
-              </a:rPr>
-              <a:t> + </a:t>
-            </a:r>
-            <a:r>
-              <a:rPr lang="en-US" sz="1600" b="0" i="0" dirty="0" err="1">
-                <a:latin typeface="Square721 BT"/>
-              </a:rPr>
-              <a:t>interferências</a:t>
-            </a:r>
-            <a:r>
-              <a:rPr lang="en-US" sz="1600" b="0" i="0" dirty="0">
-                <a:latin typeface="Square721 BT"/>
-              </a:rPr>
-              <a:t> + </a:t>
-            </a:r>
-            <a:r>
-              <a:rPr lang="en-US" sz="1600" b="0" i="0" dirty="0" err="1">
-                <a:latin typeface="Square721 BT"/>
-              </a:rPr>
-              <a:t>número</a:t>
-            </a:r>
-            <a:r>
-              <a:rPr lang="en-US" sz="1600" b="0" i="0" dirty="0">
-                <a:latin typeface="Square721 BT"/>
-              </a:rPr>
-              <a:t> de </a:t>
-            </a:r>
-            <a:r>
-              <a:rPr lang="en-US" sz="1600" b="0" i="0" dirty="0" err="1">
-                <a:latin typeface="Square721 BT"/>
-              </a:rPr>
-              <a:t>vezes</a:t>
-            </a:r>
-            <a:r>
-              <a:rPr lang="en-US" sz="1600" b="0" i="0" dirty="0">
-                <a:latin typeface="Square721 BT"/>
-              </a:rPr>
-              <a:t> </a:t>
-            </a:r>
-            <a:r>
-              <a:rPr lang="en-US" sz="1600" b="0" i="0" dirty="0" err="1">
-                <a:latin typeface="Square721 BT"/>
-              </a:rPr>
-              <a:t>atingido</a:t>
-            </a:r>
-            <a:r>
-              <a:rPr lang="en-US" sz="1600" b="0" i="0" dirty="0">
-                <a:latin typeface="Square721 BT"/>
-              </a:rPr>
-              <a:t> </a:t>
-            </a:r>
-            <a:r>
-              <a:rPr lang="en-US" sz="1600" b="0" i="0" dirty="0" err="1">
-                <a:latin typeface="Square721 BT"/>
-              </a:rPr>
-              <a:t>pelo</a:t>
-            </a:r>
-            <a:r>
-              <a:rPr lang="en-US" sz="1600" b="0" i="0" dirty="0">
-                <a:latin typeface="Square721 BT"/>
-              </a:rPr>
-              <a:t> </a:t>
-            </a:r>
-            <a:r>
-              <a:rPr lang="en-US" sz="1600" b="0" i="0" dirty="0" err="1">
-                <a:latin typeface="Square721 BT"/>
-              </a:rPr>
-              <a:t>arremessador</a:t>
-            </a:r>
-            <a:r>
-              <a:rPr lang="en-US" sz="1600" b="0" i="0" dirty="0">
-                <a:latin typeface="Square721 BT"/>
-              </a:rPr>
-              <a:t> / </a:t>
-            </a:r>
-            <a:r>
-              <a:rPr lang="en-US" sz="1600" b="0" i="0" dirty="0" err="1">
-                <a:latin typeface="Square721 BT"/>
-              </a:rPr>
-              <a:t>número</a:t>
-            </a:r>
-            <a:r>
-              <a:rPr lang="en-US" sz="1600" b="0" i="0" dirty="0">
-                <a:latin typeface="Square721 BT"/>
-              </a:rPr>
-              <a:t> de </a:t>
-            </a:r>
-            <a:r>
-              <a:rPr lang="en-US" sz="1600" b="0" i="0" dirty="0" err="1">
-                <a:latin typeface="Square721 BT"/>
-              </a:rPr>
-              <a:t>rodadas</a:t>
-            </a:r>
-            <a:r>
-              <a:rPr lang="en-US" sz="1600" b="0" i="0" dirty="0">
-                <a:latin typeface="Square721 BT"/>
-              </a:rPr>
-              <a:t> </a:t>
-            </a:r>
-            <a:r>
-              <a:rPr lang="en-US" sz="1600" b="0" i="0" dirty="0" err="1">
-                <a:latin typeface="Square721 BT"/>
-              </a:rPr>
-              <a:t>completadas</a:t>
-            </a:r>
-            <a:r>
-              <a:rPr lang="en-US" sz="1600" b="0" i="0" dirty="0">
-                <a:latin typeface="Square721 BT"/>
-              </a:rPr>
-              <a:t>)</a:t>
-            </a:r>
-            <a:endParaRPr lang="en-US" dirty="0"/>
-          </a:p>
-          <a:p>
-            <a:pPr marL="285750" indent="-285750" algn="just">
-              <a:buFont typeface="Arial"/>
-              <a:buChar char="•"/>
-            </a:pPr>
-            <a:r>
-              <a:rPr lang="en-US" sz="1600" b="0" i="0" dirty="0">
-                <a:latin typeface="Square721 BT"/>
-              </a:rPr>
-              <a:t>Slugging Percentage (SLG): performance do </a:t>
-            </a:r>
-            <a:r>
-              <a:rPr lang="en-US" sz="1600" b="0" i="0" dirty="0" err="1">
-                <a:latin typeface="Square721 BT"/>
-              </a:rPr>
-              <a:t>rebatedor</a:t>
-            </a:r>
-            <a:r>
-              <a:rPr lang="en-US" sz="1600" b="0" i="0" dirty="0">
-                <a:latin typeface="Square721 BT"/>
-              </a:rPr>
-              <a:t> (total de bases </a:t>
-            </a:r>
-            <a:r>
-              <a:rPr lang="en-US" sz="1600" b="0" i="0" dirty="0" err="1">
-                <a:latin typeface="Square721 BT"/>
-              </a:rPr>
-              <a:t>atingidas</a:t>
-            </a:r>
-            <a:r>
-              <a:rPr lang="en-US" sz="1600" b="0" i="0" dirty="0">
-                <a:latin typeface="Square721 BT"/>
-              </a:rPr>
-              <a:t> / total </a:t>
-            </a:r>
-            <a:r>
-              <a:rPr lang="en-US" sz="1600" b="0" i="0" dirty="0" err="1">
-                <a:latin typeface="Square721 BT"/>
-              </a:rPr>
-              <a:t>rebatimentos</a:t>
-            </a:r>
-            <a:r>
-              <a:rPr lang="en-US" sz="1600" b="0" i="0" dirty="0">
-                <a:latin typeface="Square721 BT"/>
-              </a:rPr>
-              <a:t>)</a:t>
-            </a:r>
-            <a:endParaRPr lang="en-US" dirty="0"/>
-          </a:p>
-          <a:p>
-            <a:pPr marL="285750" indent="-285750" algn="just">
-              <a:buFont typeface="Arial"/>
-              <a:buChar char="•"/>
-            </a:pPr>
-            <a:r>
-              <a:rPr lang="en-US" sz="1600" b="0" i="0" dirty="0">
-                <a:latin typeface="Square721 BT"/>
-              </a:rPr>
-              <a:t>Batting Average (BA): </a:t>
-            </a:r>
-            <a:r>
-              <a:rPr lang="en-US" sz="1600" b="0" i="0" dirty="0" err="1">
-                <a:latin typeface="Square721 BT"/>
-              </a:rPr>
-              <a:t>rebatimento</a:t>
-            </a:r>
-            <a:r>
-              <a:rPr lang="en-US" sz="1600" b="0" i="0" dirty="0">
-                <a:latin typeface="Square721 BT"/>
-              </a:rPr>
-              <a:t> </a:t>
-            </a:r>
-            <a:r>
-              <a:rPr lang="en-US" sz="1600" b="0" i="0" dirty="0" err="1">
-                <a:latin typeface="Square721 BT"/>
-              </a:rPr>
-              <a:t>médio</a:t>
-            </a:r>
-            <a:endParaRPr lang="en-US" dirty="0" err="1"/>
-          </a:p>
-          <a:p>
-            <a:pPr marL="285750" indent="-285750" algn="just">
-              <a:buFont typeface="Arial"/>
-              <a:buChar char="•"/>
-            </a:pPr>
-            <a:r>
-              <a:rPr lang="en-US" sz="1600" b="0" i="0" dirty="0">
-                <a:latin typeface="Square721 BT"/>
-              </a:rPr>
-              <a:t>Games Played (G): total de </a:t>
-            </a:r>
-            <a:r>
-              <a:rPr lang="en-US" sz="1600" b="0" i="0" dirty="0" err="1">
-                <a:latin typeface="Square721 BT"/>
-              </a:rPr>
-              <a:t>partidas</a:t>
-            </a:r>
-            <a:r>
-              <a:rPr lang="en-US" sz="1600" b="0" i="0" dirty="0">
-                <a:latin typeface="Square721 BT"/>
-              </a:rPr>
-              <a:t> </a:t>
-            </a:r>
-            <a:r>
-              <a:rPr lang="en-US" sz="1600" b="0" i="0" dirty="0" err="1">
-                <a:latin typeface="Square721 BT"/>
-              </a:rPr>
-              <a:t>jogadas</a:t>
-            </a:r>
-            <a:endParaRPr lang="en-US" dirty="0" err="1"/>
-          </a:p>
-          <a:p>
-            <a:pPr marL="285750" indent="-285750" algn="just">
-              <a:buFont typeface="Arial"/>
-              <a:buChar char="•"/>
-            </a:pPr>
-            <a:r>
-              <a:rPr lang="en-US" sz="1600" b="0" i="0" dirty="0">
-                <a:latin typeface="Square721 BT"/>
-              </a:rPr>
-              <a:t>Opponent On-Base Percentage (OOBP): </a:t>
-            </a:r>
-            <a:r>
-              <a:rPr lang="en-US" sz="1600" b="0" i="0" dirty="0" err="1">
-                <a:latin typeface="Square721 BT"/>
-              </a:rPr>
-              <a:t>mede</a:t>
-            </a:r>
-            <a:r>
-              <a:rPr lang="en-US" sz="1600" b="0" i="0" dirty="0">
-                <a:latin typeface="Square721 BT"/>
-              </a:rPr>
-              <a:t> o </a:t>
-            </a:r>
-            <a:r>
-              <a:rPr lang="en-US" sz="1600" b="0" i="0" dirty="0" err="1">
-                <a:latin typeface="Square721 BT"/>
-              </a:rPr>
-              <a:t>quão</a:t>
-            </a:r>
-            <a:r>
-              <a:rPr lang="en-US" sz="1600" b="0" i="0" dirty="0">
-                <a:latin typeface="Square721 BT"/>
-              </a:rPr>
-              <a:t> </a:t>
-            </a:r>
-            <a:r>
-              <a:rPr lang="en-US" sz="1600" b="0" i="0" dirty="0" err="1">
-                <a:latin typeface="Square721 BT"/>
-              </a:rPr>
-              <a:t>frequentemente</a:t>
-            </a:r>
-            <a:r>
-              <a:rPr lang="en-US" sz="1600" b="0" i="0" dirty="0">
-                <a:latin typeface="Square721 BT"/>
-              </a:rPr>
-              <a:t> o </a:t>
-            </a:r>
-            <a:r>
-              <a:rPr lang="en-US" sz="1600" b="0" i="0" dirty="0" err="1">
-                <a:latin typeface="Square721 BT"/>
-              </a:rPr>
-              <a:t>rebatedor</a:t>
-            </a:r>
-            <a:r>
-              <a:rPr lang="en-US" sz="1600" b="0" i="0" dirty="0">
-                <a:latin typeface="Square721 BT"/>
-              </a:rPr>
-              <a:t> </a:t>
-            </a:r>
-            <a:r>
-              <a:rPr lang="en-US" sz="1600" b="0" i="0" dirty="0" err="1">
-                <a:latin typeface="Square721 BT"/>
-              </a:rPr>
-              <a:t>oponente</a:t>
-            </a:r>
-            <a:r>
-              <a:rPr lang="en-US" sz="1600" b="0" i="0" dirty="0">
-                <a:latin typeface="Square721 BT"/>
-              </a:rPr>
-              <a:t> </a:t>
-            </a:r>
-            <a:r>
-              <a:rPr lang="en-US" sz="1600" b="0" i="0" dirty="0" err="1">
-                <a:latin typeface="Square721 BT"/>
-              </a:rPr>
-              <a:t>atinge</a:t>
-            </a:r>
-            <a:r>
-              <a:rPr lang="en-US" sz="1600" b="0" i="0" dirty="0">
-                <a:latin typeface="Square721 BT"/>
-              </a:rPr>
-              <a:t> a base</a:t>
-            </a:r>
-            <a:endParaRPr lang="en-US" dirty="0"/>
-          </a:p>
-          <a:p>
-            <a:pPr marL="285750" indent="-285750" algn="just">
-              <a:buFont typeface="Arial"/>
-              <a:buChar char="•"/>
-            </a:pPr>
-            <a:r>
-              <a:rPr lang="en-US" sz="1600" b="0" i="0" dirty="0">
-                <a:latin typeface="Square721 BT"/>
-              </a:rPr>
-              <a:t>Opponent Slugging Percentage (OSLG): performance do </a:t>
-            </a:r>
-            <a:r>
-              <a:rPr lang="en-US" sz="1600" b="0" i="0" dirty="0" err="1">
-                <a:latin typeface="Square721 BT"/>
-              </a:rPr>
-              <a:t>rebatedor</a:t>
-            </a:r>
-            <a:r>
-              <a:rPr lang="en-US" sz="1600" b="0" i="0" dirty="0">
-                <a:latin typeface="Square721 BT"/>
-              </a:rPr>
-              <a:t> </a:t>
-            </a:r>
-            <a:r>
-              <a:rPr lang="en-US" sz="1600" b="0" i="0" dirty="0" err="1">
-                <a:latin typeface="Square721 BT"/>
-              </a:rPr>
-              <a:t>oponente</a:t>
-            </a:r>
-            <a:endParaRPr lang="en-US" sz="1600" b="0" i="0">
-              <a:latin typeface="Square721 BT"/>
-            </a:endParaRPr>
-          </a:p>
-          <a:p>
-            <a:pPr algn="just"/>
-            <a:endParaRPr lang="en-US" sz="1600" b="0" i="0" dirty="0"/>
-          </a:p>
-          <a:p>
-            <a:pPr algn="just"/>
-            <a:r>
-              <a:rPr lang="en-US" sz="1600" b="0" i="0" dirty="0" err="1">
-                <a:latin typeface="Square721 BT"/>
-              </a:rPr>
-              <a:t>Além</a:t>
-            </a:r>
-            <a:r>
-              <a:rPr lang="en-US" sz="1600" b="0" i="0" dirty="0">
-                <a:latin typeface="Square721 BT"/>
-              </a:rPr>
-              <a:t> </a:t>
-            </a:r>
-            <a:r>
-              <a:rPr lang="en-US" sz="1600" b="0" i="0" dirty="0" err="1">
-                <a:latin typeface="Square721 BT"/>
-              </a:rPr>
-              <a:t>disso</a:t>
-            </a:r>
-            <a:r>
-              <a:rPr lang="en-US" sz="1600" b="0" i="0" dirty="0">
-                <a:latin typeface="Square721 BT"/>
-              </a:rPr>
-              <a:t>, o dataset </a:t>
-            </a:r>
-            <a:r>
-              <a:rPr lang="en-US" sz="1600" b="0" i="0" dirty="0" err="1">
-                <a:latin typeface="Square721 BT"/>
-              </a:rPr>
-              <a:t>também</a:t>
-            </a:r>
-            <a:r>
-              <a:rPr lang="en-US" sz="1600" b="0" i="0" dirty="0">
-                <a:latin typeface="Square721 BT"/>
-              </a:rPr>
-              <a:t> </a:t>
-            </a:r>
-            <a:r>
-              <a:rPr lang="en-US" sz="1600" b="0" i="0" dirty="0" err="1">
-                <a:latin typeface="Square721 BT"/>
-              </a:rPr>
-              <a:t>possui</a:t>
-            </a:r>
-            <a:r>
-              <a:rPr lang="en-US" sz="1600" b="0" i="0" dirty="0">
-                <a:latin typeface="Square721 BT"/>
-              </a:rPr>
-              <a:t> a feature </a:t>
-            </a:r>
-            <a:r>
-              <a:rPr lang="en-US" sz="1600" b="0" i="0" dirty="0" err="1">
-                <a:latin typeface="Square721 BT"/>
-              </a:rPr>
-              <a:t>binária</a:t>
-            </a:r>
-            <a:r>
-              <a:rPr lang="en-US" sz="1600" b="0" i="0" dirty="0">
-                <a:latin typeface="Square721 BT"/>
-              </a:rPr>
-              <a:t> que </a:t>
-            </a:r>
-            <a:r>
-              <a:rPr lang="en-US" sz="1600" b="0" i="0" dirty="0" err="1">
-                <a:latin typeface="Square721 BT"/>
-              </a:rPr>
-              <a:t>diz</a:t>
-            </a:r>
-            <a:r>
-              <a:rPr lang="en-US" sz="1600" b="0" i="0" dirty="0">
-                <a:latin typeface="Square721 BT"/>
-              </a:rPr>
-              <a:t> se o time </a:t>
-            </a:r>
-            <a:r>
-              <a:rPr lang="en-US" sz="1600" b="0" i="0" dirty="0" err="1">
-                <a:latin typeface="Square721 BT"/>
-              </a:rPr>
-              <a:t>foi</a:t>
-            </a:r>
-            <a:r>
-              <a:rPr lang="en-US" sz="1600" b="0" i="0" dirty="0">
-                <a:latin typeface="Square721 BT"/>
-              </a:rPr>
-              <a:t> </a:t>
-            </a:r>
-            <a:r>
-              <a:rPr lang="en-US" sz="1600" b="0" i="0" dirty="0" err="1">
-                <a:latin typeface="Square721 BT"/>
-              </a:rPr>
-              <a:t>ou</a:t>
-            </a:r>
-            <a:r>
-              <a:rPr lang="en-US" sz="1600" b="0" i="0" dirty="0">
-                <a:latin typeface="Square721 BT"/>
-              </a:rPr>
-              <a:t> </a:t>
-            </a:r>
-            <a:r>
-              <a:rPr lang="en-US" sz="1600" b="0" i="0" dirty="0" err="1">
-                <a:latin typeface="Square721 BT"/>
-              </a:rPr>
-              <a:t>não</a:t>
-            </a:r>
-            <a:r>
-              <a:rPr lang="en-US" sz="1600" b="0" i="0" dirty="0">
-                <a:latin typeface="Square721 BT"/>
-              </a:rPr>
-              <a:t> para </a:t>
-            </a:r>
-            <a:r>
-              <a:rPr lang="en-US" sz="1600" b="0" i="0" dirty="0" err="1">
-                <a:latin typeface="Square721 BT"/>
-              </a:rPr>
-              <a:t>os</a:t>
-            </a:r>
-            <a:r>
-              <a:rPr lang="en-US" sz="1600" b="0" i="0" dirty="0">
-                <a:latin typeface="Square721 BT"/>
-              </a:rPr>
-              <a:t> Playoffs.</a:t>
-            </a:r>
-            <a:endParaRPr lang="en-US" sz="1600" b="0" i="0" dirty="0"/>
+              </a:rPr>
+              <a:t> também pode ser usada para detecção de fraudes é importante, pois é um método baseado em contagem, mais rápido e barato, que não precisa do uso de ML e que já aponta as possíveis fraudes. </a:t>
+            </a:r>
+            <a:endParaRPr lang="pt-BR" dirty="0"/>
           </a:p>
         </p:txBody>
       </p:sp>
     </p:spTree>
     <p:extLst>
       <p:ext uri="{BB962C8B-B14F-4D97-AF65-F5344CB8AC3E}">
-        <p14:creationId xmlns:p14="http://schemas.microsoft.com/office/powerpoint/2010/main" val="655168648"/>
+        <p14:creationId xmlns:p14="http://schemas.microsoft.com/office/powerpoint/2010/main" val="3099482089"/>
       </p:ext>
     </p:extLst>
   </p:cSld>
@@ -11157,376 +11386,287 @@
       </p:grpSpPr>
       <p:sp>
         <p:nvSpPr>
-          <p:cNvPr id="2" name="Title 1">
-            <a:extLst>
-              <a:ext uri="{FF2B5EF4-FFF2-40B4-BE49-F238E27FC236}">
-                <a16:creationId xmlns:a16="http://schemas.microsoft.com/office/drawing/2014/main" id="{11D750CD-8399-BDB6-ED40-C111C68B1AF9}"/>
-              </a:ext>
-            </a:extLst>
-          </p:cNvPr>
+          <p:cNvPr id="5122" name="Rectangle 2"/>
           <p:cNvSpPr>
-            <a:spLocks noGrp="1"/>
+            <a:spLocks noGrp="1" noChangeArrowheads="1"/>
           </p:cNvSpPr>
           <p:nvPr>
             <p:ph type="title"/>
           </p:nvPr>
         </p:nvSpPr>
-        <p:spPr/>
+        <p:spPr>
+          <a:xfrm>
+            <a:off x="434012" y="260560"/>
+            <a:ext cx="7008813" cy="455612"/>
+          </a:xfrm>
+        </p:spPr>
         <p:txBody>
           <a:bodyPr/>
           <a:lstStyle/>
           <a:p>
+            <a:pPr>
+              <a:lnSpc>
+                <a:spcPct val="150000"/>
+              </a:lnSpc>
+            </a:pPr>
             <a:r>
               <a:rPr lang="pt-BR" dirty="0" err="1">
-                <a:ea typeface="+mj-lt"/>
-                <a:cs typeface="+mj-lt"/>
+                <a:latin typeface="Gotham HTF Medium"/>
               </a:rPr>
               <a:t>Machine</a:t>
             </a:r>
             <a:r>
               <a:rPr lang="pt-BR" dirty="0">
-                <a:ea typeface="+mj-lt"/>
-                <a:cs typeface="+mj-lt"/>
-              </a:rPr>
-              <a:t> Learning</a:t>
-            </a:r>
-            <a:r>
-              <a:rPr lang="pt-BR" dirty="0">
-                <a:cs typeface="Arial"/>
-              </a:rPr>
-              <a:t> </a:t>
-            </a:r>
-            <a:r>
-              <a:rPr lang="en-US" dirty="0">
-                <a:cs typeface="Arial"/>
-              </a:rPr>
-              <a:t>I</a:t>
-            </a:r>
-            <a:endParaRPr lang="en-US" b="0" dirty="0">
-              <a:ea typeface="+mj-lt"/>
-              <a:cs typeface="+mj-lt"/>
-            </a:endParaRPr>
+                <a:latin typeface="Gotham HTF Medium"/>
+              </a:rPr>
+              <a:t> Learning I</a:t>
+            </a:r>
+            <a:endParaRPr lang="pt-BR" dirty="0"/>
           </a:p>
         </p:txBody>
       </p:sp>
       <p:sp>
         <p:nvSpPr>
-          <p:cNvPr id="3" name="Content Placeholder 2">
+          <p:cNvPr id="3" name="CaixaDeTexto 2"/>
+          <p:cNvSpPr txBox="1"/>
+          <p:nvPr/>
+        </p:nvSpPr>
+        <p:spPr>
+          <a:xfrm>
+            <a:off x="396214" y="1052670"/>
+            <a:ext cx="8353160" cy="416011"/>
+          </a:xfrm>
+          <a:prstGeom prst="rect">
+            <a:avLst/>
+          </a:prstGeom>
+          <a:noFill/>
+        </p:spPr>
+        <p:txBody>
+          <a:bodyPr wrap="square" rtlCol="0">
+            <a:spAutoFit/>
+          </a:bodyPr>
+          <a:lstStyle/>
+          <a:p>
+            <a:pPr algn="just">
+              <a:lnSpc>
+                <a:spcPct val="150000"/>
+              </a:lnSpc>
+            </a:pPr>
+            <a:r>
+              <a:rPr lang="pt-BR" sz="1600" i="0" dirty="0">
+                <a:latin typeface="+mj-lt"/>
+              </a:rPr>
+              <a:t>SOLUÇÃO: LEI DE NEWCOMB-BENFORD</a:t>
+            </a:r>
+            <a:endParaRPr lang="pt-BR" sz="1600" b="0" i="0" dirty="0">
+              <a:latin typeface="+mj-lt"/>
+            </a:endParaRPr>
+          </a:p>
+        </p:txBody>
+      </p:sp>
+      <p:sp>
+        <p:nvSpPr>
+          <p:cNvPr id="6" name="CaixaDeTexto 5">
             <a:extLst>
               <a:ext uri="{FF2B5EF4-FFF2-40B4-BE49-F238E27FC236}">
-                <a16:creationId xmlns:a16="http://schemas.microsoft.com/office/drawing/2014/main" id="{368080A6-0C22-1B3C-F59C-4256B23D72EF}"/>
+                <a16:creationId xmlns:a16="http://schemas.microsoft.com/office/drawing/2014/main" id="{B82B6141-C341-AC59-154A-CE858915F6D1}"/>
               </a:ext>
             </a:extLst>
           </p:cNvPr>
-          <p:cNvSpPr>
-            <a:spLocks noGrp="1"/>
-          </p:cNvSpPr>
-          <p:nvPr>
-            <p:ph idx="1"/>
-          </p:nvPr>
+          <p:cNvSpPr txBox="1"/>
+          <p:nvPr/>
         </p:nvSpPr>
-        <p:spPr/>
+        <p:spPr>
+          <a:xfrm>
+            <a:off x="434012" y="1597173"/>
+            <a:ext cx="8353160" cy="4524315"/>
+          </a:xfrm>
+          <a:prstGeom prst="rect">
+            <a:avLst/>
+          </a:prstGeom>
+          <a:noFill/>
+        </p:spPr>
         <p:txBody>
-          <a:bodyPr/>
+          <a:bodyPr wrap="square" lIns="91440" tIns="45720" rIns="91440" bIns="45720" rtlCol="0" anchor="t">
+            <a:spAutoFit/>
+          </a:bodyPr>
           <a:lstStyle/>
           <a:p>
-            <a:pPr marL="0" indent="0" algn="just">
-              <a:lnSpc>
-                <a:spcPct val="100000"/>
-              </a:lnSpc>
-              <a:spcBef>
-                <a:spcPct val="0"/>
-              </a:spcBef>
-              <a:buNone/>
-            </a:pPr>
-            <a:r>
-              <a:rPr lang="pt-BR" sz="1600" dirty="0">
+            <a:pPr algn="just"/>
+            <a:r>
+              <a:rPr lang="pt-BR" sz="1600" b="0" i="0" dirty="0">
+                <a:latin typeface="+mj-lt"/>
+              </a:rPr>
+              <a:t>A Lei de </a:t>
+            </a:r>
+            <a:r>
+              <a:rPr lang="pt-BR" sz="1600" b="0" i="0" dirty="0" err="1">
+                <a:latin typeface="+mj-lt"/>
+              </a:rPr>
+              <a:t>Newcomb-Benford</a:t>
+            </a:r>
+            <a:r>
+              <a:rPr lang="pt-BR" sz="1600" b="0" i="0" dirty="0">
+                <a:latin typeface="+mj-lt"/>
+              </a:rPr>
+              <a:t>, também é conhecida como a lei do primeiro digito. Ela se baseia em uma observação sobre a distribuição dos dígitos que podem aparecer, por exemplo, em patrimônios ou movimentações de contas. </a:t>
+            </a:r>
+            <a:endParaRPr lang="pt-BR" sz="1600" b="0" i="0" dirty="0">
+              <a:latin typeface="+mj-lt"/>
+              <a:cs typeface="Arial"/>
+            </a:endParaRPr>
+          </a:p>
+          <a:p>
+            <a:pPr algn="just"/>
+            <a:endParaRPr lang="pt-BR" sz="1600" b="0" i="0" dirty="0">
+              <a:latin typeface="Arial"/>
+              <a:cs typeface="Arial"/>
+            </a:endParaRPr>
+          </a:p>
+          <a:p>
+            <a:pPr algn="just"/>
+            <a:r>
+              <a:rPr lang="pt-BR" sz="1600" b="0" i="0" dirty="0">
+                <a:latin typeface="+mj-lt"/>
+              </a:rPr>
+              <a:t>A aplicação da lei consiste em comparar a distribuição de frequência dos primeiros dígitos dos dados analisados com a sua distribuição de acordo com a lei de </a:t>
+            </a:r>
+            <a:r>
+              <a:rPr lang="pt-BR" sz="1600" b="0" i="0" dirty="0" err="1">
+                <a:latin typeface="+mj-lt"/>
+              </a:rPr>
+              <a:t>Benford</a:t>
+            </a:r>
+            <a:r>
+              <a:rPr lang="pt-BR" sz="1600" b="0" i="0" dirty="0">
+                <a:latin typeface="+mj-lt"/>
+              </a:rPr>
+              <a:t>. Ao fazer isso, já aparecem os resultados de frequência anômalos que precisam ser investigados.</a:t>
+            </a:r>
+          </a:p>
+          <a:p>
+            <a:pPr algn="just"/>
+            <a:endParaRPr lang="pt-BR" sz="1600" b="0" i="0" dirty="0">
+              <a:latin typeface="Arial"/>
+              <a:cs typeface="Arial"/>
+            </a:endParaRPr>
+          </a:p>
+          <a:p>
+            <a:pPr algn="just"/>
+            <a:r>
+              <a:rPr lang="pt-BR" sz="1600" b="0" i="0" dirty="0">
+                <a:latin typeface="Arial"/>
                 <a:cs typeface="Arial"/>
               </a:rPr>
-              <a:t>A lista completa de </a:t>
-            </a:r>
-            <a:r>
-              <a:rPr lang="pt-BR" sz="1600" dirty="0" err="1">
+              <a:t>A fórmula da lei é:</a:t>
+            </a:r>
+          </a:p>
+          <a:p>
+            <a:pPr algn="just"/>
+            <a:endParaRPr lang="pt-BR" sz="1600" b="0" i="0" dirty="0">
+              <a:latin typeface="+mj-lt"/>
+              <a:cs typeface="Arial"/>
+            </a:endParaRPr>
+          </a:p>
+          <a:p>
+            <a:pPr algn="just"/>
+            <a:endParaRPr lang="pt-BR" sz="1600" b="0" i="0" dirty="0">
+              <a:latin typeface="+mj-lt"/>
+              <a:cs typeface="Arial"/>
+            </a:endParaRPr>
+          </a:p>
+          <a:p>
+            <a:pPr algn="just"/>
+            <a:endParaRPr lang="pt-BR" sz="1600" b="0" i="0" dirty="0">
+              <a:latin typeface="+mj-lt"/>
+              <a:cs typeface="Arial"/>
+            </a:endParaRPr>
+          </a:p>
+          <a:p>
+            <a:pPr algn="just"/>
+            <a:r>
+              <a:rPr lang="pt-BR" sz="1600" b="0" i="0" dirty="0">
+                <a:latin typeface="+mj-lt"/>
                 <a:cs typeface="Arial"/>
               </a:rPr>
-              <a:t>features</a:t>
-            </a:r>
-            <a:r>
-              <a:rPr lang="pt-BR" sz="1600" dirty="0">
+              <a:t>No qual d é um primeiro dígito que varia de 1 a 9.</a:t>
+            </a:r>
+            <a:endParaRPr lang="pt-BR" dirty="0"/>
+          </a:p>
+          <a:p>
+            <a:pPr algn="just"/>
+            <a:endParaRPr lang="pt-BR" sz="1600" b="0" i="0" dirty="0">
+              <a:latin typeface="+mj-lt"/>
+              <a:cs typeface="Arial"/>
+            </a:endParaRPr>
+          </a:p>
+          <a:p>
+            <a:pPr algn="just"/>
+            <a:r>
+              <a:rPr lang="pt-BR" sz="1600" b="0" i="0" dirty="0">
+                <a:latin typeface="+mj-lt"/>
                 <a:cs typeface="Arial"/>
               </a:rPr>
-              <a:t> e suas explicações pode ser vista acessando este </a:t>
-            </a:r>
-            <a:r>
-              <a:rPr lang="pt-BR" sz="1600" dirty="0">
+              <a:t>No caso de um patrimônio, se a frequência do dígito 1 é abaixo de 30%, que geralmente é a frequência do número 1 na distribuição de </a:t>
+            </a:r>
+            <a:r>
+              <a:rPr lang="pt-BR" sz="1600" b="0" i="0" dirty="0" err="1">
+                <a:latin typeface="+mj-lt"/>
                 <a:cs typeface="Arial"/>
-                <a:hlinkClick r:id="rId2"/>
-              </a:rPr>
-              <a:t>link</a:t>
-            </a:r>
-            <a:r>
-              <a:rPr lang="pt-BR" sz="1600" dirty="0">
+              </a:rPr>
+              <a:t>Benford</a:t>
+            </a:r>
+            <a:r>
+              <a:rPr lang="pt-BR" sz="1600" b="0" i="0" dirty="0">
+                <a:latin typeface="+mj-lt"/>
                 <a:cs typeface="Arial"/>
               </a:rPr>
-              <a:t>.</a:t>
-            </a:r>
-          </a:p>
-          <a:p>
-            <a:pPr marL="0" indent="0" algn="just">
-              <a:lnSpc>
-                <a:spcPct val="100000"/>
-              </a:lnSpc>
-              <a:spcBef>
-                <a:spcPct val="0"/>
-              </a:spcBef>
-              <a:buNone/>
-            </a:pPr>
-            <a:endParaRPr lang="pt-BR" sz="1600" dirty="0">
-              <a:cs typeface="Arial"/>
-            </a:endParaRPr>
-          </a:p>
-          <a:p>
-            <a:pPr marL="0" indent="0" algn="just">
-              <a:lnSpc>
-                <a:spcPct val="100000"/>
-              </a:lnSpc>
-              <a:spcBef>
-                <a:spcPct val="0"/>
-              </a:spcBef>
-              <a:buNone/>
-            </a:pPr>
-            <a:r>
-              <a:rPr lang="pt-BR" sz="1600" dirty="0">
-                <a:cs typeface="Arial"/>
-              </a:rPr>
-              <a:t>Para resolver o problema, fizemos uma análise exploratória dos dados para entender as </a:t>
-            </a:r>
-            <a:r>
-              <a:rPr lang="pt-BR" sz="1600" dirty="0" err="1">
-                <a:cs typeface="Arial"/>
-              </a:rPr>
-              <a:t>features</a:t>
-            </a:r>
-            <a:r>
-              <a:rPr lang="pt-BR" sz="1600" dirty="0">
-                <a:cs typeface="Arial"/>
-              </a:rPr>
-              <a:t> e escolher aquelas que iam para o modelo, testamos diversos modelos de árvore e fizemos uma busca em grade de </a:t>
-            </a:r>
-            <a:r>
-              <a:rPr lang="pt-BR" sz="1600" dirty="0" err="1">
-                <a:cs typeface="Arial"/>
-              </a:rPr>
-              <a:t>hiperparâmetros</a:t>
-            </a:r>
-            <a:r>
-              <a:rPr lang="pt-BR" sz="1600" dirty="0">
-                <a:cs typeface="Arial"/>
-              </a:rPr>
-              <a:t> com validação cruzada. Também entendemos qual seria o melhor k para o KNN baseado na métrica f1-score.</a:t>
-            </a:r>
-            <a:endParaRPr lang="en-US" sz="1600">
-              <a:cs typeface="Arial"/>
-            </a:endParaRPr>
-          </a:p>
-          <a:p>
-            <a:pPr marL="0" indent="0" algn="just">
-              <a:lnSpc>
-                <a:spcPct val="100000"/>
-              </a:lnSpc>
-              <a:spcBef>
-                <a:spcPct val="0"/>
-              </a:spcBef>
-              <a:buNone/>
-            </a:pPr>
-            <a:endParaRPr lang="pt-BR" sz="1600" dirty="0">
-              <a:ea typeface="+mj-lt"/>
-              <a:cs typeface="+mj-lt"/>
-            </a:endParaRPr>
-          </a:p>
-          <a:p>
-            <a:pPr marL="0" indent="0" algn="just">
-              <a:lnSpc>
-                <a:spcPct val="100000"/>
-              </a:lnSpc>
-              <a:spcBef>
-                <a:spcPct val="0"/>
-              </a:spcBef>
-              <a:buNone/>
-            </a:pPr>
-            <a:r>
-              <a:rPr lang="pt-BR" sz="1600" dirty="0">
-                <a:ea typeface="+mj-lt"/>
-                <a:cs typeface="+mj-lt"/>
-              </a:rPr>
-              <a:t>Escolhemos o f1-score pois </a:t>
-            </a:r>
-            <a:r>
-              <a:rPr lang="pt-BR" sz="1600" dirty="0" err="1">
-                <a:ea typeface="+mj-lt"/>
-                <a:cs typeface="+mj-lt"/>
-              </a:rPr>
-              <a:t>queriamos</a:t>
-            </a:r>
-            <a:r>
-              <a:rPr lang="pt-BR" sz="1600" dirty="0">
-                <a:ea typeface="+mj-lt"/>
-                <a:cs typeface="+mj-lt"/>
-              </a:rPr>
-              <a:t> obter o máximo de precisão e </a:t>
-            </a:r>
-            <a:r>
-              <a:rPr lang="pt-BR" sz="1600" dirty="0" err="1">
-                <a:ea typeface="+mj-lt"/>
-                <a:cs typeface="+mj-lt"/>
-              </a:rPr>
-              <a:t>revocação</a:t>
-            </a:r>
-            <a:r>
-              <a:rPr lang="pt-BR" sz="1600" dirty="0">
-                <a:ea typeface="+mj-lt"/>
-                <a:cs typeface="+mj-lt"/>
-              </a:rPr>
-              <a:t>. Percebemos que a nossa variável target era desbalanceada, realizamos testes mudando a métrica para precisão sem diferenças consideráveis nos resultados, então acabamos por manter o f1-score.</a:t>
-            </a:r>
-            <a:endParaRPr lang="en-US" sz="1600" dirty="0">
-              <a:ea typeface="+mj-lt"/>
-              <a:cs typeface="+mj-lt"/>
-            </a:endParaRPr>
-          </a:p>
-          <a:p>
-            <a:pPr marL="0" indent="0" algn="just">
-              <a:lnSpc>
-                <a:spcPct val="100000"/>
-              </a:lnSpc>
-              <a:spcBef>
-                <a:spcPct val="0"/>
-              </a:spcBef>
-              <a:buNone/>
-            </a:pPr>
-            <a:endParaRPr lang="pt-BR" sz="1600" dirty="0">
-              <a:ea typeface="+mj-lt"/>
-              <a:cs typeface="+mj-lt"/>
-            </a:endParaRPr>
-          </a:p>
-          <a:p>
-            <a:pPr marL="0" indent="0" algn="just">
-              <a:lnSpc>
-                <a:spcPct val="100000"/>
-              </a:lnSpc>
-              <a:spcBef>
-                <a:spcPct val="0"/>
-              </a:spcBef>
-              <a:buNone/>
-            </a:pPr>
-            <a:r>
-              <a:rPr lang="pt-BR" sz="1600" dirty="0">
-                <a:cs typeface="Arial"/>
-              </a:rPr>
-              <a:t>Os notebooks podem ser acessados neste </a:t>
-            </a:r>
-            <a:r>
-              <a:rPr lang="pt-BR" sz="1600" dirty="0">
-                <a:cs typeface="Arial"/>
-                <a:hlinkClick r:id="rId3"/>
-              </a:rPr>
-              <a:t>link</a:t>
-            </a:r>
-            <a:r>
-              <a:rPr lang="pt-BR" sz="1600" dirty="0">
-                <a:cs typeface="Arial"/>
-              </a:rPr>
-              <a:t>.</a:t>
-            </a:r>
-          </a:p>
-          <a:p>
-            <a:pPr marL="0" indent="0">
-              <a:lnSpc>
-                <a:spcPct val="100000"/>
-              </a:lnSpc>
-              <a:spcBef>
-                <a:spcPct val="0"/>
-              </a:spcBef>
-              <a:buNone/>
-            </a:pPr>
-            <a:r>
-              <a:rPr lang="pt-BR" sz="1600" dirty="0">
-                <a:cs typeface="Arial"/>
-              </a:rPr>
-              <a:t>Há também o link para o </a:t>
-            </a:r>
-            <a:r>
-              <a:rPr lang="pt-BR" sz="1600" dirty="0" err="1">
-                <a:cs typeface="Arial"/>
-              </a:rPr>
-              <a:t>github</a:t>
-            </a:r>
-            <a:r>
-              <a:rPr lang="pt-BR" sz="1600" dirty="0">
-                <a:cs typeface="Arial"/>
-              </a:rPr>
-              <a:t> do projeto: </a:t>
-            </a:r>
-            <a:r>
-              <a:rPr lang="pt-BR" sz="1600" dirty="0">
-                <a:ea typeface="+mj-lt"/>
-                <a:cs typeface="+mj-lt"/>
-                <a:hlinkClick r:id="rId4"/>
-              </a:rPr>
-              <a:t>https://github.com/paciencia/moneyball_sandbox</a:t>
-            </a:r>
-          </a:p>
-          <a:p>
-            <a:pPr marL="0" indent="0" algn="just">
-              <a:lnSpc>
-                <a:spcPct val="100000"/>
-              </a:lnSpc>
-              <a:spcBef>
-                <a:spcPct val="0"/>
-              </a:spcBef>
-              <a:buNone/>
-            </a:pPr>
-            <a:endParaRPr lang="pt-BR" sz="1600" dirty="0">
-              <a:cs typeface="Arial"/>
-            </a:endParaRPr>
-          </a:p>
-          <a:p>
-            <a:pPr marL="0" indent="0" algn="just">
-              <a:lnSpc>
-                <a:spcPct val="100000"/>
-              </a:lnSpc>
-              <a:spcBef>
-                <a:spcPct val="0"/>
-              </a:spcBef>
-              <a:buNone/>
-            </a:pPr>
-            <a:r>
-              <a:rPr lang="pt-BR" sz="1600" dirty="0">
-                <a:cs typeface="Arial"/>
-              </a:rPr>
-              <a:t>No próximo slide, apresentaremos os resultados da análise.</a:t>
-            </a:r>
-          </a:p>
-          <a:p>
-            <a:pPr marL="0" indent="0" algn="just">
-              <a:lnSpc>
-                <a:spcPct val="100000"/>
-              </a:lnSpc>
-              <a:spcBef>
-                <a:spcPct val="0"/>
-              </a:spcBef>
-              <a:buNone/>
-            </a:pPr>
-            <a:endParaRPr lang="en-US" sz="1600" dirty="0">
+              <a:t>, isso já seria um indicativo de que é necessário investigar a diferença e que pode ter ocorrido fraude ou erro.</a:t>
+            </a:r>
+          </a:p>
+          <a:p>
+            <a:pPr algn="just"/>
+            <a:endParaRPr lang="pt-BR" sz="1600" b="0" i="0" dirty="0">
+              <a:latin typeface="Arial"/>
               <a:cs typeface="Arial"/>
             </a:endParaRPr>
           </a:p>
         </p:txBody>
       </p:sp>
+      <p:pic>
+        <p:nvPicPr>
+          <p:cNvPr id="2" name="Picture 3">
+            <a:extLst>
+              <a:ext uri="{FF2B5EF4-FFF2-40B4-BE49-F238E27FC236}">
+                <a16:creationId xmlns:a16="http://schemas.microsoft.com/office/drawing/2014/main" id="{879E6408-301D-1B07-2075-E7CEDEE2F9C1}"/>
+              </a:ext>
+            </a:extLst>
+          </p:cNvPr>
+          <p:cNvPicPr>
+            <a:picLocks noChangeAspect="1"/>
+          </p:cNvPicPr>
+          <p:nvPr/>
+        </p:nvPicPr>
+        <p:blipFill>
+          <a:blip r:embed="rId2"/>
+          <a:stretch>
+            <a:fillRect/>
+          </a:stretch>
+        </p:blipFill>
+        <p:spPr>
+          <a:xfrm>
+            <a:off x="1548374" y="3892485"/>
+            <a:ext cx="5721110" cy="646173"/>
+          </a:xfrm>
+          <a:prstGeom prst="rect">
+            <a:avLst/>
+          </a:prstGeom>
+        </p:spPr>
+      </p:pic>
     </p:spTree>
     <p:extLst>
       <p:ext uri="{BB962C8B-B14F-4D97-AF65-F5344CB8AC3E}">
-        <p14:creationId xmlns:p14="http://schemas.microsoft.com/office/powerpoint/2010/main" val="1985486460"/>
+        <p14:creationId xmlns:p14="http://schemas.microsoft.com/office/powerpoint/2010/main" val="3974187845"/>
       </p:ext>
     </p:extLst>
   </p:cSld>
@@ -11555,300 +11695,90 @@
       </p:grpSpPr>
       <p:sp>
         <p:nvSpPr>
-          <p:cNvPr id="2" name="Title 1">
-            <a:extLst>
-              <a:ext uri="{FF2B5EF4-FFF2-40B4-BE49-F238E27FC236}">
-                <a16:creationId xmlns:a16="http://schemas.microsoft.com/office/drawing/2014/main" id="{11D750CD-8399-BDB6-ED40-C111C68B1AF9}"/>
-              </a:ext>
-            </a:extLst>
-          </p:cNvPr>
+          <p:cNvPr id="5122" name="Rectangle 2"/>
           <p:cNvSpPr>
-            <a:spLocks noGrp="1"/>
+            <a:spLocks noGrp="1" noChangeArrowheads="1"/>
           </p:cNvSpPr>
           <p:nvPr>
             <p:ph type="title"/>
           </p:nvPr>
         </p:nvSpPr>
-        <p:spPr/>
-        <p:txBody>
-          <a:bodyPr/>
-          <a:lstStyle/>
-          <a:p>
-            <a:r>
-              <a:rPr lang="pt-BR" dirty="0" err="1">
-                <a:ea typeface="+mj-lt"/>
-                <a:cs typeface="+mj-lt"/>
-              </a:rPr>
-              <a:t>Machine</a:t>
-            </a:r>
-            <a:r>
-              <a:rPr lang="pt-BR" dirty="0">
-                <a:ea typeface="+mj-lt"/>
-                <a:cs typeface="+mj-lt"/>
-              </a:rPr>
-              <a:t> Learning</a:t>
-            </a:r>
-            <a:r>
-              <a:rPr lang="pt-BR" dirty="0">
-                <a:cs typeface="Arial"/>
-              </a:rPr>
-              <a:t> </a:t>
-            </a:r>
-            <a:r>
-              <a:rPr lang="en-US" dirty="0">
-                <a:cs typeface="Arial"/>
-              </a:rPr>
-              <a:t>I</a:t>
-            </a:r>
-            <a:endParaRPr lang="en-US" b="0" dirty="0">
-              <a:ea typeface="+mj-lt"/>
-              <a:cs typeface="+mj-lt"/>
-            </a:endParaRPr>
-          </a:p>
-        </p:txBody>
-      </p:sp>
-      <p:sp>
-        <p:nvSpPr>
-          <p:cNvPr id="3" name="Content Placeholder 2">
-            <a:extLst>
-              <a:ext uri="{FF2B5EF4-FFF2-40B4-BE49-F238E27FC236}">
-                <a16:creationId xmlns:a16="http://schemas.microsoft.com/office/drawing/2014/main" id="{368080A6-0C22-1B3C-F59C-4256B23D72EF}"/>
-              </a:ext>
-            </a:extLst>
-          </p:cNvPr>
-          <p:cNvSpPr>
-            <a:spLocks noGrp="1"/>
-          </p:cNvSpPr>
-          <p:nvPr>
-            <p:ph idx="1"/>
-          </p:nvPr>
-        </p:nvSpPr>
         <p:spPr>
           <a:xfrm>
-            <a:off x="468313" y="1052513"/>
-            <a:ext cx="8353425" cy="3959363"/>
+            <a:off x="434012" y="260560"/>
+            <a:ext cx="7008813" cy="455612"/>
           </a:xfrm>
         </p:spPr>
         <p:txBody>
           <a:bodyPr/>
           <a:lstStyle/>
           <a:p>
-            <a:pPr marL="0" indent="0" algn="just">
+            <a:pPr>
               <a:lnSpc>
-                <a:spcPct val="100000"/>
+                <a:spcPct val="150000"/>
               </a:lnSpc>
-              <a:spcBef>
-                <a:spcPct val="0"/>
-              </a:spcBef>
-              <a:buNone/>
-            </a:pPr>
-            <a:r>
-              <a:rPr lang="pt-BR" sz="1600" b="1" dirty="0">
-                <a:ea typeface="+mj-lt"/>
-                <a:cs typeface="+mj-lt"/>
-              </a:rPr>
-              <a:t>RESULTADOS - ÁRVORE DE DECISÃO</a:t>
-            </a:r>
-            <a:endParaRPr lang="en-US" sz="1600" b="1" dirty="0">
-              <a:ea typeface="+mj-lt"/>
-              <a:cs typeface="+mj-lt"/>
-            </a:endParaRPr>
-          </a:p>
-          <a:p>
-            <a:pPr marL="0" indent="0" algn="just">
-              <a:lnSpc>
-                <a:spcPct val="100000"/>
-              </a:lnSpc>
-              <a:spcBef>
-                <a:spcPct val="0"/>
-              </a:spcBef>
-              <a:buNone/>
-            </a:pPr>
-            <a:endParaRPr lang="pt-BR" sz="1600" dirty="0">
-              <a:ea typeface="+mj-lt"/>
-              <a:cs typeface="+mj-lt"/>
-            </a:endParaRPr>
-          </a:p>
-          <a:p>
-            <a:pPr marL="0" indent="0" algn="just">
-              <a:lnSpc>
-                <a:spcPct val="100000"/>
-              </a:lnSpc>
-              <a:spcBef>
-                <a:spcPct val="0"/>
-              </a:spcBef>
-              <a:buNone/>
-            </a:pPr>
-            <a:r>
-              <a:rPr lang="pt-BR" sz="1600" dirty="0">
-                <a:ea typeface="+mj-lt"/>
-                <a:cs typeface="+mj-lt"/>
-              </a:rPr>
-              <a:t>O melhor modelo foi o modelo de Árvore de Decisão com profundidade máxima de 2 níveis e mínimo de 50 folhas. O modelo apresentou a mesma acurácia de treino e teste, com 88%. Abaixo apresentamos o </a:t>
-            </a:r>
-            <a:r>
-              <a:rPr lang="pt-BR" sz="1600" dirty="0" err="1">
-                <a:ea typeface="+mj-lt"/>
-                <a:cs typeface="+mj-lt"/>
-              </a:rPr>
-              <a:t>report</a:t>
-            </a:r>
-            <a:r>
-              <a:rPr lang="pt-BR" sz="1600" dirty="0">
-                <a:ea typeface="+mj-lt"/>
-                <a:cs typeface="+mj-lt"/>
-              </a:rPr>
-              <a:t> de classificação:</a:t>
-            </a:r>
-          </a:p>
-          <a:p>
-            <a:pPr marL="0" indent="0" algn="just">
-              <a:lnSpc>
-                <a:spcPct val="100000"/>
-              </a:lnSpc>
-              <a:spcBef>
-                <a:spcPct val="0"/>
-              </a:spcBef>
-              <a:buNone/>
-            </a:pPr>
-            <a:endParaRPr lang="pt-BR" sz="1600" dirty="0">
-              <a:cs typeface="Arial"/>
-            </a:endParaRPr>
-          </a:p>
-          <a:p>
-            <a:pPr marL="0" indent="0" algn="just">
-              <a:lnSpc>
-                <a:spcPct val="100000"/>
-              </a:lnSpc>
-              <a:spcBef>
-                <a:spcPct val="0"/>
-              </a:spcBef>
-              <a:buNone/>
-            </a:pPr>
-            <a:endParaRPr lang="pt-BR" sz="1600" dirty="0">
-              <a:ea typeface="+mj-lt"/>
-              <a:cs typeface="+mj-lt"/>
-            </a:endParaRPr>
-          </a:p>
-          <a:p>
-            <a:pPr marL="0" indent="0" algn="just">
-              <a:lnSpc>
-                <a:spcPct val="100000"/>
-              </a:lnSpc>
-              <a:spcBef>
-                <a:spcPct val="0"/>
-              </a:spcBef>
-              <a:buNone/>
-            </a:pPr>
-            <a:endParaRPr lang="pt-BR" sz="1600" dirty="0">
-              <a:ea typeface="+mj-lt"/>
-              <a:cs typeface="+mj-lt"/>
-            </a:endParaRPr>
-          </a:p>
-          <a:p>
-            <a:pPr algn="just">
-              <a:buNone/>
-            </a:pPr>
-            <a:r>
-              <a:rPr lang="pt-BR" sz="1600" dirty="0">
-                <a:ea typeface="+mj-lt"/>
-                <a:cs typeface="+mj-lt"/>
-              </a:rPr>
-              <a:t>              </a:t>
-            </a:r>
-            <a:endParaRPr lang="pt-BR" dirty="0">
-              <a:ea typeface="+mj-lt"/>
-              <a:cs typeface="+mj-lt"/>
-            </a:endParaRPr>
-          </a:p>
-          <a:p>
-            <a:pPr algn="just">
-              <a:buNone/>
-            </a:pPr>
-            <a:endParaRPr lang="pt-BR" sz="1600" dirty="0">
-              <a:ea typeface="+mj-lt"/>
-              <a:cs typeface="+mj-lt"/>
-            </a:endParaRPr>
-          </a:p>
-          <a:p>
-            <a:pPr algn="just">
-              <a:buNone/>
-            </a:pPr>
-            <a:endParaRPr lang="pt-BR" sz="1600" dirty="0">
-              <a:ea typeface="+mj-lt"/>
-              <a:cs typeface="+mj-lt"/>
-            </a:endParaRPr>
-          </a:p>
-          <a:p>
-            <a:pPr algn="just">
-              <a:buNone/>
-            </a:pPr>
-            <a:endParaRPr lang="pt-BR" sz="1600" dirty="0">
-              <a:ea typeface="+mj-lt"/>
-              <a:cs typeface="+mj-lt"/>
-            </a:endParaRPr>
-          </a:p>
-          <a:p>
-            <a:pPr algn="just">
-              <a:buNone/>
-            </a:pPr>
-            <a:endParaRPr lang="pt-BR" sz="1600" dirty="0">
-              <a:ea typeface="+mj-lt"/>
-              <a:cs typeface="+mj-lt"/>
-            </a:endParaRPr>
-          </a:p>
-          <a:p>
-            <a:pPr algn="just">
-              <a:buNone/>
-            </a:pPr>
-            <a:r>
-              <a:rPr lang="pt-BR" sz="1600" dirty="0">
-                <a:ea typeface="+mj-lt"/>
-                <a:cs typeface="+mj-lt"/>
-              </a:rPr>
-              <a:t>Para a classe 1, a melhor precisão foi de 68, recall de 79, e f1 de 73. </a:t>
-            </a:r>
-            <a:endParaRPr lang="pt-BR" sz="1600" dirty="0">
-              <a:cs typeface="Arial"/>
-            </a:endParaRPr>
+            </a:pPr>
+            <a:r>
+              <a:rPr lang="pt-BR" dirty="0" err="1">
+                <a:latin typeface="Gotham HTF Medium"/>
+              </a:rPr>
+              <a:t>Machine</a:t>
+            </a:r>
+            <a:r>
+              <a:rPr lang="pt-BR" dirty="0">
+                <a:latin typeface="Gotham HTF Medium"/>
+              </a:rPr>
+              <a:t> Learning I</a:t>
+            </a:r>
+            <a:endParaRPr lang="pt-BR" dirty="0"/>
           </a:p>
         </p:txBody>
       </p:sp>
-      <p:pic>
-        <p:nvPicPr>
-          <p:cNvPr id="4" name="Picture 4" descr="A picture containing table&#10;&#10;Description automatically generated">
-            <a:extLst>
-              <a:ext uri="{FF2B5EF4-FFF2-40B4-BE49-F238E27FC236}">
-                <a16:creationId xmlns:a16="http://schemas.microsoft.com/office/drawing/2014/main" id="{E4527195-E746-2AE0-438A-7AE32AEF5EC7}"/>
-              </a:ext>
-            </a:extLst>
-          </p:cNvPr>
-          <p:cNvPicPr>
-            <a:picLocks noChangeAspect="1"/>
-          </p:cNvPicPr>
+      <p:sp>
+        <p:nvSpPr>
+          <p:cNvPr id="3" name="CaixaDeTexto 2"/>
+          <p:cNvSpPr txBox="1"/>
           <p:nvPr/>
-        </p:nvPicPr>
-        <p:blipFill rotWithShape="1">
-          <a:blip r:embed="rId2"/>
-          <a:srcRect t="4128" r="-153" b="-459"/>
-          <a:stretch/>
-        </p:blipFill>
+        </p:nvSpPr>
         <p:spPr>
           <a:xfrm>
-            <a:off x="1622377" y="2593119"/>
-            <a:ext cx="5584620" cy="1799401"/>
+            <a:off x="396214" y="1052670"/>
+            <a:ext cx="8353160" cy="416011"/>
           </a:xfrm>
           <a:prstGeom prst="rect">
             <a:avLst/>
           </a:prstGeom>
+          <a:noFill/>
         </p:spPr>
-      </p:pic>
+        <p:txBody>
+          <a:bodyPr wrap="square" rtlCol="0">
+            <a:spAutoFit/>
+          </a:bodyPr>
+          <a:lstStyle/>
+          <a:p>
+            <a:pPr algn="just">
+              <a:lnSpc>
+                <a:spcPct val="150000"/>
+              </a:lnSpc>
+            </a:pPr>
+            <a:r>
+              <a:rPr lang="pt-BR" sz="1600" i="0" dirty="0">
+                <a:latin typeface="+mj-lt"/>
+              </a:rPr>
+              <a:t>SOLUÇÃO: LEI DE NEWCOMB-BENFORD</a:t>
+            </a:r>
+            <a:endParaRPr lang="pt-BR" sz="1600" b="0" i="0" dirty="0">
+              <a:latin typeface="+mj-lt"/>
+            </a:endParaRPr>
+          </a:p>
+        </p:txBody>
+      </p:sp>
       <p:sp>
         <p:nvSpPr>
-          <p:cNvPr id="7" name="TextBox 6">
+          <p:cNvPr id="6" name="CaixaDeTexto 5">
             <a:extLst>
               <a:ext uri="{FF2B5EF4-FFF2-40B4-BE49-F238E27FC236}">
-                <a16:creationId xmlns:a16="http://schemas.microsoft.com/office/drawing/2014/main" id="{3E4CD215-A9E1-92C3-5584-A6E153C3268B}"/>
+                <a16:creationId xmlns:a16="http://schemas.microsoft.com/office/drawing/2014/main" id="{B82B6141-C341-AC59-154A-CE858915F6D1}"/>
               </a:ext>
             </a:extLst>
           </p:cNvPr>
@@ -11857,8 +11787,8 @@
         </p:nvSpPr>
         <p:spPr>
           <a:xfrm>
-            <a:off x="471168" y="4974609"/>
-            <a:ext cx="8348284" cy="1077218"/>
+            <a:off x="434012" y="1597173"/>
+            <a:ext cx="8353160" cy="4524315"/>
           </a:xfrm>
           <a:prstGeom prst="rect">
             <a:avLst/>
@@ -11866,265 +11796,197 @@
           <a:noFill/>
         </p:spPr>
         <p:txBody>
-          <a:bodyPr rot="0" spcFirstLastPara="0" vertOverflow="overflow" horzOverflow="overflow" vert="horz" wrap="square" lIns="91440" tIns="45720" rIns="91440" bIns="45720" numCol="1" spcCol="0" rtlCol="0" fromWordArt="0" anchor="t" anchorCtr="0" forceAA="0" compatLnSpc="1">
-            <a:prstTxWarp prst="textNoShape">
-              <a:avLst/>
-            </a:prstTxWarp>
+          <a:bodyPr wrap="square" lIns="91440" tIns="45720" rIns="91440" bIns="45720" rtlCol="0" anchor="t">
             <a:spAutoFit/>
           </a:bodyPr>
           <a:lstStyle/>
           <a:p>
-            <a:r>
-              <a:rPr lang="en-US" sz="1600" b="0" i="0" dirty="0" err="1">
-                <a:latin typeface="Arial"/>
+            <a:pPr algn="just"/>
+            <a:r>
+              <a:rPr lang="pt-BR" sz="1600" b="0" i="0" dirty="0">
+                <a:latin typeface="+mj-lt"/>
+              </a:rPr>
+              <a:t>Assim como todo o método, a lei de </a:t>
+            </a:r>
+            <a:r>
+              <a:rPr lang="pt-BR" sz="1600" b="0" i="0" dirty="0" err="1">
+                <a:latin typeface="+mj-lt"/>
+              </a:rPr>
+              <a:t>Benford</a:t>
+            </a:r>
+            <a:r>
+              <a:rPr lang="pt-BR" sz="1600" b="0" i="0" dirty="0">
+                <a:latin typeface="+mj-lt"/>
+              </a:rPr>
+              <a:t> possui suas limitações. O seu bom uso é dependente de certas propriedades que as distribuições dos dados e os números analisados precisam ter. Listamos abaixo tipos de distribuições que já se sabe que obedecem ou não à lei de </a:t>
+            </a:r>
+            <a:r>
+              <a:rPr lang="pt-BR" sz="1600" b="0" i="0" dirty="0" err="1">
+                <a:latin typeface="+mj-lt"/>
+              </a:rPr>
+              <a:t>Benford</a:t>
+            </a:r>
+            <a:r>
+              <a:rPr lang="pt-BR" sz="1600" b="0" i="0" dirty="0">
+                <a:latin typeface="+mj-lt"/>
+              </a:rPr>
+              <a:t>.</a:t>
+            </a:r>
+          </a:p>
+          <a:p>
+            <a:pPr algn="just"/>
+            <a:endParaRPr lang="pt-BR" sz="1600" b="0" i="0" dirty="0">
+              <a:latin typeface="+mj-lt"/>
+            </a:endParaRPr>
+          </a:p>
+          <a:p>
+            <a:pPr algn="just"/>
+            <a:r>
+              <a:rPr lang="pt-BR" sz="1600" i="0" dirty="0">
+                <a:latin typeface="+mj-lt"/>
+              </a:rPr>
+              <a:t>Distribuições que obedecem à lei de </a:t>
+            </a:r>
+            <a:r>
+              <a:rPr lang="pt-BR" sz="1600" i="0" dirty="0" err="1">
+                <a:latin typeface="+mj-lt"/>
+              </a:rPr>
+              <a:t>Benford</a:t>
+            </a:r>
+            <a:r>
+              <a:rPr lang="pt-BR" sz="1600" i="0" dirty="0">
+                <a:latin typeface="+mj-lt"/>
+              </a:rPr>
+              <a:t>:</a:t>
+            </a:r>
+            <a:endParaRPr lang="en-US" dirty="0">
+              <a:latin typeface="+mj-lt"/>
+            </a:endParaRPr>
+          </a:p>
+          <a:p>
+            <a:pPr marL="285750" indent="-285750" algn="just">
+              <a:buFont typeface="Arial"/>
+              <a:buChar char="•"/>
+            </a:pPr>
+            <a:r>
+              <a:rPr lang="pt-BR" sz="1600" b="0" i="0" dirty="0">
+                <a:latin typeface="+mj-lt"/>
+              </a:rPr>
+              <a:t>possuem média &gt; mediana e enviesamento positivo;</a:t>
+            </a:r>
+          </a:p>
+          <a:p>
+            <a:pPr marL="285750" indent="-285750" algn="just">
+              <a:buFont typeface="Arial"/>
+              <a:buChar char="•"/>
+            </a:pPr>
+            <a:r>
+              <a:rPr lang="pt-BR" sz="1600" b="0" i="0" dirty="0">
+                <a:latin typeface="+mj-lt"/>
+              </a:rPr>
+              <a:t>são compostas de números que resultam da combinação de outros números, como quantidade * preço;</a:t>
+            </a:r>
+          </a:p>
+          <a:p>
+            <a:pPr marL="285750" indent="-285750" algn="just">
+              <a:buFont typeface="Arial"/>
+              <a:buChar char="•"/>
+            </a:pPr>
+            <a:r>
+              <a:rPr lang="pt-BR" sz="1600" b="0" i="0" dirty="0">
+                <a:latin typeface="+mj-lt"/>
+              </a:rPr>
+              <a:t>são dados variados de transações, vendas, reembolsos, montantes.</a:t>
+            </a:r>
+          </a:p>
+          <a:p>
+            <a:pPr marL="285750" indent="-285750" algn="just">
+              <a:buFont typeface="Arial"/>
+              <a:buChar char="•"/>
+            </a:pPr>
+            <a:endParaRPr lang="pt-BR" sz="1600" b="0" i="0" dirty="0">
+              <a:latin typeface="+mj-lt"/>
+            </a:endParaRPr>
+          </a:p>
+          <a:p>
+            <a:pPr algn="just"/>
+            <a:r>
+              <a:rPr lang="pt-BR" sz="1600" i="0" dirty="0">
+                <a:latin typeface="+mj-lt"/>
+              </a:rPr>
+              <a:t>Distribuições que não obedecem à lei de </a:t>
+            </a:r>
+            <a:r>
+              <a:rPr lang="pt-BR" sz="1600" i="0" dirty="0" err="1">
+                <a:latin typeface="+mj-lt"/>
+              </a:rPr>
+              <a:t>Benford</a:t>
+            </a:r>
+            <a:r>
+              <a:rPr lang="pt-BR" sz="1600" i="0" dirty="0">
+                <a:latin typeface="+mj-lt"/>
+              </a:rPr>
+              <a:t>:</a:t>
+            </a:r>
+            <a:endParaRPr lang="pt-BR" sz="1600" i="0" dirty="0" err="1">
+              <a:latin typeface="+mj-lt"/>
+            </a:endParaRPr>
+          </a:p>
+          <a:p>
+            <a:pPr marL="285750" indent="-285750" algn="just">
+              <a:buFont typeface="Arial"/>
+              <a:buChar char="•"/>
+            </a:pPr>
+            <a:r>
+              <a:rPr lang="pt-BR" sz="1600" b="0" i="0" dirty="0">
+                <a:latin typeface="+mj-lt"/>
+              </a:rPr>
+              <a:t>possuem números sequenciais, como identificadores de cheques e notas fiscais;</a:t>
+            </a:r>
+          </a:p>
+          <a:p>
+            <a:pPr marL="285750" indent="-285750" algn="just">
+              <a:buFont typeface="Arial"/>
+              <a:buChar char="•"/>
+            </a:pPr>
+            <a:r>
+              <a:rPr lang="pt-BR" sz="1600" b="0" i="0" dirty="0">
+                <a:latin typeface="+mj-lt"/>
                 <a:cs typeface="Arial"/>
               </a:rPr>
-              <a:t>Repare</a:t>
-            </a:r>
-            <a:r>
-              <a:rPr lang="en-US" sz="1600" b="0" i="0" dirty="0">
-                <a:latin typeface="Arial"/>
-                <a:cs typeface="Arial"/>
-              </a:rPr>
-              <a:t> que </a:t>
-            </a:r>
-            <a:r>
-              <a:rPr lang="en-US" sz="1600" b="0" i="0" dirty="0" err="1">
-                <a:latin typeface="Arial"/>
-                <a:cs typeface="Arial"/>
-              </a:rPr>
-              <a:t>tivemos</a:t>
-            </a:r>
-            <a:r>
-              <a:rPr lang="en-US" sz="1600" b="0" i="0" dirty="0">
-                <a:latin typeface="Arial"/>
-                <a:cs typeface="Arial"/>
-              </a:rPr>
-              <a:t> </a:t>
-            </a:r>
-            <a:r>
-              <a:rPr lang="en-US" sz="1600" b="0" i="0" dirty="0" err="1">
-                <a:latin typeface="Arial"/>
-                <a:cs typeface="Arial"/>
-              </a:rPr>
-              <a:t>apenas</a:t>
-            </a:r>
-            <a:r>
-              <a:rPr lang="en-US" sz="1600" b="0" i="0" dirty="0">
-                <a:latin typeface="Arial"/>
-                <a:cs typeface="Arial"/>
-              </a:rPr>
-              <a:t> 80 </a:t>
-            </a:r>
-            <a:r>
-              <a:rPr lang="en-US" sz="1600" b="0" i="0" dirty="0" err="1">
-                <a:latin typeface="Arial"/>
-                <a:cs typeface="Arial"/>
-              </a:rPr>
-              <a:t>amostras</a:t>
-            </a:r>
-            <a:r>
-              <a:rPr lang="en-US" sz="1600" b="0" i="0" dirty="0">
-                <a:latin typeface="Arial"/>
-                <a:cs typeface="Arial"/>
-              </a:rPr>
-              <a:t> da </a:t>
-            </a:r>
-            <a:r>
-              <a:rPr lang="en-US" sz="1600" b="0" i="0" dirty="0" err="1">
-                <a:latin typeface="Arial"/>
-                <a:cs typeface="Arial"/>
-              </a:rPr>
-              <a:t>classe</a:t>
-            </a:r>
-            <a:r>
-              <a:rPr lang="en-US" sz="1600" b="0" i="0" dirty="0">
-                <a:latin typeface="Arial"/>
-                <a:cs typeface="Arial"/>
-              </a:rPr>
-              <a:t> 1 para </a:t>
-            </a:r>
-            <a:r>
-              <a:rPr lang="en-US" sz="1600" b="0" i="0" dirty="0" err="1">
-                <a:latin typeface="Arial"/>
-                <a:cs typeface="Arial"/>
-              </a:rPr>
-              <a:t>testar</a:t>
-            </a:r>
-            <a:r>
-              <a:rPr lang="en-US" sz="1600" b="0" i="0" dirty="0">
-                <a:latin typeface="Arial"/>
-                <a:cs typeface="Arial"/>
-              </a:rPr>
-              <a:t>. </a:t>
-            </a:r>
-            <a:r>
-              <a:rPr lang="en-US" sz="1600" b="0" i="0" dirty="0" err="1">
-                <a:latin typeface="Arial"/>
-                <a:cs typeface="Arial"/>
-              </a:rPr>
-              <a:t>Provavelmente</a:t>
-            </a:r>
-            <a:r>
-              <a:rPr lang="en-US" sz="1600" b="0" i="0" dirty="0">
-                <a:latin typeface="Arial"/>
-                <a:cs typeface="Arial"/>
-              </a:rPr>
-              <a:t>, </a:t>
-            </a:r>
-            <a:r>
-              <a:rPr lang="en-US" sz="1600" b="0" i="0" dirty="0" err="1">
-                <a:latin typeface="Arial"/>
-                <a:cs typeface="Arial"/>
-              </a:rPr>
-              <a:t>aumentando</a:t>
-            </a:r>
-            <a:r>
-              <a:rPr lang="en-US" sz="1600" b="0" i="0" dirty="0">
-                <a:latin typeface="Arial"/>
-                <a:cs typeface="Arial"/>
-              </a:rPr>
-              <a:t> o dataset, </a:t>
-            </a:r>
-            <a:r>
-              <a:rPr lang="en-US" sz="1600" b="0" i="0" dirty="0" err="1">
-                <a:latin typeface="Arial"/>
-                <a:cs typeface="Arial"/>
-              </a:rPr>
-              <a:t>ou</a:t>
-            </a:r>
-            <a:r>
-              <a:rPr lang="en-US" sz="1600" b="0" i="0" dirty="0">
-                <a:latin typeface="Arial"/>
-                <a:cs typeface="Arial"/>
-              </a:rPr>
-              <a:t> </a:t>
-            </a:r>
-            <a:r>
-              <a:rPr lang="en-US" sz="1600" b="0" i="0" dirty="0" err="1">
-                <a:latin typeface="Arial"/>
-                <a:cs typeface="Arial"/>
-              </a:rPr>
-              <a:t>mudando</a:t>
-            </a:r>
-            <a:r>
-              <a:rPr lang="en-US" sz="1600" b="0" i="0" dirty="0">
-                <a:latin typeface="Arial"/>
-                <a:cs typeface="Arial"/>
-              </a:rPr>
-              <a:t> para outro </a:t>
-            </a:r>
-            <a:r>
-              <a:rPr lang="en-US" sz="1600" b="0" i="0" dirty="0" err="1">
-                <a:latin typeface="Arial"/>
-                <a:cs typeface="Arial"/>
-              </a:rPr>
-              <a:t>tipo</a:t>
-            </a:r>
-            <a:r>
-              <a:rPr lang="en-US" sz="1600" b="0" i="0" dirty="0">
-                <a:latin typeface="Arial"/>
-                <a:cs typeface="Arial"/>
-              </a:rPr>
-              <a:t> de </a:t>
-            </a:r>
-            <a:r>
-              <a:rPr lang="en-US" sz="1600" b="0" i="0" dirty="0" err="1">
-                <a:latin typeface="Arial"/>
-                <a:cs typeface="Arial"/>
-              </a:rPr>
-              <a:t>algoritmo</a:t>
-            </a:r>
-            <a:r>
-              <a:rPr lang="en-US" sz="1600" b="0" i="0" dirty="0">
-                <a:latin typeface="Arial"/>
-                <a:cs typeface="Arial"/>
-              </a:rPr>
-              <a:t> com </a:t>
-            </a:r>
-            <a:r>
-              <a:rPr lang="en-US" sz="1600" b="0" i="0" dirty="0" err="1">
-                <a:latin typeface="Arial"/>
-                <a:cs typeface="Arial"/>
-              </a:rPr>
-              <a:t>mais</a:t>
-            </a:r>
-            <a:r>
-              <a:rPr lang="en-US" sz="1600" b="0" i="0" dirty="0">
-                <a:latin typeface="Arial"/>
-                <a:cs typeface="Arial"/>
-              </a:rPr>
-              <a:t> </a:t>
-            </a:r>
-            <a:r>
-              <a:rPr lang="en-US" sz="1600" b="0" i="0" dirty="0" err="1">
-                <a:latin typeface="Arial"/>
-                <a:cs typeface="Arial"/>
-              </a:rPr>
-              <a:t>árvores</a:t>
-            </a:r>
-            <a:r>
-              <a:rPr lang="en-US" sz="1600" b="0" i="0" dirty="0">
-                <a:latin typeface="Arial"/>
-                <a:cs typeface="Arial"/>
-              </a:rPr>
-              <a:t>, </a:t>
-            </a:r>
-            <a:r>
-              <a:rPr lang="en-US" sz="1600" b="0" i="0" dirty="0" err="1">
-                <a:latin typeface="Arial"/>
-                <a:cs typeface="Arial"/>
-              </a:rPr>
-              <a:t>teremos</a:t>
-            </a:r>
-            <a:r>
-              <a:rPr lang="en-US" sz="1600" b="0" i="0" dirty="0">
-                <a:latin typeface="Arial"/>
-                <a:cs typeface="Arial"/>
-              </a:rPr>
-              <a:t> </a:t>
-            </a:r>
-            <a:r>
-              <a:rPr lang="en-US" sz="1600" b="0" i="0" dirty="0" err="1">
-                <a:latin typeface="Arial"/>
-                <a:cs typeface="Arial"/>
-              </a:rPr>
-              <a:t>resultados</a:t>
-            </a:r>
-            <a:r>
-              <a:rPr lang="en-US" sz="1600" b="0" i="0" dirty="0">
-                <a:latin typeface="Arial"/>
-                <a:cs typeface="Arial"/>
-              </a:rPr>
-              <a:t> </a:t>
-            </a:r>
-            <a:r>
-              <a:rPr lang="en-US" sz="1600" b="0" i="0" dirty="0" err="1">
-                <a:latin typeface="Arial"/>
-                <a:cs typeface="Arial"/>
-              </a:rPr>
-              <a:t>melhores</a:t>
-            </a:r>
-            <a:r>
-              <a:rPr lang="en-US" sz="1600" b="0" i="0" dirty="0">
-                <a:latin typeface="Arial"/>
-                <a:cs typeface="Arial"/>
-              </a:rPr>
-              <a:t>.</a:t>
-            </a:r>
-          </a:p>
-          <a:p>
-            <a:endParaRPr lang="en-US" sz="1600" b="0" i="0" dirty="0">
-              <a:latin typeface="Arial"/>
-              <a:cs typeface="Arial"/>
-            </a:endParaRPr>
+              <a:t>tem números que são decididos com base no pensamento humano, como o valor de um preço de 1,99 ou 250,00 reais;</a:t>
+            </a:r>
+          </a:p>
+          <a:p>
+            <a:pPr marL="285750" indent="-285750" algn="just">
+              <a:buFont typeface="Arial"/>
+              <a:buChar char="•"/>
+            </a:pPr>
+            <a:r>
+              <a:rPr lang="pt-BR" sz="1600" b="0" i="0" dirty="0">
+                <a:latin typeface="+mj-lt"/>
+              </a:rPr>
+              <a:t>são contas que cumprem propósitos específicos de empresas, por exemplo, uma conta que seja específica para reembolsos de 100 reais;</a:t>
+            </a:r>
+          </a:p>
+          <a:p>
+            <a:pPr marL="285750" indent="-285750" algn="just">
+              <a:buFont typeface="Arial"/>
+              <a:buChar char="•"/>
+            </a:pPr>
+            <a:r>
+              <a:rPr lang="pt-BR" sz="1600" b="0" i="0" dirty="0">
+                <a:latin typeface="+mj-lt"/>
+              </a:rPr>
+              <a:t>são compostas por números sem diferentes ordens de magnitude.</a:t>
+            </a:r>
           </a:p>
         </p:txBody>
       </p:sp>
     </p:spTree>
     <p:extLst>
       <p:ext uri="{BB962C8B-B14F-4D97-AF65-F5344CB8AC3E}">
-        <p14:creationId xmlns:p14="http://schemas.microsoft.com/office/powerpoint/2010/main" val="4043159753"/>
+        <p14:creationId xmlns:p14="http://schemas.microsoft.com/office/powerpoint/2010/main" val="1985987172"/>
       </p:ext>
     </p:extLst>
   </p:cSld>
